--- a/files/GoMR/slides-distributed.pptx
+++ b/files/GoMR/slides-distributed.pptx
@@ -5,7 +5,7 @@
     <p:sldMasterId id="2147483659" r:id="rId1"/>
   </p:sldMasterIdLst>
   <p:notesMasterIdLst>
-    <p:notesMasterId r:id="rId57"/>
+    <p:notesMasterId r:id="rId60"/>
   </p:notesMasterIdLst>
   <p:sldIdLst>
     <p:sldId id="329" r:id="rId2"/>
@@ -51,58 +51,61 @@
     <p:sldId id="325" r:id="rId42"/>
     <p:sldId id="326" r:id="rId43"/>
     <p:sldId id="333" r:id="rId44"/>
-    <p:sldId id="339" r:id="rId45"/>
-    <p:sldId id="332" r:id="rId46"/>
-    <p:sldId id="334" r:id="rId47"/>
-    <p:sldId id="335" r:id="rId48"/>
-    <p:sldId id="269" r:id="rId49"/>
-    <p:sldId id="331" r:id="rId50"/>
-    <p:sldId id="270" r:id="rId51"/>
-    <p:sldId id="297" r:id="rId52"/>
-    <p:sldId id="298" r:id="rId53"/>
-    <p:sldId id="299" r:id="rId54"/>
-    <p:sldId id="328" r:id="rId55"/>
-    <p:sldId id="338" r:id="rId56"/>
+    <p:sldId id="342" r:id="rId45"/>
+    <p:sldId id="334" r:id="rId46"/>
+    <p:sldId id="332" r:id="rId47"/>
+    <p:sldId id="345" r:id="rId48"/>
+    <p:sldId id="344" r:id="rId49"/>
+    <p:sldId id="335" r:id="rId50"/>
+    <p:sldId id="269" r:id="rId51"/>
+    <p:sldId id="331" r:id="rId52"/>
+    <p:sldId id="270" r:id="rId53"/>
+    <p:sldId id="343" r:id="rId54"/>
+    <p:sldId id="297" r:id="rId55"/>
+    <p:sldId id="298" r:id="rId56"/>
+    <p:sldId id="299" r:id="rId57"/>
+    <p:sldId id="328" r:id="rId58"/>
+    <p:sldId id="338" r:id="rId59"/>
   </p:sldIdLst>
   <p:sldSz cx="9144000" cy="6858000" type="screen4x3"/>
   <p:notesSz cx="6858000" cy="9144000"/>
   <p:embeddedFontLst>
     <p:embeddedFont>
       <p:font typeface="Average" panose="020B0604020202020204" charset="0"/>
-      <p:regular r:id="rId58"/>
+      <p:regular r:id="rId61"/>
     </p:embeddedFont>
     <p:embeddedFont>
       <p:font typeface="Bahnschrift" panose="020B0502040204020203" pitchFamily="34" charset="0"/>
-      <p:regular r:id="rId59"/>
-      <p:bold r:id="rId60"/>
+      <p:regular r:id="rId62"/>
+      <p:bold r:id="rId63"/>
     </p:embeddedFont>
     <p:embeddedFont>
       <p:font typeface="Cambria Math" panose="02040503050406030204" pitchFamily="18" charset="0"/>
-      <p:regular r:id="rId61"/>
+      <p:regular r:id="rId64"/>
     </p:embeddedFont>
     <p:embeddedFont>
       <p:font typeface="Consolas" panose="020B0609020204030204" pitchFamily="49" charset="0"/>
-      <p:regular r:id="rId62"/>
-      <p:bold r:id="rId63"/>
-      <p:italic r:id="rId64"/>
-      <p:boldItalic r:id="rId65"/>
+      <p:regular r:id="rId65"/>
+      <p:bold r:id="rId66"/>
+      <p:italic r:id="rId67"/>
+      <p:boldItalic r:id="rId68"/>
     </p:embeddedFont>
     <p:embeddedFont>
-      <p:font typeface="Go" panose="020B0604020202020204" charset="0"/>
-      <p:regular r:id="rId66"/>
-      <p:bold r:id="rId67"/>
-      <p:italic r:id="rId68"/>
-      <p:boldItalic r:id="rId69"/>
+      <p:font typeface="Go" panose="020B0600000000000000" pitchFamily="34" charset="0"/>
+      <p:regular r:id="rId69"/>
+      <p:bold r:id="rId70"/>
+      <p:italic r:id="rId71"/>
+      <p:boldItalic r:id="rId72"/>
     </p:embeddedFont>
     <p:embeddedFont>
-      <p:font typeface="Go Medium" panose="020B0604020202020204" charset="0"/>
-      <p:regular r:id="rId70"/>
-      <p:italic r:id="rId71"/>
+      <p:font typeface="Go Medium" pitchFamily="2" charset="0"/>
+      <p:regular r:id="rId73"/>
+      <p:italic r:id="rId74"/>
     </p:embeddedFont>
     <p:embeddedFont>
       <p:font typeface="Oswald" panose="020B0604020202020204" charset="0"/>
-      <p:regular r:id="rId72"/>
-      <p:bold r:id="rId73"/>
+      <p:regular r:id="rId75"/>
+      <p:bold r:id="rId76"/>
     </p:embeddedFont>
   </p:embeddedFontLst>
   <p:defaultTextStyle>
@@ -406,9 +409,11 @@
         <p14:section name="Distributed" id="{32677F8D-D729-4F7F-9F12-1F298E911C53}">
           <p14:sldIdLst>
             <p14:sldId id="333"/>
-            <p14:sldId id="339"/>
+            <p14:sldId id="342"/>
+            <p14:sldId id="334"/>
             <p14:sldId id="332"/>
-            <p14:sldId id="334"/>
+            <p14:sldId id="345"/>
+            <p14:sldId id="344"/>
           </p14:sldIdLst>
         </p14:section>
         <p14:section name="Outro" id="{E1E088D4-2B9A-444D-93ED-366B59732F25}">
@@ -420,7 +425,9 @@
           </p14:sldIdLst>
         </p14:section>
         <p14:section name="Appendix" id="{47EA11F1-F821-4D8D-B28B-970FB2DA6011}">
-          <p14:sldIdLst/>
+          <p14:sldIdLst>
+            <p14:sldId id="343"/>
+          </p14:sldIdLst>
         </p14:section>
         <p14:section name="Example" id="{1A60E0B1-F126-4BEA-B7BE-5514C57210BA}">
           <p14:sldIdLst>
@@ -8819,6 +8826,12 @@
             </a:pPr>
             <a:r>
               <a:rPr lang="en-US" dirty="0"/>
+              <a:t>Working with MR since 2014</a:t>
+            </a:r>
+          </a:p>
+          <a:p>
+            <a:r>
+              <a:rPr lang="en-US" dirty="0"/>
               <a:t>MSc from Northeastern</a:t>
             </a:r>
           </a:p>
@@ -8833,10 +8846,7 @@
               <a:buSzPts val="1800"/>
               <a:buChar char="●"/>
             </a:pPr>
-            <a:r>
-              <a:rPr lang="en-US" dirty="0"/>
-              <a:t>Working with MR since 2014</a:t>
-            </a:r>
+            <a:endParaRPr lang="en-US" dirty="0"/>
           </a:p>
           <a:p>
             <a:pPr marL="457200" lvl="0" indent="-342900" algn="l" rtl="0">
@@ -17844,15 +17854,7 @@
           <a:p>
             <a:r>
               <a:rPr lang="en-US" dirty="0"/>
-              <a:t>Local </a:t>
-            </a:r>
-            <a:r>
-              <a:rPr lang="en-US" dirty="0" err="1"/>
-              <a:t>Impl</a:t>
-            </a:r>
-            <a:r>
-              <a:rPr lang="en-US" dirty="0"/>
-              <a:t>. (lots of code!)</a:t>
+              <a:t>Implementation</a:t>
             </a:r>
           </a:p>
         </p:txBody>
@@ -28650,10 +28652,6 @@
               <a:buChar char="●"/>
             </a:pPr>
             <a:r>
-              <a:rPr lang="en-US" sz="3200" dirty="0"/>
-              <a:t>Local </a:t>
-            </a:r>
-            <a:r>
               <a:rPr lang="en-US" sz="3200" dirty="0" err="1"/>
               <a:t>GoMR</a:t>
             </a:r>
@@ -40275,7 +40273,7 @@
 </file>
 
 <file path=ppt/slides/slide39.xml><?xml version="1.0" encoding="utf-8"?>
-<p:sld xmlns:a="http://schemas.openxmlformats.org/drawingml/2006/main" xmlns:r="http://schemas.openxmlformats.org/officeDocument/2006/relationships" xmlns:p="http://schemas.openxmlformats.org/presentationml/2006/main">
+<p:sld xmlns:a="http://schemas.openxmlformats.org/drawingml/2006/main" xmlns:r="http://schemas.openxmlformats.org/officeDocument/2006/relationships" xmlns:p="http://schemas.openxmlformats.org/presentationml/2006/main" show="0">
   <p:cSld>
     <p:spTree>
       <p:nvGrpSpPr>
@@ -41703,13 +41701,7 @@
           <a:p>
             <a:r>
               <a:rPr lang="en-US" dirty="0"/>
-              <a:t>Design</a:t>
-            </a:r>
-          </a:p>
-          <a:p>
-            <a:r>
-              <a:rPr lang="en-US" dirty="0"/>
-              <a:t>Prerequisites</a:t>
+              <a:t>Kubernetes</a:t>
             </a:r>
           </a:p>
           <a:p>
@@ -41802,7 +41794,7 @@
           <p:cNvPr id="2" name="Title 1">
             <a:extLst>
               <a:ext uri="{FF2B5EF4-FFF2-40B4-BE49-F238E27FC236}">
-                <a16:creationId xmlns:a16="http://schemas.microsoft.com/office/drawing/2014/main" id="{BF17A25B-9AA6-4A52-B642-EDD9D82A2941}"/>
+                <a16:creationId xmlns:a16="http://schemas.microsoft.com/office/drawing/2014/main" id="{3409C995-E579-4D36-9553-A35092FB1BD3}"/>
               </a:ext>
             </a:extLst>
           </p:cNvPr>
@@ -41820,7 +41812,7 @@
           <a:p>
             <a:r>
               <a:rPr lang="en-US" dirty="0"/>
-              <a:t>Design</a:t>
+              <a:t>Kubernetes</a:t>
             </a:r>
           </a:p>
         </p:txBody>
@@ -41830,7 +41822,884 @@
           <p:cNvPr id="3" name="Text Placeholder 2">
             <a:extLst>
               <a:ext uri="{FF2B5EF4-FFF2-40B4-BE49-F238E27FC236}">
-                <a16:creationId xmlns:a16="http://schemas.microsoft.com/office/drawing/2014/main" id="{82A6A497-54F3-404B-A1DC-10F3FD7B5C9F}"/>
+                <a16:creationId xmlns:a16="http://schemas.microsoft.com/office/drawing/2014/main" id="{1EE5F778-5560-471C-A911-ACEC3222DDC4}"/>
+              </a:ext>
+            </a:extLst>
+          </p:cNvPr>
+          <p:cNvSpPr>
+            <a:spLocks noGrp="1"/>
+          </p:cNvSpPr>
+          <p:nvPr>
+            <p:ph type="body" idx="1"/>
+          </p:nvPr>
+        </p:nvSpPr>
+        <p:spPr>
+          <a:xfrm>
+            <a:off x="311700" y="1536633"/>
+            <a:ext cx="3821753" cy="4555200"/>
+          </a:xfrm>
+        </p:spPr>
+        <p:txBody>
+          <a:bodyPr/>
+          <a:lstStyle/>
+          <a:p>
+            <a:r>
+              <a:rPr lang="en-US" sz="3200" dirty="0"/>
+              <a:t>Containers</a:t>
+            </a:r>
+          </a:p>
+          <a:p>
+            <a:r>
+              <a:rPr lang="en-US" sz="3200" dirty="0"/>
+              <a:t>Scheduling</a:t>
+            </a:r>
+          </a:p>
+          <a:p>
+            <a:r>
+              <a:rPr lang="en-US" sz="3200" dirty="0"/>
+              <a:t>Networking</a:t>
+            </a:r>
+          </a:p>
+          <a:p>
+            <a:endParaRPr lang="en-US" sz="3200" dirty="0"/>
+          </a:p>
+          <a:p>
+            <a:r>
+              <a:rPr lang="en-US" sz="3200" dirty="0"/>
+              <a:t>Why spin my own  control plane?</a:t>
+            </a:r>
+          </a:p>
+        </p:txBody>
+      </p:sp>
+      <p:sp>
+        <p:nvSpPr>
+          <p:cNvPr id="4" name="Slide Number Placeholder 3">
+            <a:extLst>
+              <a:ext uri="{FF2B5EF4-FFF2-40B4-BE49-F238E27FC236}">
+                <a16:creationId xmlns:a16="http://schemas.microsoft.com/office/drawing/2014/main" id="{48AAC6AE-8DC7-4777-9C2B-3580D3A0558D}"/>
+              </a:ext>
+            </a:extLst>
+          </p:cNvPr>
+          <p:cNvSpPr>
+            <a:spLocks noGrp="1"/>
+          </p:cNvSpPr>
+          <p:nvPr>
+            <p:ph type="sldNum" idx="12"/>
+          </p:nvPr>
+        </p:nvSpPr>
+        <p:spPr/>
+        <p:txBody>
+          <a:bodyPr/>
+          <a:lstStyle/>
+          <a:p>
+            <a:pPr marL="0" lvl="0" indent="0" algn="r" rtl="0">
+              <a:spcBef>
+                <a:spcPts val="0"/>
+              </a:spcBef>
+              <a:spcAft>
+                <a:spcPts val="0"/>
+              </a:spcAft>
+              <a:buNone/>
+            </a:pPr>
+            <a:fld id="{00000000-1234-1234-1234-123412341234}" type="slidenum">
+              <a:rPr lang="en" smtClean="0"/>
+              <a:t>44</a:t>
+            </a:fld>
+            <a:endParaRPr lang="en"/>
+          </a:p>
+        </p:txBody>
+      </p:sp>
+      <p:grpSp>
+        <p:nvGrpSpPr>
+          <p:cNvPr id="5" name="Group 4">
+            <a:extLst>
+              <a:ext uri="{FF2B5EF4-FFF2-40B4-BE49-F238E27FC236}">
+                <a16:creationId xmlns:a16="http://schemas.microsoft.com/office/drawing/2014/main" id="{026E285F-1B0C-45A0-A301-14E376FBD9EF}"/>
+              </a:ext>
+            </a:extLst>
+          </p:cNvPr>
+          <p:cNvGrpSpPr/>
+          <p:nvPr/>
+        </p:nvGrpSpPr>
+        <p:grpSpPr>
+          <a:xfrm>
+            <a:off x="4229145" y="1741526"/>
+            <a:ext cx="4628621" cy="4693116"/>
+            <a:chOff x="4229145" y="1741526"/>
+            <a:chExt cx="4628621" cy="4693116"/>
+          </a:xfrm>
+        </p:grpSpPr>
+        <p:sp>
+          <p:nvSpPr>
+            <p:cNvPr id="7" name="Oval 6">
+              <a:extLst>
+                <a:ext uri="{FF2B5EF4-FFF2-40B4-BE49-F238E27FC236}">
+                  <a16:creationId xmlns:a16="http://schemas.microsoft.com/office/drawing/2014/main" id="{BFC23E12-175D-4D5C-B7A3-940AB919D5FF}"/>
+                </a:ext>
+              </a:extLst>
+            </p:cNvPr>
+            <p:cNvSpPr/>
+            <p:nvPr/>
+          </p:nvSpPr>
+          <p:spPr>
+            <a:xfrm>
+              <a:off x="5702509" y="4555518"/>
+              <a:ext cx="786809" cy="763500"/>
+            </a:xfrm>
+            <a:prstGeom prst="ellipse">
+              <a:avLst/>
+            </a:prstGeom>
+          </p:spPr>
+          <p:style>
+            <a:lnRef idx="3">
+              <a:schemeClr val="lt1"/>
+            </a:lnRef>
+            <a:fillRef idx="1">
+              <a:schemeClr val="accent3"/>
+            </a:fillRef>
+            <a:effectRef idx="1">
+              <a:schemeClr val="accent3"/>
+            </a:effectRef>
+            <a:fontRef idx="minor">
+              <a:schemeClr val="lt1"/>
+            </a:fontRef>
+          </p:style>
+          <p:txBody>
+            <a:bodyPr rtlCol="0" anchor="ctr"/>
+            <a:lstStyle/>
+            <a:p>
+              <a:pPr algn="ctr"/>
+              <a:r>
+                <a:rPr lang="en-US" dirty="0"/>
+                <a:t>Pod</a:t>
+              </a:r>
+            </a:p>
+          </p:txBody>
+        </p:sp>
+        <p:sp>
+          <p:nvSpPr>
+            <p:cNvPr id="8" name="Oval 7">
+              <a:extLst>
+                <a:ext uri="{FF2B5EF4-FFF2-40B4-BE49-F238E27FC236}">
+                  <a16:creationId xmlns:a16="http://schemas.microsoft.com/office/drawing/2014/main" id="{6EF86199-C2A3-4F18-A1B6-AD204C6AF065}"/>
+                </a:ext>
+              </a:extLst>
+            </p:cNvPr>
+            <p:cNvSpPr/>
+            <p:nvPr/>
+          </p:nvSpPr>
+          <p:spPr>
+            <a:xfrm>
+              <a:off x="6772011" y="5081114"/>
+              <a:ext cx="786809" cy="763500"/>
+            </a:xfrm>
+            <a:prstGeom prst="ellipse">
+              <a:avLst/>
+            </a:prstGeom>
+          </p:spPr>
+          <p:style>
+            <a:lnRef idx="3">
+              <a:schemeClr val="lt1"/>
+            </a:lnRef>
+            <a:fillRef idx="1">
+              <a:schemeClr val="accent4"/>
+            </a:fillRef>
+            <a:effectRef idx="1">
+              <a:schemeClr val="accent4"/>
+            </a:effectRef>
+            <a:fontRef idx="minor">
+              <a:schemeClr val="lt1"/>
+            </a:fontRef>
+          </p:style>
+          <p:txBody>
+            <a:bodyPr rtlCol="0" anchor="ctr"/>
+            <a:lstStyle/>
+            <a:p>
+              <a:pPr algn="ctr"/>
+              <a:r>
+                <a:rPr lang="en-US" dirty="0"/>
+                <a:t>Pod</a:t>
+              </a:r>
+            </a:p>
+          </p:txBody>
+        </p:sp>
+        <p:grpSp>
+          <p:nvGrpSpPr>
+            <p:cNvPr id="9" name="Group 8">
+              <a:extLst>
+                <a:ext uri="{FF2B5EF4-FFF2-40B4-BE49-F238E27FC236}">
+                  <a16:creationId xmlns:a16="http://schemas.microsoft.com/office/drawing/2014/main" id="{ABBFA3B5-7915-47FC-97E4-6127B4177B0E}"/>
+                </a:ext>
+              </a:extLst>
+            </p:cNvPr>
+            <p:cNvGrpSpPr/>
+            <p:nvPr/>
+          </p:nvGrpSpPr>
+          <p:grpSpPr>
+            <a:xfrm>
+              <a:off x="4229145" y="1741527"/>
+              <a:ext cx="2275368" cy="2604977"/>
+              <a:chOff x="2296632" y="1356867"/>
+              <a:chExt cx="2275368" cy="2604977"/>
+            </a:xfrm>
+          </p:grpSpPr>
+          <p:grpSp>
+            <p:nvGrpSpPr>
+              <p:cNvPr id="21" name="Group 20">
+                <a:extLst>
+                  <a:ext uri="{FF2B5EF4-FFF2-40B4-BE49-F238E27FC236}">
+                    <a16:creationId xmlns:a16="http://schemas.microsoft.com/office/drawing/2014/main" id="{D93960F4-1A02-4B97-9DBD-D5031E4D5295}"/>
+                  </a:ext>
+                </a:extLst>
+              </p:cNvPr>
+              <p:cNvGrpSpPr/>
+              <p:nvPr/>
+            </p:nvGrpSpPr>
+            <p:grpSpPr>
+              <a:xfrm>
+                <a:off x="2296632" y="1356867"/>
+                <a:ext cx="2275368" cy="2604977"/>
+                <a:chOff x="2296632" y="1356867"/>
+                <a:chExt cx="2275368" cy="2604977"/>
+              </a:xfrm>
+            </p:grpSpPr>
+            <p:sp>
+              <p:nvSpPr>
+                <p:cNvPr id="23" name="Hexagon 22">
+                  <a:extLst>
+                    <a:ext uri="{FF2B5EF4-FFF2-40B4-BE49-F238E27FC236}">
+                      <a16:creationId xmlns:a16="http://schemas.microsoft.com/office/drawing/2014/main" id="{2BA8A9F4-8EE3-4E8B-9897-709CF310473C}"/>
+                    </a:ext>
+                  </a:extLst>
+                </p:cNvPr>
+                <p:cNvSpPr/>
+                <p:nvPr/>
+              </p:nvSpPr>
+              <p:spPr>
+                <a:xfrm rot="5400000">
+                  <a:off x="2131827" y="1521672"/>
+                  <a:ext cx="2604977" cy="2275368"/>
+                </a:xfrm>
+                <a:prstGeom prst="hexagon">
+                  <a:avLst/>
+                </a:prstGeom>
+                <a:ln>
+                  <a:solidFill>
+                    <a:srgbClr val="0070C0"/>
+                  </a:solidFill>
+                </a:ln>
+              </p:spPr>
+              <p:style>
+                <a:lnRef idx="2">
+                  <a:schemeClr val="dk1">
+                    <a:shade val="50000"/>
+                  </a:schemeClr>
+                </a:lnRef>
+                <a:fillRef idx="1">
+                  <a:schemeClr val="dk1"/>
+                </a:fillRef>
+                <a:effectRef idx="0">
+                  <a:schemeClr val="dk1"/>
+                </a:effectRef>
+                <a:fontRef idx="minor">
+                  <a:schemeClr val="lt1"/>
+                </a:fontRef>
+              </p:style>
+              <p:txBody>
+                <a:bodyPr rtlCol="0" anchor="ctr"/>
+                <a:lstStyle/>
+                <a:p>
+                  <a:pPr algn="ctr"/>
+                  <a:endParaRPr lang="en-US" dirty="0"/>
+                </a:p>
+              </p:txBody>
+            </p:sp>
+            <p:sp>
+              <p:nvSpPr>
+                <p:cNvPr id="24" name="Oval 23">
+                  <a:extLst>
+                    <a:ext uri="{FF2B5EF4-FFF2-40B4-BE49-F238E27FC236}">
+                      <a16:creationId xmlns:a16="http://schemas.microsoft.com/office/drawing/2014/main" id="{A23D5DE2-CED2-4481-A017-AD83DE62457C}"/>
+                    </a:ext>
+                  </a:extLst>
+                </p:cNvPr>
+                <p:cNvSpPr/>
+                <p:nvPr/>
+              </p:nvSpPr>
+              <p:spPr>
+                <a:xfrm>
+                  <a:off x="3509674" y="2746263"/>
+                  <a:ext cx="786809" cy="763500"/>
+                </a:xfrm>
+                <a:prstGeom prst="ellipse">
+                  <a:avLst/>
+                </a:prstGeom>
+              </p:spPr>
+              <p:style>
+                <a:lnRef idx="3">
+                  <a:schemeClr val="lt1"/>
+                </a:lnRef>
+                <a:fillRef idx="1">
+                  <a:schemeClr val="accent4"/>
+                </a:fillRef>
+                <a:effectRef idx="1">
+                  <a:schemeClr val="accent4"/>
+                </a:effectRef>
+                <a:fontRef idx="minor">
+                  <a:schemeClr val="lt1"/>
+                </a:fontRef>
+              </p:style>
+              <p:txBody>
+                <a:bodyPr rtlCol="0" anchor="ctr"/>
+                <a:lstStyle/>
+                <a:p>
+                  <a:pPr algn="ctr"/>
+                  <a:r>
+                    <a:rPr lang="en-US" dirty="0"/>
+                    <a:t>Pod</a:t>
+                  </a:r>
+                </a:p>
+              </p:txBody>
+            </p:sp>
+          </p:grpSp>
+          <p:sp>
+            <p:nvSpPr>
+              <p:cNvPr id="22" name="TextBox 21">
+                <a:extLst>
+                  <a:ext uri="{FF2B5EF4-FFF2-40B4-BE49-F238E27FC236}">
+                    <a16:creationId xmlns:a16="http://schemas.microsoft.com/office/drawing/2014/main" id="{D65668FA-0A12-4147-B34F-53B990369496}"/>
+                  </a:ext>
+                </a:extLst>
+              </p:cNvPr>
+              <p:cNvSpPr txBox="1"/>
+              <p:nvPr/>
+            </p:nvSpPr>
+            <p:spPr>
+              <a:xfrm>
+                <a:off x="3134790" y="1493677"/>
+                <a:ext cx="1160807" cy="307777"/>
+              </a:xfrm>
+              <a:prstGeom prst="rect">
+                <a:avLst/>
+              </a:prstGeom>
+              <a:noFill/>
+            </p:spPr>
+            <p:txBody>
+              <a:bodyPr wrap="square" rtlCol="0">
+                <a:spAutoFit/>
+              </a:bodyPr>
+              <a:lstStyle/>
+              <a:p>
+                <a:r>
+                  <a:rPr lang="en-US" dirty="0"/>
+                  <a:t>Node</a:t>
+                </a:r>
+              </a:p>
+            </p:txBody>
+          </p:sp>
+        </p:grpSp>
+        <p:grpSp>
+          <p:nvGrpSpPr>
+            <p:cNvPr id="10" name="Group 9">
+              <a:extLst>
+                <a:ext uri="{FF2B5EF4-FFF2-40B4-BE49-F238E27FC236}">
+                  <a16:creationId xmlns:a16="http://schemas.microsoft.com/office/drawing/2014/main" id="{3B2DFBC1-754E-42A0-B8C9-AEE5430AE917}"/>
+                </a:ext>
+              </a:extLst>
+            </p:cNvPr>
+            <p:cNvGrpSpPr/>
+            <p:nvPr/>
+          </p:nvGrpSpPr>
+          <p:grpSpPr>
+            <a:xfrm>
+              <a:off x="6582398" y="1741526"/>
+              <a:ext cx="2275368" cy="2604977"/>
+              <a:chOff x="5413745" y="1018694"/>
+              <a:chExt cx="2275368" cy="2604977"/>
+            </a:xfrm>
+          </p:grpSpPr>
+          <p:sp>
+            <p:nvSpPr>
+              <p:cNvPr id="17" name="Hexagon 16">
+                <a:extLst>
+                  <a:ext uri="{FF2B5EF4-FFF2-40B4-BE49-F238E27FC236}">
+                    <a16:creationId xmlns:a16="http://schemas.microsoft.com/office/drawing/2014/main" id="{5E295FCB-5521-47F6-9B5A-D8110501AF32}"/>
+                  </a:ext>
+                </a:extLst>
+              </p:cNvPr>
+              <p:cNvSpPr/>
+              <p:nvPr/>
+            </p:nvSpPr>
+            <p:spPr>
+              <a:xfrm rot="5400000">
+                <a:off x="5248940" y="1183499"/>
+                <a:ext cx="2604977" cy="2275368"/>
+              </a:xfrm>
+              <a:prstGeom prst="hexagon">
+                <a:avLst/>
+              </a:prstGeom>
+              <a:ln>
+                <a:solidFill>
+                  <a:srgbClr val="0070C0"/>
+                </a:solidFill>
+              </a:ln>
+            </p:spPr>
+            <p:style>
+              <a:lnRef idx="2">
+                <a:schemeClr val="dk1">
+                  <a:shade val="50000"/>
+                </a:schemeClr>
+              </a:lnRef>
+              <a:fillRef idx="1">
+                <a:schemeClr val="dk1"/>
+              </a:fillRef>
+              <a:effectRef idx="0">
+                <a:schemeClr val="dk1"/>
+              </a:effectRef>
+              <a:fontRef idx="minor">
+                <a:schemeClr val="lt1"/>
+              </a:fontRef>
+            </p:style>
+            <p:txBody>
+              <a:bodyPr rtlCol="0" anchor="ctr"/>
+              <a:lstStyle/>
+              <a:p>
+                <a:pPr algn="ctr"/>
+                <a:endParaRPr lang="en-US"/>
+              </a:p>
+            </p:txBody>
+          </p:sp>
+          <p:sp>
+            <p:nvSpPr>
+              <p:cNvPr id="18" name="Oval 17">
+                <a:extLst>
+                  <a:ext uri="{FF2B5EF4-FFF2-40B4-BE49-F238E27FC236}">
+                    <a16:creationId xmlns:a16="http://schemas.microsoft.com/office/drawing/2014/main" id="{C4A25044-03FC-44C5-8BC5-7EFBA9350827}"/>
+                  </a:ext>
+                </a:extLst>
+              </p:cNvPr>
+              <p:cNvSpPr/>
+              <p:nvPr/>
+            </p:nvSpPr>
+            <p:spPr>
+              <a:xfrm>
+                <a:off x="5593570" y="1726769"/>
+                <a:ext cx="786809" cy="763500"/>
+              </a:xfrm>
+              <a:prstGeom prst="ellipse">
+                <a:avLst/>
+              </a:prstGeom>
+            </p:spPr>
+            <p:style>
+              <a:lnRef idx="3">
+                <a:schemeClr val="lt1"/>
+              </a:lnRef>
+              <a:fillRef idx="1">
+                <a:schemeClr val="accent3"/>
+              </a:fillRef>
+              <a:effectRef idx="1">
+                <a:schemeClr val="accent3"/>
+              </a:effectRef>
+              <a:fontRef idx="minor">
+                <a:schemeClr val="lt1"/>
+              </a:fontRef>
+            </p:style>
+            <p:txBody>
+              <a:bodyPr rtlCol="0" anchor="ctr"/>
+              <a:lstStyle/>
+              <a:p>
+                <a:pPr algn="ctr"/>
+                <a:r>
+                  <a:rPr lang="en-US" dirty="0"/>
+                  <a:t>Pod</a:t>
+                </a:r>
+              </a:p>
+            </p:txBody>
+          </p:sp>
+          <p:sp>
+            <p:nvSpPr>
+              <p:cNvPr id="19" name="Oval 18">
+                <a:extLst>
+                  <a:ext uri="{FF2B5EF4-FFF2-40B4-BE49-F238E27FC236}">
+                    <a16:creationId xmlns:a16="http://schemas.microsoft.com/office/drawing/2014/main" id="{BD8BB67E-140F-4128-A173-940CC67164B7}"/>
+                  </a:ext>
+                </a:extLst>
+              </p:cNvPr>
+              <p:cNvSpPr/>
+              <p:nvPr/>
+            </p:nvSpPr>
+            <p:spPr>
+              <a:xfrm>
+                <a:off x="6705515" y="2246043"/>
+                <a:ext cx="786809" cy="763500"/>
+              </a:xfrm>
+              <a:prstGeom prst="ellipse">
+                <a:avLst/>
+              </a:prstGeom>
+            </p:spPr>
+            <p:style>
+              <a:lnRef idx="3">
+                <a:schemeClr val="lt1"/>
+              </a:lnRef>
+              <a:fillRef idx="1">
+                <a:schemeClr val="accent5"/>
+              </a:fillRef>
+              <a:effectRef idx="1">
+                <a:schemeClr val="accent5"/>
+              </a:effectRef>
+              <a:fontRef idx="minor">
+                <a:schemeClr val="lt1"/>
+              </a:fontRef>
+            </p:style>
+            <p:txBody>
+              <a:bodyPr rtlCol="0" anchor="ctr"/>
+              <a:lstStyle/>
+              <a:p>
+                <a:pPr algn="ctr"/>
+                <a:r>
+                  <a:rPr lang="en-US" dirty="0"/>
+                  <a:t>Pod</a:t>
+                </a:r>
+              </a:p>
+            </p:txBody>
+          </p:sp>
+          <p:sp>
+            <p:nvSpPr>
+              <p:cNvPr id="20" name="TextBox 19">
+                <a:extLst>
+                  <a:ext uri="{FF2B5EF4-FFF2-40B4-BE49-F238E27FC236}">
+                    <a16:creationId xmlns:a16="http://schemas.microsoft.com/office/drawing/2014/main" id="{EEF5CE62-A6E6-44F3-9236-96EB07156253}"/>
+                  </a:ext>
+                </a:extLst>
+              </p:cNvPr>
+              <p:cNvSpPr txBox="1"/>
+              <p:nvPr/>
+            </p:nvSpPr>
+            <p:spPr>
+              <a:xfrm>
+                <a:off x="6204056" y="1241321"/>
+                <a:ext cx="1160807" cy="307777"/>
+              </a:xfrm>
+              <a:prstGeom prst="rect">
+                <a:avLst/>
+              </a:prstGeom>
+              <a:noFill/>
+            </p:spPr>
+            <p:txBody>
+              <a:bodyPr wrap="square" rtlCol="0">
+                <a:spAutoFit/>
+              </a:bodyPr>
+              <a:lstStyle/>
+              <a:p>
+                <a:r>
+                  <a:rPr lang="en-US" dirty="0"/>
+                  <a:t>Node</a:t>
+                </a:r>
+              </a:p>
+            </p:txBody>
+          </p:sp>
+        </p:grpSp>
+        <p:sp>
+          <p:nvSpPr>
+            <p:cNvPr id="11" name="TextBox 10">
+              <a:extLst>
+                <a:ext uri="{FF2B5EF4-FFF2-40B4-BE49-F238E27FC236}">
+                  <a16:creationId xmlns:a16="http://schemas.microsoft.com/office/drawing/2014/main" id="{438C8037-C75B-4756-99E5-D36049E400B0}"/>
+                </a:ext>
+              </a:extLst>
+            </p:cNvPr>
+            <p:cNvSpPr txBox="1"/>
+            <p:nvPr/>
+          </p:nvSpPr>
+          <p:spPr>
+            <a:xfrm>
+              <a:off x="6191607" y="4110217"/>
+              <a:ext cx="1160807" cy="307777"/>
+            </a:xfrm>
+            <a:prstGeom prst="rect">
+              <a:avLst/>
+            </a:prstGeom>
+            <a:noFill/>
+          </p:spPr>
+          <p:txBody>
+            <a:bodyPr wrap="square" rtlCol="0">
+              <a:spAutoFit/>
+            </a:bodyPr>
+            <a:lstStyle/>
+            <a:p>
+              <a:r>
+                <a:rPr lang="en-US" dirty="0"/>
+                <a:t>Node</a:t>
+              </a:r>
+            </a:p>
+          </p:txBody>
+        </p:sp>
+        <p:grpSp>
+          <p:nvGrpSpPr>
+            <p:cNvPr id="12" name="Group 11">
+              <a:extLst>
+                <a:ext uri="{FF2B5EF4-FFF2-40B4-BE49-F238E27FC236}">
+                  <a16:creationId xmlns:a16="http://schemas.microsoft.com/office/drawing/2014/main" id="{EBACD7CE-8601-4F51-9F4F-3E9E4B803FAC}"/>
+                </a:ext>
+              </a:extLst>
+            </p:cNvPr>
+            <p:cNvGrpSpPr/>
+            <p:nvPr/>
+          </p:nvGrpSpPr>
+          <p:grpSpPr>
+            <a:xfrm>
+              <a:off x="5413746" y="3829665"/>
+              <a:ext cx="2275368" cy="2604977"/>
+              <a:chOff x="5413746" y="3829665"/>
+              <a:chExt cx="2275368" cy="2604977"/>
+            </a:xfrm>
+          </p:grpSpPr>
+          <p:sp>
+            <p:nvSpPr>
+              <p:cNvPr id="13" name="Hexagon 12">
+                <a:extLst>
+                  <a:ext uri="{FF2B5EF4-FFF2-40B4-BE49-F238E27FC236}">
+                    <a16:creationId xmlns:a16="http://schemas.microsoft.com/office/drawing/2014/main" id="{1F6DC0AE-6845-4031-9B29-0BCE4CE194FA}"/>
+                  </a:ext>
+                </a:extLst>
+              </p:cNvPr>
+              <p:cNvSpPr/>
+              <p:nvPr/>
+            </p:nvSpPr>
+            <p:spPr>
+              <a:xfrm rot="5400000">
+                <a:off x="5248941" y="3994470"/>
+                <a:ext cx="2604977" cy="2275368"/>
+              </a:xfrm>
+              <a:prstGeom prst="hexagon">
+                <a:avLst/>
+              </a:prstGeom>
+              <a:ln>
+                <a:solidFill>
+                  <a:srgbClr val="0070C0"/>
+                </a:solidFill>
+              </a:ln>
+            </p:spPr>
+            <p:style>
+              <a:lnRef idx="2">
+                <a:schemeClr val="dk1">
+                  <a:shade val="50000"/>
+                </a:schemeClr>
+              </a:lnRef>
+              <a:fillRef idx="1">
+                <a:schemeClr val="dk1"/>
+              </a:fillRef>
+              <a:effectRef idx="0">
+                <a:schemeClr val="dk1"/>
+              </a:effectRef>
+              <a:fontRef idx="minor">
+                <a:schemeClr val="lt1"/>
+              </a:fontRef>
+            </p:style>
+            <p:txBody>
+              <a:bodyPr rtlCol="0" anchor="ctr"/>
+              <a:lstStyle/>
+              <a:p>
+                <a:pPr algn="ctr"/>
+                <a:endParaRPr lang="en-US"/>
+              </a:p>
+            </p:txBody>
+          </p:sp>
+          <p:sp>
+            <p:nvSpPr>
+              <p:cNvPr id="14" name="Oval 13">
+                <a:extLst>
+                  <a:ext uri="{FF2B5EF4-FFF2-40B4-BE49-F238E27FC236}">
+                    <a16:creationId xmlns:a16="http://schemas.microsoft.com/office/drawing/2014/main" id="{921B2F5A-030B-428F-84E3-1227A23C9065}"/>
+                  </a:ext>
+                </a:extLst>
+              </p:cNvPr>
+              <p:cNvSpPr/>
+              <p:nvPr/>
+            </p:nvSpPr>
+            <p:spPr>
+              <a:xfrm>
+                <a:off x="5702509" y="4555519"/>
+                <a:ext cx="786809" cy="763500"/>
+              </a:xfrm>
+              <a:prstGeom prst="ellipse">
+                <a:avLst/>
+              </a:prstGeom>
+            </p:spPr>
+            <p:style>
+              <a:lnRef idx="3">
+                <a:schemeClr val="lt1"/>
+              </a:lnRef>
+              <a:fillRef idx="1">
+                <a:schemeClr val="accent3"/>
+              </a:fillRef>
+              <a:effectRef idx="1">
+                <a:schemeClr val="accent3"/>
+              </a:effectRef>
+              <a:fontRef idx="minor">
+                <a:schemeClr val="lt1"/>
+              </a:fontRef>
+            </p:style>
+            <p:txBody>
+              <a:bodyPr rtlCol="0" anchor="ctr"/>
+              <a:lstStyle/>
+              <a:p>
+                <a:pPr algn="ctr"/>
+                <a:r>
+                  <a:rPr lang="en-US" dirty="0"/>
+                  <a:t>Pod</a:t>
+                </a:r>
+              </a:p>
+            </p:txBody>
+          </p:sp>
+          <p:sp>
+            <p:nvSpPr>
+              <p:cNvPr id="15" name="Oval 14">
+                <a:extLst>
+                  <a:ext uri="{FF2B5EF4-FFF2-40B4-BE49-F238E27FC236}">
+                    <a16:creationId xmlns:a16="http://schemas.microsoft.com/office/drawing/2014/main" id="{81876ECA-4ABF-49EB-85F3-65F6C3701200}"/>
+                  </a:ext>
+                </a:extLst>
+              </p:cNvPr>
+              <p:cNvSpPr/>
+              <p:nvPr/>
+            </p:nvSpPr>
+            <p:spPr>
+              <a:xfrm>
+                <a:off x="6772011" y="5081115"/>
+                <a:ext cx="786809" cy="763500"/>
+              </a:xfrm>
+              <a:prstGeom prst="ellipse">
+                <a:avLst/>
+              </a:prstGeom>
+            </p:spPr>
+            <p:style>
+              <a:lnRef idx="3">
+                <a:schemeClr val="lt1"/>
+              </a:lnRef>
+              <a:fillRef idx="1">
+                <a:schemeClr val="accent4"/>
+              </a:fillRef>
+              <a:effectRef idx="1">
+                <a:schemeClr val="accent4"/>
+              </a:effectRef>
+              <a:fontRef idx="minor">
+                <a:schemeClr val="lt1"/>
+              </a:fontRef>
+            </p:style>
+            <p:txBody>
+              <a:bodyPr rtlCol="0" anchor="ctr"/>
+              <a:lstStyle/>
+              <a:p>
+                <a:pPr algn="ctr"/>
+                <a:r>
+                  <a:rPr lang="en-US" dirty="0"/>
+                  <a:t>Pod</a:t>
+                </a:r>
+              </a:p>
+            </p:txBody>
+          </p:sp>
+          <p:sp>
+            <p:nvSpPr>
+              <p:cNvPr id="16" name="TextBox 15">
+                <a:extLst>
+                  <a:ext uri="{FF2B5EF4-FFF2-40B4-BE49-F238E27FC236}">
+                    <a16:creationId xmlns:a16="http://schemas.microsoft.com/office/drawing/2014/main" id="{4CF168FB-73C7-4C44-97A9-632E7A2F5EFD}"/>
+                  </a:ext>
+                </a:extLst>
+              </p:cNvPr>
+              <p:cNvSpPr txBox="1"/>
+              <p:nvPr/>
+            </p:nvSpPr>
+            <p:spPr>
+              <a:xfrm>
+                <a:off x="6191607" y="4110218"/>
+                <a:ext cx="1160807" cy="307777"/>
+              </a:xfrm>
+              <a:prstGeom prst="rect">
+                <a:avLst/>
+              </a:prstGeom>
+              <a:noFill/>
+            </p:spPr>
+            <p:txBody>
+              <a:bodyPr wrap="square" rtlCol="0">
+                <a:spAutoFit/>
+              </a:bodyPr>
+              <a:lstStyle/>
+              <a:p>
+                <a:r>
+                  <a:rPr lang="en-US" dirty="0"/>
+                  <a:t>Node</a:t>
+                </a:r>
+              </a:p>
+            </p:txBody>
+          </p:sp>
+        </p:grpSp>
+      </p:grpSp>
+    </p:spTree>
+    <p:extLst>
+      <p:ext uri="{BB962C8B-B14F-4D97-AF65-F5344CB8AC3E}">
+        <p14:creationId xmlns:p14="http://schemas.microsoft.com/office/powerpoint/2010/main" val="4018630192"/>
+      </p:ext>
+    </p:extLst>
+  </p:cSld>
+  <p:clrMapOvr>
+    <a:masterClrMapping/>
+  </p:clrMapOvr>
+</p:sld>
+</file>
+
+<file path=ppt/slides/slide45.xml><?xml version="1.0" encoding="utf-8"?>
+<p:sld xmlns:a="http://schemas.openxmlformats.org/drawingml/2006/main" xmlns:r="http://schemas.openxmlformats.org/officeDocument/2006/relationships" xmlns:p="http://schemas.openxmlformats.org/presentationml/2006/main">
+  <p:cSld>
+    <p:spTree>
+      <p:nvGrpSpPr>
+        <p:cNvPr id="1" name=""/>
+        <p:cNvGrpSpPr/>
+        <p:nvPr/>
+      </p:nvGrpSpPr>
+      <p:grpSpPr>
+        <a:xfrm>
+          <a:off x="0" y="0"/>
+          <a:ext cx="0" cy="0"/>
+          <a:chOff x="0" y="0"/>
+          <a:chExt cx="0" cy="0"/>
+        </a:xfrm>
+      </p:grpSpPr>
+      <p:sp>
+        <p:nvSpPr>
+          <p:cNvPr id="2" name="Title 1">
+            <a:extLst>
+              <a:ext uri="{FF2B5EF4-FFF2-40B4-BE49-F238E27FC236}">
+                <a16:creationId xmlns:a16="http://schemas.microsoft.com/office/drawing/2014/main" id="{5C0A98E5-F3C1-4D37-8DFB-C4E14C83444D}"/>
+              </a:ext>
+            </a:extLst>
+          </p:cNvPr>
+          <p:cNvSpPr>
+            <a:spLocks noGrp="1"/>
+          </p:cNvSpPr>
+          <p:nvPr>
+            <p:ph type="title"/>
+          </p:nvPr>
+        </p:nvSpPr>
+        <p:spPr/>
+        <p:txBody>
+          <a:bodyPr/>
+          <a:lstStyle/>
+          <a:p>
+            <a:r>
+              <a:rPr lang="en-US" dirty="0"/>
+              <a:t>I/O</a:t>
+            </a:r>
+          </a:p>
+        </p:txBody>
+      </p:sp>
+      <p:sp>
+        <p:nvSpPr>
+          <p:cNvPr id="3" name="Text Placeholder 2">
+            <a:extLst>
+              <a:ext uri="{FF2B5EF4-FFF2-40B4-BE49-F238E27FC236}">
+                <a16:creationId xmlns:a16="http://schemas.microsoft.com/office/drawing/2014/main" id="{D5298EBC-4CB6-4AB4-B79C-2C70C93AC705}"/>
               </a:ext>
             </a:extLst>
           </p:cNvPr>
@@ -41847,45 +42716,25 @@
           <a:lstStyle/>
           <a:p>
             <a:r>
-              <a:rPr lang="en-US" dirty="0"/>
-              <a:t>Fundamental Go Problem: lambda serialization</a:t>
-            </a:r>
-          </a:p>
-          <a:p>
-            <a:r>
-              <a:rPr lang="en-US" dirty="0"/>
-              <a:t>2 Programs</a:t>
-            </a:r>
-          </a:p>
-          <a:p>
-            <a:pPr lvl="1"/>
-            <a:r>
-              <a:rPr lang="en-US" dirty="0"/>
-              <a:t>Job</a:t>
-            </a:r>
-          </a:p>
-          <a:p>
-            <a:pPr lvl="1"/>
-            <a:r>
-              <a:rPr lang="en-US" dirty="0"/>
-              <a:t>Driver</a:t>
-            </a:r>
-          </a:p>
-          <a:p>
-            <a:pPr lvl="1"/>
-            <a:endParaRPr lang="en-US" dirty="0"/>
-          </a:p>
-          <a:p>
-            <a:r>
-              <a:rPr lang="en-US" dirty="0">
-                <a:hlinkClick r:id="rId2"/>
-              </a:rPr>
-              <a:t>https://github.com/cnnrznn/wordcount-gomr</a:t>
-            </a:r>
-            <a:endParaRPr lang="en-US" dirty="0"/>
-          </a:p>
-          <a:p>
-            <a:endParaRPr lang="en-US" dirty="0"/>
+              <a:rPr lang="en-US" sz="3200" dirty="0"/>
+              <a:t>Containers are ephemeral</a:t>
+            </a:r>
+          </a:p>
+          <a:p>
+            <a:r>
+              <a:rPr lang="en-US" sz="3200" dirty="0" err="1"/>
+              <a:t>PersistentVolumeClaim</a:t>
+            </a:r>
+            <a:r>
+              <a:rPr lang="en-US" sz="3200" dirty="0"/>
+              <a:t> mounts a drive on the container</a:t>
+            </a:r>
+          </a:p>
+          <a:p>
+            <a:r>
+              <a:rPr lang="en-US" sz="3200" dirty="0"/>
+              <a:t>Input and output through mounted drive</a:t>
+            </a:r>
           </a:p>
         </p:txBody>
       </p:sp>
@@ -41894,7 +42743,7 @@
           <p:cNvPr id="4" name="Slide Number Placeholder 3">
             <a:extLst>
               <a:ext uri="{FF2B5EF4-FFF2-40B4-BE49-F238E27FC236}">
-                <a16:creationId xmlns:a16="http://schemas.microsoft.com/office/drawing/2014/main" id="{DBCAEC4E-6459-41EE-9105-418154627300}"/>
+                <a16:creationId xmlns:a16="http://schemas.microsoft.com/office/drawing/2014/main" id="{EEC474DD-59AD-421A-8DAF-A2782221587F}"/>
               </a:ext>
             </a:extLst>
           </p:cNvPr>
@@ -41921,7 +42770,7 @@
             </a:pPr>
             <a:fld id="{00000000-1234-1234-1234-123412341234}" type="slidenum">
               <a:rPr lang="en" smtClean="0"/>
-              <a:t>44</a:t>
+              <a:t>45</a:t>
             </a:fld>
             <a:endParaRPr lang="en"/>
           </a:p>
@@ -41930,7 +42779,7 @@
     </p:spTree>
     <p:extLst>
       <p:ext uri="{BB962C8B-B14F-4D97-AF65-F5344CB8AC3E}">
-        <p14:creationId xmlns:p14="http://schemas.microsoft.com/office/powerpoint/2010/main" val="293001201"/>
+        <p14:creationId xmlns:p14="http://schemas.microsoft.com/office/powerpoint/2010/main" val="405641692"/>
       </p:ext>
     </p:extLst>
   </p:cSld>
@@ -41940,7 +42789,7 @@
 </p:sld>
 </file>
 
-<file path=ppt/slides/slide45.xml><?xml version="1.0" encoding="utf-8"?>
+<file path=ppt/slides/slide46.xml><?xml version="1.0" encoding="utf-8"?>
 <p:sld xmlns:a="http://schemas.openxmlformats.org/drawingml/2006/main" xmlns:r="http://schemas.openxmlformats.org/officeDocument/2006/relationships" xmlns:p="http://schemas.openxmlformats.org/presentationml/2006/main">
   <p:cSld>
     <p:spTree>
@@ -42007,19 +42856,19 @@
           <a:lstStyle/>
           <a:p>
             <a:r>
-              <a:rPr lang="en-US" dirty="0" err="1">
+              <a:rPr lang="en-US" sz="3200" dirty="0" err="1">
                 <a:latin typeface="Consolas" panose="020B0609020204030204" pitchFamily="49" charset="0"/>
               </a:rPr>
               <a:t>kubectl</a:t>
             </a:r>
             <a:r>
-              <a:rPr lang="en-US" dirty="0">
+              <a:rPr lang="en-US" sz="3200" dirty="0">
                 <a:latin typeface="Consolas" panose="020B0609020204030204" pitchFamily="49" charset="0"/>
               </a:rPr>
               <a:t> </a:t>
             </a:r>
             <a:r>
-              <a:rPr lang="en-US" dirty="0">
+              <a:rPr lang="en-US" sz="3200" dirty="0">
                 <a:latin typeface="+mn-lt"/>
               </a:rPr>
               <a:t>with access to a cluster</a:t>
@@ -42027,30 +42876,49 @@
           </a:p>
           <a:p>
             <a:r>
-              <a:rPr lang="en-US" dirty="0" err="1">
+              <a:rPr lang="en-US" sz="3200" dirty="0" err="1">
                 <a:latin typeface="Consolas" panose="020B0609020204030204" pitchFamily="49" charset="0"/>
               </a:rPr>
               <a:t>PersistentVolume</a:t>
             </a:r>
             <a:r>
-              <a:rPr lang="en-US" dirty="0">
+              <a:rPr lang="en-US" sz="3200" dirty="0">
                 <a:latin typeface="Consolas" panose="020B0609020204030204" pitchFamily="49" charset="0"/>
               </a:rPr>
               <a:t> </a:t>
             </a:r>
             <a:r>
-              <a:rPr lang="en-US" dirty="0">
+              <a:rPr lang="en-US" sz="3200" dirty="0">
                 <a:latin typeface="+mn-lt"/>
               </a:rPr>
               <a:t>and </a:t>
             </a:r>
             <a:r>
-              <a:rPr lang="en-US" dirty="0" err="1">
+              <a:rPr lang="en-US" sz="3200" dirty="0" err="1">
                 <a:latin typeface="Consolas" panose="020B0609020204030204" pitchFamily="49" charset="0"/>
               </a:rPr>
               <a:t>PersistentVolumeClaim</a:t>
             </a:r>
-            <a:endParaRPr lang="en-US" dirty="0">
+            <a:endParaRPr lang="en-US" sz="3200" dirty="0">
+              <a:latin typeface="Consolas" panose="020B0609020204030204" pitchFamily="49" charset="0"/>
+            </a:endParaRPr>
+          </a:p>
+          <a:p>
+            <a:endParaRPr lang="en-US" sz="3200" dirty="0">
+              <a:latin typeface="Consolas" panose="020B0609020204030204" pitchFamily="49" charset="0"/>
+            </a:endParaRPr>
+          </a:p>
+          <a:p>
+            <a:r>
+              <a:rPr lang="en-US" sz="3200" dirty="0">
+                <a:hlinkClick r:id="rId2"/>
+              </a:rPr>
+              <a:t>https://github.com/cnnrznn/wordcount-gomr</a:t>
+            </a:r>
+            <a:endParaRPr lang="en-US" sz="3200" dirty="0"/>
+          </a:p>
+          <a:p>
+            <a:endParaRPr lang="en-US" sz="3200" dirty="0">
               <a:latin typeface="Consolas" panose="020B0609020204030204" pitchFamily="49" charset="0"/>
             </a:endParaRPr>
           </a:p>
@@ -42093,7 +42961,7 @@
             </a:pPr>
             <a:fld id="{00000000-1234-1234-1234-123412341234}" type="slidenum">
               <a:rPr lang="en" smtClean="0"/>
-              <a:t>45</a:t>
+              <a:t>46</a:t>
             </a:fld>
             <a:endParaRPr lang="en"/>
           </a:p>
@@ -42112,7 +42980,7 @@
 </p:sld>
 </file>
 
-<file path=ppt/slides/slide46.xml><?xml version="1.0" encoding="utf-8"?>
+<file path=ppt/slides/slide47.xml><?xml version="1.0" encoding="utf-8"?>
 <p:sld xmlns:a="http://schemas.openxmlformats.org/drawingml/2006/main" xmlns:r="http://schemas.openxmlformats.org/officeDocument/2006/relationships" xmlns:p="http://schemas.openxmlformats.org/presentationml/2006/main">
   <p:cSld>
     <p:spTree>
@@ -42134,7 +43002,7 @@
           <p:cNvPr id="2" name="Title 1">
             <a:extLst>
               <a:ext uri="{FF2B5EF4-FFF2-40B4-BE49-F238E27FC236}">
-                <a16:creationId xmlns:a16="http://schemas.microsoft.com/office/drawing/2014/main" id="{5C0A98E5-F3C1-4D37-8DFB-C4E14C83444D}"/>
+                <a16:creationId xmlns:a16="http://schemas.microsoft.com/office/drawing/2014/main" id="{51350391-C150-4692-855E-DCF72002C739}"/>
               </a:ext>
             </a:extLst>
           </p:cNvPr>
@@ -42152,7 +43020,7 @@
           <a:p>
             <a:r>
               <a:rPr lang="en-US" dirty="0"/>
-              <a:t>I/O</a:t>
+              <a:t>MR Application</a:t>
             </a:r>
           </a:p>
         </p:txBody>
@@ -42162,7 +43030,7 @@
           <p:cNvPr id="3" name="Text Placeholder 2">
             <a:extLst>
               <a:ext uri="{FF2B5EF4-FFF2-40B4-BE49-F238E27FC236}">
-                <a16:creationId xmlns:a16="http://schemas.microsoft.com/office/drawing/2014/main" id="{D5298EBC-4CB6-4AB4-B79C-2C70C93AC705}"/>
+                <a16:creationId xmlns:a16="http://schemas.microsoft.com/office/drawing/2014/main" id="{998319E3-C920-4EC0-AA75-4C9A229BF7B1}"/>
               </a:ext>
             </a:extLst>
           </p:cNvPr>
@@ -42178,22 +43046,10 @@
           <a:bodyPr/>
           <a:lstStyle/>
           <a:p>
-            <a:r>
-              <a:rPr lang="en-US" dirty="0"/>
-              <a:t>Persistent volume claim mounts a drive on the container</a:t>
-            </a:r>
-          </a:p>
-          <a:p>
-            <a:r>
-              <a:rPr lang="en-US" dirty="0"/>
-              <a:t>Input and output through mounted drive</a:t>
-            </a:r>
-          </a:p>
-          <a:p>
-            <a:r>
-              <a:rPr lang="en-US" dirty="0"/>
-              <a:t>Containers are ephemeral</a:t>
-            </a:r>
+            <a:pPr marL="114300" indent="0">
+              <a:buNone/>
+            </a:pPr>
+            <a:endParaRPr lang="en-US" sz="3200" dirty="0"/>
           </a:p>
         </p:txBody>
       </p:sp>
@@ -42202,7 +43058,7 @@
           <p:cNvPr id="4" name="Slide Number Placeholder 3">
             <a:extLst>
               <a:ext uri="{FF2B5EF4-FFF2-40B4-BE49-F238E27FC236}">
-                <a16:creationId xmlns:a16="http://schemas.microsoft.com/office/drawing/2014/main" id="{EEC474DD-59AD-421A-8DAF-A2782221587F}"/>
+                <a16:creationId xmlns:a16="http://schemas.microsoft.com/office/drawing/2014/main" id="{D666E13C-C00A-44C4-8032-50A2475F773D}"/>
               </a:ext>
             </a:extLst>
           </p:cNvPr>
@@ -42229,16 +43085,652 @@
             </a:pPr>
             <a:fld id="{00000000-1234-1234-1234-123412341234}" type="slidenum">
               <a:rPr lang="en" smtClean="0"/>
-              <a:t>46</a:t>
+              <a:t>47</a:t>
             </a:fld>
             <a:endParaRPr lang="en"/>
+          </a:p>
+        </p:txBody>
+      </p:sp>
+      <p:sp>
+        <p:nvSpPr>
+          <p:cNvPr id="5" name="Rectangle 4">
+            <a:extLst>
+              <a:ext uri="{FF2B5EF4-FFF2-40B4-BE49-F238E27FC236}">
+                <a16:creationId xmlns:a16="http://schemas.microsoft.com/office/drawing/2014/main" id="{4A9224C9-F113-4E6F-B9CE-630F293EDB40}"/>
+              </a:ext>
+            </a:extLst>
+          </p:cNvPr>
+          <p:cNvSpPr/>
+          <p:nvPr/>
+        </p:nvSpPr>
+        <p:spPr>
+          <a:xfrm>
+            <a:off x="2453459" y="3388929"/>
+            <a:ext cx="1212112" cy="850605"/>
+          </a:xfrm>
+          <a:prstGeom prst="rect">
+            <a:avLst/>
+          </a:prstGeom>
+          <a:solidFill>
+            <a:srgbClr val="7030A0"/>
+          </a:solidFill>
+          <a:ln>
+            <a:solidFill>
+              <a:srgbClr val="002060"/>
+            </a:solidFill>
+          </a:ln>
+        </p:spPr>
+        <p:style>
+          <a:lnRef idx="2">
+            <a:schemeClr val="dk1">
+              <a:shade val="50000"/>
+            </a:schemeClr>
+          </a:lnRef>
+          <a:fillRef idx="1">
+            <a:schemeClr val="dk1"/>
+          </a:fillRef>
+          <a:effectRef idx="0">
+            <a:schemeClr val="dk1"/>
+          </a:effectRef>
+          <a:fontRef idx="minor">
+            <a:schemeClr val="lt1"/>
+          </a:fontRef>
+        </p:style>
+        <p:txBody>
+          <a:bodyPr rtlCol="0" anchor="ctr"/>
+          <a:lstStyle/>
+          <a:p>
+            <a:pPr algn="ctr"/>
+            <a:r>
+              <a:rPr lang="en-US" sz="3000" dirty="0">
+                <a:solidFill>
+                  <a:schemeClr val="tx1"/>
+                </a:solidFill>
+              </a:rPr>
+              <a:t>Job</a:t>
+            </a:r>
+          </a:p>
+        </p:txBody>
+      </p:sp>
+      <p:sp>
+        <p:nvSpPr>
+          <p:cNvPr id="7" name="Rectangle 6">
+            <a:extLst>
+              <a:ext uri="{FF2B5EF4-FFF2-40B4-BE49-F238E27FC236}">
+                <a16:creationId xmlns:a16="http://schemas.microsoft.com/office/drawing/2014/main" id="{59ABBFEE-2297-471F-A4F6-5BC715D7C8D0}"/>
+              </a:ext>
+            </a:extLst>
+          </p:cNvPr>
+          <p:cNvSpPr/>
+          <p:nvPr/>
+        </p:nvSpPr>
+        <p:spPr>
+          <a:xfrm>
+            <a:off x="5171062" y="3388929"/>
+            <a:ext cx="1212112" cy="850605"/>
+          </a:xfrm>
+          <a:prstGeom prst="rect">
+            <a:avLst/>
+          </a:prstGeom>
+          <a:solidFill>
+            <a:srgbClr val="7030A0"/>
+          </a:solidFill>
+          <a:ln>
+            <a:solidFill>
+              <a:srgbClr val="002060"/>
+            </a:solidFill>
+          </a:ln>
+        </p:spPr>
+        <p:style>
+          <a:lnRef idx="2">
+            <a:schemeClr val="dk1">
+              <a:shade val="50000"/>
+            </a:schemeClr>
+          </a:lnRef>
+          <a:fillRef idx="1">
+            <a:schemeClr val="dk1"/>
+          </a:fillRef>
+          <a:effectRef idx="0">
+            <a:schemeClr val="dk1"/>
+          </a:effectRef>
+          <a:fontRef idx="minor">
+            <a:schemeClr val="lt1"/>
+          </a:fontRef>
+        </p:style>
+        <p:txBody>
+          <a:bodyPr rtlCol="0" anchor="ctr"/>
+          <a:lstStyle/>
+          <a:p>
+            <a:pPr algn="ctr"/>
+            <a:r>
+              <a:rPr lang="en-US" sz="3000" dirty="0">
+                <a:solidFill>
+                  <a:schemeClr val="tx1"/>
+                </a:solidFill>
+              </a:rPr>
+              <a:t>Job</a:t>
+            </a:r>
+          </a:p>
+        </p:txBody>
+      </p:sp>
+      <p:grpSp>
+        <p:nvGrpSpPr>
+          <p:cNvPr id="12" name="Group 11">
+            <a:extLst>
+              <a:ext uri="{FF2B5EF4-FFF2-40B4-BE49-F238E27FC236}">
+                <a16:creationId xmlns:a16="http://schemas.microsoft.com/office/drawing/2014/main" id="{2F31F473-6E90-4805-8576-AABD42F94DEB}"/>
+              </a:ext>
+            </a:extLst>
+          </p:cNvPr>
+          <p:cNvGrpSpPr/>
+          <p:nvPr/>
+        </p:nvGrpSpPr>
+        <p:grpSpPr>
+          <a:xfrm>
+            <a:off x="513907" y="1536632"/>
+            <a:ext cx="1495645" cy="4453416"/>
+            <a:chOff x="513907" y="1536632"/>
+            <a:chExt cx="1495645" cy="4453416"/>
+          </a:xfrm>
+        </p:grpSpPr>
+        <p:sp>
+          <p:nvSpPr>
+            <p:cNvPr id="8" name="Rectangle 7">
+              <a:extLst>
+                <a:ext uri="{FF2B5EF4-FFF2-40B4-BE49-F238E27FC236}">
+                  <a16:creationId xmlns:a16="http://schemas.microsoft.com/office/drawing/2014/main" id="{62EF018A-7728-48F9-89E3-AA7EB8ABA098}"/>
+                </a:ext>
+              </a:extLst>
+            </p:cNvPr>
+            <p:cNvSpPr/>
+            <p:nvPr/>
+          </p:nvSpPr>
+          <p:spPr>
+            <a:xfrm>
+              <a:off x="513907" y="1536632"/>
+              <a:ext cx="1495645" cy="850605"/>
+            </a:xfrm>
+            <a:prstGeom prst="rect">
+              <a:avLst/>
+            </a:prstGeom>
+            <a:ln/>
+          </p:spPr>
+          <p:style>
+            <a:lnRef idx="2">
+              <a:schemeClr val="dk1">
+                <a:shade val="50000"/>
+              </a:schemeClr>
+            </a:lnRef>
+            <a:fillRef idx="1">
+              <a:schemeClr val="dk1"/>
+            </a:fillRef>
+            <a:effectRef idx="0">
+              <a:schemeClr val="dk1"/>
+            </a:effectRef>
+            <a:fontRef idx="minor">
+              <a:schemeClr val="lt1"/>
+            </a:fontRef>
+          </p:style>
+          <p:txBody>
+            <a:bodyPr rtlCol="0" anchor="ctr"/>
+            <a:lstStyle/>
+            <a:p>
+              <a:pPr algn="ctr"/>
+              <a:r>
+                <a:rPr lang="en-US" sz="3000" dirty="0">
+                  <a:solidFill>
+                    <a:schemeClr val="bg1"/>
+                  </a:solidFill>
+                </a:rPr>
+                <a:t>Input.1</a:t>
+              </a:r>
+            </a:p>
+          </p:txBody>
+        </p:sp>
+        <p:sp>
+          <p:nvSpPr>
+            <p:cNvPr id="9" name="Rectangle 8">
+              <a:extLst>
+                <a:ext uri="{FF2B5EF4-FFF2-40B4-BE49-F238E27FC236}">
+                  <a16:creationId xmlns:a16="http://schemas.microsoft.com/office/drawing/2014/main" id="{3DB5383C-1B09-49A5-99DC-BC38ACB08B1B}"/>
+                </a:ext>
+              </a:extLst>
+            </p:cNvPr>
+            <p:cNvSpPr/>
+            <p:nvPr/>
+          </p:nvSpPr>
+          <p:spPr>
+            <a:xfrm>
+              <a:off x="513908" y="2737569"/>
+              <a:ext cx="1495644" cy="850605"/>
+            </a:xfrm>
+            <a:prstGeom prst="rect">
+              <a:avLst/>
+            </a:prstGeom>
+            <a:ln/>
+          </p:spPr>
+          <p:style>
+            <a:lnRef idx="2">
+              <a:schemeClr val="dk1">
+                <a:shade val="50000"/>
+              </a:schemeClr>
+            </a:lnRef>
+            <a:fillRef idx="1">
+              <a:schemeClr val="dk1"/>
+            </a:fillRef>
+            <a:effectRef idx="0">
+              <a:schemeClr val="dk1"/>
+            </a:effectRef>
+            <a:fontRef idx="minor">
+              <a:schemeClr val="lt1"/>
+            </a:fontRef>
+          </p:style>
+          <p:txBody>
+            <a:bodyPr rtlCol="0" anchor="ctr"/>
+            <a:lstStyle/>
+            <a:p>
+              <a:pPr algn="ctr"/>
+              <a:r>
+                <a:rPr lang="en-US" sz="3000" dirty="0">
+                  <a:solidFill>
+                    <a:schemeClr val="bg1"/>
+                  </a:solidFill>
+                </a:rPr>
+                <a:t>Input.2</a:t>
+              </a:r>
+            </a:p>
+          </p:txBody>
+        </p:sp>
+        <p:sp>
+          <p:nvSpPr>
+            <p:cNvPr id="10" name="Rectangle 9">
+              <a:extLst>
+                <a:ext uri="{FF2B5EF4-FFF2-40B4-BE49-F238E27FC236}">
+                  <a16:creationId xmlns:a16="http://schemas.microsoft.com/office/drawing/2014/main" id="{D508CAB1-ACED-4A8D-9BE9-D2CBFB822133}"/>
+                </a:ext>
+              </a:extLst>
+            </p:cNvPr>
+            <p:cNvSpPr/>
+            <p:nvPr/>
+          </p:nvSpPr>
+          <p:spPr>
+            <a:xfrm>
+              <a:off x="513907" y="3938506"/>
+              <a:ext cx="1495643" cy="850605"/>
+            </a:xfrm>
+            <a:prstGeom prst="rect">
+              <a:avLst/>
+            </a:prstGeom>
+            <a:ln/>
+          </p:spPr>
+          <p:style>
+            <a:lnRef idx="2">
+              <a:schemeClr val="dk1">
+                <a:shade val="50000"/>
+              </a:schemeClr>
+            </a:lnRef>
+            <a:fillRef idx="1">
+              <a:schemeClr val="dk1"/>
+            </a:fillRef>
+            <a:effectRef idx="0">
+              <a:schemeClr val="dk1"/>
+            </a:effectRef>
+            <a:fontRef idx="minor">
+              <a:schemeClr val="lt1"/>
+            </a:fontRef>
+          </p:style>
+          <p:txBody>
+            <a:bodyPr rtlCol="0" anchor="ctr"/>
+            <a:lstStyle/>
+            <a:p>
+              <a:pPr algn="ctr"/>
+              <a:r>
+                <a:rPr lang="en-US" sz="3000" dirty="0">
+                  <a:solidFill>
+                    <a:schemeClr val="bg1"/>
+                  </a:solidFill>
+                </a:rPr>
+                <a:t>Input.3</a:t>
+              </a:r>
+            </a:p>
+          </p:txBody>
+        </p:sp>
+        <p:sp>
+          <p:nvSpPr>
+            <p:cNvPr id="11" name="Rectangle 10">
+              <a:extLst>
+                <a:ext uri="{FF2B5EF4-FFF2-40B4-BE49-F238E27FC236}">
+                  <a16:creationId xmlns:a16="http://schemas.microsoft.com/office/drawing/2014/main" id="{B3178DA7-49BF-4718-A061-1F44807AE8E2}"/>
+                </a:ext>
+              </a:extLst>
+            </p:cNvPr>
+            <p:cNvSpPr/>
+            <p:nvPr/>
+          </p:nvSpPr>
+          <p:spPr>
+            <a:xfrm>
+              <a:off x="513908" y="5139443"/>
+              <a:ext cx="1495642" cy="850605"/>
+            </a:xfrm>
+            <a:prstGeom prst="rect">
+              <a:avLst/>
+            </a:prstGeom>
+            <a:ln/>
+          </p:spPr>
+          <p:style>
+            <a:lnRef idx="2">
+              <a:schemeClr val="dk1">
+                <a:shade val="50000"/>
+              </a:schemeClr>
+            </a:lnRef>
+            <a:fillRef idx="1">
+              <a:schemeClr val="dk1"/>
+            </a:fillRef>
+            <a:effectRef idx="0">
+              <a:schemeClr val="dk1"/>
+            </a:effectRef>
+            <a:fontRef idx="minor">
+              <a:schemeClr val="lt1"/>
+            </a:fontRef>
+          </p:style>
+          <p:txBody>
+            <a:bodyPr rtlCol="0" anchor="ctr"/>
+            <a:lstStyle/>
+            <a:p>
+              <a:pPr algn="ctr"/>
+              <a:r>
+                <a:rPr lang="en-US" sz="3000" dirty="0">
+                  <a:solidFill>
+                    <a:schemeClr val="bg1"/>
+                  </a:solidFill>
+                </a:rPr>
+                <a:t>Input.4</a:t>
+              </a:r>
+            </a:p>
+          </p:txBody>
+        </p:sp>
+      </p:grpSp>
+      <p:grpSp>
+        <p:nvGrpSpPr>
+          <p:cNvPr id="13" name="Group 12">
+            <a:extLst>
+              <a:ext uri="{FF2B5EF4-FFF2-40B4-BE49-F238E27FC236}">
+                <a16:creationId xmlns:a16="http://schemas.microsoft.com/office/drawing/2014/main" id="{065265B0-DFD8-44D5-B71E-16E04FB1DD53}"/>
+              </a:ext>
+            </a:extLst>
+          </p:cNvPr>
+          <p:cNvGrpSpPr/>
+          <p:nvPr/>
+        </p:nvGrpSpPr>
+        <p:grpSpPr>
+          <a:xfrm>
+            <a:off x="6826103" y="1506380"/>
+            <a:ext cx="1803989" cy="4453416"/>
+            <a:chOff x="205563" y="1536632"/>
+            <a:chExt cx="1803989" cy="4453416"/>
+          </a:xfrm>
+        </p:grpSpPr>
+        <p:sp>
+          <p:nvSpPr>
+            <p:cNvPr id="14" name="Rectangle 13">
+              <a:extLst>
+                <a:ext uri="{FF2B5EF4-FFF2-40B4-BE49-F238E27FC236}">
+                  <a16:creationId xmlns:a16="http://schemas.microsoft.com/office/drawing/2014/main" id="{4D088AC1-51A0-41A9-95C3-A483D00A27F0}"/>
+                </a:ext>
+              </a:extLst>
+            </p:cNvPr>
+            <p:cNvSpPr/>
+            <p:nvPr/>
+          </p:nvSpPr>
+          <p:spPr>
+            <a:xfrm>
+              <a:off x="205565" y="1536632"/>
+              <a:ext cx="1803987" cy="850605"/>
+            </a:xfrm>
+            <a:prstGeom prst="rect">
+              <a:avLst/>
+            </a:prstGeom>
+            <a:ln/>
+          </p:spPr>
+          <p:style>
+            <a:lnRef idx="2">
+              <a:schemeClr val="dk1">
+                <a:shade val="50000"/>
+              </a:schemeClr>
+            </a:lnRef>
+            <a:fillRef idx="1">
+              <a:schemeClr val="dk1"/>
+            </a:fillRef>
+            <a:effectRef idx="0">
+              <a:schemeClr val="dk1"/>
+            </a:effectRef>
+            <a:fontRef idx="minor">
+              <a:schemeClr val="lt1"/>
+            </a:fontRef>
+          </p:style>
+          <p:txBody>
+            <a:bodyPr rtlCol="0" anchor="ctr"/>
+            <a:lstStyle/>
+            <a:p>
+              <a:pPr algn="ctr"/>
+              <a:r>
+                <a:rPr lang="en-US" sz="3000" dirty="0">
+                  <a:solidFill>
+                    <a:schemeClr val="bg1"/>
+                  </a:solidFill>
+                </a:rPr>
+                <a:t>Output.1</a:t>
+              </a:r>
+            </a:p>
+          </p:txBody>
+        </p:sp>
+        <p:sp>
+          <p:nvSpPr>
+            <p:cNvPr id="15" name="Rectangle 14">
+              <a:extLst>
+                <a:ext uri="{FF2B5EF4-FFF2-40B4-BE49-F238E27FC236}">
+                  <a16:creationId xmlns:a16="http://schemas.microsoft.com/office/drawing/2014/main" id="{99CE0C4C-42C5-4255-BD41-7ABA8EC4F0C6}"/>
+                </a:ext>
+              </a:extLst>
+            </p:cNvPr>
+            <p:cNvSpPr/>
+            <p:nvPr/>
+          </p:nvSpPr>
+          <p:spPr>
+            <a:xfrm>
+              <a:off x="205565" y="2737569"/>
+              <a:ext cx="1803987" cy="850605"/>
+            </a:xfrm>
+            <a:prstGeom prst="rect">
+              <a:avLst/>
+            </a:prstGeom>
+            <a:ln/>
+          </p:spPr>
+          <p:style>
+            <a:lnRef idx="2">
+              <a:schemeClr val="dk1">
+                <a:shade val="50000"/>
+              </a:schemeClr>
+            </a:lnRef>
+            <a:fillRef idx="1">
+              <a:schemeClr val="dk1"/>
+            </a:fillRef>
+            <a:effectRef idx="0">
+              <a:schemeClr val="dk1"/>
+            </a:effectRef>
+            <a:fontRef idx="minor">
+              <a:schemeClr val="lt1"/>
+            </a:fontRef>
+          </p:style>
+          <p:txBody>
+            <a:bodyPr rtlCol="0" anchor="ctr"/>
+            <a:lstStyle/>
+            <a:p>
+              <a:pPr algn="ctr"/>
+              <a:r>
+                <a:rPr lang="en-US" sz="3000" dirty="0">
+                  <a:solidFill>
+                    <a:schemeClr val="bg1"/>
+                  </a:solidFill>
+                </a:rPr>
+                <a:t>Output.2</a:t>
+              </a:r>
+            </a:p>
+          </p:txBody>
+        </p:sp>
+        <p:sp>
+          <p:nvSpPr>
+            <p:cNvPr id="16" name="Rectangle 15">
+              <a:extLst>
+                <a:ext uri="{FF2B5EF4-FFF2-40B4-BE49-F238E27FC236}">
+                  <a16:creationId xmlns:a16="http://schemas.microsoft.com/office/drawing/2014/main" id="{6913DB2A-FF18-4450-8874-6B2CD9EE09FA}"/>
+                </a:ext>
+              </a:extLst>
+            </p:cNvPr>
+            <p:cNvSpPr/>
+            <p:nvPr/>
+          </p:nvSpPr>
+          <p:spPr>
+            <a:xfrm>
+              <a:off x="205563" y="3938506"/>
+              <a:ext cx="1803987" cy="850605"/>
+            </a:xfrm>
+            <a:prstGeom prst="rect">
+              <a:avLst/>
+            </a:prstGeom>
+            <a:ln/>
+          </p:spPr>
+          <p:style>
+            <a:lnRef idx="2">
+              <a:schemeClr val="dk1">
+                <a:shade val="50000"/>
+              </a:schemeClr>
+            </a:lnRef>
+            <a:fillRef idx="1">
+              <a:schemeClr val="dk1"/>
+            </a:fillRef>
+            <a:effectRef idx="0">
+              <a:schemeClr val="dk1"/>
+            </a:effectRef>
+            <a:fontRef idx="minor">
+              <a:schemeClr val="lt1"/>
+            </a:fontRef>
+          </p:style>
+          <p:txBody>
+            <a:bodyPr rtlCol="0" anchor="ctr"/>
+            <a:lstStyle/>
+            <a:p>
+              <a:pPr algn="ctr"/>
+              <a:r>
+                <a:rPr lang="en-US" sz="3000" dirty="0">
+                  <a:solidFill>
+                    <a:schemeClr val="bg1"/>
+                  </a:solidFill>
+                </a:rPr>
+                <a:t>Output.3</a:t>
+              </a:r>
+            </a:p>
+          </p:txBody>
+        </p:sp>
+        <p:sp>
+          <p:nvSpPr>
+            <p:cNvPr id="17" name="Rectangle 16">
+              <a:extLst>
+                <a:ext uri="{FF2B5EF4-FFF2-40B4-BE49-F238E27FC236}">
+                  <a16:creationId xmlns:a16="http://schemas.microsoft.com/office/drawing/2014/main" id="{B05E3EC0-A479-4457-82C3-19011BE96619}"/>
+                </a:ext>
+              </a:extLst>
+            </p:cNvPr>
+            <p:cNvSpPr/>
+            <p:nvPr/>
+          </p:nvSpPr>
+          <p:spPr>
+            <a:xfrm>
+              <a:off x="205563" y="5139443"/>
+              <a:ext cx="1803987" cy="850605"/>
+            </a:xfrm>
+            <a:prstGeom prst="rect">
+              <a:avLst/>
+            </a:prstGeom>
+            <a:ln/>
+          </p:spPr>
+          <p:style>
+            <a:lnRef idx="2">
+              <a:schemeClr val="dk1">
+                <a:shade val="50000"/>
+              </a:schemeClr>
+            </a:lnRef>
+            <a:fillRef idx="1">
+              <a:schemeClr val="dk1"/>
+            </a:fillRef>
+            <a:effectRef idx="0">
+              <a:schemeClr val="dk1"/>
+            </a:effectRef>
+            <a:fontRef idx="minor">
+              <a:schemeClr val="lt1"/>
+            </a:fontRef>
+          </p:style>
+          <p:txBody>
+            <a:bodyPr rtlCol="0" anchor="ctr"/>
+            <a:lstStyle/>
+            <a:p>
+              <a:pPr algn="ctr"/>
+              <a:r>
+                <a:rPr lang="en-US" sz="3000" dirty="0">
+                  <a:solidFill>
+                    <a:schemeClr val="bg1"/>
+                  </a:solidFill>
+                </a:rPr>
+                <a:t>Output.4</a:t>
+              </a:r>
+            </a:p>
+          </p:txBody>
+        </p:sp>
+      </p:grpSp>
+      <p:sp>
+        <p:nvSpPr>
+          <p:cNvPr id="18" name="TextBox 17">
+            <a:extLst>
+              <a:ext uri="{FF2B5EF4-FFF2-40B4-BE49-F238E27FC236}">
+                <a16:creationId xmlns:a16="http://schemas.microsoft.com/office/drawing/2014/main" id="{DB00F0E9-FEB4-45EE-B4BC-2484EF900ED3}"/>
+              </a:ext>
+            </a:extLst>
+          </p:cNvPr>
+          <p:cNvSpPr txBox="1"/>
+          <p:nvPr/>
+        </p:nvSpPr>
+        <p:spPr>
+          <a:xfrm>
+            <a:off x="3960626" y="3557922"/>
+            <a:ext cx="914400" cy="553998"/>
+          </a:xfrm>
+          <a:prstGeom prst="rect">
+            <a:avLst/>
+          </a:prstGeom>
+          <a:noFill/>
+        </p:spPr>
+        <p:txBody>
+          <a:bodyPr wrap="square" rtlCol="0">
+            <a:spAutoFit/>
+          </a:bodyPr>
+          <a:lstStyle/>
+          <a:p>
+            <a:pPr algn="ctr"/>
+            <a:r>
+              <a:rPr lang="en-US" sz="3000" dirty="0">
+                <a:solidFill>
+                  <a:schemeClr val="tx1"/>
+                </a:solidFill>
+              </a:rPr>
+              <a:t>…</a:t>
+            </a:r>
           </a:p>
         </p:txBody>
       </p:sp>
     </p:spTree>
     <p:extLst>
       <p:ext uri="{BB962C8B-B14F-4D97-AF65-F5344CB8AC3E}">
-        <p14:creationId xmlns:p14="http://schemas.microsoft.com/office/powerpoint/2010/main" val="405641692"/>
+        <p14:creationId xmlns:p14="http://schemas.microsoft.com/office/powerpoint/2010/main" val="315757360"/>
       </p:ext>
     </p:extLst>
   </p:cSld>
@@ -42248,8 +43740,905 @@
 </p:sld>
 </file>
 
-<file path=ppt/slides/slide47.xml><?xml version="1.0" encoding="utf-8"?>
+<file path=ppt/slides/slide48.xml><?xml version="1.0" encoding="utf-8"?>
 <p:sld xmlns:a="http://schemas.openxmlformats.org/drawingml/2006/main" xmlns:r="http://schemas.openxmlformats.org/officeDocument/2006/relationships" xmlns:p="http://schemas.openxmlformats.org/presentationml/2006/main">
+  <p:cSld>
+    <p:spTree>
+      <p:nvGrpSpPr>
+        <p:cNvPr id="1" name=""/>
+        <p:cNvGrpSpPr/>
+        <p:nvPr/>
+      </p:nvGrpSpPr>
+      <p:grpSpPr>
+        <a:xfrm>
+          <a:off x="0" y="0"/>
+          <a:ext cx="0" cy="0"/>
+          <a:chOff x="0" y="0"/>
+          <a:chExt cx="0" cy="0"/>
+        </a:xfrm>
+      </p:grpSpPr>
+      <p:sp>
+        <p:nvSpPr>
+          <p:cNvPr id="2" name="Title 1">
+            <a:extLst>
+              <a:ext uri="{FF2B5EF4-FFF2-40B4-BE49-F238E27FC236}">
+                <a16:creationId xmlns:a16="http://schemas.microsoft.com/office/drawing/2014/main" id="{3EABABE4-6551-4269-B9ED-68D57F486D6E}"/>
+              </a:ext>
+            </a:extLst>
+          </p:cNvPr>
+          <p:cNvSpPr>
+            <a:spLocks noGrp="1"/>
+          </p:cNvSpPr>
+          <p:nvPr>
+            <p:ph type="title"/>
+          </p:nvPr>
+        </p:nvSpPr>
+        <p:spPr/>
+        <p:txBody>
+          <a:bodyPr/>
+          <a:lstStyle/>
+          <a:p>
+            <a:r>
+              <a:rPr lang="en-US" dirty="0"/>
+              <a:t>Jobs</a:t>
+            </a:r>
+          </a:p>
+        </p:txBody>
+      </p:sp>
+      <p:sp>
+        <p:nvSpPr>
+          <p:cNvPr id="3" name="Text Placeholder 2">
+            <a:extLst>
+              <a:ext uri="{FF2B5EF4-FFF2-40B4-BE49-F238E27FC236}">
+                <a16:creationId xmlns:a16="http://schemas.microsoft.com/office/drawing/2014/main" id="{7A9B479F-8CA5-4518-BA0C-B23B3ADC1F0E}"/>
+              </a:ext>
+            </a:extLst>
+          </p:cNvPr>
+          <p:cNvSpPr>
+            <a:spLocks noGrp="1"/>
+          </p:cNvSpPr>
+          <p:nvPr>
+            <p:ph type="body" idx="1"/>
+          </p:nvPr>
+        </p:nvSpPr>
+        <p:spPr/>
+        <p:txBody>
+          <a:bodyPr/>
+          <a:lstStyle/>
+          <a:p>
+            <a:pPr marL="114300" indent="0">
+              <a:buNone/>
+            </a:pPr>
+            <a:r>
+              <a:rPr lang="en-US" sz="1400" dirty="0">
+                <a:solidFill>
+                  <a:srgbClr val="569CD6"/>
+                </a:solidFill>
+                <a:latin typeface="Consolas" panose="020B0609020204030204" pitchFamily="49" charset="0"/>
+              </a:rPr>
+              <a:t>type</a:t>
+            </a:r>
+            <a:r>
+              <a:rPr lang="en-US" sz="1400" dirty="0">
+                <a:solidFill>
+                  <a:srgbClr val="D4D4D4"/>
+                </a:solidFill>
+                <a:latin typeface="Consolas" panose="020B0609020204030204" pitchFamily="49" charset="0"/>
+              </a:rPr>
+              <a:t> </a:t>
+            </a:r>
+            <a:r>
+              <a:rPr lang="en-US" sz="1400" dirty="0" err="1">
+                <a:solidFill>
+                  <a:srgbClr val="4EC9B0"/>
+                </a:solidFill>
+                <a:latin typeface="Consolas" panose="020B0609020204030204" pitchFamily="49" charset="0"/>
+              </a:rPr>
+              <a:t>WordCount</a:t>
+            </a:r>
+            <a:r>
+              <a:rPr lang="en-US" sz="1400" dirty="0">
+                <a:solidFill>
+                  <a:srgbClr val="D4D4D4"/>
+                </a:solidFill>
+                <a:latin typeface="Consolas" panose="020B0609020204030204" pitchFamily="49" charset="0"/>
+              </a:rPr>
+              <a:t> </a:t>
+            </a:r>
+            <a:r>
+              <a:rPr lang="en-US" sz="1400" dirty="0">
+                <a:solidFill>
+                  <a:srgbClr val="569CD6"/>
+                </a:solidFill>
+                <a:latin typeface="Consolas" panose="020B0609020204030204" pitchFamily="49" charset="0"/>
+              </a:rPr>
+              <a:t>struct</a:t>
+            </a:r>
+            <a:r>
+              <a:rPr lang="en-US" sz="1400" dirty="0">
+                <a:solidFill>
+                  <a:srgbClr val="D4D4D4"/>
+                </a:solidFill>
+                <a:latin typeface="Consolas" panose="020B0609020204030204" pitchFamily="49" charset="0"/>
+              </a:rPr>
+              <a:t>{}</a:t>
+            </a:r>
+          </a:p>
+          <a:p>
+            <a:pPr marL="114300" indent="0">
+              <a:buNone/>
+            </a:pPr>
+            <a:br>
+              <a:rPr lang="en-US" sz="1400" dirty="0">
+                <a:solidFill>
+                  <a:srgbClr val="D4D4D4"/>
+                </a:solidFill>
+                <a:latin typeface="Consolas" panose="020B0609020204030204" pitchFamily="49" charset="0"/>
+              </a:rPr>
+            </a:br>
+            <a:r>
+              <a:rPr lang="en-US" sz="1400" dirty="0" err="1">
+                <a:solidFill>
+                  <a:srgbClr val="569CD6"/>
+                </a:solidFill>
+                <a:latin typeface="Consolas" panose="020B0609020204030204" pitchFamily="49" charset="0"/>
+              </a:rPr>
+              <a:t>func</a:t>
+            </a:r>
+            <a:r>
+              <a:rPr lang="en-US" sz="1400" dirty="0">
+                <a:solidFill>
+                  <a:srgbClr val="D4D4D4"/>
+                </a:solidFill>
+                <a:latin typeface="Consolas" panose="020B0609020204030204" pitchFamily="49" charset="0"/>
+              </a:rPr>
+              <a:t> (w *</a:t>
+            </a:r>
+            <a:r>
+              <a:rPr lang="en-US" sz="1400" dirty="0" err="1">
+                <a:solidFill>
+                  <a:srgbClr val="D4D4D4"/>
+                </a:solidFill>
+                <a:latin typeface="Consolas" panose="020B0609020204030204" pitchFamily="49" charset="0"/>
+              </a:rPr>
+              <a:t>WordCount</a:t>
+            </a:r>
+            <a:r>
+              <a:rPr lang="en-US" sz="1400" dirty="0">
+                <a:solidFill>
+                  <a:srgbClr val="D4D4D4"/>
+                </a:solidFill>
+                <a:latin typeface="Consolas" panose="020B0609020204030204" pitchFamily="49" charset="0"/>
+              </a:rPr>
+              <a:t>) </a:t>
+            </a:r>
+            <a:r>
+              <a:rPr lang="en-US" sz="1400" dirty="0">
+                <a:solidFill>
+                  <a:srgbClr val="DCDCAA"/>
+                </a:solidFill>
+                <a:latin typeface="Consolas" panose="020B0609020204030204" pitchFamily="49" charset="0"/>
+              </a:rPr>
+              <a:t>Map</a:t>
+            </a:r>
+            <a:r>
+              <a:rPr lang="en-US" sz="1400" dirty="0">
+                <a:solidFill>
+                  <a:srgbClr val="D4D4D4"/>
+                </a:solidFill>
+                <a:latin typeface="Consolas" panose="020B0609020204030204" pitchFamily="49" charset="0"/>
+              </a:rPr>
+              <a:t>(in &lt;-</a:t>
+            </a:r>
+            <a:r>
+              <a:rPr lang="en-US" sz="1400" dirty="0" err="1">
+                <a:solidFill>
+                  <a:srgbClr val="569CD6"/>
+                </a:solidFill>
+                <a:latin typeface="Consolas" panose="020B0609020204030204" pitchFamily="49" charset="0"/>
+              </a:rPr>
+              <a:t>chan</a:t>
+            </a:r>
+            <a:r>
+              <a:rPr lang="en-US" sz="1400" dirty="0">
+                <a:solidFill>
+                  <a:srgbClr val="D4D4D4"/>
+                </a:solidFill>
+                <a:latin typeface="Consolas" panose="020B0609020204030204" pitchFamily="49" charset="0"/>
+              </a:rPr>
+              <a:t> </a:t>
+            </a:r>
+            <a:r>
+              <a:rPr lang="en-US" sz="1400" dirty="0">
+                <a:solidFill>
+                  <a:srgbClr val="569CD6"/>
+                </a:solidFill>
+                <a:latin typeface="Consolas" panose="020B0609020204030204" pitchFamily="49" charset="0"/>
+              </a:rPr>
+              <a:t>interface</a:t>
+            </a:r>
+            <a:r>
+              <a:rPr lang="en-US" sz="1400" dirty="0">
+                <a:solidFill>
+                  <a:srgbClr val="D4D4D4"/>
+                </a:solidFill>
+                <a:latin typeface="Consolas" panose="020B0609020204030204" pitchFamily="49" charset="0"/>
+              </a:rPr>
+              <a:t>{}, out </a:t>
+            </a:r>
+            <a:r>
+              <a:rPr lang="en-US" sz="1400" dirty="0" err="1">
+                <a:solidFill>
+                  <a:srgbClr val="569CD6"/>
+                </a:solidFill>
+                <a:latin typeface="Consolas" panose="020B0609020204030204" pitchFamily="49" charset="0"/>
+              </a:rPr>
+              <a:t>chan</a:t>
+            </a:r>
+            <a:r>
+              <a:rPr lang="en-US" sz="1400" dirty="0">
+                <a:solidFill>
+                  <a:srgbClr val="D4D4D4"/>
+                </a:solidFill>
+                <a:latin typeface="Consolas" panose="020B0609020204030204" pitchFamily="49" charset="0"/>
+              </a:rPr>
+              <a:t>&lt;- </a:t>
+            </a:r>
+            <a:r>
+              <a:rPr lang="en-US" sz="1400" dirty="0">
+                <a:solidFill>
+                  <a:srgbClr val="569CD6"/>
+                </a:solidFill>
+                <a:latin typeface="Consolas" panose="020B0609020204030204" pitchFamily="49" charset="0"/>
+              </a:rPr>
+              <a:t>interface</a:t>
+            </a:r>
+            <a:r>
+              <a:rPr lang="en-US" sz="1400" dirty="0">
+                <a:solidFill>
+                  <a:srgbClr val="D4D4D4"/>
+                </a:solidFill>
+                <a:latin typeface="Consolas" panose="020B0609020204030204" pitchFamily="49" charset="0"/>
+              </a:rPr>
+              <a:t>{}) {</a:t>
+            </a:r>
+          </a:p>
+          <a:p>
+            <a:pPr marL="114300" indent="0">
+              <a:buNone/>
+            </a:pPr>
+            <a:r>
+              <a:rPr lang="en-US" sz="1400" dirty="0">
+                <a:solidFill>
+                  <a:srgbClr val="D4D4D4"/>
+                </a:solidFill>
+                <a:latin typeface="Consolas" panose="020B0609020204030204" pitchFamily="49" charset="0"/>
+              </a:rPr>
+              <a:t>    // …</a:t>
+            </a:r>
+          </a:p>
+          <a:p>
+            <a:pPr marL="114300" indent="0">
+              <a:buNone/>
+            </a:pPr>
+            <a:r>
+              <a:rPr lang="en-US" sz="1400" dirty="0">
+                <a:solidFill>
+                  <a:srgbClr val="D4D4D4"/>
+                </a:solidFill>
+                <a:latin typeface="Consolas" panose="020B0609020204030204" pitchFamily="49" charset="0"/>
+              </a:rPr>
+              <a:t>}</a:t>
+            </a:r>
+          </a:p>
+          <a:p>
+            <a:pPr marL="114300" indent="0">
+              <a:buNone/>
+            </a:pPr>
+            <a:br>
+              <a:rPr lang="en-US" sz="1400" dirty="0">
+                <a:solidFill>
+                  <a:srgbClr val="D4D4D4"/>
+                </a:solidFill>
+                <a:latin typeface="Consolas" panose="020B0609020204030204" pitchFamily="49" charset="0"/>
+              </a:rPr>
+            </a:br>
+            <a:r>
+              <a:rPr lang="en-US" sz="1400" dirty="0" err="1">
+                <a:solidFill>
+                  <a:srgbClr val="569CD6"/>
+                </a:solidFill>
+                <a:latin typeface="Consolas" panose="020B0609020204030204" pitchFamily="49" charset="0"/>
+              </a:rPr>
+              <a:t>func</a:t>
+            </a:r>
+            <a:r>
+              <a:rPr lang="en-US" sz="1400" dirty="0">
+                <a:solidFill>
+                  <a:srgbClr val="D4D4D4"/>
+                </a:solidFill>
+                <a:latin typeface="Consolas" panose="020B0609020204030204" pitchFamily="49" charset="0"/>
+              </a:rPr>
+              <a:t> (w *</a:t>
+            </a:r>
+            <a:r>
+              <a:rPr lang="en-US" sz="1400" dirty="0" err="1">
+                <a:solidFill>
+                  <a:srgbClr val="D4D4D4"/>
+                </a:solidFill>
+                <a:latin typeface="Consolas" panose="020B0609020204030204" pitchFamily="49" charset="0"/>
+              </a:rPr>
+              <a:t>WordCount</a:t>
+            </a:r>
+            <a:r>
+              <a:rPr lang="en-US" sz="1400" dirty="0">
+                <a:solidFill>
+                  <a:srgbClr val="D4D4D4"/>
+                </a:solidFill>
+                <a:latin typeface="Consolas" panose="020B0609020204030204" pitchFamily="49" charset="0"/>
+              </a:rPr>
+              <a:t>) </a:t>
+            </a:r>
+            <a:r>
+              <a:rPr lang="en-US" sz="1400" dirty="0">
+                <a:solidFill>
+                  <a:srgbClr val="DCDCAA"/>
+                </a:solidFill>
+                <a:latin typeface="Consolas" panose="020B0609020204030204" pitchFamily="49" charset="0"/>
+              </a:rPr>
+              <a:t>Partition</a:t>
+            </a:r>
+            <a:r>
+              <a:rPr lang="en-US" sz="1400" dirty="0">
+                <a:solidFill>
+                  <a:srgbClr val="D4D4D4"/>
+                </a:solidFill>
+                <a:latin typeface="Consolas" panose="020B0609020204030204" pitchFamily="49" charset="0"/>
+              </a:rPr>
+              <a:t>(in &lt;-</a:t>
+            </a:r>
+            <a:r>
+              <a:rPr lang="en-US" sz="1400" dirty="0" err="1">
+                <a:solidFill>
+                  <a:srgbClr val="569CD6"/>
+                </a:solidFill>
+                <a:latin typeface="Consolas" panose="020B0609020204030204" pitchFamily="49" charset="0"/>
+              </a:rPr>
+              <a:t>chan</a:t>
+            </a:r>
+            <a:r>
+              <a:rPr lang="en-US" sz="1400" dirty="0">
+                <a:solidFill>
+                  <a:srgbClr val="D4D4D4"/>
+                </a:solidFill>
+                <a:latin typeface="Consolas" panose="020B0609020204030204" pitchFamily="49" charset="0"/>
+              </a:rPr>
+              <a:t> </a:t>
+            </a:r>
+            <a:r>
+              <a:rPr lang="en-US" sz="1400" dirty="0">
+                <a:solidFill>
+                  <a:srgbClr val="569CD6"/>
+                </a:solidFill>
+                <a:latin typeface="Consolas" panose="020B0609020204030204" pitchFamily="49" charset="0"/>
+              </a:rPr>
+              <a:t>interface</a:t>
+            </a:r>
+            <a:r>
+              <a:rPr lang="en-US" sz="1400" dirty="0">
+                <a:solidFill>
+                  <a:srgbClr val="D4D4D4"/>
+                </a:solidFill>
+                <a:latin typeface="Consolas" panose="020B0609020204030204" pitchFamily="49" charset="0"/>
+              </a:rPr>
+              <a:t>{}, outs []</a:t>
+            </a:r>
+            <a:r>
+              <a:rPr lang="en-US" sz="1400" dirty="0" err="1">
+                <a:solidFill>
+                  <a:srgbClr val="569CD6"/>
+                </a:solidFill>
+                <a:latin typeface="Consolas" panose="020B0609020204030204" pitchFamily="49" charset="0"/>
+              </a:rPr>
+              <a:t>chan</a:t>
+            </a:r>
+            <a:r>
+              <a:rPr lang="en-US" sz="1400" dirty="0">
+                <a:solidFill>
+                  <a:srgbClr val="D4D4D4"/>
+                </a:solidFill>
+                <a:latin typeface="Consolas" panose="020B0609020204030204" pitchFamily="49" charset="0"/>
+              </a:rPr>
+              <a:t> </a:t>
+            </a:r>
+            <a:r>
+              <a:rPr lang="en-US" sz="1400" dirty="0">
+                <a:solidFill>
+                  <a:srgbClr val="569CD6"/>
+                </a:solidFill>
+                <a:latin typeface="Consolas" panose="020B0609020204030204" pitchFamily="49" charset="0"/>
+              </a:rPr>
+              <a:t>interface</a:t>
+            </a:r>
+            <a:r>
+              <a:rPr lang="en-US" sz="1400" dirty="0">
+                <a:solidFill>
+                  <a:srgbClr val="D4D4D4"/>
+                </a:solidFill>
+                <a:latin typeface="Consolas" panose="020B0609020204030204" pitchFamily="49" charset="0"/>
+              </a:rPr>
+              <a:t>{}, </a:t>
+            </a:r>
+            <a:r>
+              <a:rPr lang="en-US" sz="1400" dirty="0" err="1">
+                <a:solidFill>
+                  <a:srgbClr val="D4D4D4"/>
+                </a:solidFill>
+                <a:latin typeface="Consolas" panose="020B0609020204030204" pitchFamily="49" charset="0"/>
+              </a:rPr>
+              <a:t>wg</a:t>
+            </a:r>
+            <a:r>
+              <a:rPr lang="en-US" sz="1400" dirty="0">
+                <a:solidFill>
+                  <a:srgbClr val="D4D4D4"/>
+                </a:solidFill>
+                <a:latin typeface="Consolas" panose="020B0609020204030204" pitchFamily="49" charset="0"/>
+              </a:rPr>
+              <a:t> *</a:t>
+            </a:r>
+            <a:r>
+              <a:rPr lang="en-US" sz="1400" dirty="0" err="1">
+                <a:solidFill>
+                  <a:srgbClr val="D4D4D4"/>
+                </a:solidFill>
+                <a:latin typeface="Consolas" panose="020B0609020204030204" pitchFamily="49" charset="0"/>
+              </a:rPr>
+              <a:t>sync.WaitGroup</a:t>
+            </a:r>
+            <a:r>
+              <a:rPr lang="en-US" sz="1400" dirty="0">
+                <a:solidFill>
+                  <a:srgbClr val="D4D4D4"/>
+                </a:solidFill>
+                <a:latin typeface="Consolas" panose="020B0609020204030204" pitchFamily="49" charset="0"/>
+              </a:rPr>
+              <a:t>) {</a:t>
+            </a:r>
+          </a:p>
+          <a:p>
+            <a:pPr marL="114300" indent="0">
+              <a:buNone/>
+            </a:pPr>
+            <a:r>
+              <a:rPr lang="en-US" sz="1400" dirty="0">
+                <a:solidFill>
+                  <a:srgbClr val="D4D4D4"/>
+                </a:solidFill>
+                <a:latin typeface="Consolas" panose="020B0609020204030204" pitchFamily="49" charset="0"/>
+              </a:rPr>
+              <a:t>    // …</a:t>
+            </a:r>
+          </a:p>
+          <a:p>
+            <a:pPr marL="114300" indent="0">
+              <a:buNone/>
+            </a:pPr>
+            <a:r>
+              <a:rPr lang="en-US" sz="1400" dirty="0">
+                <a:solidFill>
+                  <a:srgbClr val="D4D4D4"/>
+                </a:solidFill>
+                <a:latin typeface="Consolas" panose="020B0609020204030204" pitchFamily="49" charset="0"/>
+              </a:rPr>
+              <a:t>}</a:t>
+            </a:r>
+          </a:p>
+          <a:p>
+            <a:pPr marL="114300" indent="0">
+              <a:buNone/>
+            </a:pPr>
+            <a:br>
+              <a:rPr lang="en-US" sz="1400" dirty="0">
+                <a:solidFill>
+                  <a:srgbClr val="D4D4D4"/>
+                </a:solidFill>
+                <a:latin typeface="Consolas" panose="020B0609020204030204" pitchFamily="49" charset="0"/>
+              </a:rPr>
+            </a:br>
+            <a:r>
+              <a:rPr lang="en-US" sz="1400" dirty="0" err="1">
+                <a:solidFill>
+                  <a:srgbClr val="569CD6"/>
+                </a:solidFill>
+                <a:latin typeface="Consolas" panose="020B0609020204030204" pitchFamily="49" charset="0"/>
+              </a:rPr>
+              <a:t>func</a:t>
+            </a:r>
+            <a:r>
+              <a:rPr lang="en-US" sz="1400" dirty="0">
+                <a:solidFill>
+                  <a:srgbClr val="D4D4D4"/>
+                </a:solidFill>
+                <a:latin typeface="Consolas" panose="020B0609020204030204" pitchFamily="49" charset="0"/>
+              </a:rPr>
+              <a:t> (w *</a:t>
+            </a:r>
+            <a:r>
+              <a:rPr lang="en-US" sz="1400" dirty="0" err="1">
+                <a:solidFill>
+                  <a:srgbClr val="D4D4D4"/>
+                </a:solidFill>
+                <a:latin typeface="Consolas" panose="020B0609020204030204" pitchFamily="49" charset="0"/>
+              </a:rPr>
+              <a:t>WordCount</a:t>
+            </a:r>
+            <a:r>
+              <a:rPr lang="en-US" sz="1400" dirty="0">
+                <a:solidFill>
+                  <a:srgbClr val="D4D4D4"/>
+                </a:solidFill>
+                <a:latin typeface="Consolas" panose="020B0609020204030204" pitchFamily="49" charset="0"/>
+              </a:rPr>
+              <a:t>) </a:t>
+            </a:r>
+            <a:r>
+              <a:rPr lang="en-US" sz="1400" dirty="0">
+                <a:solidFill>
+                  <a:srgbClr val="DCDCAA"/>
+                </a:solidFill>
+                <a:latin typeface="Consolas" panose="020B0609020204030204" pitchFamily="49" charset="0"/>
+              </a:rPr>
+              <a:t>Reduce</a:t>
+            </a:r>
+            <a:r>
+              <a:rPr lang="en-US" sz="1400" dirty="0">
+                <a:solidFill>
+                  <a:srgbClr val="D4D4D4"/>
+                </a:solidFill>
+                <a:latin typeface="Consolas" panose="020B0609020204030204" pitchFamily="49" charset="0"/>
+              </a:rPr>
+              <a:t>(in &lt;-</a:t>
+            </a:r>
+            <a:r>
+              <a:rPr lang="en-US" sz="1400" dirty="0" err="1">
+                <a:solidFill>
+                  <a:srgbClr val="569CD6"/>
+                </a:solidFill>
+                <a:latin typeface="Consolas" panose="020B0609020204030204" pitchFamily="49" charset="0"/>
+              </a:rPr>
+              <a:t>chan</a:t>
+            </a:r>
+            <a:r>
+              <a:rPr lang="en-US" sz="1400" dirty="0">
+                <a:solidFill>
+                  <a:srgbClr val="D4D4D4"/>
+                </a:solidFill>
+                <a:latin typeface="Consolas" panose="020B0609020204030204" pitchFamily="49" charset="0"/>
+              </a:rPr>
+              <a:t> </a:t>
+            </a:r>
+            <a:r>
+              <a:rPr lang="en-US" sz="1400" dirty="0">
+                <a:solidFill>
+                  <a:srgbClr val="569CD6"/>
+                </a:solidFill>
+                <a:latin typeface="Consolas" panose="020B0609020204030204" pitchFamily="49" charset="0"/>
+              </a:rPr>
+              <a:t>interface</a:t>
+            </a:r>
+            <a:r>
+              <a:rPr lang="en-US" sz="1400" dirty="0">
+                <a:solidFill>
+                  <a:srgbClr val="D4D4D4"/>
+                </a:solidFill>
+                <a:latin typeface="Consolas" panose="020B0609020204030204" pitchFamily="49" charset="0"/>
+              </a:rPr>
+              <a:t>{}, out </a:t>
+            </a:r>
+            <a:r>
+              <a:rPr lang="en-US" sz="1400" dirty="0" err="1">
+                <a:solidFill>
+                  <a:srgbClr val="569CD6"/>
+                </a:solidFill>
+                <a:latin typeface="Consolas" panose="020B0609020204030204" pitchFamily="49" charset="0"/>
+              </a:rPr>
+              <a:t>chan</a:t>
+            </a:r>
+            <a:r>
+              <a:rPr lang="en-US" sz="1400" dirty="0">
+                <a:solidFill>
+                  <a:srgbClr val="D4D4D4"/>
+                </a:solidFill>
+                <a:latin typeface="Consolas" panose="020B0609020204030204" pitchFamily="49" charset="0"/>
+              </a:rPr>
+              <a:t>&lt; </a:t>
+            </a:r>
+            <a:r>
+              <a:rPr lang="en-US" sz="1400" dirty="0">
+                <a:solidFill>
+                  <a:srgbClr val="569CD6"/>
+                </a:solidFill>
+                <a:latin typeface="Consolas" panose="020B0609020204030204" pitchFamily="49" charset="0"/>
+              </a:rPr>
+              <a:t>interface</a:t>
+            </a:r>
+            <a:r>
+              <a:rPr lang="en-US" sz="1400" dirty="0">
+                <a:solidFill>
+                  <a:srgbClr val="D4D4D4"/>
+                </a:solidFill>
+                <a:latin typeface="Consolas" panose="020B0609020204030204" pitchFamily="49" charset="0"/>
+              </a:rPr>
+              <a:t>{}, </a:t>
+            </a:r>
+            <a:r>
+              <a:rPr lang="en-US" sz="1400" dirty="0" err="1">
+                <a:solidFill>
+                  <a:srgbClr val="D4D4D4"/>
+                </a:solidFill>
+                <a:latin typeface="Consolas" panose="020B0609020204030204" pitchFamily="49" charset="0"/>
+              </a:rPr>
+              <a:t>wg</a:t>
+            </a:r>
+            <a:r>
+              <a:rPr lang="en-US" sz="1400" dirty="0">
+                <a:solidFill>
+                  <a:srgbClr val="D4D4D4"/>
+                </a:solidFill>
+                <a:latin typeface="Consolas" panose="020B0609020204030204" pitchFamily="49" charset="0"/>
+              </a:rPr>
+              <a:t> *</a:t>
+            </a:r>
+            <a:r>
+              <a:rPr lang="en-US" sz="1400" dirty="0" err="1">
+                <a:solidFill>
+                  <a:srgbClr val="D4D4D4"/>
+                </a:solidFill>
+                <a:latin typeface="Consolas" panose="020B0609020204030204" pitchFamily="49" charset="0"/>
+              </a:rPr>
+              <a:t>sync.WaitGroup</a:t>
+            </a:r>
+            <a:r>
+              <a:rPr lang="en-US" sz="1400" dirty="0">
+                <a:solidFill>
+                  <a:srgbClr val="D4D4D4"/>
+                </a:solidFill>
+                <a:latin typeface="Consolas" panose="020B0609020204030204" pitchFamily="49" charset="0"/>
+              </a:rPr>
+              <a:t>) {</a:t>
+            </a:r>
+          </a:p>
+          <a:p>
+            <a:pPr marL="114300" indent="0">
+              <a:buNone/>
+            </a:pPr>
+            <a:r>
+              <a:rPr lang="en-US" sz="1400" dirty="0">
+                <a:solidFill>
+                  <a:srgbClr val="D4D4D4"/>
+                </a:solidFill>
+                <a:latin typeface="Consolas" panose="020B0609020204030204" pitchFamily="49" charset="0"/>
+              </a:rPr>
+              <a:t>    // …</a:t>
+            </a:r>
+          </a:p>
+          <a:p>
+            <a:pPr marL="114300" indent="0">
+              <a:buNone/>
+            </a:pPr>
+            <a:r>
+              <a:rPr lang="en-US" sz="1400" dirty="0">
+                <a:solidFill>
+                  <a:srgbClr val="D4D4D4"/>
+                </a:solidFill>
+                <a:latin typeface="Consolas" panose="020B0609020204030204" pitchFamily="49" charset="0"/>
+              </a:rPr>
+              <a:t>}</a:t>
+            </a:r>
+          </a:p>
+          <a:p>
+            <a:pPr marL="114300" indent="0">
+              <a:buNone/>
+            </a:pPr>
+            <a:br>
+              <a:rPr lang="en-US" sz="1400" dirty="0">
+                <a:solidFill>
+                  <a:srgbClr val="D4D4D4"/>
+                </a:solidFill>
+                <a:latin typeface="Consolas" panose="020B0609020204030204" pitchFamily="49" charset="0"/>
+              </a:rPr>
+            </a:br>
+            <a:r>
+              <a:rPr lang="en-US" sz="1400" dirty="0" err="1">
+                <a:solidFill>
+                  <a:srgbClr val="569CD6"/>
+                </a:solidFill>
+                <a:latin typeface="Consolas" panose="020B0609020204030204" pitchFamily="49" charset="0"/>
+              </a:rPr>
+              <a:t>func</a:t>
+            </a:r>
+            <a:r>
+              <a:rPr lang="en-US" sz="1400" dirty="0">
+                <a:solidFill>
+                  <a:srgbClr val="D4D4D4"/>
+                </a:solidFill>
+                <a:latin typeface="Consolas" panose="020B0609020204030204" pitchFamily="49" charset="0"/>
+              </a:rPr>
+              <a:t> </a:t>
+            </a:r>
+            <a:r>
+              <a:rPr lang="en-US" sz="1400" dirty="0">
+                <a:solidFill>
+                  <a:srgbClr val="DCDCAA"/>
+                </a:solidFill>
+                <a:latin typeface="Consolas" panose="020B0609020204030204" pitchFamily="49" charset="0"/>
+              </a:rPr>
+              <a:t>main</a:t>
+            </a:r>
+            <a:r>
+              <a:rPr lang="en-US" sz="1400" dirty="0">
+                <a:solidFill>
+                  <a:srgbClr val="D4D4D4"/>
+                </a:solidFill>
+                <a:latin typeface="Consolas" panose="020B0609020204030204" pitchFamily="49" charset="0"/>
+              </a:rPr>
+              <a:t>() {</a:t>
+            </a:r>
+          </a:p>
+          <a:p>
+            <a:pPr marL="114300" indent="0">
+              <a:buNone/>
+            </a:pPr>
+            <a:r>
+              <a:rPr lang="en-US" sz="1400" dirty="0">
+                <a:solidFill>
+                  <a:srgbClr val="D4D4D4"/>
+                </a:solidFill>
+                <a:latin typeface="Consolas" panose="020B0609020204030204" pitchFamily="49" charset="0"/>
+              </a:rPr>
+              <a:t>    </a:t>
+            </a:r>
+            <a:r>
+              <a:rPr lang="en-US" sz="1400" dirty="0" err="1">
+                <a:solidFill>
+                  <a:srgbClr val="D4D4D4"/>
+                </a:solidFill>
+                <a:latin typeface="Consolas" panose="020B0609020204030204" pitchFamily="49" charset="0"/>
+              </a:rPr>
+              <a:t>gomr.</a:t>
+            </a:r>
+            <a:r>
+              <a:rPr lang="en-US" sz="1400" dirty="0" err="1">
+                <a:solidFill>
+                  <a:srgbClr val="DCDCAA"/>
+                </a:solidFill>
+                <a:latin typeface="Consolas" panose="020B0609020204030204" pitchFamily="49" charset="0"/>
+              </a:rPr>
+              <a:t>RunDistributed</a:t>
+            </a:r>
+            <a:r>
+              <a:rPr lang="en-US" sz="1400" dirty="0">
+                <a:solidFill>
+                  <a:srgbClr val="D4D4D4"/>
+                </a:solidFill>
+                <a:latin typeface="Consolas" panose="020B0609020204030204" pitchFamily="49" charset="0"/>
+              </a:rPr>
+              <a:t>(&amp;</a:t>
+            </a:r>
+            <a:r>
+              <a:rPr lang="en-US" sz="1400" dirty="0" err="1">
+                <a:solidFill>
+                  <a:srgbClr val="D4D4D4"/>
+                </a:solidFill>
+                <a:latin typeface="Consolas" panose="020B0609020204030204" pitchFamily="49" charset="0"/>
+              </a:rPr>
+              <a:t>WordCount</a:t>
+            </a:r>
+            <a:r>
+              <a:rPr lang="en-US" sz="1400" dirty="0">
+                <a:solidFill>
+                  <a:srgbClr val="D4D4D4"/>
+                </a:solidFill>
+                <a:latin typeface="Consolas" panose="020B0609020204030204" pitchFamily="49" charset="0"/>
+              </a:rPr>
+              <a:t>{})</a:t>
+            </a:r>
+          </a:p>
+          <a:p>
+            <a:pPr marL="114300" indent="0">
+              <a:buNone/>
+            </a:pPr>
+            <a:r>
+              <a:rPr lang="en-US" sz="1400" dirty="0">
+                <a:solidFill>
+                  <a:srgbClr val="D4D4D4"/>
+                </a:solidFill>
+                <a:latin typeface="Consolas" panose="020B0609020204030204" pitchFamily="49" charset="0"/>
+              </a:rPr>
+              <a:t>}</a:t>
+            </a:r>
+          </a:p>
+          <a:p>
+            <a:pPr marL="114300" indent="0">
+              <a:buNone/>
+            </a:pPr>
+            <a:br>
+              <a:rPr lang="en-US" sz="1400" dirty="0">
+                <a:solidFill>
+                  <a:srgbClr val="D4D4D4"/>
+                </a:solidFill>
+                <a:latin typeface="Consolas" panose="020B0609020204030204" pitchFamily="49" charset="0"/>
+              </a:rPr>
+            </a:br>
+            <a:endParaRPr lang="en-US" sz="1400" dirty="0">
+              <a:solidFill>
+                <a:srgbClr val="D4D4D4"/>
+              </a:solidFill>
+              <a:latin typeface="Consolas" panose="020B0609020204030204" pitchFamily="49" charset="0"/>
+            </a:endParaRPr>
+          </a:p>
+          <a:p>
+            <a:pPr marL="114300" indent="0">
+              <a:buNone/>
+            </a:pPr>
+            <a:endParaRPr lang="en-US" sz="1400" dirty="0"/>
+          </a:p>
+        </p:txBody>
+      </p:sp>
+      <p:sp>
+        <p:nvSpPr>
+          <p:cNvPr id="4" name="Slide Number Placeholder 3">
+            <a:extLst>
+              <a:ext uri="{FF2B5EF4-FFF2-40B4-BE49-F238E27FC236}">
+                <a16:creationId xmlns:a16="http://schemas.microsoft.com/office/drawing/2014/main" id="{33B89133-9A04-4F8A-9583-F6C872946B4D}"/>
+              </a:ext>
+            </a:extLst>
+          </p:cNvPr>
+          <p:cNvSpPr>
+            <a:spLocks noGrp="1"/>
+          </p:cNvSpPr>
+          <p:nvPr>
+            <p:ph type="sldNum" idx="12"/>
+          </p:nvPr>
+        </p:nvSpPr>
+        <p:spPr/>
+        <p:txBody>
+          <a:bodyPr/>
+          <a:lstStyle/>
+          <a:p>
+            <a:pPr marL="0" lvl="0" indent="0" algn="r" rtl="0">
+              <a:spcBef>
+                <a:spcPts val="0"/>
+              </a:spcBef>
+              <a:spcAft>
+                <a:spcPts val="0"/>
+              </a:spcAft>
+              <a:buNone/>
+            </a:pPr>
+            <a:fld id="{00000000-1234-1234-1234-123412341234}" type="slidenum">
+              <a:rPr lang="en" smtClean="0"/>
+              <a:t>48</a:t>
+            </a:fld>
+            <a:endParaRPr lang="en"/>
+          </a:p>
+        </p:txBody>
+      </p:sp>
+    </p:spTree>
+    <p:extLst>
+      <p:ext uri="{BB962C8B-B14F-4D97-AF65-F5344CB8AC3E}">
+        <p14:creationId xmlns:p14="http://schemas.microsoft.com/office/powerpoint/2010/main" val="2923492207"/>
+      </p:ext>
+    </p:extLst>
+  </p:cSld>
+  <p:clrMapOvr>
+    <a:masterClrMapping/>
+  </p:clrMapOvr>
+</p:sld>
+</file>
+
+<file path=ppt/slides/slide49.xml><?xml version="1.0" encoding="utf-8"?>
+<p:sld xmlns:a="http://schemas.openxmlformats.org/drawingml/2006/main" xmlns:r="http://schemas.openxmlformats.org/officeDocument/2006/relationships" xmlns:p="http://schemas.openxmlformats.org/presentationml/2006/main" show="0">
   <p:cSld>
     <p:spTree>
       <p:nvGrpSpPr>
@@ -42373,7 +44762,7 @@
             </a:pPr>
             <a:fld id="{00000000-1234-1234-1234-123412341234}" type="slidenum">
               <a:rPr lang="en" smtClean="0"/>
-              <a:t>47</a:t>
+              <a:t>49</a:t>
             </a:fld>
             <a:endParaRPr lang="en"/>
           </a:p>
@@ -42383,744 +44772,6 @@
     <p:extLst>
       <p:ext uri="{BB962C8B-B14F-4D97-AF65-F5344CB8AC3E}">
         <p14:creationId xmlns:p14="http://schemas.microsoft.com/office/powerpoint/2010/main" val="972572024"/>
-      </p:ext>
-    </p:extLst>
-  </p:cSld>
-  <p:clrMapOvr>
-    <a:masterClrMapping/>
-  </p:clrMapOvr>
-</p:sld>
-</file>
-
-<file path=ppt/slides/slide48.xml><?xml version="1.0" encoding="utf-8"?>
-<p:sld xmlns:a="http://schemas.openxmlformats.org/drawingml/2006/main" xmlns:r="http://schemas.openxmlformats.org/officeDocument/2006/relationships" xmlns:p="http://schemas.openxmlformats.org/presentationml/2006/main">
-  <p:cSld>
-    <p:spTree>
-      <p:nvGrpSpPr>
-        <p:cNvPr id="1" name="Shape 254"/>
-        <p:cNvGrpSpPr/>
-        <p:nvPr/>
-      </p:nvGrpSpPr>
-      <p:grpSpPr>
-        <a:xfrm>
-          <a:off x="0" y="0"/>
-          <a:ext cx="0" cy="0"/>
-          <a:chOff x="0" y="0"/>
-          <a:chExt cx="0" cy="0"/>
-        </a:xfrm>
-      </p:grpSpPr>
-      <p:sp>
-        <p:nvSpPr>
-          <p:cNvPr id="255" name="Google Shape;255;p26"/>
-          <p:cNvSpPr txBox="1">
-            <a:spLocks noGrp="1"/>
-          </p:cNvSpPr>
-          <p:nvPr>
-            <p:ph type="title"/>
-          </p:nvPr>
-        </p:nvSpPr>
-        <p:spPr>
-          <a:xfrm>
-            <a:off x="311700" y="593367"/>
-            <a:ext cx="8520600" cy="763500"/>
-          </a:xfrm>
-          <a:prstGeom prst="rect">
-            <a:avLst/>
-          </a:prstGeom>
-        </p:spPr>
-        <p:txBody>
-          <a:bodyPr spcFirstLastPara="1" wrap="square" lIns="91425" tIns="91425" rIns="91425" bIns="91425" anchor="t" anchorCtr="0">
-            <a:noAutofit/>
-          </a:bodyPr>
-          <a:lstStyle/>
-          <a:p>
-            <a:pPr marL="0" lvl="0" indent="0" algn="l" rtl="0">
-              <a:spcBef>
-                <a:spcPts val="0"/>
-              </a:spcBef>
-              <a:spcAft>
-                <a:spcPts val="0"/>
-              </a:spcAft>
-              <a:buNone/>
-            </a:pPr>
-            <a:r>
-              <a:rPr lang="en"/>
-              <a:t>Existing solutions</a:t>
-            </a:r>
-            <a:endParaRPr/>
-          </a:p>
-        </p:txBody>
-      </p:sp>
-      <p:sp>
-        <p:nvSpPr>
-          <p:cNvPr id="256" name="Google Shape;256;p26"/>
-          <p:cNvSpPr txBox="1">
-            <a:spLocks noGrp="1"/>
-          </p:cNvSpPr>
-          <p:nvPr>
-            <p:ph type="body" idx="1"/>
-          </p:nvPr>
-        </p:nvSpPr>
-        <p:spPr>
-          <a:xfrm>
-            <a:off x="311700" y="1536625"/>
-            <a:ext cx="4480500" cy="4555200"/>
-          </a:xfrm>
-          <a:prstGeom prst="rect">
-            <a:avLst/>
-          </a:prstGeom>
-        </p:spPr>
-        <p:txBody>
-          <a:bodyPr spcFirstLastPara="1" wrap="square" lIns="91425" tIns="91425" rIns="91425" bIns="91425" anchor="t" anchorCtr="0">
-            <a:noAutofit/>
-          </a:bodyPr>
-          <a:lstStyle/>
-          <a:p>
-            <a:r>
-              <a:rPr lang="en-US" u="sng" dirty="0">
-                <a:solidFill>
-                  <a:schemeClr val="hlink"/>
-                </a:solidFill>
-                <a:hlinkClick r:id="rId3"/>
-              </a:rPr>
-              <a:t>http://marcio.io/2015/07/cheap-mapreduce-in-go/</a:t>
-            </a:r>
-            <a:endParaRPr lang="en-US" dirty="0"/>
-          </a:p>
-          <a:p>
-            <a:endParaRPr lang="en-US" u="sng" dirty="0">
-              <a:solidFill>
-                <a:schemeClr val="hlink"/>
-              </a:solidFill>
-              <a:hlinkClick r:id="rId4"/>
-            </a:endParaRPr>
-          </a:p>
-          <a:p>
-            <a:r>
-              <a:rPr lang="en-US" u="sng" dirty="0">
-                <a:solidFill>
-                  <a:schemeClr val="hlink"/>
-                </a:solidFill>
-                <a:hlinkClick r:id="rId4"/>
-              </a:rPr>
-              <a:t>https://godoc.org/github.com/ahamidi/go-mapreduce</a:t>
-            </a:r>
-            <a:endParaRPr lang="en" u="sng" dirty="0">
-              <a:solidFill>
-                <a:schemeClr val="hlink"/>
-              </a:solidFill>
-              <a:hlinkClick r:id="rId5"/>
-            </a:endParaRPr>
-          </a:p>
-          <a:p>
-            <a:pPr marL="457200" lvl="0" indent="-342900" algn="l" rtl="0">
-              <a:spcBef>
-                <a:spcPts val="0"/>
-              </a:spcBef>
-              <a:spcAft>
-                <a:spcPts val="0"/>
-              </a:spcAft>
-              <a:buSzPts val="1800"/>
-              <a:buChar char="●"/>
-            </a:pPr>
-            <a:r>
-              <a:rPr lang="en" u="sng" dirty="0">
-                <a:solidFill>
-                  <a:schemeClr val="hlink"/>
-                </a:solidFill>
-                <a:hlinkClick r:id="rId5"/>
-              </a:rPr>
-              <a:t>https://medium.com/@jayhuang75/a-simple-mapreduce-in-go-42c929b000c5</a:t>
-            </a:r>
-            <a:endParaRPr dirty="0"/>
-          </a:p>
-          <a:p>
-            <a:pPr marL="457200" lvl="0" indent="-342900" algn="l" rtl="0">
-              <a:spcBef>
-                <a:spcPts val="0"/>
-              </a:spcBef>
-              <a:spcAft>
-                <a:spcPts val="0"/>
-              </a:spcAft>
-              <a:buSzPts val="1800"/>
-              <a:buChar char="●"/>
-            </a:pPr>
-            <a:r>
-              <a:rPr lang="en" u="sng" dirty="0">
-                <a:solidFill>
-                  <a:schemeClr val="hlink"/>
-                </a:solidFill>
-                <a:hlinkClick r:id="rId6"/>
-              </a:rPr>
-              <a:t>https://appliedgo.net/mapreduce/</a:t>
-            </a:r>
-            <a:endParaRPr dirty="0"/>
-          </a:p>
-          <a:p>
-            <a:pPr marL="457200" lvl="0" indent="-342900" algn="l" rtl="0">
-              <a:spcBef>
-                <a:spcPts val="0"/>
-              </a:spcBef>
-              <a:spcAft>
-                <a:spcPts val="0"/>
-              </a:spcAft>
-              <a:buSzPts val="1800"/>
-              <a:buChar char="●"/>
-            </a:pPr>
-            <a:r>
-              <a:rPr lang="en" u="sng" dirty="0">
-                <a:solidFill>
-                  <a:schemeClr val="hlink"/>
-                </a:solidFill>
-                <a:hlinkClick r:id="rId7"/>
-              </a:rPr>
-              <a:t>https://blog.gopheracademy.com/advent-2015/glow-map-reduce-for-golang/</a:t>
-            </a:r>
-            <a:endParaRPr lang="en" u="sng" dirty="0">
-              <a:solidFill>
-                <a:schemeClr val="hlink"/>
-              </a:solidFill>
-            </a:endParaRPr>
-          </a:p>
-          <a:p>
-            <a:r>
-              <a:rPr lang="en-US" dirty="0">
-                <a:hlinkClick r:id="rId8"/>
-              </a:rPr>
-              <a:t>https://github.com/chrislusf/gleam</a:t>
-            </a:r>
-            <a:endParaRPr dirty="0"/>
-          </a:p>
-          <a:p>
-            <a:pPr marL="457200" lvl="0" indent="-342900" algn="l" rtl="0">
-              <a:spcBef>
-                <a:spcPts val="0"/>
-              </a:spcBef>
-              <a:spcAft>
-                <a:spcPts val="0"/>
-              </a:spcAft>
-              <a:buSzPts val="1800"/>
-              <a:buChar char="●"/>
-            </a:pPr>
-            <a:r>
-              <a:rPr lang="en" u="sng" dirty="0">
-                <a:solidFill>
-                  <a:schemeClr val="hlink"/>
-                </a:solidFill>
-                <a:hlinkClick r:id="rId9"/>
-              </a:rPr>
-              <a:t>https://github.com/darkjh/go-mapreduce</a:t>
-            </a:r>
-            <a:endParaRPr dirty="0"/>
-          </a:p>
-        </p:txBody>
-      </p:sp>
-      <p:sp>
-        <p:nvSpPr>
-          <p:cNvPr id="257" name="Google Shape;257;p26"/>
-          <p:cNvSpPr txBox="1">
-            <a:spLocks noGrp="1"/>
-          </p:cNvSpPr>
-          <p:nvPr>
-            <p:ph type="sldNum" idx="12"/>
-          </p:nvPr>
-        </p:nvSpPr>
-        <p:spPr>
-          <a:xfrm>
-            <a:off x="8490250" y="6241346"/>
-            <a:ext cx="548700" cy="524700"/>
-          </a:xfrm>
-          <a:prstGeom prst="rect">
-            <a:avLst/>
-          </a:prstGeom>
-        </p:spPr>
-        <p:txBody>
-          <a:bodyPr spcFirstLastPara="1" wrap="square" lIns="91425" tIns="91425" rIns="91425" bIns="91425" anchor="ctr" anchorCtr="0">
-            <a:noAutofit/>
-          </a:bodyPr>
-          <a:lstStyle/>
-          <a:p>
-            <a:pPr marL="0" lvl="0" indent="0" algn="r" rtl="0">
-              <a:spcBef>
-                <a:spcPts val="0"/>
-              </a:spcBef>
-              <a:spcAft>
-                <a:spcPts val="0"/>
-              </a:spcAft>
-              <a:buNone/>
-            </a:pPr>
-            <a:fld id="{00000000-1234-1234-1234-123412341234}" type="slidenum">
-              <a:rPr lang="en"/>
-              <a:t>48</a:t>
-            </a:fld>
-            <a:endParaRPr/>
-          </a:p>
-        </p:txBody>
-      </p:sp>
-      <p:sp>
-        <p:nvSpPr>
-          <p:cNvPr id="2" name="Rectangle 1">
-            <a:extLst>
-              <a:ext uri="{FF2B5EF4-FFF2-40B4-BE49-F238E27FC236}">
-                <a16:creationId xmlns:a16="http://schemas.microsoft.com/office/drawing/2014/main" id="{4A830543-BFF9-4026-B144-DF7C5CF86119}"/>
-              </a:ext>
-            </a:extLst>
-          </p:cNvPr>
-          <p:cNvSpPr/>
-          <p:nvPr/>
-        </p:nvSpPr>
-        <p:spPr>
-          <a:xfrm>
-            <a:off x="5058888" y="1356866"/>
-            <a:ext cx="3871356" cy="2456589"/>
-          </a:xfrm>
-          <a:prstGeom prst="rect">
-            <a:avLst/>
-          </a:prstGeom>
-        </p:spPr>
-        <p:style>
-          <a:lnRef idx="2">
-            <a:schemeClr val="accent2">
-              <a:shade val="50000"/>
-            </a:schemeClr>
-          </a:lnRef>
-          <a:fillRef idx="1">
-            <a:schemeClr val="accent2"/>
-          </a:fillRef>
-          <a:effectRef idx="0">
-            <a:schemeClr val="accent2"/>
-          </a:effectRef>
-          <a:fontRef idx="minor">
-            <a:schemeClr val="lt1"/>
-          </a:fontRef>
-        </p:style>
-        <p:txBody>
-          <a:bodyPr rtlCol="0" anchor="ctr"/>
-          <a:lstStyle/>
-          <a:p>
-            <a:pPr algn="ctr"/>
-            <a:r>
-              <a:rPr lang="en-US" sz="2800" dirty="0">
-                <a:solidFill>
-                  <a:schemeClr val="tx1"/>
-                </a:solidFill>
-              </a:rPr>
-              <a:t>One-off / Straight-line</a:t>
-            </a:r>
-          </a:p>
-        </p:txBody>
-      </p:sp>
-      <p:sp>
-        <p:nvSpPr>
-          <p:cNvPr id="6" name="Rectangle 5">
-            <a:extLst>
-              <a:ext uri="{FF2B5EF4-FFF2-40B4-BE49-F238E27FC236}">
-                <a16:creationId xmlns:a16="http://schemas.microsoft.com/office/drawing/2014/main" id="{A2AD71D7-F6B9-4BB8-A438-7EE8AE8C406A}"/>
-              </a:ext>
-            </a:extLst>
-          </p:cNvPr>
-          <p:cNvSpPr/>
-          <p:nvPr/>
-        </p:nvSpPr>
-        <p:spPr>
-          <a:xfrm>
-            <a:off x="5058888" y="3869999"/>
-            <a:ext cx="3871356" cy="471933"/>
-          </a:xfrm>
-          <a:prstGeom prst="rect">
-            <a:avLst/>
-          </a:prstGeom>
-          <a:solidFill>
-            <a:schemeClr val="bg2"/>
-          </a:solidFill>
-        </p:spPr>
-        <p:style>
-          <a:lnRef idx="2">
-            <a:schemeClr val="accent2">
-              <a:shade val="50000"/>
-            </a:schemeClr>
-          </a:lnRef>
-          <a:fillRef idx="1">
-            <a:schemeClr val="accent2"/>
-          </a:fillRef>
-          <a:effectRef idx="0">
-            <a:schemeClr val="accent2"/>
-          </a:effectRef>
-          <a:fontRef idx="minor">
-            <a:schemeClr val="lt1"/>
-          </a:fontRef>
-        </p:style>
-        <p:txBody>
-          <a:bodyPr rtlCol="0" anchor="ctr"/>
-          <a:lstStyle/>
-          <a:p>
-            <a:pPr algn="ctr"/>
-            <a:r>
-              <a:rPr lang="en-US" sz="2800" dirty="0">
-                <a:solidFill>
-                  <a:schemeClr val="tx1"/>
-                </a:solidFill>
-              </a:rPr>
-              <a:t>Hard-coded types</a:t>
-            </a:r>
-          </a:p>
-        </p:txBody>
-      </p:sp>
-      <p:sp>
-        <p:nvSpPr>
-          <p:cNvPr id="7" name="Rectangle 6">
-            <a:extLst>
-              <a:ext uri="{FF2B5EF4-FFF2-40B4-BE49-F238E27FC236}">
-                <a16:creationId xmlns:a16="http://schemas.microsoft.com/office/drawing/2014/main" id="{89E5B548-5A68-4B23-977E-12A2EF47C9AF}"/>
-              </a:ext>
-            </a:extLst>
-          </p:cNvPr>
-          <p:cNvSpPr/>
-          <p:nvPr/>
-        </p:nvSpPr>
-        <p:spPr>
-          <a:xfrm>
-            <a:off x="5058888" y="4394233"/>
-            <a:ext cx="3871356" cy="794403"/>
-          </a:xfrm>
-          <a:prstGeom prst="rect">
-            <a:avLst/>
-          </a:prstGeom>
-          <a:solidFill>
-            <a:srgbClr val="FF0000"/>
-          </a:solidFill>
-        </p:spPr>
-        <p:style>
-          <a:lnRef idx="2">
-            <a:schemeClr val="accent2">
-              <a:shade val="50000"/>
-            </a:schemeClr>
-          </a:lnRef>
-          <a:fillRef idx="1">
-            <a:schemeClr val="accent2"/>
-          </a:fillRef>
-          <a:effectRef idx="0">
-            <a:schemeClr val="accent2"/>
-          </a:effectRef>
-          <a:fontRef idx="minor">
-            <a:schemeClr val="lt1"/>
-          </a:fontRef>
-        </p:style>
-        <p:txBody>
-          <a:bodyPr rtlCol="0" anchor="ctr"/>
-          <a:lstStyle/>
-          <a:p>
-            <a:pPr algn="ctr"/>
-            <a:r>
-              <a:rPr lang="en-US" sz="2800" dirty="0">
-                <a:solidFill>
-                  <a:schemeClr val="tx1"/>
-                </a:solidFill>
-              </a:rPr>
-              <a:t>Mature</a:t>
-            </a:r>
-          </a:p>
-        </p:txBody>
-      </p:sp>
-      <p:sp>
-        <p:nvSpPr>
-          <p:cNvPr id="8" name="Rectangle 7">
-            <a:extLst>
-              <a:ext uri="{FF2B5EF4-FFF2-40B4-BE49-F238E27FC236}">
-                <a16:creationId xmlns:a16="http://schemas.microsoft.com/office/drawing/2014/main" id="{6A2B128E-628D-4B9D-8A2F-1C2669BA8D4B}"/>
-              </a:ext>
-            </a:extLst>
-          </p:cNvPr>
-          <p:cNvSpPr/>
-          <p:nvPr/>
-        </p:nvSpPr>
-        <p:spPr>
-          <a:xfrm>
-            <a:off x="5058888" y="5240937"/>
-            <a:ext cx="3871356" cy="652633"/>
-          </a:xfrm>
-          <a:prstGeom prst="rect">
-            <a:avLst/>
-          </a:prstGeom>
-          <a:solidFill>
-            <a:srgbClr val="FFC000"/>
-          </a:solidFill>
-        </p:spPr>
-        <p:style>
-          <a:lnRef idx="2">
-            <a:schemeClr val="accent2">
-              <a:shade val="50000"/>
-            </a:schemeClr>
-          </a:lnRef>
-          <a:fillRef idx="1">
-            <a:schemeClr val="accent2"/>
-          </a:fillRef>
-          <a:effectRef idx="0">
-            <a:schemeClr val="accent2"/>
-          </a:effectRef>
-          <a:fontRef idx="minor">
-            <a:schemeClr val="lt1"/>
-          </a:fontRef>
-        </p:style>
-        <p:txBody>
-          <a:bodyPr rtlCol="0" anchor="ctr"/>
-          <a:lstStyle/>
-          <a:p>
-            <a:pPr algn="ctr"/>
-            <a:r>
-              <a:rPr lang="en-US" sz="2800" dirty="0">
-                <a:solidFill>
-                  <a:schemeClr val="tx1"/>
-                </a:solidFill>
-              </a:rPr>
-              <a:t>Almost Mature</a:t>
-            </a:r>
-          </a:p>
-        </p:txBody>
-      </p:sp>
-    </p:spTree>
-  </p:cSld>
-  <p:clrMapOvr>
-    <a:masterClrMapping/>
-  </p:clrMapOvr>
-</p:sld>
-</file>
-
-<file path=ppt/slides/slide49.xml><?xml version="1.0" encoding="utf-8"?>
-<p:sld xmlns:a="http://schemas.openxmlformats.org/drawingml/2006/main" xmlns:r="http://schemas.openxmlformats.org/officeDocument/2006/relationships" xmlns:p="http://schemas.openxmlformats.org/presentationml/2006/main">
-  <p:cSld>
-    <p:spTree>
-      <p:nvGrpSpPr>
-        <p:cNvPr id="1" name="Shape 64"/>
-        <p:cNvGrpSpPr/>
-        <p:nvPr/>
-      </p:nvGrpSpPr>
-      <p:grpSpPr>
-        <a:xfrm>
-          <a:off x="0" y="0"/>
-          <a:ext cx="0" cy="0"/>
-          <a:chOff x="0" y="0"/>
-          <a:chExt cx="0" cy="0"/>
-        </a:xfrm>
-      </p:grpSpPr>
-      <p:sp>
-        <p:nvSpPr>
-          <p:cNvPr id="65" name="Google Shape;65;p14"/>
-          <p:cNvSpPr txBox="1">
-            <a:spLocks noGrp="1"/>
-          </p:cNvSpPr>
-          <p:nvPr>
-            <p:ph type="title"/>
-          </p:nvPr>
-        </p:nvSpPr>
-        <p:spPr>
-          <a:xfrm>
-            <a:off x="311700" y="593367"/>
-            <a:ext cx="8520600" cy="763500"/>
-          </a:xfrm>
-          <a:prstGeom prst="rect">
-            <a:avLst/>
-          </a:prstGeom>
-        </p:spPr>
-        <p:txBody>
-          <a:bodyPr spcFirstLastPara="1" wrap="square" lIns="91425" tIns="91425" rIns="91425" bIns="91425" anchor="t" anchorCtr="0">
-            <a:noAutofit/>
-          </a:bodyPr>
-          <a:lstStyle/>
-          <a:p>
-            <a:pPr marL="0" lvl="0" indent="0" algn="l" rtl="0">
-              <a:spcBef>
-                <a:spcPts val="0"/>
-              </a:spcBef>
-              <a:spcAft>
-                <a:spcPts val="0"/>
-              </a:spcAft>
-              <a:buNone/>
-            </a:pPr>
-            <a:r>
-              <a:rPr lang="en-US" dirty="0"/>
-              <a:t>Questions?</a:t>
-            </a:r>
-            <a:endParaRPr dirty="0"/>
-          </a:p>
-        </p:txBody>
-      </p:sp>
-      <p:sp>
-        <p:nvSpPr>
-          <p:cNvPr id="66" name="Google Shape;66;p14"/>
-          <p:cNvSpPr txBox="1">
-            <a:spLocks noGrp="1"/>
-          </p:cNvSpPr>
-          <p:nvPr>
-            <p:ph type="body" idx="1"/>
-          </p:nvPr>
-        </p:nvSpPr>
-        <p:spPr>
-          <a:xfrm>
-            <a:off x="311700" y="1536633"/>
-            <a:ext cx="8520600" cy="4555200"/>
-          </a:xfrm>
-          <a:prstGeom prst="rect">
-            <a:avLst/>
-          </a:prstGeom>
-        </p:spPr>
-        <p:txBody>
-          <a:bodyPr spcFirstLastPara="1" wrap="square" lIns="91425" tIns="91425" rIns="91425" bIns="91425" anchor="t" anchorCtr="0">
-            <a:noAutofit/>
-          </a:bodyPr>
-          <a:lstStyle/>
-          <a:p>
-            <a:pPr marL="457200" lvl="0" indent="-342900" algn="l" rtl="0">
-              <a:spcBef>
-                <a:spcPts val="0"/>
-              </a:spcBef>
-              <a:spcAft>
-                <a:spcPts val="0"/>
-              </a:spcAft>
-              <a:buSzPts val="1800"/>
-              <a:buChar char="●"/>
-            </a:pPr>
-            <a:r>
-              <a:rPr lang="en-US" sz="3200" dirty="0"/>
-              <a:t>Problem</a:t>
-            </a:r>
-            <a:endParaRPr lang="en" sz="3200" dirty="0"/>
-          </a:p>
-          <a:p>
-            <a:pPr marL="457200" lvl="0" indent="-342900" algn="l" rtl="0">
-              <a:spcBef>
-                <a:spcPts val="0"/>
-              </a:spcBef>
-              <a:spcAft>
-                <a:spcPts val="0"/>
-              </a:spcAft>
-              <a:buSzPts val="1800"/>
-              <a:buChar char="●"/>
-            </a:pPr>
-            <a:r>
-              <a:rPr lang="en" sz="3200" dirty="0"/>
-              <a:t>MapReduce Background</a:t>
-            </a:r>
-          </a:p>
-          <a:p>
-            <a:pPr marL="457200" lvl="0" indent="-342900" algn="l" rtl="0">
-              <a:spcBef>
-                <a:spcPts val="0"/>
-              </a:spcBef>
-              <a:spcAft>
-                <a:spcPts val="0"/>
-              </a:spcAft>
-              <a:buSzPts val="1800"/>
-              <a:buChar char="●"/>
-            </a:pPr>
-            <a:r>
-              <a:rPr lang="en-US" sz="3200" dirty="0"/>
-              <a:t>Local </a:t>
-            </a:r>
-            <a:r>
-              <a:rPr lang="en-US" sz="3200" dirty="0" err="1"/>
-              <a:t>GoMR</a:t>
-            </a:r>
-            <a:endParaRPr lang="en-US" sz="3200" dirty="0"/>
-          </a:p>
-          <a:p>
-            <a:pPr marL="457200" lvl="0" indent="-342900" algn="l" rtl="0">
-              <a:spcBef>
-                <a:spcPts val="0"/>
-              </a:spcBef>
-              <a:spcAft>
-                <a:spcPts val="0"/>
-              </a:spcAft>
-              <a:buSzPts val="1800"/>
-              <a:buChar char="●"/>
-            </a:pPr>
-            <a:r>
-              <a:rPr lang="en-US" sz="3200" dirty="0"/>
-              <a:t>Example</a:t>
-            </a:r>
-            <a:endParaRPr sz="3200" dirty="0"/>
-          </a:p>
-          <a:p>
-            <a:pPr marL="457200" lvl="0" indent="-342900" algn="l" rtl="0">
-              <a:spcBef>
-                <a:spcPts val="0"/>
-              </a:spcBef>
-              <a:spcAft>
-                <a:spcPts val="0"/>
-              </a:spcAft>
-              <a:buSzPts val="1800"/>
-              <a:buChar char="●"/>
-            </a:pPr>
-            <a:r>
-              <a:rPr lang="en" sz="3200" dirty="0"/>
-              <a:t>Evaluation</a:t>
-            </a:r>
-          </a:p>
-          <a:p>
-            <a:pPr marL="457200" lvl="0" indent="-342900" algn="l" rtl="0">
-              <a:spcBef>
-                <a:spcPts val="0"/>
-              </a:spcBef>
-              <a:spcAft>
-                <a:spcPts val="0"/>
-              </a:spcAft>
-              <a:buSzPts val="1800"/>
-              <a:buChar char="●"/>
-            </a:pPr>
-            <a:r>
-              <a:rPr lang="en" sz="3200" dirty="0"/>
-              <a:t>GoMR on K8s</a:t>
-            </a:r>
-            <a:endParaRPr sz="3200" dirty="0"/>
-          </a:p>
-        </p:txBody>
-      </p:sp>
-      <p:sp>
-        <p:nvSpPr>
-          <p:cNvPr id="67" name="Google Shape;67;p14"/>
-          <p:cNvSpPr txBox="1">
-            <a:spLocks noGrp="1"/>
-          </p:cNvSpPr>
-          <p:nvPr>
-            <p:ph type="sldNum" idx="12"/>
-          </p:nvPr>
-        </p:nvSpPr>
-        <p:spPr>
-          <a:xfrm>
-            <a:off x="8490250" y="6241346"/>
-            <a:ext cx="548700" cy="524700"/>
-          </a:xfrm>
-          <a:prstGeom prst="rect">
-            <a:avLst/>
-          </a:prstGeom>
-        </p:spPr>
-        <p:txBody>
-          <a:bodyPr spcFirstLastPara="1" wrap="square" lIns="91425" tIns="91425" rIns="91425" bIns="91425" anchor="ctr" anchorCtr="0">
-            <a:noAutofit/>
-          </a:bodyPr>
-          <a:lstStyle/>
-          <a:p>
-            <a:pPr marL="0" lvl="0" indent="0" algn="r" rtl="0">
-              <a:spcBef>
-                <a:spcPts val="0"/>
-              </a:spcBef>
-              <a:spcAft>
-                <a:spcPts val="0"/>
-              </a:spcAft>
-              <a:buNone/>
-            </a:pPr>
-            <a:fld id="{00000000-1234-1234-1234-123412341234}" type="slidenum">
-              <a:rPr lang="en"/>
-              <a:t>49</a:t>
-            </a:fld>
-            <a:endParaRPr/>
-          </a:p>
-        </p:txBody>
-      </p:sp>
-    </p:spTree>
-    <p:extLst>
-      <p:ext uri="{BB962C8B-B14F-4D97-AF65-F5344CB8AC3E}">
-        <p14:creationId xmlns:p14="http://schemas.microsoft.com/office/powerpoint/2010/main" val="1952008092"/>
       </p:ext>
     </p:extLst>
   </p:cSld>
@@ -43235,6 +44886,28 @@
               <a:t>Implement triangle count on Hadoop MapReduce</a:t>
             </a:r>
           </a:p>
+          <a:p>
+            <a:pPr marL="742950" lvl="1" indent="-285750">
+              <a:spcAft>
+                <a:spcPts val="1600"/>
+              </a:spcAft>
+            </a:pPr>
+            <a:r>
+              <a:rPr lang="en-US" sz="2800" dirty="0"/>
+              <a:t>2 JOIN ops</a:t>
+            </a:r>
+          </a:p>
+          <a:p>
+            <a:pPr marL="742950" lvl="1" indent="-285750">
+              <a:spcAft>
+                <a:spcPts val="1600"/>
+              </a:spcAft>
+            </a:pPr>
+            <a:r>
+              <a:rPr lang="en-US" sz="2800" dirty="0"/>
+              <a:t>Large intermediate tables</a:t>
+            </a:r>
+          </a:p>
         </p:txBody>
       </p:sp>
       <p:sp>
@@ -43288,6 +44961,740 @@
 </file>
 
 <file path=ppt/slides/slide50.xml><?xml version="1.0" encoding="utf-8"?>
+<p:sld xmlns:a="http://schemas.openxmlformats.org/drawingml/2006/main" xmlns:r="http://schemas.openxmlformats.org/officeDocument/2006/relationships" xmlns:p="http://schemas.openxmlformats.org/presentationml/2006/main">
+  <p:cSld>
+    <p:spTree>
+      <p:nvGrpSpPr>
+        <p:cNvPr id="1" name="Shape 254"/>
+        <p:cNvGrpSpPr/>
+        <p:nvPr/>
+      </p:nvGrpSpPr>
+      <p:grpSpPr>
+        <a:xfrm>
+          <a:off x="0" y="0"/>
+          <a:ext cx="0" cy="0"/>
+          <a:chOff x="0" y="0"/>
+          <a:chExt cx="0" cy="0"/>
+        </a:xfrm>
+      </p:grpSpPr>
+      <p:sp>
+        <p:nvSpPr>
+          <p:cNvPr id="255" name="Google Shape;255;p26"/>
+          <p:cNvSpPr txBox="1">
+            <a:spLocks noGrp="1"/>
+          </p:cNvSpPr>
+          <p:nvPr>
+            <p:ph type="title"/>
+          </p:nvPr>
+        </p:nvSpPr>
+        <p:spPr>
+          <a:xfrm>
+            <a:off x="311700" y="593367"/>
+            <a:ext cx="8520600" cy="763500"/>
+          </a:xfrm>
+          <a:prstGeom prst="rect">
+            <a:avLst/>
+          </a:prstGeom>
+        </p:spPr>
+        <p:txBody>
+          <a:bodyPr spcFirstLastPara="1" wrap="square" lIns="91425" tIns="91425" rIns="91425" bIns="91425" anchor="t" anchorCtr="0">
+            <a:noAutofit/>
+          </a:bodyPr>
+          <a:lstStyle/>
+          <a:p>
+            <a:pPr marL="0" lvl="0" indent="0" algn="l" rtl="0">
+              <a:spcBef>
+                <a:spcPts val="0"/>
+              </a:spcBef>
+              <a:spcAft>
+                <a:spcPts val="0"/>
+              </a:spcAft>
+              <a:buNone/>
+            </a:pPr>
+            <a:r>
+              <a:rPr lang="en"/>
+              <a:t>Existing solutions</a:t>
+            </a:r>
+            <a:endParaRPr/>
+          </a:p>
+        </p:txBody>
+      </p:sp>
+      <p:sp>
+        <p:nvSpPr>
+          <p:cNvPr id="256" name="Google Shape;256;p26"/>
+          <p:cNvSpPr txBox="1">
+            <a:spLocks noGrp="1"/>
+          </p:cNvSpPr>
+          <p:nvPr>
+            <p:ph type="body" idx="1"/>
+          </p:nvPr>
+        </p:nvSpPr>
+        <p:spPr>
+          <a:xfrm>
+            <a:off x="311700" y="1536625"/>
+            <a:ext cx="4480500" cy="4555200"/>
+          </a:xfrm>
+          <a:prstGeom prst="rect">
+            <a:avLst/>
+          </a:prstGeom>
+        </p:spPr>
+        <p:txBody>
+          <a:bodyPr spcFirstLastPara="1" wrap="square" lIns="91425" tIns="91425" rIns="91425" bIns="91425" anchor="t" anchorCtr="0">
+            <a:noAutofit/>
+          </a:bodyPr>
+          <a:lstStyle/>
+          <a:p>
+            <a:r>
+              <a:rPr lang="en-US" u="sng" dirty="0">
+                <a:solidFill>
+                  <a:schemeClr val="hlink"/>
+                </a:solidFill>
+                <a:hlinkClick r:id="rId3"/>
+              </a:rPr>
+              <a:t>http://marcio.io/2015/07/cheap-mapreduce-in-go/</a:t>
+            </a:r>
+            <a:endParaRPr lang="en-US" dirty="0"/>
+          </a:p>
+          <a:p>
+            <a:endParaRPr lang="en-US" u="sng" dirty="0">
+              <a:solidFill>
+                <a:schemeClr val="hlink"/>
+              </a:solidFill>
+              <a:hlinkClick r:id="rId4"/>
+            </a:endParaRPr>
+          </a:p>
+          <a:p>
+            <a:r>
+              <a:rPr lang="en-US" u="sng" dirty="0">
+                <a:solidFill>
+                  <a:schemeClr val="hlink"/>
+                </a:solidFill>
+                <a:hlinkClick r:id="rId4"/>
+              </a:rPr>
+              <a:t>https://godoc.org/github.com/ahamidi/go-mapreduce</a:t>
+            </a:r>
+            <a:endParaRPr lang="en" u="sng" dirty="0">
+              <a:solidFill>
+                <a:schemeClr val="hlink"/>
+              </a:solidFill>
+              <a:hlinkClick r:id="rId5"/>
+            </a:endParaRPr>
+          </a:p>
+          <a:p>
+            <a:pPr marL="457200" lvl="0" indent="-342900" algn="l" rtl="0">
+              <a:spcBef>
+                <a:spcPts val="0"/>
+              </a:spcBef>
+              <a:spcAft>
+                <a:spcPts val="0"/>
+              </a:spcAft>
+              <a:buSzPts val="1800"/>
+              <a:buChar char="●"/>
+            </a:pPr>
+            <a:r>
+              <a:rPr lang="en" u="sng" dirty="0">
+                <a:solidFill>
+                  <a:schemeClr val="hlink"/>
+                </a:solidFill>
+                <a:hlinkClick r:id="rId5"/>
+              </a:rPr>
+              <a:t>https://medium.com/@jayhuang75/a-simple-mapreduce-in-go-42c929b000c5</a:t>
+            </a:r>
+            <a:endParaRPr dirty="0"/>
+          </a:p>
+          <a:p>
+            <a:pPr marL="457200" lvl="0" indent="-342900" algn="l" rtl="0">
+              <a:spcBef>
+                <a:spcPts val="0"/>
+              </a:spcBef>
+              <a:spcAft>
+                <a:spcPts val="0"/>
+              </a:spcAft>
+              <a:buSzPts val="1800"/>
+              <a:buChar char="●"/>
+            </a:pPr>
+            <a:r>
+              <a:rPr lang="en" u="sng" dirty="0">
+                <a:solidFill>
+                  <a:schemeClr val="hlink"/>
+                </a:solidFill>
+                <a:hlinkClick r:id="rId6"/>
+              </a:rPr>
+              <a:t>https://appliedgo.net/mapreduce/</a:t>
+            </a:r>
+            <a:endParaRPr dirty="0"/>
+          </a:p>
+          <a:p>
+            <a:pPr marL="457200" lvl="0" indent="-342900" algn="l" rtl="0">
+              <a:spcBef>
+                <a:spcPts val="0"/>
+              </a:spcBef>
+              <a:spcAft>
+                <a:spcPts val="0"/>
+              </a:spcAft>
+              <a:buSzPts val="1800"/>
+              <a:buChar char="●"/>
+            </a:pPr>
+            <a:r>
+              <a:rPr lang="en" u="sng" dirty="0">
+                <a:solidFill>
+                  <a:schemeClr val="hlink"/>
+                </a:solidFill>
+                <a:hlinkClick r:id="rId7"/>
+              </a:rPr>
+              <a:t>https://blog.gopheracademy.com/advent-2015/glow-map-reduce-for-golang/</a:t>
+            </a:r>
+            <a:endParaRPr lang="en" u="sng" dirty="0">
+              <a:solidFill>
+                <a:schemeClr val="hlink"/>
+              </a:solidFill>
+            </a:endParaRPr>
+          </a:p>
+          <a:p>
+            <a:r>
+              <a:rPr lang="en-US" dirty="0">
+                <a:hlinkClick r:id="rId8"/>
+              </a:rPr>
+              <a:t>https://github.com/chrislusf/gleam</a:t>
+            </a:r>
+            <a:endParaRPr dirty="0"/>
+          </a:p>
+          <a:p>
+            <a:pPr marL="457200" lvl="0" indent="-342900" algn="l" rtl="0">
+              <a:spcBef>
+                <a:spcPts val="0"/>
+              </a:spcBef>
+              <a:spcAft>
+                <a:spcPts val="0"/>
+              </a:spcAft>
+              <a:buSzPts val="1800"/>
+              <a:buChar char="●"/>
+            </a:pPr>
+            <a:r>
+              <a:rPr lang="en" u="sng" dirty="0">
+                <a:solidFill>
+                  <a:schemeClr val="hlink"/>
+                </a:solidFill>
+                <a:hlinkClick r:id="rId9"/>
+              </a:rPr>
+              <a:t>https://github.com/darkjh/go-mapreduce</a:t>
+            </a:r>
+            <a:endParaRPr dirty="0"/>
+          </a:p>
+        </p:txBody>
+      </p:sp>
+      <p:sp>
+        <p:nvSpPr>
+          <p:cNvPr id="257" name="Google Shape;257;p26"/>
+          <p:cNvSpPr txBox="1">
+            <a:spLocks noGrp="1"/>
+          </p:cNvSpPr>
+          <p:nvPr>
+            <p:ph type="sldNum" idx="12"/>
+          </p:nvPr>
+        </p:nvSpPr>
+        <p:spPr>
+          <a:xfrm>
+            <a:off x="8490250" y="6241346"/>
+            <a:ext cx="548700" cy="524700"/>
+          </a:xfrm>
+          <a:prstGeom prst="rect">
+            <a:avLst/>
+          </a:prstGeom>
+        </p:spPr>
+        <p:txBody>
+          <a:bodyPr spcFirstLastPara="1" wrap="square" lIns="91425" tIns="91425" rIns="91425" bIns="91425" anchor="ctr" anchorCtr="0">
+            <a:noAutofit/>
+          </a:bodyPr>
+          <a:lstStyle/>
+          <a:p>
+            <a:pPr marL="0" lvl="0" indent="0" algn="r" rtl="0">
+              <a:spcBef>
+                <a:spcPts val="0"/>
+              </a:spcBef>
+              <a:spcAft>
+                <a:spcPts val="0"/>
+              </a:spcAft>
+              <a:buNone/>
+            </a:pPr>
+            <a:fld id="{00000000-1234-1234-1234-123412341234}" type="slidenum">
+              <a:rPr lang="en"/>
+              <a:t>50</a:t>
+            </a:fld>
+            <a:endParaRPr/>
+          </a:p>
+        </p:txBody>
+      </p:sp>
+      <p:sp>
+        <p:nvSpPr>
+          <p:cNvPr id="2" name="Rectangle 1">
+            <a:extLst>
+              <a:ext uri="{FF2B5EF4-FFF2-40B4-BE49-F238E27FC236}">
+                <a16:creationId xmlns:a16="http://schemas.microsoft.com/office/drawing/2014/main" id="{4A830543-BFF9-4026-B144-DF7C5CF86119}"/>
+              </a:ext>
+            </a:extLst>
+          </p:cNvPr>
+          <p:cNvSpPr/>
+          <p:nvPr/>
+        </p:nvSpPr>
+        <p:spPr>
+          <a:xfrm>
+            <a:off x="5058888" y="1356866"/>
+            <a:ext cx="3871356" cy="2456589"/>
+          </a:xfrm>
+          <a:prstGeom prst="rect">
+            <a:avLst/>
+          </a:prstGeom>
+        </p:spPr>
+        <p:style>
+          <a:lnRef idx="2">
+            <a:schemeClr val="accent2">
+              <a:shade val="50000"/>
+            </a:schemeClr>
+          </a:lnRef>
+          <a:fillRef idx="1">
+            <a:schemeClr val="accent2"/>
+          </a:fillRef>
+          <a:effectRef idx="0">
+            <a:schemeClr val="accent2"/>
+          </a:effectRef>
+          <a:fontRef idx="minor">
+            <a:schemeClr val="lt1"/>
+          </a:fontRef>
+        </p:style>
+        <p:txBody>
+          <a:bodyPr rtlCol="0" anchor="ctr"/>
+          <a:lstStyle/>
+          <a:p>
+            <a:pPr algn="ctr"/>
+            <a:r>
+              <a:rPr lang="en-US" sz="2800" dirty="0">
+                <a:solidFill>
+                  <a:schemeClr val="tx1"/>
+                </a:solidFill>
+              </a:rPr>
+              <a:t>One-off / Straight-line</a:t>
+            </a:r>
+          </a:p>
+        </p:txBody>
+      </p:sp>
+      <p:sp>
+        <p:nvSpPr>
+          <p:cNvPr id="6" name="Rectangle 5">
+            <a:extLst>
+              <a:ext uri="{FF2B5EF4-FFF2-40B4-BE49-F238E27FC236}">
+                <a16:creationId xmlns:a16="http://schemas.microsoft.com/office/drawing/2014/main" id="{A2AD71D7-F6B9-4BB8-A438-7EE8AE8C406A}"/>
+              </a:ext>
+            </a:extLst>
+          </p:cNvPr>
+          <p:cNvSpPr/>
+          <p:nvPr/>
+        </p:nvSpPr>
+        <p:spPr>
+          <a:xfrm>
+            <a:off x="5058888" y="3869999"/>
+            <a:ext cx="3871356" cy="471933"/>
+          </a:xfrm>
+          <a:prstGeom prst="rect">
+            <a:avLst/>
+          </a:prstGeom>
+          <a:solidFill>
+            <a:schemeClr val="bg2"/>
+          </a:solidFill>
+        </p:spPr>
+        <p:style>
+          <a:lnRef idx="2">
+            <a:schemeClr val="accent2">
+              <a:shade val="50000"/>
+            </a:schemeClr>
+          </a:lnRef>
+          <a:fillRef idx="1">
+            <a:schemeClr val="accent2"/>
+          </a:fillRef>
+          <a:effectRef idx="0">
+            <a:schemeClr val="accent2"/>
+          </a:effectRef>
+          <a:fontRef idx="minor">
+            <a:schemeClr val="lt1"/>
+          </a:fontRef>
+        </p:style>
+        <p:txBody>
+          <a:bodyPr rtlCol="0" anchor="ctr"/>
+          <a:lstStyle/>
+          <a:p>
+            <a:pPr algn="ctr"/>
+            <a:r>
+              <a:rPr lang="en-US" sz="2800" dirty="0">
+                <a:solidFill>
+                  <a:schemeClr val="tx1"/>
+                </a:solidFill>
+              </a:rPr>
+              <a:t>Hard-coded types</a:t>
+            </a:r>
+          </a:p>
+        </p:txBody>
+      </p:sp>
+      <p:sp>
+        <p:nvSpPr>
+          <p:cNvPr id="7" name="Rectangle 6">
+            <a:extLst>
+              <a:ext uri="{FF2B5EF4-FFF2-40B4-BE49-F238E27FC236}">
+                <a16:creationId xmlns:a16="http://schemas.microsoft.com/office/drawing/2014/main" id="{89E5B548-5A68-4B23-977E-12A2EF47C9AF}"/>
+              </a:ext>
+            </a:extLst>
+          </p:cNvPr>
+          <p:cNvSpPr/>
+          <p:nvPr/>
+        </p:nvSpPr>
+        <p:spPr>
+          <a:xfrm>
+            <a:off x="5058888" y="4394233"/>
+            <a:ext cx="3871356" cy="794403"/>
+          </a:xfrm>
+          <a:prstGeom prst="rect">
+            <a:avLst/>
+          </a:prstGeom>
+          <a:solidFill>
+            <a:srgbClr val="FF0000"/>
+          </a:solidFill>
+        </p:spPr>
+        <p:style>
+          <a:lnRef idx="2">
+            <a:schemeClr val="accent2">
+              <a:shade val="50000"/>
+            </a:schemeClr>
+          </a:lnRef>
+          <a:fillRef idx="1">
+            <a:schemeClr val="accent2"/>
+          </a:fillRef>
+          <a:effectRef idx="0">
+            <a:schemeClr val="accent2"/>
+          </a:effectRef>
+          <a:fontRef idx="minor">
+            <a:schemeClr val="lt1"/>
+          </a:fontRef>
+        </p:style>
+        <p:txBody>
+          <a:bodyPr rtlCol="0" anchor="ctr"/>
+          <a:lstStyle/>
+          <a:p>
+            <a:pPr algn="ctr"/>
+            <a:r>
+              <a:rPr lang="en-US" sz="2800" dirty="0">
+                <a:solidFill>
+                  <a:schemeClr val="tx1"/>
+                </a:solidFill>
+              </a:rPr>
+              <a:t>Mature</a:t>
+            </a:r>
+          </a:p>
+        </p:txBody>
+      </p:sp>
+      <p:sp>
+        <p:nvSpPr>
+          <p:cNvPr id="8" name="Rectangle 7">
+            <a:extLst>
+              <a:ext uri="{FF2B5EF4-FFF2-40B4-BE49-F238E27FC236}">
+                <a16:creationId xmlns:a16="http://schemas.microsoft.com/office/drawing/2014/main" id="{6A2B128E-628D-4B9D-8A2F-1C2669BA8D4B}"/>
+              </a:ext>
+            </a:extLst>
+          </p:cNvPr>
+          <p:cNvSpPr/>
+          <p:nvPr/>
+        </p:nvSpPr>
+        <p:spPr>
+          <a:xfrm>
+            <a:off x="5058888" y="5240937"/>
+            <a:ext cx="3871356" cy="652633"/>
+          </a:xfrm>
+          <a:prstGeom prst="rect">
+            <a:avLst/>
+          </a:prstGeom>
+          <a:solidFill>
+            <a:srgbClr val="FFC000"/>
+          </a:solidFill>
+        </p:spPr>
+        <p:style>
+          <a:lnRef idx="2">
+            <a:schemeClr val="accent2">
+              <a:shade val="50000"/>
+            </a:schemeClr>
+          </a:lnRef>
+          <a:fillRef idx="1">
+            <a:schemeClr val="accent2"/>
+          </a:fillRef>
+          <a:effectRef idx="0">
+            <a:schemeClr val="accent2"/>
+          </a:effectRef>
+          <a:fontRef idx="minor">
+            <a:schemeClr val="lt1"/>
+          </a:fontRef>
+        </p:style>
+        <p:txBody>
+          <a:bodyPr rtlCol="0" anchor="ctr"/>
+          <a:lstStyle/>
+          <a:p>
+            <a:pPr algn="ctr"/>
+            <a:r>
+              <a:rPr lang="en-US" sz="2800" dirty="0">
+                <a:solidFill>
+                  <a:schemeClr val="tx1"/>
+                </a:solidFill>
+              </a:rPr>
+              <a:t>Almost Mature</a:t>
+            </a:r>
+          </a:p>
+        </p:txBody>
+      </p:sp>
+    </p:spTree>
+  </p:cSld>
+  <p:clrMapOvr>
+    <a:masterClrMapping/>
+  </p:clrMapOvr>
+</p:sld>
+</file>
+
+<file path=ppt/slides/slide51.xml><?xml version="1.0" encoding="utf-8"?>
+<p:sld xmlns:a="http://schemas.openxmlformats.org/drawingml/2006/main" xmlns:r="http://schemas.openxmlformats.org/officeDocument/2006/relationships" xmlns:p="http://schemas.openxmlformats.org/presentationml/2006/main">
+  <p:cSld>
+    <p:spTree>
+      <p:nvGrpSpPr>
+        <p:cNvPr id="1" name="Shape 64"/>
+        <p:cNvGrpSpPr/>
+        <p:nvPr/>
+      </p:nvGrpSpPr>
+      <p:grpSpPr>
+        <a:xfrm>
+          <a:off x="0" y="0"/>
+          <a:ext cx="0" cy="0"/>
+          <a:chOff x="0" y="0"/>
+          <a:chExt cx="0" cy="0"/>
+        </a:xfrm>
+      </p:grpSpPr>
+      <p:sp>
+        <p:nvSpPr>
+          <p:cNvPr id="65" name="Google Shape;65;p14"/>
+          <p:cNvSpPr txBox="1">
+            <a:spLocks noGrp="1"/>
+          </p:cNvSpPr>
+          <p:nvPr>
+            <p:ph type="title"/>
+          </p:nvPr>
+        </p:nvSpPr>
+        <p:spPr>
+          <a:xfrm>
+            <a:off x="311700" y="593367"/>
+            <a:ext cx="8520600" cy="763500"/>
+          </a:xfrm>
+          <a:prstGeom prst="rect">
+            <a:avLst/>
+          </a:prstGeom>
+        </p:spPr>
+        <p:txBody>
+          <a:bodyPr spcFirstLastPara="1" wrap="square" lIns="91425" tIns="91425" rIns="91425" bIns="91425" anchor="t" anchorCtr="0">
+            <a:noAutofit/>
+          </a:bodyPr>
+          <a:lstStyle/>
+          <a:p>
+            <a:pPr marL="0" lvl="0" indent="0" algn="l" rtl="0">
+              <a:spcBef>
+                <a:spcPts val="0"/>
+              </a:spcBef>
+              <a:spcAft>
+                <a:spcPts val="0"/>
+              </a:spcAft>
+              <a:buNone/>
+            </a:pPr>
+            <a:r>
+              <a:rPr lang="en-US" dirty="0"/>
+              <a:t>Questions?</a:t>
+            </a:r>
+            <a:endParaRPr dirty="0"/>
+          </a:p>
+        </p:txBody>
+      </p:sp>
+      <p:sp>
+        <p:nvSpPr>
+          <p:cNvPr id="66" name="Google Shape;66;p14"/>
+          <p:cNvSpPr txBox="1">
+            <a:spLocks noGrp="1"/>
+          </p:cNvSpPr>
+          <p:nvPr>
+            <p:ph type="body" idx="1"/>
+          </p:nvPr>
+        </p:nvSpPr>
+        <p:spPr>
+          <a:xfrm>
+            <a:off x="311700" y="1536633"/>
+            <a:ext cx="8520600" cy="4555200"/>
+          </a:xfrm>
+          <a:prstGeom prst="rect">
+            <a:avLst/>
+          </a:prstGeom>
+        </p:spPr>
+        <p:txBody>
+          <a:bodyPr spcFirstLastPara="1" wrap="square" lIns="91425" tIns="91425" rIns="91425" bIns="91425" anchor="t" anchorCtr="0">
+            <a:noAutofit/>
+          </a:bodyPr>
+          <a:lstStyle/>
+          <a:p>
+            <a:pPr marL="457200" lvl="0" indent="-342900" algn="l" rtl="0">
+              <a:spcBef>
+                <a:spcPts val="0"/>
+              </a:spcBef>
+              <a:spcAft>
+                <a:spcPts val="0"/>
+              </a:spcAft>
+              <a:buSzPts val="1800"/>
+              <a:buChar char="●"/>
+            </a:pPr>
+            <a:r>
+              <a:rPr lang="en-US" sz="3200" dirty="0"/>
+              <a:t>Problem</a:t>
+            </a:r>
+            <a:endParaRPr lang="en" sz="3200" dirty="0"/>
+          </a:p>
+          <a:p>
+            <a:pPr marL="457200" lvl="0" indent="-342900" algn="l" rtl="0">
+              <a:spcBef>
+                <a:spcPts val="0"/>
+              </a:spcBef>
+              <a:spcAft>
+                <a:spcPts val="0"/>
+              </a:spcAft>
+              <a:buSzPts val="1800"/>
+              <a:buChar char="●"/>
+            </a:pPr>
+            <a:r>
+              <a:rPr lang="en" sz="3200" dirty="0"/>
+              <a:t>MapReduce Background</a:t>
+            </a:r>
+          </a:p>
+          <a:p>
+            <a:pPr marL="457200" lvl="0" indent="-342900" algn="l" rtl="0">
+              <a:spcBef>
+                <a:spcPts val="0"/>
+              </a:spcBef>
+              <a:spcAft>
+                <a:spcPts val="0"/>
+              </a:spcAft>
+              <a:buSzPts val="1800"/>
+              <a:buChar char="●"/>
+            </a:pPr>
+            <a:r>
+              <a:rPr lang="en-US" sz="3200" dirty="0" err="1"/>
+              <a:t>GoMR</a:t>
+            </a:r>
+            <a:endParaRPr lang="en-US" sz="3200" dirty="0"/>
+          </a:p>
+          <a:p>
+            <a:pPr marL="457200" lvl="0" indent="-342900" algn="l" rtl="0">
+              <a:spcBef>
+                <a:spcPts val="0"/>
+              </a:spcBef>
+              <a:spcAft>
+                <a:spcPts val="0"/>
+              </a:spcAft>
+              <a:buSzPts val="1800"/>
+              <a:buChar char="●"/>
+            </a:pPr>
+            <a:r>
+              <a:rPr lang="en-US" sz="3200" dirty="0"/>
+              <a:t>Example</a:t>
+            </a:r>
+            <a:endParaRPr sz="3200" dirty="0"/>
+          </a:p>
+          <a:p>
+            <a:pPr marL="457200" lvl="0" indent="-342900" algn="l" rtl="0">
+              <a:spcBef>
+                <a:spcPts val="0"/>
+              </a:spcBef>
+              <a:spcAft>
+                <a:spcPts val="0"/>
+              </a:spcAft>
+              <a:buSzPts val="1800"/>
+              <a:buChar char="●"/>
+            </a:pPr>
+            <a:r>
+              <a:rPr lang="en" sz="3200" dirty="0"/>
+              <a:t>Evaluation</a:t>
+            </a:r>
+          </a:p>
+          <a:p>
+            <a:pPr marL="457200" lvl="0" indent="-342900" algn="l" rtl="0">
+              <a:spcBef>
+                <a:spcPts val="0"/>
+              </a:spcBef>
+              <a:spcAft>
+                <a:spcPts val="0"/>
+              </a:spcAft>
+              <a:buSzPts val="1800"/>
+              <a:buChar char="●"/>
+            </a:pPr>
+            <a:r>
+              <a:rPr lang="en" sz="3200" dirty="0"/>
+              <a:t>GoMR on K8s</a:t>
+            </a:r>
+            <a:endParaRPr sz="3200" dirty="0"/>
+          </a:p>
+        </p:txBody>
+      </p:sp>
+      <p:sp>
+        <p:nvSpPr>
+          <p:cNvPr id="67" name="Google Shape;67;p14"/>
+          <p:cNvSpPr txBox="1">
+            <a:spLocks noGrp="1"/>
+          </p:cNvSpPr>
+          <p:nvPr>
+            <p:ph type="sldNum" idx="12"/>
+          </p:nvPr>
+        </p:nvSpPr>
+        <p:spPr>
+          <a:xfrm>
+            <a:off x="8490250" y="6241346"/>
+            <a:ext cx="548700" cy="524700"/>
+          </a:xfrm>
+          <a:prstGeom prst="rect">
+            <a:avLst/>
+          </a:prstGeom>
+        </p:spPr>
+        <p:txBody>
+          <a:bodyPr spcFirstLastPara="1" wrap="square" lIns="91425" tIns="91425" rIns="91425" bIns="91425" anchor="ctr" anchorCtr="0">
+            <a:noAutofit/>
+          </a:bodyPr>
+          <a:lstStyle/>
+          <a:p>
+            <a:pPr marL="0" lvl="0" indent="0" algn="r" rtl="0">
+              <a:spcBef>
+                <a:spcPts val="0"/>
+              </a:spcBef>
+              <a:spcAft>
+                <a:spcPts val="0"/>
+              </a:spcAft>
+              <a:buNone/>
+            </a:pPr>
+            <a:fld id="{00000000-1234-1234-1234-123412341234}" type="slidenum">
+              <a:rPr lang="en"/>
+              <a:t>51</a:t>
+            </a:fld>
+            <a:endParaRPr/>
+          </a:p>
+        </p:txBody>
+      </p:sp>
+    </p:spTree>
+    <p:extLst>
+      <p:ext uri="{BB962C8B-B14F-4D97-AF65-F5344CB8AC3E}">
+        <p14:creationId xmlns:p14="http://schemas.microsoft.com/office/powerpoint/2010/main" val="1952008092"/>
+      </p:ext>
+    </p:extLst>
+  </p:cSld>
+  <p:clrMapOvr>
+    <a:masterClrMapping/>
+  </p:clrMapOvr>
+</p:sld>
+</file>
+
+<file path=ppt/slides/slide52.xml><?xml version="1.0" encoding="utf-8"?>
 <p:sld xmlns:a="http://schemas.openxmlformats.org/drawingml/2006/main" xmlns:r="http://schemas.openxmlformats.org/officeDocument/2006/relationships" xmlns:p="http://schemas.openxmlformats.org/presentationml/2006/main">
   <p:cSld>
     <p:spTree>
@@ -43538,7 +45945,7 @@
             </a:pPr>
             <a:fld id="{00000000-1234-1234-1234-123412341234}" type="slidenum">
               <a:rPr lang="en"/>
-              <a:t>50</a:t>
+              <a:t>52</a:t>
             </a:fld>
             <a:endParaRPr/>
           </a:p>
@@ -43941,7 +46348,140 @@
 </p:sld>
 </file>
 
-<file path=ppt/slides/slide51.xml><?xml version="1.0" encoding="utf-8"?>
+<file path=ppt/slides/slide53.xml><?xml version="1.0" encoding="utf-8"?>
+<p:sld xmlns:a="http://schemas.openxmlformats.org/drawingml/2006/main" xmlns:r="http://schemas.openxmlformats.org/officeDocument/2006/relationships" xmlns:p="http://schemas.openxmlformats.org/presentationml/2006/main">
+  <p:cSld>
+    <p:spTree>
+      <p:nvGrpSpPr>
+        <p:cNvPr id="1" name=""/>
+        <p:cNvGrpSpPr/>
+        <p:nvPr/>
+      </p:nvGrpSpPr>
+      <p:grpSpPr>
+        <a:xfrm>
+          <a:off x="0" y="0"/>
+          <a:ext cx="0" cy="0"/>
+          <a:chOff x="0" y="0"/>
+          <a:chExt cx="0" cy="0"/>
+        </a:xfrm>
+      </p:grpSpPr>
+      <p:sp>
+        <p:nvSpPr>
+          <p:cNvPr id="2" name="Title 1">
+            <a:extLst>
+              <a:ext uri="{FF2B5EF4-FFF2-40B4-BE49-F238E27FC236}">
+                <a16:creationId xmlns:a16="http://schemas.microsoft.com/office/drawing/2014/main" id="{3D4555C8-7CF7-4986-B00B-82D46058F725}"/>
+              </a:ext>
+            </a:extLst>
+          </p:cNvPr>
+          <p:cNvSpPr>
+            <a:spLocks noGrp="1"/>
+          </p:cNvSpPr>
+          <p:nvPr>
+            <p:ph type="title"/>
+          </p:nvPr>
+        </p:nvSpPr>
+        <p:spPr/>
+        <p:txBody>
+          <a:bodyPr/>
+          <a:lstStyle/>
+          <a:p>
+            <a:r>
+              <a:rPr lang="en-US" dirty="0"/>
+              <a:t>Design Questions</a:t>
+            </a:r>
+          </a:p>
+        </p:txBody>
+      </p:sp>
+      <p:sp>
+        <p:nvSpPr>
+          <p:cNvPr id="3" name="Text Placeholder 2">
+            <a:extLst>
+              <a:ext uri="{FF2B5EF4-FFF2-40B4-BE49-F238E27FC236}">
+                <a16:creationId xmlns:a16="http://schemas.microsoft.com/office/drawing/2014/main" id="{B8F21114-6330-4143-86D7-6EB13F35AA48}"/>
+              </a:ext>
+            </a:extLst>
+          </p:cNvPr>
+          <p:cNvSpPr>
+            <a:spLocks noGrp="1"/>
+          </p:cNvSpPr>
+          <p:nvPr>
+            <p:ph type="body" idx="1"/>
+          </p:nvPr>
+        </p:nvSpPr>
+        <p:spPr/>
+        <p:txBody>
+          <a:bodyPr/>
+          <a:lstStyle/>
+          <a:p>
+            <a:r>
+              <a:rPr lang="en-US" dirty="0"/>
+              <a:t>Values or Channels?</a:t>
+            </a:r>
+          </a:p>
+          <a:p>
+            <a:r>
+              <a:rPr lang="en-US" dirty="0"/>
+              <a:t>Separate driver and job?</a:t>
+            </a:r>
+          </a:p>
+          <a:p>
+            <a:endParaRPr lang="en-US" dirty="0"/>
+          </a:p>
+        </p:txBody>
+      </p:sp>
+      <p:sp>
+        <p:nvSpPr>
+          <p:cNvPr id="4" name="Slide Number Placeholder 3">
+            <a:extLst>
+              <a:ext uri="{FF2B5EF4-FFF2-40B4-BE49-F238E27FC236}">
+                <a16:creationId xmlns:a16="http://schemas.microsoft.com/office/drawing/2014/main" id="{6E66CB92-3C14-4B90-87B5-0BBE549D729E}"/>
+              </a:ext>
+            </a:extLst>
+          </p:cNvPr>
+          <p:cNvSpPr>
+            <a:spLocks noGrp="1"/>
+          </p:cNvSpPr>
+          <p:nvPr>
+            <p:ph type="sldNum" idx="12"/>
+          </p:nvPr>
+        </p:nvSpPr>
+        <p:spPr/>
+        <p:txBody>
+          <a:bodyPr/>
+          <a:lstStyle/>
+          <a:p>
+            <a:pPr marL="0" lvl="0" indent="0" algn="r" rtl="0">
+              <a:spcBef>
+                <a:spcPts val="0"/>
+              </a:spcBef>
+              <a:spcAft>
+                <a:spcPts val="0"/>
+              </a:spcAft>
+              <a:buNone/>
+            </a:pPr>
+            <a:fld id="{00000000-1234-1234-1234-123412341234}" type="slidenum">
+              <a:rPr lang="en" smtClean="0"/>
+              <a:t>53</a:t>
+            </a:fld>
+            <a:endParaRPr lang="en"/>
+          </a:p>
+        </p:txBody>
+      </p:sp>
+    </p:spTree>
+    <p:extLst>
+      <p:ext uri="{BB962C8B-B14F-4D97-AF65-F5344CB8AC3E}">
+        <p14:creationId xmlns:p14="http://schemas.microsoft.com/office/powerpoint/2010/main" val="3794989974"/>
+      </p:ext>
+    </p:extLst>
+  </p:cSld>
+  <p:clrMapOvr>
+    <a:masterClrMapping/>
+  </p:clrMapOvr>
+</p:sld>
+</file>
+
+<file path=ppt/slides/slide54.xml><?xml version="1.0" encoding="utf-8"?>
 <p:sld xmlns:a="http://schemas.openxmlformats.org/drawingml/2006/main" xmlns:r="http://schemas.openxmlformats.org/officeDocument/2006/relationships" xmlns:p="http://schemas.openxmlformats.org/presentationml/2006/main">
   <p:cSld>
     <p:spTree>
@@ -44725,7 +47265,7 @@
             </a:pPr>
             <a:fld id="{00000000-1234-1234-1234-123412341234}" type="slidenum">
               <a:rPr lang="en" smtClean="0"/>
-              <a:t>51</a:t>
+              <a:t>54</a:t>
             </a:fld>
             <a:endParaRPr lang="en"/>
           </a:p>
@@ -44744,7 +47284,7 @@
 </p:sld>
 </file>
 
-<file path=ppt/slides/slide52.xml><?xml version="1.0" encoding="utf-8"?>
+<file path=ppt/slides/slide55.xml><?xml version="1.0" encoding="utf-8"?>
 <p:sld xmlns:a="http://schemas.openxmlformats.org/drawingml/2006/main" xmlns:r="http://schemas.openxmlformats.org/officeDocument/2006/relationships" xmlns:p="http://schemas.openxmlformats.org/presentationml/2006/main">
   <p:cSld>
     <p:spTree>
@@ -45622,7 +48162,7 @@
             </a:pPr>
             <a:fld id="{00000000-1234-1234-1234-123412341234}" type="slidenum">
               <a:rPr lang="en" smtClean="0"/>
-              <a:t>52</a:t>
+              <a:t>55</a:t>
             </a:fld>
             <a:endParaRPr lang="en"/>
           </a:p>
@@ -45641,7 +48181,7 @@
 </p:sld>
 </file>
 
-<file path=ppt/slides/slide53.xml><?xml version="1.0" encoding="utf-8"?>
+<file path=ppt/slides/slide56.xml><?xml version="1.0" encoding="utf-8"?>
 <p:sld xmlns:a="http://schemas.openxmlformats.org/drawingml/2006/main" xmlns:r="http://schemas.openxmlformats.org/officeDocument/2006/relationships" xmlns:p="http://schemas.openxmlformats.org/presentationml/2006/main">
   <p:cSld>
     <p:spTree>
@@ -46390,7 +48930,7 @@
             </a:pPr>
             <a:fld id="{00000000-1234-1234-1234-123412341234}" type="slidenum">
               <a:rPr lang="en" smtClean="0"/>
-              <a:t>53</a:t>
+              <a:t>56</a:t>
             </a:fld>
             <a:endParaRPr lang="en"/>
           </a:p>
@@ -46409,7 +48949,7 @@
 </p:sld>
 </file>
 
-<file path=ppt/slides/slide54.xml><?xml version="1.0" encoding="utf-8"?>
+<file path=ppt/slides/slide57.xml><?xml version="1.0" encoding="utf-8"?>
 <p:sld xmlns:a="http://schemas.openxmlformats.org/drawingml/2006/main" xmlns:r="http://schemas.openxmlformats.org/officeDocument/2006/relationships" xmlns:p="http://schemas.openxmlformats.org/presentationml/2006/main" show="0">
   <p:cSld>
     <p:spTree>
@@ -46991,7 +49531,7 @@
             </a:pPr>
             <a:fld id="{00000000-1234-1234-1234-123412341234}" type="slidenum">
               <a:rPr lang="en" smtClean="0"/>
-              <a:t>54</a:t>
+              <a:t>57</a:t>
             </a:fld>
             <a:endParaRPr lang="en"/>
           </a:p>
@@ -47069,7 +49609,7 @@
 </p:sld>
 </file>
 
-<file path=ppt/slides/slide55.xml><?xml version="1.0" encoding="utf-8"?>
+<file path=ppt/slides/slide58.xml><?xml version="1.0" encoding="utf-8"?>
 <p:sld xmlns:a="http://schemas.openxmlformats.org/drawingml/2006/main" xmlns:r="http://schemas.openxmlformats.org/officeDocument/2006/relationships" xmlns:p="http://schemas.openxmlformats.org/presentationml/2006/main">
   <p:cSld>
     <p:spTree>
@@ -47651,7 +50191,7 @@
             </a:pPr>
             <a:fld id="{00000000-1234-1234-1234-123412341234}" type="slidenum">
               <a:rPr lang="en" smtClean="0"/>
-              <a:t>55</a:t>
+              <a:t>58</a:t>
             </a:fld>
             <a:endParaRPr lang="en"/>
           </a:p>

--- a/files/GoMR/slides-distributed.pptx
+++ b/files/GoMR/slides-distributed.pptx
@@ -5,7 +5,7 @@
     <p:sldMasterId id="2147483659" r:id="rId1"/>
   </p:sldMasterIdLst>
   <p:notesMasterIdLst>
-    <p:notesMasterId r:id="rId60"/>
+    <p:notesMasterId r:id="rId62"/>
   </p:notesMasterIdLst>
   <p:sldIdLst>
     <p:sldId id="329" r:id="rId2"/>
@@ -56,56 +56,58 @@
     <p:sldId id="332" r:id="rId47"/>
     <p:sldId id="345" r:id="rId48"/>
     <p:sldId id="344" r:id="rId49"/>
-    <p:sldId id="335" r:id="rId50"/>
-    <p:sldId id="269" r:id="rId51"/>
-    <p:sldId id="331" r:id="rId52"/>
-    <p:sldId id="270" r:id="rId53"/>
-    <p:sldId id="343" r:id="rId54"/>
-    <p:sldId id="297" r:id="rId55"/>
-    <p:sldId id="298" r:id="rId56"/>
-    <p:sldId id="299" r:id="rId57"/>
-    <p:sldId id="328" r:id="rId58"/>
-    <p:sldId id="338" r:id="rId59"/>
+    <p:sldId id="346" r:id="rId50"/>
+    <p:sldId id="347" r:id="rId51"/>
+    <p:sldId id="335" r:id="rId52"/>
+    <p:sldId id="269" r:id="rId53"/>
+    <p:sldId id="331" r:id="rId54"/>
+    <p:sldId id="270" r:id="rId55"/>
+    <p:sldId id="343" r:id="rId56"/>
+    <p:sldId id="297" r:id="rId57"/>
+    <p:sldId id="298" r:id="rId58"/>
+    <p:sldId id="299" r:id="rId59"/>
+    <p:sldId id="328" r:id="rId60"/>
+    <p:sldId id="338" r:id="rId61"/>
   </p:sldIdLst>
   <p:sldSz cx="9144000" cy="6858000" type="screen4x3"/>
   <p:notesSz cx="6858000" cy="9144000"/>
   <p:embeddedFontLst>
     <p:embeddedFont>
       <p:font typeface="Average" panose="020B0604020202020204" charset="0"/>
-      <p:regular r:id="rId61"/>
+      <p:regular r:id="rId63"/>
     </p:embeddedFont>
     <p:embeddedFont>
       <p:font typeface="Bahnschrift" panose="020B0502040204020203" pitchFamily="34" charset="0"/>
-      <p:regular r:id="rId62"/>
-      <p:bold r:id="rId63"/>
+      <p:regular r:id="rId64"/>
+      <p:bold r:id="rId65"/>
     </p:embeddedFont>
     <p:embeddedFont>
       <p:font typeface="Cambria Math" panose="02040503050406030204" pitchFamily="18" charset="0"/>
-      <p:regular r:id="rId64"/>
+      <p:regular r:id="rId66"/>
     </p:embeddedFont>
     <p:embeddedFont>
       <p:font typeface="Consolas" panose="020B0609020204030204" pitchFamily="49" charset="0"/>
-      <p:regular r:id="rId65"/>
-      <p:bold r:id="rId66"/>
-      <p:italic r:id="rId67"/>
-      <p:boldItalic r:id="rId68"/>
+      <p:regular r:id="rId67"/>
+      <p:bold r:id="rId68"/>
+      <p:italic r:id="rId69"/>
+      <p:boldItalic r:id="rId70"/>
     </p:embeddedFont>
     <p:embeddedFont>
-      <p:font typeface="Go" panose="020B0600000000000000" pitchFamily="34" charset="0"/>
-      <p:regular r:id="rId69"/>
-      <p:bold r:id="rId70"/>
-      <p:italic r:id="rId71"/>
-      <p:boldItalic r:id="rId72"/>
+      <p:font typeface="Go" panose="020B0604020202020204" charset="0"/>
+      <p:regular r:id="rId71"/>
+      <p:bold r:id="rId72"/>
+      <p:italic r:id="rId73"/>
+      <p:boldItalic r:id="rId74"/>
     </p:embeddedFont>
     <p:embeddedFont>
-      <p:font typeface="Go Medium" pitchFamily="2" charset="0"/>
-      <p:regular r:id="rId73"/>
-      <p:italic r:id="rId74"/>
+      <p:font typeface="Go Medium" panose="020B0604020202020204" charset="0"/>
+      <p:regular r:id="rId75"/>
+      <p:italic r:id="rId76"/>
     </p:embeddedFont>
     <p:embeddedFont>
       <p:font typeface="Oswald" panose="020B0604020202020204" charset="0"/>
-      <p:regular r:id="rId75"/>
-      <p:bold r:id="rId76"/>
+      <p:regular r:id="rId77"/>
+      <p:bold r:id="rId78"/>
     </p:embeddedFont>
   </p:embeddedFontLst>
   <p:defaultTextStyle>
@@ -414,6 +416,8 @@
             <p14:sldId id="332"/>
             <p14:sldId id="345"/>
             <p14:sldId id="344"/>
+            <p14:sldId id="346"/>
+            <p14:sldId id="347"/>
           </p14:sldIdLst>
         </p14:section>
         <p14:section name="Outro" id="{E1E088D4-2B9A-444D-93ED-366B59732F25}">
@@ -1643,6 +1647,81 @@
 </file>
 
 <file path=ppt/notesSlides/notesSlide15.xml><?xml version="1.0" encoding="utf-8"?>
+<p:notes xmlns:a="http://schemas.openxmlformats.org/drawingml/2006/main" xmlns:r="http://schemas.openxmlformats.org/officeDocument/2006/relationships" xmlns:p="http://schemas.openxmlformats.org/presentationml/2006/main">
+  <p:cSld>
+    <p:spTree>
+      <p:nvGrpSpPr>
+        <p:cNvPr id="1" name=""/>
+        <p:cNvGrpSpPr/>
+        <p:nvPr/>
+      </p:nvGrpSpPr>
+      <p:grpSpPr>
+        <a:xfrm>
+          <a:off x="0" y="0"/>
+          <a:ext cx="0" cy="0"/>
+          <a:chOff x="0" y="0"/>
+          <a:chExt cx="0" cy="0"/>
+        </a:xfrm>
+      </p:grpSpPr>
+      <p:sp>
+        <p:nvSpPr>
+          <p:cNvPr id="2" name="Slide Image Placeholder 1"/>
+          <p:cNvSpPr>
+            <a:spLocks noGrp="1" noRot="1" noChangeAspect="1"/>
+          </p:cNvSpPr>
+          <p:nvPr>
+            <p:ph type="sldImg"/>
+          </p:nvPr>
+        </p:nvSpPr>
+        <p:spPr>
+          <a:xfrm>
+            <a:off x="1143000" y="685800"/>
+            <a:ext cx="4572000" cy="3429000"/>
+          </a:xfrm>
+        </p:spPr>
+      </p:sp>
+      <p:sp>
+        <p:nvSpPr>
+          <p:cNvPr id="3" name="Notes Placeholder 2"/>
+          <p:cNvSpPr>
+            <a:spLocks noGrp="1"/>
+          </p:cNvSpPr>
+          <p:nvPr>
+            <p:ph type="body" idx="1"/>
+          </p:nvPr>
+        </p:nvSpPr>
+        <p:spPr/>
+        <p:txBody>
+          <a:bodyPr/>
+          <a:lstStyle/>
+          <a:p>
+            <a:r>
+              <a:rPr lang="en-US" dirty="0"/>
+              <a:t>Implementation for single machine</a:t>
+            </a:r>
+          </a:p>
+          <a:p>
+            <a:r>
+              <a:rPr lang="en-US" dirty="0"/>
+              <a:t>38 lines</a:t>
+            </a:r>
+          </a:p>
+        </p:txBody>
+      </p:sp>
+    </p:spTree>
+    <p:extLst>
+      <p:ext uri="{BB962C8B-B14F-4D97-AF65-F5344CB8AC3E}">
+        <p14:creationId xmlns:p14="http://schemas.microsoft.com/office/powerpoint/2010/main" val="1852030786"/>
+      </p:ext>
+    </p:extLst>
+  </p:cSld>
+  <p:clrMapOvr>
+    <a:masterClrMapping/>
+  </p:clrMapOvr>
+</p:notes>
+</file>
+
+<file path=ppt/notesSlides/notesSlide16.xml><?xml version="1.0" encoding="utf-8"?>
 <p:notes xmlns:a="http://schemas.openxmlformats.org/drawingml/2006/main" xmlns:r="http://schemas.openxmlformats.org/officeDocument/2006/relationships" xmlns:p="http://schemas.openxmlformats.org/presentationml/2006/main" showMasterSp="0" showMasterPhAnim="0">
   <p:cSld>
     <p:spTree>
@@ -1796,7 +1875,7 @@
 </p:notes>
 </file>
 
-<file path=ppt/notesSlides/notesSlide16.xml><?xml version="1.0" encoding="utf-8"?>
+<file path=ppt/notesSlides/notesSlide17.xml><?xml version="1.0" encoding="utf-8"?>
 <p:notes xmlns:a="http://schemas.openxmlformats.org/drawingml/2006/main" xmlns:r="http://schemas.openxmlformats.org/officeDocument/2006/relationships" xmlns:p="http://schemas.openxmlformats.org/presentationml/2006/main" showMasterSp="0" showMasterPhAnim="0">
   <p:cSld>
     <p:spTree>
@@ -1888,112 +1967,11 @@
               </a:spcAft>
               <a:buNone/>
             </a:pPr>
-            <a:endParaRPr/>
+            <a:endParaRPr dirty="0"/>
           </a:p>
         </p:txBody>
       </p:sp>
     </p:spTree>
-  </p:cSld>
-  <p:clrMapOvr>
-    <a:masterClrMapping/>
-  </p:clrMapOvr>
-</p:notes>
-</file>
-
-<file path=ppt/notesSlides/notesSlide17.xml><?xml version="1.0" encoding="utf-8"?>
-<p:notes xmlns:a="http://schemas.openxmlformats.org/drawingml/2006/main" xmlns:r="http://schemas.openxmlformats.org/officeDocument/2006/relationships" xmlns:p="http://schemas.openxmlformats.org/presentationml/2006/main">
-  <p:cSld>
-    <p:spTree>
-      <p:nvGrpSpPr>
-        <p:cNvPr id="1" name=""/>
-        <p:cNvGrpSpPr/>
-        <p:nvPr/>
-      </p:nvGrpSpPr>
-      <p:grpSpPr>
-        <a:xfrm>
-          <a:off x="0" y="0"/>
-          <a:ext cx="0" cy="0"/>
-          <a:chOff x="0" y="0"/>
-          <a:chExt cx="0" cy="0"/>
-        </a:xfrm>
-      </p:grpSpPr>
-      <p:sp>
-        <p:nvSpPr>
-          <p:cNvPr id="2" name="Slide Image Placeholder 1"/>
-          <p:cNvSpPr>
-            <a:spLocks noGrp="1" noRot="1" noChangeAspect="1"/>
-          </p:cNvSpPr>
-          <p:nvPr>
-            <p:ph type="sldImg"/>
-          </p:nvPr>
-        </p:nvSpPr>
-        <p:spPr>
-          <a:xfrm>
-            <a:off x="1143000" y="685800"/>
-            <a:ext cx="4572000" cy="3429000"/>
-          </a:xfrm>
-        </p:spPr>
-      </p:sp>
-      <p:sp>
-        <p:nvSpPr>
-          <p:cNvPr id="3" name="Notes Placeholder 2"/>
-          <p:cNvSpPr>
-            <a:spLocks noGrp="1"/>
-          </p:cNvSpPr>
-          <p:nvPr>
-            <p:ph type="body" idx="1"/>
-          </p:nvPr>
-        </p:nvSpPr>
-        <p:spPr/>
-        <p:txBody>
-          <a:bodyPr/>
-          <a:lstStyle/>
-          <a:p>
-            <a:r>
-              <a:rPr lang="en-US" dirty="0"/>
-              <a:t>Each stage needs to know when the previous is done</a:t>
-            </a:r>
-          </a:p>
-          <a:p>
-            <a:r>
-              <a:rPr lang="en-US" dirty="0"/>
-              <a:t>Input and map =&gt; close(</a:t>
-            </a:r>
-            <a:r>
-              <a:rPr lang="en-US" dirty="0" err="1"/>
-              <a:t>ch</a:t>
-            </a:r>
-            <a:r>
-              <a:rPr lang="en-US" dirty="0"/>
-              <a:t>)</a:t>
-            </a:r>
-          </a:p>
-          <a:p>
-            <a:r>
-              <a:rPr lang="en-US" dirty="0" err="1"/>
-              <a:t>Partitioner</a:t>
-            </a:r>
-            <a:r>
-              <a:rPr lang="en-US" dirty="0"/>
-              <a:t>, reducer =&gt; </a:t>
-            </a:r>
-            <a:r>
-              <a:rPr lang="en-US" dirty="0" err="1"/>
-              <a:t>wg.Done</a:t>
-            </a:r>
-            <a:r>
-              <a:rPr lang="en-US" dirty="0"/>
-              <a:t>()</a:t>
-            </a:r>
-          </a:p>
-        </p:txBody>
-      </p:sp>
-    </p:spTree>
-    <p:extLst>
-      <p:ext uri="{BB962C8B-B14F-4D97-AF65-F5344CB8AC3E}">
-        <p14:creationId xmlns:p14="http://schemas.microsoft.com/office/powerpoint/2010/main" val="4217963195"/>
-      </p:ext>
-    </p:extLst>
   </p:cSld>
   <p:clrMapOvr>
     <a:masterClrMapping/>
@@ -2092,7 +2070,7 @@
     </p:spTree>
     <p:extLst>
       <p:ext uri="{BB962C8B-B14F-4D97-AF65-F5344CB8AC3E}">
-        <p14:creationId xmlns:p14="http://schemas.microsoft.com/office/powerpoint/2010/main" val="423970993"/>
+        <p14:creationId xmlns:p14="http://schemas.microsoft.com/office/powerpoint/2010/main" val="4217963195"/>
       </p:ext>
     </p:extLst>
   </p:cSld>
@@ -2103,11 +2081,11 @@
 </file>
 
 <file path=ppt/notesSlides/notesSlide19.xml><?xml version="1.0" encoding="utf-8"?>
-<p:notes xmlns:a="http://schemas.openxmlformats.org/drawingml/2006/main" xmlns:r="http://schemas.openxmlformats.org/officeDocument/2006/relationships" xmlns:p="http://schemas.openxmlformats.org/presentationml/2006/main" showMasterSp="0" showMasterPhAnim="0">
+<p:notes xmlns:a="http://schemas.openxmlformats.org/drawingml/2006/main" xmlns:r="http://schemas.openxmlformats.org/officeDocument/2006/relationships" xmlns:p="http://schemas.openxmlformats.org/presentationml/2006/main">
   <p:cSld>
     <p:spTree>
       <p:nvGrpSpPr>
-        <p:cNvPr id="1" name="Shape 212"/>
+        <p:cNvPr id="1" name=""/>
         <p:cNvGrpSpPr/>
         <p:nvPr/>
       </p:nvGrpSpPr>
@@ -2121,12 +2099,12 @@
       </p:grpSpPr>
       <p:sp>
         <p:nvSpPr>
-          <p:cNvPr id="213" name="Google Shape;213;g8433534d47_0_305:notes"/>
+          <p:cNvPr id="2" name="Slide Image Placeholder 1"/>
           <p:cNvSpPr>
             <a:spLocks noGrp="1" noRot="1" noChangeAspect="1"/>
           </p:cNvSpPr>
           <p:nvPr>
-            <p:ph type="sldImg" idx="2"/>
+            <p:ph type="sldImg"/>
           </p:nvPr>
         </p:nvSpPr>
         <p:spPr>
@@ -2134,113 +2112,68 @@
             <a:off x="1143000" y="685800"/>
             <a:ext cx="4572000" cy="3429000"/>
           </a:xfrm>
-          <a:custGeom>
-            <a:avLst/>
-            <a:gdLst/>
-            <a:ahLst/>
-            <a:cxnLst/>
-            <a:rect l="l" t="t" r="r" b="b"/>
-            <a:pathLst>
-              <a:path w="120000" h="120000" extrusionOk="0">
-                <a:moveTo>
-                  <a:pt x="0" y="0"/>
-                </a:moveTo>
-                <a:lnTo>
-                  <a:pt x="120000" y="0"/>
-                </a:lnTo>
-                <a:lnTo>
-                  <a:pt x="120000" y="120000"/>
-                </a:lnTo>
-                <a:lnTo>
-                  <a:pt x="0" y="120000"/>
-                </a:lnTo>
-                <a:close/>
-              </a:path>
-            </a:pathLst>
-          </a:custGeom>
         </p:spPr>
       </p:sp>
       <p:sp>
         <p:nvSpPr>
-          <p:cNvPr id="214" name="Google Shape;214;g8433534d47_0_305:notes"/>
-          <p:cNvSpPr txBox="1">
+          <p:cNvPr id="3" name="Notes Placeholder 2"/>
+          <p:cNvSpPr>
             <a:spLocks noGrp="1"/>
           </p:cNvSpPr>
           <p:nvPr>
             <p:ph type="body" idx="1"/>
           </p:nvPr>
         </p:nvSpPr>
-        <p:spPr>
-          <a:xfrm>
-            <a:off x="685800" y="4343400"/>
-            <a:ext cx="5486400" cy="4114800"/>
-          </a:xfrm>
-          <a:prstGeom prst="rect">
-            <a:avLst/>
-          </a:prstGeom>
-        </p:spPr>
+        <p:spPr/>
         <p:txBody>
-          <a:bodyPr spcFirstLastPara="1" wrap="square" lIns="91425" tIns="91425" rIns="91425" bIns="91425" anchor="t" anchorCtr="0">
-            <a:noAutofit/>
-          </a:bodyPr>
+          <a:bodyPr/>
           <a:lstStyle/>
           <a:p>
-            <a:pPr marL="0" lvl="0" indent="0" algn="l" rtl="0">
-              <a:spcBef>
-                <a:spcPts val="0"/>
-              </a:spcBef>
-              <a:spcAft>
-                <a:spcPts val="0"/>
-              </a:spcAft>
-              <a:buNone/>
-            </a:pPr>
             <a:r>
               <a:rPr lang="en-US" dirty="0"/>
-              <a:t>Why compare to spark?</a:t>
-            </a:r>
-          </a:p>
-          <a:p>
-            <a:pPr marL="171450" lvl="0" indent="-171450" algn="l" rtl="0">
-              <a:spcBef>
-                <a:spcPts val="0"/>
-              </a:spcBef>
-              <a:spcAft>
-                <a:spcPts val="0"/>
-              </a:spcAft>
-            </a:pPr>
+              <a:t>Each stage needs to know when the previous is done</a:t>
+            </a:r>
+          </a:p>
+          <a:p>
             <a:r>
               <a:rPr lang="en-US" dirty="0"/>
-              <a:t>Easier to setup for local execution</a:t>
-            </a:r>
-          </a:p>
-          <a:p>
-            <a:pPr marL="171450" lvl="0" indent="-171450" algn="l" rtl="0">
-              <a:spcBef>
-                <a:spcPts val="0"/>
-              </a:spcBef>
-              <a:spcAft>
-                <a:spcPts val="0"/>
-              </a:spcAft>
-            </a:pPr>
+              <a:t>Input and map =&gt; close(</a:t>
+            </a:r>
+            <a:r>
+              <a:rPr lang="en-US" dirty="0" err="1"/>
+              <a:t>ch</a:t>
+            </a:r>
             <a:r>
               <a:rPr lang="en-US" dirty="0"/>
-              <a:t>Uses JVM still</a:t>
-            </a:r>
-          </a:p>
-          <a:p>
-            <a:pPr marL="171450" lvl="0" indent="-171450" algn="l" rtl="0">
-              <a:spcBef>
-                <a:spcPts val="0"/>
-              </a:spcBef>
-              <a:spcAft>
-                <a:spcPts val="0"/>
-              </a:spcAft>
-            </a:pPr>
-            <a:endParaRPr dirty="0"/>
+              <a:t>)</a:t>
+            </a:r>
+          </a:p>
+          <a:p>
+            <a:r>
+              <a:rPr lang="en-US" dirty="0" err="1"/>
+              <a:t>Partitioner</a:t>
+            </a:r>
+            <a:r>
+              <a:rPr lang="en-US" dirty="0"/>
+              <a:t>, reducer =&gt; </a:t>
+            </a:r>
+            <a:r>
+              <a:rPr lang="en-US" dirty="0" err="1"/>
+              <a:t>wg.Done</a:t>
+            </a:r>
+            <a:r>
+              <a:rPr lang="en-US" dirty="0"/>
+              <a:t>()</a:t>
+            </a:r>
           </a:p>
         </p:txBody>
       </p:sp>
     </p:spTree>
+    <p:extLst>
+      <p:ext uri="{BB962C8B-B14F-4D97-AF65-F5344CB8AC3E}">
+        <p14:creationId xmlns:p14="http://schemas.microsoft.com/office/powerpoint/2010/main" val="423970993"/>
+      </p:ext>
+    </p:extLst>
   </p:cSld>
   <p:clrMapOvr>
     <a:masterClrMapping/>
@@ -2398,7 +2331,7 @@
   <p:cSld>
     <p:spTree>
       <p:nvGrpSpPr>
-        <p:cNvPr id="1" name="Shape 244"/>
+        <p:cNvPr id="1" name="Shape 212"/>
         <p:cNvGrpSpPr/>
         <p:nvPr/>
       </p:nvGrpSpPr>
@@ -2412,7 +2345,7 @@
       </p:grpSpPr>
       <p:sp>
         <p:nvSpPr>
-          <p:cNvPr id="245" name="Google Shape;245;g73c54df737_0_5:notes"/>
+          <p:cNvPr id="213" name="Google Shape;213;g8433534d47_0_305:notes"/>
           <p:cNvSpPr>
             <a:spLocks noGrp="1" noRot="1" noChangeAspect="1"/>
           </p:cNvSpPr>
@@ -2453,7 +2386,7 @@
       </p:sp>
       <p:sp>
         <p:nvSpPr>
-          <p:cNvPr id="246" name="Google Shape;246;g73c54df737_0_5:notes"/>
+          <p:cNvPr id="214" name="Google Shape;214;g8433534d47_0_305:notes"/>
           <p:cNvSpPr txBox="1">
             <a:spLocks noGrp="1"/>
           </p:cNvSpPr>
@@ -2487,8 +2420,46 @@
             </a:pPr>
             <a:r>
               <a:rPr lang="en-US" dirty="0"/>
-              <a:t>TODO fix this!!!</a:t>
-            </a:r>
+              <a:t>Why compare to spark?</a:t>
+            </a:r>
+          </a:p>
+          <a:p>
+            <a:pPr marL="171450" lvl="0" indent="-171450" algn="l" rtl="0">
+              <a:spcBef>
+                <a:spcPts val="0"/>
+              </a:spcBef>
+              <a:spcAft>
+                <a:spcPts val="0"/>
+              </a:spcAft>
+            </a:pPr>
+            <a:r>
+              <a:rPr lang="en-US" dirty="0"/>
+              <a:t>Easier to setup for local execution</a:t>
+            </a:r>
+          </a:p>
+          <a:p>
+            <a:pPr marL="171450" lvl="0" indent="-171450" algn="l" rtl="0">
+              <a:spcBef>
+                <a:spcPts val="0"/>
+              </a:spcBef>
+              <a:spcAft>
+                <a:spcPts val="0"/>
+              </a:spcAft>
+            </a:pPr>
+            <a:r>
+              <a:rPr lang="en-US" dirty="0"/>
+              <a:t>Uses JVM still</a:t>
+            </a:r>
+          </a:p>
+          <a:p>
+            <a:pPr marL="171450" lvl="0" indent="-171450" algn="l" rtl="0">
+              <a:spcBef>
+                <a:spcPts val="0"/>
+              </a:spcBef>
+              <a:spcAft>
+                <a:spcPts val="0"/>
+              </a:spcAft>
+            </a:pPr>
             <a:endParaRPr dirty="0"/>
           </a:p>
         </p:txBody>
@@ -2602,6 +2573,114 @@
         </p:txBody>
       </p:sp>
     </p:spTree>
+  </p:cSld>
+  <p:clrMapOvr>
+    <a:masterClrMapping/>
+  </p:clrMapOvr>
+</p:notes>
+</file>
+
+<file path=ppt/notesSlides/notesSlide22.xml><?xml version="1.0" encoding="utf-8"?>
+<p:notes xmlns:a="http://schemas.openxmlformats.org/drawingml/2006/main" xmlns:r="http://schemas.openxmlformats.org/officeDocument/2006/relationships" xmlns:p="http://schemas.openxmlformats.org/presentationml/2006/main" showMasterSp="0" showMasterPhAnim="0">
+  <p:cSld>
+    <p:spTree>
+      <p:nvGrpSpPr>
+        <p:cNvPr id="1" name="Shape 244"/>
+        <p:cNvGrpSpPr/>
+        <p:nvPr/>
+      </p:nvGrpSpPr>
+      <p:grpSpPr>
+        <a:xfrm>
+          <a:off x="0" y="0"/>
+          <a:ext cx="0" cy="0"/>
+          <a:chOff x="0" y="0"/>
+          <a:chExt cx="0" cy="0"/>
+        </a:xfrm>
+      </p:grpSpPr>
+      <p:sp>
+        <p:nvSpPr>
+          <p:cNvPr id="245" name="Google Shape;245;g73c54df737_0_5:notes"/>
+          <p:cNvSpPr>
+            <a:spLocks noGrp="1" noRot="1" noChangeAspect="1"/>
+          </p:cNvSpPr>
+          <p:nvPr>
+            <p:ph type="sldImg" idx="2"/>
+          </p:nvPr>
+        </p:nvSpPr>
+        <p:spPr>
+          <a:xfrm>
+            <a:off x="1143000" y="685800"/>
+            <a:ext cx="4572000" cy="3429000"/>
+          </a:xfrm>
+          <a:custGeom>
+            <a:avLst/>
+            <a:gdLst/>
+            <a:ahLst/>
+            <a:cxnLst/>
+            <a:rect l="l" t="t" r="r" b="b"/>
+            <a:pathLst>
+              <a:path w="120000" h="120000" extrusionOk="0">
+                <a:moveTo>
+                  <a:pt x="0" y="0"/>
+                </a:moveTo>
+                <a:lnTo>
+                  <a:pt x="120000" y="0"/>
+                </a:lnTo>
+                <a:lnTo>
+                  <a:pt x="120000" y="120000"/>
+                </a:lnTo>
+                <a:lnTo>
+                  <a:pt x="0" y="120000"/>
+                </a:lnTo>
+                <a:close/>
+              </a:path>
+            </a:pathLst>
+          </a:custGeom>
+        </p:spPr>
+      </p:sp>
+      <p:sp>
+        <p:nvSpPr>
+          <p:cNvPr id="246" name="Google Shape;246;g73c54df737_0_5:notes"/>
+          <p:cNvSpPr txBox="1">
+            <a:spLocks noGrp="1"/>
+          </p:cNvSpPr>
+          <p:nvPr>
+            <p:ph type="body" idx="1"/>
+          </p:nvPr>
+        </p:nvSpPr>
+        <p:spPr>
+          <a:xfrm>
+            <a:off x="685800" y="4343400"/>
+            <a:ext cx="5486400" cy="4114800"/>
+          </a:xfrm>
+          <a:prstGeom prst="rect">
+            <a:avLst/>
+          </a:prstGeom>
+        </p:spPr>
+        <p:txBody>
+          <a:bodyPr spcFirstLastPara="1" wrap="square" lIns="91425" tIns="91425" rIns="91425" bIns="91425" anchor="t" anchorCtr="0">
+            <a:noAutofit/>
+          </a:bodyPr>
+          <a:lstStyle/>
+          <a:p>
+            <a:pPr marL="0" lvl="0" indent="0" algn="l" rtl="0">
+              <a:spcBef>
+                <a:spcPts val="0"/>
+              </a:spcBef>
+              <a:spcAft>
+                <a:spcPts val="0"/>
+              </a:spcAft>
+              <a:buNone/>
+            </a:pPr>
+            <a:r>
+              <a:rPr lang="en-US" dirty="0"/>
+              <a:t>TODO fix this!!!</a:t>
+            </a:r>
+            <a:endParaRPr dirty="0"/>
+          </a:p>
+        </p:txBody>
+      </p:sp>
+    </p:spTree>
     <p:extLst>
       <p:ext uri="{BB962C8B-B14F-4D97-AF65-F5344CB8AC3E}">
         <p14:creationId xmlns:p14="http://schemas.microsoft.com/office/powerpoint/2010/main" val="1767960708"/>
@@ -2614,7 +2693,151 @@
 </p:notes>
 </file>
 
-<file path=ppt/notesSlides/notesSlide22.xml><?xml version="1.0" encoding="utf-8"?>
+<file path=ppt/notesSlides/notesSlide23.xml><?xml version="1.0" encoding="utf-8"?>
+<p:notes xmlns:a="http://schemas.openxmlformats.org/drawingml/2006/main" xmlns:r="http://schemas.openxmlformats.org/officeDocument/2006/relationships" xmlns:p="http://schemas.openxmlformats.org/presentationml/2006/main">
+  <p:cSld>
+    <p:spTree>
+      <p:nvGrpSpPr>
+        <p:cNvPr id="1" name=""/>
+        <p:cNvGrpSpPr/>
+        <p:nvPr/>
+      </p:nvGrpSpPr>
+      <p:grpSpPr>
+        <a:xfrm>
+          <a:off x="0" y="0"/>
+          <a:ext cx="0" cy="0"/>
+          <a:chOff x="0" y="0"/>
+          <a:chExt cx="0" cy="0"/>
+        </a:xfrm>
+      </p:grpSpPr>
+      <p:sp>
+        <p:nvSpPr>
+          <p:cNvPr id="2" name="Slide Image Placeholder 1"/>
+          <p:cNvSpPr>
+            <a:spLocks noGrp="1" noRot="1" noChangeAspect="1"/>
+          </p:cNvSpPr>
+          <p:nvPr>
+            <p:ph type="sldImg"/>
+          </p:nvPr>
+        </p:nvSpPr>
+        <p:spPr>
+          <a:xfrm>
+            <a:off x="1143000" y="685800"/>
+            <a:ext cx="4572000" cy="3429000"/>
+          </a:xfrm>
+        </p:spPr>
+      </p:sp>
+      <p:sp>
+        <p:nvSpPr>
+          <p:cNvPr id="3" name="Notes Placeholder 2"/>
+          <p:cNvSpPr>
+            <a:spLocks noGrp="1"/>
+          </p:cNvSpPr>
+          <p:nvPr>
+            <p:ph type="body" idx="1"/>
+          </p:nvPr>
+        </p:nvSpPr>
+        <p:spPr/>
+        <p:txBody>
+          <a:bodyPr/>
+          <a:lstStyle/>
+          <a:p>
+            <a:r>
+              <a:rPr lang="en-US" dirty="0"/>
+              <a:t>Code compiled to container</a:t>
+            </a:r>
+          </a:p>
+        </p:txBody>
+      </p:sp>
+    </p:spTree>
+    <p:extLst>
+      <p:ext uri="{BB962C8B-B14F-4D97-AF65-F5344CB8AC3E}">
+        <p14:creationId xmlns:p14="http://schemas.microsoft.com/office/powerpoint/2010/main" val="1616022077"/>
+      </p:ext>
+    </p:extLst>
+  </p:cSld>
+  <p:clrMapOvr>
+    <a:masterClrMapping/>
+  </p:clrMapOvr>
+</p:notes>
+</file>
+
+<file path=ppt/notesSlides/notesSlide24.xml><?xml version="1.0" encoding="utf-8"?>
+<p:notes xmlns:a="http://schemas.openxmlformats.org/drawingml/2006/main" xmlns:r="http://schemas.openxmlformats.org/officeDocument/2006/relationships" xmlns:p="http://schemas.openxmlformats.org/presentationml/2006/main">
+  <p:cSld>
+    <p:spTree>
+      <p:nvGrpSpPr>
+        <p:cNvPr id="1" name=""/>
+        <p:cNvGrpSpPr/>
+        <p:nvPr/>
+      </p:nvGrpSpPr>
+      <p:grpSpPr>
+        <a:xfrm>
+          <a:off x="0" y="0"/>
+          <a:ext cx="0" cy="0"/>
+          <a:chOff x="0" y="0"/>
+          <a:chExt cx="0" cy="0"/>
+        </a:xfrm>
+      </p:grpSpPr>
+      <p:sp>
+        <p:nvSpPr>
+          <p:cNvPr id="2" name="Slide Image Placeholder 1"/>
+          <p:cNvSpPr>
+            <a:spLocks noGrp="1" noRot="1" noChangeAspect="1"/>
+          </p:cNvSpPr>
+          <p:nvPr>
+            <p:ph type="sldImg"/>
+          </p:nvPr>
+        </p:nvSpPr>
+        <p:spPr>
+          <a:xfrm>
+            <a:off x="1143000" y="685800"/>
+            <a:ext cx="4572000" cy="3429000"/>
+          </a:xfrm>
+        </p:spPr>
+      </p:sp>
+      <p:sp>
+        <p:nvSpPr>
+          <p:cNvPr id="3" name="Notes Placeholder 2"/>
+          <p:cNvSpPr>
+            <a:spLocks noGrp="1"/>
+          </p:cNvSpPr>
+          <p:nvPr>
+            <p:ph type="body" idx="1"/>
+          </p:nvPr>
+        </p:nvSpPr>
+        <p:spPr/>
+        <p:txBody>
+          <a:bodyPr/>
+          <a:lstStyle/>
+          <a:p>
+            <a:r>
+              <a:rPr lang="en-US" dirty="0"/>
+              <a:t>Driver talks to Kubernetes</a:t>
+            </a:r>
+          </a:p>
+          <a:p>
+            <a:r>
+              <a:rPr lang="en-US" dirty="0"/>
+              <a:t>Re-run if the jobs fail</a:t>
+            </a:r>
+          </a:p>
+        </p:txBody>
+      </p:sp>
+    </p:spTree>
+    <p:extLst>
+      <p:ext uri="{BB962C8B-B14F-4D97-AF65-F5344CB8AC3E}">
+        <p14:creationId xmlns:p14="http://schemas.microsoft.com/office/powerpoint/2010/main" val="4017335321"/>
+      </p:ext>
+    </p:extLst>
+  </p:cSld>
+  <p:clrMapOvr>
+    <a:masterClrMapping/>
+  </p:clrMapOvr>
+</p:notes>
+</file>
+
+<file path=ppt/notesSlides/notesSlide25.xml><?xml version="1.0" encoding="utf-8"?>
 <p:notes xmlns:a="http://schemas.openxmlformats.org/drawingml/2006/main" xmlns:r="http://schemas.openxmlformats.org/officeDocument/2006/relationships" xmlns:p="http://schemas.openxmlformats.org/presentationml/2006/main" showMasterSp="0" showMasterPhAnim="0">
   <p:cSld>
     <p:spTree>
@@ -2718,7 +2941,7 @@
 </p:notes>
 </file>
 
-<file path=ppt/notesSlides/notesSlide23.xml><?xml version="1.0" encoding="utf-8"?>
+<file path=ppt/notesSlides/notesSlide26.xml><?xml version="1.0" encoding="utf-8"?>
 <p:notes xmlns:a="http://schemas.openxmlformats.org/drawingml/2006/main" xmlns:r="http://schemas.openxmlformats.org/officeDocument/2006/relationships" xmlns:p="http://schemas.openxmlformats.org/presentationml/2006/main" showMasterSp="0" showMasterPhAnim="0">
   <p:cSld>
     <p:spTree>
@@ -2827,7 +3050,7 @@
 </p:notes>
 </file>
 
-<file path=ppt/notesSlides/notesSlide24.xml><?xml version="1.0" encoding="utf-8"?>
+<file path=ppt/notesSlides/notesSlide27.xml><?xml version="1.0" encoding="utf-8"?>
 <p:notes xmlns:a="http://schemas.openxmlformats.org/drawingml/2006/main" xmlns:r="http://schemas.openxmlformats.org/officeDocument/2006/relationships" xmlns:p="http://schemas.openxmlformats.org/presentationml/2006/main" showMasterSp="0" showMasterPhAnim="0">
   <p:cSld>
     <p:spTree>
@@ -28655,23 +28878,6 @@
               <a:rPr lang="en-US" sz="3200" dirty="0" err="1"/>
               <a:t>GoMR</a:t>
             </a:r>
-            <a:endParaRPr lang="en-US" sz="3200" dirty="0"/>
-          </a:p>
-          <a:p>
-            <a:pPr marL="457200" lvl="0" indent="-342900" algn="l" rtl="0">
-              <a:spcBef>
-                <a:spcPts val="0"/>
-              </a:spcBef>
-              <a:spcAft>
-                <a:spcPts val="0"/>
-              </a:spcAft>
-              <a:buSzPts val="1800"/>
-              <a:buChar char="●"/>
-            </a:pPr>
-            <a:r>
-              <a:rPr lang="en-US" sz="3200" dirty="0"/>
-              <a:t>Example</a:t>
-            </a:r>
             <a:endParaRPr sz="3200" dirty="0"/>
           </a:p>
           <a:p>
@@ -41320,7 +41526,7 @@
                 </a:solidFill>
                 <a:latin typeface="Consolas" panose="020B0609020204030204" pitchFamily="49" charset="0"/>
               </a:rPr>
-              <a:t>pr</a:t>
+              <a:t>wc</a:t>
             </a:r>
             <a:r>
               <a:rPr lang="en-US" dirty="0">
@@ -41329,16 +41535,16 @@
                 </a:solidFill>
                 <a:latin typeface="Consolas" panose="020B0609020204030204" pitchFamily="49" charset="0"/>
               </a:rPr>
-              <a:t> := </a:t>
+              <a:t> := &amp;</a:t>
             </a:r>
             <a:r>
               <a:rPr lang="en-US" dirty="0" err="1">
                 <a:solidFill>
-                  <a:srgbClr val="DCDCAA"/>
-                </a:solidFill>
-                <a:latin typeface="Consolas" panose="020B0609020204030204" pitchFamily="49" charset="0"/>
-              </a:rPr>
-              <a:t>NewPagerank</a:t>
+                  <a:srgbClr val="D4D4D4"/>
+                </a:solidFill>
+                <a:latin typeface="Consolas" panose="020B0609020204030204" pitchFamily="49" charset="0"/>
+              </a:rPr>
+              <a:t>WordCount</a:t>
             </a:r>
             <a:r>
               <a:rPr lang="en-US" dirty="0">
@@ -41347,43 +41553,7 @@
                 </a:solidFill>
                 <a:latin typeface="Consolas" panose="020B0609020204030204" pitchFamily="49" charset="0"/>
               </a:rPr>
-              <a:t>(</a:t>
-            </a:r>
-            <a:r>
-              <a:rPr lang="en-US" dirty="0" err="1">
-                <a:solidFill>
-                  <a:srgbClr val="D4D4D4"/>
-                </a:solidFill>
-                <a:latin typeface="Consolas" panose="020B0609020204030204" pitchFamily="49" charset="0"/>
-              </a:rPr>
-              <a:t>os.Args</a:t>
-            </a:r>
-            <a:r>
-              <a:rPr lang="en-US" dirty="0">
-                <a:solidFill>
-                  <a:srgbClr val="D4D4D4"/>
-                </a:solidFill>
-                <a:latin typeface="Consolas" panose="020B0609020204030204" pitchFamily="49" charset="0"/>
-              </a:rPr>
-              <a:t>[</a:t>
-            </a:r>
-            <a:r>
-              <a:rPr lang="en-US" dirty="0">
-                <a:solidFill>
-                  <a:srgbClr val="B5CEA8"/>
-                </a:solidFill>
-                <a:latin typeface="Consolas" panose="020B0609020204030204" pitchFamily="49" charset="0"/>
-              </a:rPr>
-              <a:t>1</a:t>
-            </a:r>
-            <a:r>
-              <a:rPr lang="en-US" dirty="0">
-                <a:solidFill>
-                  <a:srgbClr val="D4D4D4"/>
-                </a:solidFill>
-                <a:latin typeface="Consolas" panose="020B0609020204030204" pitchFamily="49" charset="0"/>
-              </a:rPr>
-              <a:t>])</a:t>
+              <a:t>{}</a:t>
             </a:r>
           </a:p>
           <a:p>
@@ -41408,13 +41578,13 @@
               <a:t>    </a:t>
             </a:r>
             <a:r>
-              <a:rPr lang="en-US" dirty="0">
+              <a:rPr lang="en-US" dirty="0" err="1">
                 <a:solidFill>
                   <a:srgbClr val="9CDCFE"/>
                 </a:solidFill>
                 <a:latin typeface="Consolas" panose="020B0609020204030204" pitchFamily="49" charset="0"/>
               </a:rPr>
-              <a:t>p</a:t>
+              <a:t>nprocs</a:t>
             </a:r>
             <a:r>
               <a:rPr lang="en-US" dirty="0">
@@ -41527,7 +41697,7 @@
                 </a:solidFill>
                 <a:latin typeface="Consolas" panose="020B0609020204030204" pitchFamily="49" charset="0"/>
               </a:rPr>
-              <a:t>(p, p, </a:t>
+              <a:t>(</a:t>
             </a:r>
             <a:r>
               <a:rPr lang="en-US" dirty="0" err="1">
@@ -41536,7 +41706,7 @@
                 </a:solidFill>
                 <a:latin typeface="Consolas" panose="020B0609020204030204" pitchFamily="49" charset="0"/>
               </a:rPr>
-              <a:t>pr</a:t>
+              <a:t>nprocs</a:t>
             </a:r>
             <a:r>
               <a:rPr lang="en-US" dirty="0">
@@ -41545,10 +41715,49 @@
                 </a:solidFill>
                 <a:latin typeface="Consolas" panose="020B0609020204030204" pitchFamily="49" charset="0"/>
               </a:rPr>
+              <a:t>, </a:t>
+            </a:r>
+            <a:r>
+              <a:rPr lang="en-US" dirty="0" err="1">
+                <a:solidFill>
+                  <a:srgbClr val="D4D4D4"/>
+                </a:solidFill>
+                <a:latin typeface="Consolas" panose="020B0609020204030204" pitchFamily="49" charset="0"/>
+              </a:rPr>
+              <a:t>nprocs</a:t>
+            </a:r>
+            <a:r>
+              <a:rPr lang="en-US" dirty="0">
+                <a:solidFill>
+                  <a:srgbClr val="D4D4D4"/>
+                </a:solidFill>
+                <a:latin typeface="Consolas" panose="020B0609020204030204" pitchFamily="49" charset="0"/>
+              </a:rPr>
+              <a:t>, </a:t>
+            </a:r>
+            <a:r>
+              <a:rPr lang="en-US" dirty="0" err="1">
+                <a:solidFill>
+                  <a:srgbClr val="D4D4D4"/>
+                </a:solidFill>
+                <a:latin typeface="Consolas" panose="020B0609020204030204" pitchFamily="49" charset="0"/>
+              </a:rPr>
+              <a:t>wc</a:t>
+            </a:r>
+            <a:r>
+              <a:rPr lang="en-US" dirty="0">
+                <a:solidFill>
+                  <a:srgbClr val="D4D4D4"/>
+                </a:solidFill>
+                <a:latin typeface="Consolas" panose="020B0609020204030204" pitchFamily="49" charset="0"/>
+              </a:rPr>
               <a:t>)</a:t>
             </a:r>
           </a:p>
           <a:p>
+            <a:pPr marL="114300" indent="0">
+              <a:buNone/>
+            </a:pPr>
             <a:endParaRPr lang="en-US" dirty="0"/>
           </a:p>
         </p:txBody>
@@ -41844,28 +42053,35 @@
           <a:lstStyle/>
           <a:p>
             <a:r>
-              <a:rPr lang="en-US" sz="3200" dirty="0"/>
+              <a:rPr lang="en-US" sz="2400" dirty="0"/>
               <a:t>Containers</a:t>
             </a:r>
           </a:p>
           <a:p>
-            <a:r>
-              <a:rPr lang="en-US" sz="3200" dirty="0"/>
+            <a:pPr lvl="1"/>
+            <a:r>
+              <a:rPr lang="en-US" sz="2400" dirty="0"/>
+              <a:t>Pod == set of containers</a:t>
+            </a:r>
+          </a:p>
+          <a:p>
+            <a:r>
+              <a:rPr lang="en-US" sz="2400" dirty="0"/>
               <a:t>Scheduling</a:t>
             </a:r>
           </a:p>
           <a:p>
             <a:r>
-              <a:rPr lang="en-US" sz="3200" dirty="0"/>
+              <a:rPr lang="en-US" sz="2400" dirty="0"/>
               <a:t>Networking</a:t>
             </a:r>
           </a:p>
           <a:p>
-            <a:endParaRPr lang="en-US" sz="3200" dirty="0"/>
-          </a:p>
-          <a:p>
-            <a:r>
-              <a:rPr lang="en-US" sz="3200" dirty="0"/>
+            <a:endParaRPr lang="en-US" sz="2400" dirty="0"/>
+          </a:p>
+          <a:p>
+            <a:r>
+              <a:rPr lang="en-US" sz="2400" dirty="0"/>
               <a:t>Why spin my own  control plane?</a:t>
             </a:r>
           </a:p>
@@ -44624,6 +44840,98 @@
           </a:p>
         </p:txBody>
       </p:sp>
+      <p:sp>
+        <p:nvSpPr>
+          <p:cNvPr id="5" name="Rectangle 4">
+            <a:extLst>
+              <a:ext uri="{FF2B5EF4-FFF2-40B4-BE49-F238E27FC236}">
+                <a16:creationId xmlns:a16="http://schemas.microsoft.com/office/drawing/2014/main" id="{C1E2BC79-6677-46E8-A6F9-F01D2AB624BE}"/>
+              </a:ext>
+            </a:extLst>
+          </p:cNvPr>
+          <p:cNvSpPr/>
+          <p:nvPr/>
+        </p:nvSpPr>
+        <p:spPr>
+          <a:xfrm>
+            <a:off x="311700" y="1536633"/>
+            <a:ext cx="8315465" cy="4953619"/>
+          </a:xfrm>
+          <a:prstGeom prst="rect">
+            <a:avLst/>
+          </a:prstGeom>
+          <a:noFill/>
+          <a:ln w="57150">
+            <a:solidFill>
+              <a:srgbClr val="92D050"/>
+            </a:solidFill>
+            <a:prstDash val="sysDash"/>
+          </a:ln>
+        </p:spPr>
+        <p:style>
+          <a:lnRef idx="2">
+            <a:schemeClr val="accent1">
+              <a:shade val="50000"/>
+            </a:schemeClr>
+          </a:lnRef>
+          <a:fillRef idx="1">
+            <a:schemeClr val="accent1"/>
+          </a:fillRef>
+          <a:effectRef idx="0">
+            <a:schemeClr val="accent1"/>
+          </a:effectRef>
+          <a:fontRef idx="minor">
+            <a:schemeClr val="lt1"/>
+          </a:fontRef>
+        </p:style>
+        <p:txBody>
+          <a:bodyPr rtlCol="0" anchor="ctr"/>
+          <a:lstStyle/>
+          <a:p>
+            <a:pPr algn="ctr"/>
+            <a:endParaRPr lang="en-US"/>
+          </a:p>
+        </p:txBody>
+      </p:sp>
+      <p:sp>
+        <p:nvSpPr>
+          <p:cNvPr id="6" name="TextBox 5">
+            <a:extLst>
+              <a:ext uri="{FF2B5EF4-FFF2-40B4-BE49-F238E27FC236}">
+                <a16:creationId xmlns:a16="http://schemas.microsoft.com/office/drawing/2014/main" id="{7A6C95B2-3705-4C44-A27F-B4090CF026C5}"/>
+              </a:ext>
+            </a:extLst>
+          </p:cNvPr>
+          <p:cNvSpPr txBox="1"/>
+          <p:nvPr/>
+        </p:nvSpPr>
+        <p:spPr>
+          <a:xfrm>
+            <a:off x="6738731" y="1064759"/>
+            <a:ext cx="1888434" cy="400110"/>
+          </a:xfrm>
+          <a:prstGeom prst="rect">
+            <a:avLst/>
+          </a:prstGeom>
+          <a:noFill/>
+        </p:spPr>
+        <p:txBody>
+          <a:bodyPr wrap="square" rtlCol="0">
+            <a:spAutoFit/>
+          </a:bodyPr>
+          <a:lstStyle/>
+          <a:p>
+            <a:r>
+              <a:rPr lang="en-US" sz="2000" b="1" i="1" dirty="0">
+                <a:solidFill>
+                  <a:srgbClr val="92D050"/>
+                </a:solidFill>
+              </a:rPr>
+              <a:t>Container</a:t>
+            </a:r>
+          </a:p>
+        </p:txBody>
+      </p:sp>
     </p:spTree>
     <p:extLst>
       <p:ext uri="{BB962C8B-B14F-4D97-AF65-F5344CB8AC3E}">
@@ -44638,7 +44946,7 @@
 </file>
 
 <file path=ppt/slides/slide49.xml><?xml version="1.0" encoding="utf-8"?>
-<p:sld xmlns:a="http://schemas.openxmlformats.org/drawingml/2006/main" xmlns:r="http://schemas.openxmlformats.org/officeDocument/2006/relationships" xmlns:p="http://schemas.openxmlformats.org/presentationml/2006/main" show="0">
+<p:sld xmlns:a="http://schemas.openxmlformats.org/drawingml/2006/main" xmlns:r="http://schemas.openxmlformats.org/officeDocument/2006/relationships" xmlns:p="http://schemas.openxmlformats.org/presentationml/2006/main">
   <p:cSld>
     <p:spTree>
       <p:nvGrpSpPr>
@@ -44659,7 +44967,7 @@
           <p:cNvPr id="2" name="Title 1">
             <a:extLst>
               <a:ext uri="{FF2B5EF4-FFF2-40B4-BE49-F238E27FC236}">
-                <a16:creationId xmlns:a16="http://schemas.microsoft.com/office/drawing/2014/main" id="{91CF8893-136B-44B2-AE0D-EED445BE3B8D}"/>
+                <a16:creationId xmlns:a16="http://schemas.microsoft.com/office/drawing/2014/main" id="{E727B806-7F80-46B8-811B-0CAD22A5B890}"/>
               </a:ext>
             </a:extLst>
           </p:cNvPr>
@@ -44677,7 +44985,7 @@
           <a:p>
             <a:r>
               <a:rPr lang="en-US" dirty="0"/>
-              <a:t>Future Work</a:t>
+              <a:t>Drivers</a:t>
             </a:r>
           </a:p>
         </p:txBody>
@@ -44687,7 +44995,7 @@
           <p:cNvPr id="3" name="Text Placeholder 2">
             <a:extLst>
               <a:ext uri="{FF2B5EF4-FFF2-40B4-BE49-F238E27FC236}">
-                <a16:creationId xmlns:a16="http://schemas.microsoft.com/office/drawing/2014/main" id="{EC2603D5-8C59-4FD0-AC4E-400F54629850}"/>
+                <a16:creationId xmlns:a16="http://schemas.microsoft.com/office/drawing/2014/main" id="{4C59F65F-534F-45F1-A987-7A99F66B85E5}"/>
               </a:ext>
             </a:extLst>
           </p:cNvPr>
@@ -44703,29 +45011,346 @@
           <a:bodyPr/>
           <a:lstStyle/>
           <a:p>
-            <a:r>
-              <a:rPr lang="en-US" dirty="0"/>
-              <a:t>Performance improvements</a:t>
-            </a:r>
-          </a:p>
-          <a:p>
-            <a:r>
-              <a:rPr lang="en-US" dirty="0"/>
-              <a:t>Programmability?</a:t>
-            </a:r>
-          </a:p>
-          <a:p>
-            <a:pPr lvl="1"/>
-            <a:r>
-              <a:rPr lang="en-US"/>
-              <a:t>Combine driver + job code</a:t>
-            </a:r>
-            <a:endParaRPr lang="en-US" dirty="0"/>
-          </a:p>
-          <a:p>
             <a:pPr marL="114300" indent="0">
               <a:buNone/>
             </a:pPr>
+            <a:r>
+              <a:rPr lang="en-US" dirty="0">
+                <a:solidFill>
+                  <a:srgbClr val="569CD6"/>
+                </a:solidFill>
+                <a:latin typeface="Consolas" panose="020B0609020204030204" pitchFamily="49" charset="0"/>
+              </a:rPr>
+              <a:t>package</a:t>
+            </a:r>
+            <a:r>
+              <a:rPr lang="en-US" dirty="0">
+                <a:solidFill>
+                  <a:srgbClr val="D4D4D4"/>
+                </a:solidFill>
+                <a:latin typeface="Consolas" panose="020B0609020204030204" pitchFamily="49" charset="0"/>
+              </a:rPr>
+              <a:t> main</a:t>
+            </a:r>
+          </a:p>
+          <a:p>
+            <a:pPr marL="114300" indent="0">
+              <a:buNone/>
+            </a:pPr>
+            <a:br>
+              <a:rPr lang="en-US" dirty="0">
+                <a:solidFill>
+                  <a:srgbClr val="D4D4D4"/>
+                </a:solidFill>
+                <a:latin typeface="Consolas" panose="020B0609020204030204" pitchFamily="49" charset="0"/>
+              </a:rPr>
+            </a:br>
+            <a:r>
+              <a:rPr lang="en-US" dirty="0">
+                <a:solidFill>
+                  <a:srgbClr val="569CD6"/>
+                </a:solidFill>
+                <a:latin typeface="Consolas" panose="020B0609020204030204" pitchFamily="49" charset="0"/>
+              </a:rPr>
+              <a:t>import</a:t>
+            </a:r>
+            <a:r>
+              <a:rPr lang="en-US" dirty="0">
+                <a:solidFill>
+                  <a:srgbClr val="D4D4D4"/>
+                </a:solidFill>
+                <a:latin typeface="Consolas" panose="020B0609020204030204" pitchFamily="49" charset="0"/>
+              </a:rPr>
+              <a:t> </a:t>
+            </a:r>
+            <a:r>
+              <a:rPr lang="en-US" dirty="0">
+                <a:solidFill>
+                  <a:srgbClr val="CE9178"/>
+                </a:solidFill>
+                <a:latin typeface="Consolas" panose="020B0609020204030204" pitchFamily="49" charset="0"/>
+              </a:rPr>
+              <a:t>"github.com/cnnrznn/</a:t>
+            </a:r>
+            <a:r>
+              <a:rPr lang="en-US" dirty="0" err="1">
+                <a:solidFill>
+                  <a:srgbClr val="CE9178"/>
+                </a:solidFill>
+                <a:latin typeface="Consolas" panose="020B0609020204030204" pitchFamily="49" charset="0"/>
+              </a:rPr>
+              <a:t>gomr</a:t>
+            </a:r>
+            <a:r>
+              <a:rPr lang="en-US" dirty="0">
+                <a:solidFill>
+                  <a:srgbClr val="CE9178"/>
+                </a:solidFill>
+                <a:latin typeface="Consolas" panose="020B0609020204030204" pitchFamily="49" charset="0"/>
+              </a:rPr>
+              <a:t>/pkg/driver"</a:t>
+            </a:r>
+            <a:endParaRPr lang="en-US" dirty="0">
+              <a:solidFill>
+                <a:srgbClr val="D4D4D4"/>
+              </a:solidFill>
+              <a:latin typeface="Consolas" panose="020B0609020204030204" pitchFamily="49" charset="0"/>
+            </a:endParaRPr>
+          </a:p>
+          <a:p>
+            <a:pPr marL="114300" indent="0">
+              <a:buNone/>
+            </a:pPr>
+            <a:br>
+              <a:rPr lang="en-US" dirty="0">
+                <a:solidFill>
+                  <a:srgbClr val="D4D4D4"/>
+                </a:solidFill>
+                <a:latin typeface="Consolas" panose="020B0609020204030204" pitchFamily="49" charset="0"/>
+              </a:rPr>
+            </a:br>
+            <a:r>
+              <a:rPr lang="en-US" dirty="0" err="1">
+                <a:solidFill>
+                  <a:srgbClr val="569CD6"/>
+                </a:solidFill>
+                <a:latin typeface="Consolas" panose="020B0609020204030204" pitchFamily="49" charset="0"/>
+              </a:rPr>
+              <a:t>func</a:t>
+            </a:r>
+            <a:r>
+              <a:rPr lang="en-US" dirty="0">
+                <a:solidFill>
+                  <a:srgbClr val="D4D4D4"/>
+                </a:solidFill>
+                <a:latin typeface="Consolas" panose="020B0609020204030204" pitchFamily="49" charset="0"/>
+              </a:rPr>
+              <a:t> </a:t>
+            </a:r>
+            <a:r>
+              <a:rPr lang="en-US" dirty="0">
+                <a:solidFill>
+                  <a:srgbClr val="DCDCAA"/>
+                </a:solidFill>
+                <a:latin typeface="Consolas" panose="020B0609020204030204" pitchFamily="49" charset="0"/>
+              </a:rPr>
+              <a:t>main</a:t>
+            </a:r>
+            <a:r>
+              <a:rPr lang="en-US" dirty="0">
+                <a:solidFill>
+                  <a:srgbClr val="D4D4D4"/>
+                </a:solidFill>
+                <a:latin typeface="Consolas" panose="020B0609020204030204" pitchFamily="49" charset="0"/>
+              </a:rPr>
+              <a:t>() {</a:t>
+            </a:r>
+          </a:p>
+          <a:p>
+            <a:pPr marL="114300" indent="0">
+              <a:buNone/>
+            </a:pPr>
+            <a:r>
+              <a:rPr lang="en-US" dirty="0">
+                <a:solidFill>
+                  <a:srgbClr val="D4D4D4"/>
+                </a:solidFill>
+                <a:latin typeface="Consolas" panose="020B0609020204030204" pitchFamily="49" charset="0"/>
+              </a:rPr>
+              <a:t>    </a:t>
+            </a:r>
+            <a:r>
+              <a:rPr lang="en-US" dirty="0">
+                <a:solidFill>
+                  <a:srgbClr val="9CDCFE"/>
+                </a:solidFill>
+                <a:latin typeface="Consolas" panose="020B0609020204030204" pitchFamily="49" charset="0"/>
+              </a:rPr>
+              <a:t>d</a:t>
+            </a:r>
+            <a:r>
+              <a:rPr lang="en-US" dirty="0">
+                <a:solidFill>
+                  <a:srgbClr val="D4D4D4"/>
+                </a:solidFill>
+                <a:latin typeface="Consolas" panose="020B0609020204030204" pitchFamily="49" charset="0"/>
+              </a:rPr>
+              <a:t> := </a:t>
+            </a:r>
+            <a:r>
+              <a:rPr lang="en-US" dirty="0" err="1">
+                <a:solidFill>
+                  <a:srgbClr val="D4D4D4"/>
+                </a:solidFill>
+                <a:latin typeface="Consolas" panose="020B0609020204030204" pitchFamily="49" charset="0"/>
+              </a:rPr>
+              <a:t>driver.</a:t>
+            </a:r>
+            <a:r>
+              <a:rPr lang="en-US" dirty="0" err="1">
+                <a:solidFill>
+                  <a:srgbClr val="DCDCAA"/>
+                </a:solidFill>
+                <a:latin typeface="Consolas" panose="020B0609020204030204" pitchFamily="49" charset="0"/>
+              </a:rPr>
+              <a:t>NewDriver</a:t>
+            </a:r>
+            <a:r>
+              <a:rPr lang="en-US" dirty="0">
+                <a:solidFill>
+                  <a:srgbClr val="D4D4D4"/>
+                </a:solidFill>
+                <a:latin typeface="Consolas" panose="020B0609020204030204" pitchFamily="49" charset="0"/>
+              </a:rPr>
+              <a:t>(</a:t>
+            </a:r>
+            <a:r>
+              <a:rPr lang="en-US" dirty="0">
+                <a:solidFill>
+                  <a:srgbClr val="CE9178"/>
+                </a:solidFill>
+                <a:latin typeface="Consolas" panose="020B0609020204030204" pitchFamily="49" charset="0"/>
+              </a:rPr>
+              <a:t>"Wordcount App"</a:t>
+            </a:r>
+            <a:r>
+              <a:rPr lang="en-US" dirty="0">
+                <a:solidFill>
+                  <a:srgbClr val="D4D4D4"/>
+                </a:solidFill>
+                <a:latin typeface="Consolas" panose="020B0609020204030204" pitchFamily="49" charset="0"/>
+              </a:rPr>
+              <a:t>, </a:t>
+            </a:r>
+            <a:r>
+              <a:rPr lang="en-US" dirty="0">
+                <a:solidFill>
+                  <a:srgbClr val="B5CEA8"/>
+                </a:solidFill>
+                <a:latin typeface="Consolas" panose="020B0609020204030204" pitchFamily="49" charset="0"/>
+              </a:rPr>
+              <a:t>3</a:t>
+            </a:r>
+            <a:r>
+              <a:rPr lang="en-US" dirty="0">
+                <a:solidFill>
+                  <a:srgbClr val="D4D4D4"/>
+                </a:solidFill>
+                <a:latin typeface="Consolas" panose="020B0609020204030204" pitchFamily="49" charset="0"/>
+              </a:rPr>
+              <a:t>)</a:t>
+            </a:r>
+          </a:p>
+          <a:p>
+            <a:pPr marL="114300" indent="0">
+              <a:buNone/>
+            </a:pPr>
+            <a:r>
+              <a:rPr lang="en-US" dirty="0">
+                <a:solidFill>
+                  <a:srgbClr val="D4D4D4"/>
+                </a:solidFill>
+                <a:latin typeface="Consolas" panose="020B0609020204030204" pitchFamily="49" charset="0"/>
+              </a:rPr>
+              <a:t>    </a:t>
+            </a:r>
+            <a:r>
+              <a:rPr lang="en-US" dirty="0" err="1">
+                <a:solidFill>
+                  <a:srgbClr val="D4D4D4"/>
+                </a:solidFill>
+                <a:latin typeface="Consolas" panose="020B0609020204030204" pitchFamily="49" charset="0"/>
+              </a:rPr>
+              <a:t>d.</a:t>
+            </a:r>
+            <a:r>
+              <a:rPr lang="en-US" dirty="0" err="1">
+                <a:solidFill>
+                  <a:srgbClr val="DCDCAA"/>
+                </a:solidFill>
+                <a:latin typeface="Consolas" panose="020B0609020204030204" pitchFamily="49" charset="0"/>
+              </a:rPr>
+              <a:t>Run</a:t>
+            </a:r>
+            <a:r>
+              <a:rPr lang="en-US" dirty="0">
+                <a:solidFill>
+                  <a:srgbClr val="D4D4D4"/>
+                </a:solidFill>
+                <a:latin typeface="Consolas" panose="020B0609020204030204" pitchFamily="49" charset="0"/>
+              </a:rPr>
+              <a:t>(</a:t>
+            </a:r>
+            <a:r>
+              <a:rPr lang="en-US" dirty="0">
+                <a:solidFill>
+                  <a:srgbClr val="CE9178"/>
+                </a:solidFill>
+                <a:latin typeface="Consolas" panose="020B0609020204030204" pitchFamily="49" charset="0"/>
+              </a:rPr>
+              <a:t>"wordcount"</a:t>
+            </a:r>
+            <a:r>
+              <a:rPr lang="en-US" dirty="0">
+                <a:solidFill>
+                  <a:srgbClr val="D4D4D4"/>
+                </a:solidFill>
+                <a:latin typeface="Consolas" panose="020B0609020204030204" pitchFamily="49" charset="0"/>
+              </a:rPr>
+              <a:t>, </a:t>
+            </a:r>
+            <a:r>
+              <a:rPr lang="en-US" dirty="0">
+                <a:solidFill>
+                  <a:srgbClr val="CE9178"/>
+                </a:solidFill>
+                <a:latin typeface="Consolas" panose="020B0609020204030204" pitchFamily="49" charset="0"/>
+              </a:rPr>
+              <a:t>"/data/moby.txt"</a:t>
+            </a:r>
+            <a:r>
+              <a:rPr lang="en-US" dirty="0">
+                <a:solidFill>
+                  <a:srgbClr val="D4D4D4"/>
+                </a:solidFill>
+                <a:latin typeface="Consolas" panose="020B0609020204030204" pitchFamily="49" charset="0"/>
+              </a:rPr>
+              <a:t>, </a:t>
+            </a:r>
+            <a:r>
+              <a:rPr lang="en-US" dirty="0">
+                <a:solidFill>
+                  <a:srgbClr val="CE9178"/>
+                </a:solidFill>
+                <a:latin typeface="Consolas" panose="020B0609020204030204" pitchFamily="49" charset="0"/>
+              </a:rPr>
+              <a:t>"/data/wc.txt"</a:t>
+            </a:r>
+            <a:r>
+              <a:rPr lang="en-US" dirty="0">
+                <a:solidFill>
+                  <a:srgbClr val="D4D4D4"/>
+                </a:solidFill>
+                <a:latin typeface="Consolas" panose="020B0609020204030204" pitchFamily="49" charset="0"/>
+              </a:rPr>
+              <a:t>)</a:t>
+            </a:r>
+          </a:p>
+          <a:p>
+            <a:pPr marL="114300" indent="0">
+              <a:buNone/>
+            </a:pPr>
+            <a:r>
+              <a:rPr lang="en-US" dirty="0">
+                <a:solidFill>
+                  <a:srgbClr val="D4D4D4"/>
+                </a:solidFill>
+                <a:latin typeface="Consolas" panose="020B0609020204030204" pitchFamily="49" charset="0"/>
+              </a:rPr>
+              <a:t>}</a:t>
+            </a:r>
+          </a:p>
+          <a:p>
             <a:endParaRPr lang="en-US" dirty="0"/>
           </a:p>
         </p:txBody>
@@ -44735,7 +45360,7 @@
           <p:cNvPr id="4" name="Slide Number Placeholder 3">
             <a:extLst>
               <a:ext uri="{FF2B5EF4-FFF2-40B4-BE49-F238E27FC236}">
-                <a16:creationId xmlns:a16="http://schemas.microsoft.com/office/drawing/2014/main" id="{E0B1564E-9A94-47B5-AD7F-66EAC5588AE6}"/>
+                <a16:creationId xmlns:a16="http://schemas.microsoft.com/office/drawing/2014/main" id="{251462A7-B0A5-41FC-9D1B-E765913989AA}"/>
               </a:ext>
             </a:extLst>
           </p:cNvPr>
@@ -44771,7 +45396,7 @@
     </p:spTree>
     <p:extLst>
       <p:ext uri="{BB962C8B-B14F-4D97-AF65-F5344CB8AC3E}">
-        <p14:creationId xmlns:p14="http://schemas.microsoft.com/office/powerpoint/2010/main" val="972572024"/>
+        <p14:creationId xmlns:p14="http://schemas.microsoft.com/office/powerpoint/2010/main" val="3970904678"/>
       </p:ext>
     </p:extLst>
   </p:cSld>
@@ -44965,6 +45590,1332 @@
   <p:cSld>
     <p:spTree>
       <p:nvGrpSpPr>
+        <p:cNvPr id="1" name=""/>
+        <p:cNvGrpSpPr/>
+        <p:nvPr/>
+      </p:nvGrpSpPr>
+      <p:grpSpPr>
+        <a:xfrm>
+          <a:off x="0" y="0"/>
+          <a:ext cx="0" cy="0"/>
+          <a:chOff x="0" y="0"/>
+          <a:chExt cx="0" cy="0"/>
+        </a:xfrm>
+      </p:grpSpPr>
+      <p:sp>
+        <p:nvSpPr>
+          <p:cNvPr id="2" name="Title 1">
+            <a:extLst>
+              <a:ext uri="{FF2B5EF4-FFF2-40B4-BE49-F238E27FC236}">
+                <a16:creationId xmlns:a16="http://schemas.microsoft.com/office/drawing/2014/main" id="{3409C995-E579-4D36-9553-A35092FB1BD3}"/>
+              </a:ext>
+            </a:extLst>
+          </p:cNvPr>
+          <p:cNvSpPr>
+            <a:spLocks noGrp="1"/>
+          </p:cNvSpPr>
+          <p:nvPr>
+            <p:ph type="title"/>
+          </p:nvPr>
+        </p:nvSpPr>
+        <p:spPr/>
+        <p:txBody>
+          <a:bodyPr/>
+          <a:lstStyle/>
+          <a:p>
+            <a:r>
+              <a:rPr lang="en-US" dirty="0"/>
+              <a:t>Kubernetes</a:t>
+            </a:r>
+          </a:p>
+        </p:txBody>
+      </p:sp>
+      <p:sp>
+        <p:nvSpPr>
+          <p:cNvPr id="4" name="Slide Number Placeholder 3">
+            <a:extLst>
+              <a:ext uri="{FF2B5EF4-FFF2-40B4-BE49-F238E27FC236}">
+                <a16:creationId xmlns:a16="http://schemas.microsoft.com/office/drawing/2014/main" id="{48AAC6AE-8DC7-4777-9C2B-3580D3A0558D}"/>
+              </a:ext>
+            </a:extLst>
+          </p:cNvPr>
+          <p:cNvSpPr>
+            <a:spLocks noGrp="1"/>
+          </p:cNvSpPr>
+          <p:nvPr>
+            <p:ph type="sldNum" idx="12"/>
+          </p:nvPr>
+        </p:nvSpPr>
+        <p:spPr/>
+        <p:txBody>
+          <a:bodyPr/>
+          <a:lstStyle/>
+          <a:p>
+            <a:pPr marL="0" lvl="0" indent="0" algn="r" rtl="0">
+              <a:spcBef>
+                <a:spcPts val="0"/>
+              </a:spcBef>
+              <a:spcAft>
+                <a:spcPts val="0"/>
+              </a:spcAft>
+              <a:buNone/>
+            </a:pPr>
+            <a:fld id="{00000000-1234-1234-1234-123412341234}" type="slidenum">
+              <a:rPr lang="en" smtClean="0"/>
+              <a:t>50</a:t>
+            </a:fld>
+            <a:endParaRPr lang="en"/>
+          </a:p>
+        </p:txBody>
+      </p:sp>
+      <p:grpSp>
+        <p:nvGrpSpPr>
+          <p:cNvPr id="6" name="Group 5">
+            <a:extLst>
+              <a:ext uri="{FF2B5EF4-FFF2-40B4-BE49-F238E27FC236}">
+                <a16:creationId xmlns:a16="http://schemas.microsoft.com/office/drawing/2014/main" id="{26333274-F428-4C8F-AA48-47C8DD1B668F}"/>
+              </a:ext>
+            </a:extLst>
+          </p:cNvPr>
+          <p:cNvGrpSpPr/>
+          <p:nvPr/>
+        </p:nvGrpSpPr>
+        <p:grpSpPr>
+          <a:xfrm>
+            <a:off x="2304986" y="593366"/>
+            <a:ext cx="5974309" cy="5879019"/>
+            <a:chOff x="2304987" y="385614"/>
+            <a:chExt cx="5955540" cy="6086772"/>
+          </a:xfrm>
+        </p:grpSpPr>
+        <p:grpSp>
+          <p:nvGrpSpPr>
+            <p:cNvPr id="5" name="Group 4">
+              <a:extLst>
+                <a:ext uri="{FF2B5EF4-FFF2-40B4-BE49-F238E27FC236}">
+                  <a16:creationId xmlns:a16="http://schemas.microsoft.com/office/drawing/2014/main" id="{026E285F-1B0C-45A0-A301-14E376FBD9EF}"/>
+                </a:ext>
+              </a:extLst>
+            </p:cNvPr>
+            <p:cNvGrpSpPr/>
+            <p:nvPr/>
+          </p:nvGrpSpPr>
+          <p:grpSpPr>
+            <a:xfrm>
+              <a:off x="2304987" y="385614"/>
+              <a:ext cx="5955540" cy="6086772"/>
+              <a:chOff x="4229145" y="1741526"/>
+              <a:chExt cx="4628621" cy="4693116"/>
+            </a:xfrm>
+          </p:grpSpPr>
+          <p:sp>
+            <p:nvSpPr>
+              <p:cNvPr id="7" name="Oval 6">
+                <a:extLst>
+                  <a:ext uri="{FF2B5EF4-FFF2-40B4-BE49-F238E27FC236}">
+                    <a16:creationId xmlns:a16="http://schemas.microsoft.com/office/drawing/2014/main" id="{BFC23E12-175D-4D5C-B7A3-940AB919D5FF}"/>
+                  </a:ext>
+                </a:extLst>
+              </p:cNvPr>
+              <p:cNvSpPr/>
+              <p:nvPr/>
+            </p:nvSpPr>
+            <p:spPr>
+              <a:xfrm>
+                <a:off x="5702509" y="4555518"/>
+                <a:ext cx="786809" cy="763500"/>
+              </a:xfrm>
+              <a:prstGeom prst="ellipse">
+                <a:avLst/>
+              </a:prstGeom>
+            </p:spPr>
+            <p:style>
+              <a:lnRef idx="3">
+                <a:schemeClr val="lt1"/>
+              </a:lnRef>
+              <a:fillRef idx="1">
+                <a:schemeClr val="accent3"/>
+              </a:fillRef>
+              <a:effectRef idx="1">
+                <a:schemeClr val="accent3"/>
+              </a:effectRef>
+              <a:fontRef idx="minor">
+                <a:schemeClr val="lt1"/>
+              </a:fontRef>
+            </p:style>
+            <p:txBody>
+              <a:bodyPr rtlCol="0" anchor="ctr"/>
+              <a:lstStyle/>
+              <a:p>
+                <a:pPr algn="ctr"/>
+                <a:r>
+                  <a:rPr lang="en-US" dirty="0"/>
+                  <a:t>Pod</a:t>
+                </a:r>
+              </a:p>
+            </p:txBody>
+          </p:sp>
+          <p:sp>
+            <p:nvSpPr>
+              <p:cNvPr id="8" name="Oval 7">
+                <a:extLst>
+                  <a:ext uri="{FF2B5EF4-FFF2-40B4-BE49-F238E27FC236}">
+                    <a16:creationId xmlns:a16="http://schemas.microsoft.com/office/drawing/2014/main" id="{6EF86199-C2A3-4F18-A1B6-AD204C6AF065}"/>
+                  </a:ext>
+                </a:extLst>
+              </p:cNvPr>
+              <p:cNvSpPr/>
+              <p:nvPr/>
+            </p:nvSpPr>
+            <p:spPr>
+              <a:xfrm>
+                <a:off x="6772011" y="5081114"/>
+                <a:ext cx="786809" cy="763500"/>
+              </a:xfrm>
+              <a:prstGeom prst="ellipse">
+                <a:avLst/>
+              </a:prstGeom>
+            </p:spPr>
+            <p:style>
+              <a:lnRef idx="3">
+                <a:schemeClr val="lt1"/>
+              </a:lnRef>
+              <a:fillRef idx="1">
+                <a:schemeClr val="accent4"/>
+              </a:fillRef>
+              <a:effectRef idx="1">
+                <a:schemeClr val="accent4"/>
+              </a:effectRef>
+              <a:fontRef idx="minor">
+                <a:schemeClr val="lt1"/>
+              </a:fontRef>
+            </p:style>
+            <p:txBody>
+              <a:bodyPr rtlCol="0" anchor="ctr"/>
+              <a:lstStyle/>
+              <a:p>
+                <a:pPr algn="ctr"/>
+                <a:r>
+                  <a:rPr lang="en-US" dirty="0"/>
+                  <a:t>Pod</a:t>
+                </a:r>
+              </a:p>
+            </p:txBody>
+          </p:sp>
+          <p:grpSp>
+            <p:nvGrpSpPr>
+              <p:cNvPr id="9" name="Group 8">
+                <a:extLst>
+                  <a:ext uri="{FF2B5EF4-FFF2-40B4-BE49-F238E27FC236}">
+                    <a16:creationId xmlns:a16="http://schemas.microsoft.com/office/drawing/2014/main" id="{ABBFA3B5-7915-47FC-97E4-6127B4177B0E}"/>
+                  </a:ext>
+                </a:extLst>
+              </p:cNvPr>
+              <p:cNvGrpSpPr/>
+              <p:nvPr/>
+            </p:nvGrpSpPr>
+            <p:grpSpPr>
+              <a:xfrm>
+                <a:off x="4229145" y="1741527"/>
+                <a:ext cx="2275368" cy="2604977"/>
+                <a:chOff x="2296632" y="1356867"/>
+                <a:chExt cx="2275368" cy="2604977"/>
+              </a:xfrm>
+            </p:grpSpPr>
+            <p:grpSp>
+              <p:nvGrpSpPr>
+                <p:cNvPr id="21" name="Group 20">
+                  <a:extLst>
+                    <a:ext uri="{FF2B5EF4-FFF2-40B4-BE49-F238E27FC236}">
+                      <a16:creationId xmlns:a16="http://schemas.microsoft.com/office/drawing/2014/main" id="{D93960F4-1A02-4B97-9DBD-D5031E4D5295}"/>
+                    </a:ext>
+                  </a:extLst>
+                </p:cNvPr>
+                <p:cNvGrpSpPr/>
+                <p:nvPr/>
+              </p:nvGrpSpPr>
+              <p:grpSpPr>
+                <a:xfrm>
+                  <a:off x="2296632" y="1356867"/>
+                  <a:ext cx="2275368" cy="2604977"/>
+                  <a:chOff x="2296632" y="1356867"/>
+                  <a:chExt cx="2275368" cy="2604977"/>
+                </a:xfrm>
+              </p:grpSpPr>
+              <p:sp>
+                <p:nvSpPr>
+                  <p:cNvPr id="23" name="Hexagon 22">
+                    <a:extLst>
+                      <a:ext uri="{FF2B5EF4-FFF2-40B4-BE49-F238E27FC236}">
+                        <a16:creationId xmlns:a16="http://schemas.microsoft.com/office/drawing/2014/main" id="{2BA8A9F4-8EE3-4E8B-9897-709CF310473C}"/>
+                      </a:ext>
+                    </a:extLst>
+                  </p:cNvPr>
+                  <p:cNvSpPr/>
+                  <p:nvPr/>
+                </p:nvSpPr>
+                <p:spPr>
+                  <a:xfrm rot="5400000">
+                    <a:off x="2131827" y="1521672"/>
+                    <a:ext cx="2604977" cy="2275368"/>
+                  </a:xfrm>
+                  <a:prstGeom prst="hexagon">
+                    <a:avLst/>
+                  </a:prstGeom>
+                  <a:ln>
+                    <a:solidFill>
+                      <a:srgbClr val="0070C0"/>
+                    </a:solidFill>
+                  </a:ln>
+                </p:spPr>
+                <p:style>
+                  <a:lnRef idx="2">
+                    <a:schemeClr val="dk1">
+                      <a:shade val="50000"/>
+                    </a:schemeClr>
+                  </a:lnRef>
+                  <a:fillRef idx="1">
+                    <a:schemeClr val="dk1"/>
+                  </a:fillRef>
+                  <a:effectRef idx="0">
+                    <a:schemeClr val="dk1"/>
+                  </a:effectRef>
+                  <a:fontRef idx="minor">
+                    <a:schemeClr val="lt1"/>
+                  </a:fontRef>
+                </p:style>
+                <p:txBody>
+                  <a:bodyPr rtlCol="0" anchor="ctr"/>
+                  <a:lstStyle/>
+                  <a:p>
+                    <a:pPr algn="ctr"/>
+                    <a:endParaRPr lang="en-US" dirty="0"/>
+                  </a:p>
+                </p:txBody>
+              </p:sp>
+              <p:sp>
+                <p:nvSpPr>
+                  <p:cNvPr id="24" name="Oval 23">
+                    <a:extLst>
+                      <a:ext uri="{FF2B5EF4-FFF2-40B4-BE49-F238E27FC236}">
+                        <a16:creationId xmlns:a16="http://schemas.microsoft.com/office/drawing/2014/main" id="{A23D5DE2-CED2-4481-A017-AD83DE62457C}"/>
+                      </a:ext>
+                    </a:extLst>
+                  </p:cNvPr>
+                  <p:cNvSpPr/>
+                  <p:nvPr/>
+                </p:nvSpPr>
+                <p:spPr>
+                  <a:xfrm>
+                    <a:off x="3509674" y="2746263"/>
+                    <a:ext cx="786809" cy="763500"/>
+                  </a:xfrm>
+                  <a:prstGeom prst="ellipse">
+                    <a:avLst/>
+                  </a:prstGeom>
+                </p:spPr>
+                <p:style>
+                  <a:lnRef idx="3">
+                    <a:schemeClr val="lt1"/>
+                  </a:lnRef>
+                  <a:fillRef idx="1">
+                    <a:schemeClr val="accent4"/>
+                  </a:fillRef>
+                  <a:effectRef idx="1">
+                    <a:schemeClr val="accent4"/>
+                  </a:effectRef>
+                  <a:fontRef idx="minor">
+                    <a:schemeClr val="lt1"/>
+                  </a:fontRef>
+                </p:style>
+                <p:txBody>
+                  <a:bodyPr rtlCol="0" anchor="ctr"/>
+                  <a:lstStyle/>
+                  <a:p>
+                    <a:pPr algn="ctr"/>
+                    <a:r>
+                      <a:rPr lang="en-US" dirty="0"/>
+                      <a:t>Map</a:t>
+                    </a:r>
+                  </a:p>
+                </p:txBody>
+              </p:sp>
+            </p:grpSp>
+            <p:sp>
+              <p:nvSpPr>
+                <p:cNvPr id="22" name="TextBox 21">
+                  <a:extLst>
+                    <a:ext uri="{FF2B5EF4-FFF2-40B4-BE49-F238E27FC236}">
+                      <a16:creationId xmlns:a16="http://schemas.microsoft.com/office/drawing/2014/main" id="{D65668FA-0A12-4147-B34F-53B990369496}"/>
+                    </a:ext>
+                  </a:extLst>
+                </p:cNvPr>
+                <p:cNvSpPr txBox="1"/>
+                <p:nvPr/>
+              </p:nvSpPr>
+              <p:spPr>
+                <a:xfrm>
+                  <a:off x="3134790" y="1493677"/>
+                  <a:ext cx="1160807" cy="307777"/>
+                </a:xfrm>
+                <a:prstGeom prst="rect">
+                  <a:avLst/>
+                </a:prstGeom>
+                <a:noFill/>
+              </p:spPr>
+              <p:txBody>
+                <a:bodyPr wrap="square" rtlCol="0">
+                  <a:spAutoFit/>
+                </a:bodyPr>
+                <a:lstStyle/>
+                <a:p>
+                  <a:r>
+                    <a:rPr lang="en-US" dirty="0"/>
+                    <a:t>Node</a:t>
+                  </a:r>
+                </a:p>
+              </p:txBody>
+            </p:sp>
+          </p:grpSp>
+          <p:grpSp>
+            <p:nvGrpSpPr>
+              <p:cNvPr id="10" name="Group 9">
+                <a:extLst>
+                  <a:ext uri="{FF2B5EF4-FFF2-40B4-BE49-F238E27FC236}">
+                    <a16:creationId xmlns:a16="http://schemas.microsoft.com/office/drawing/2014/main" id="{3B2DFBC1-754E-42A0-B8C9-AEE5430AE917}"/>
+                  </a:ext>
+                </a:extLst>
+              </p:cNvPr>
+              <p:cNvGrpSpPr/>
+              <p:nvPr/>
+            </p:nvGrpSpPr>
+            <p:grpSpPr>
+              <a:xfrm>
+                <a:off x="6582398" y="1741526"/>
+                <a:ext cx="2275368" cy="2604977"/>
+                <a:chOff x="5413745" y="1018694"/>
+                <a:chExt cx="2275368" cy="2604977"/>
+              </a:xfrm>
+            </p:grpSpPr>
+            <p:sp>
+              <p:nvSpPr>
+                <p:cNvPr id="17" name="Hexagon 16">
+                  <a:extLst>
+                    <a:ext uri="{FF2B5EF4-FFF2-40B4-BE49-F238E27FC236}">
+                      <a16:creationId xmlns:a16="http://schemas.microsoft.com/office/drawing/2014/main" id="{5E295FCB-5521-47F6-9B5A-D8110501AF32}"/>
+                    </a:ext>
+                  </a:extLst>
+                </p:cNvPr>
+                <p:cNvSpPr/>
+                <p:nvPr/>
+              </p:nvSpPr>
+              <p:spPr>
+                <a:xfrm rot="5400000">
+                  <a:off x="5248940" y="1183499"/>
+                  <a:ext cx="2604977" cy="2275368"/>
+                </a:xfrm>
+                <a:prstGeom prst="hexagon">
+                  <a:avLst/>
+                </a:prstGeom>
+                <a:ln>
+                  <a:solidFill>
+                    <a:srgbClr val="0070C0"/>
+                  </a:solidFill>
+                </a:ln>
+              </p:spPr>
+              <p:style>
+                <a:lnRef idx="2">
+                  <a:schemeClr val="dk1">
+                    <a:shade val="50000"/>
+                  </a:schemeClr>
+                </a:lnRef>
+                <a:fillRef idx="1">
+                  <a:schemeClr val="dk1"/>
+                </a:fillRef>
+                <a:effectRef idx="0">
+                  <a:schemeClr val="dk1"/>
+                </a:effectRef>
+                <a:fontRef idx="minor">
+                  <a:schemeClr val="lt1"/>
+                </a:fontRef>
+              </p:style>
+              <p:txBody>
+                <a:bodyPr rtlCol="0" anchor="ctr"/>
+                <a:lstStyle/>
+                <a:p>
+                  <a:pPr algn="ctr"/>
+                  <a:endParaRPr lang="en-US"/>
+                </a:p>
+              </p:txBody>
+            </p:sp>
+            <p:sp>
+              <p:nvSpPr>
+                <p:cNvPr id="19" name="Oval 18">
+                  <a:extLst>
+                    <a:ext uri="{FF2B5EF4-FFF2-40B4-BE49-F238E27FC236}">
+                      <a16:creationId xmlns:a16="http://schemas.microsoft.com/office/drawing/2014/main" id="{BD8BB67E-140F-4128-A173-940CC67164B7}"/>
+                    </a:ext>
+                  </a:extLst>
+                </p:cNvPr>
+                <p:cNvSpPr/>
+                <p:nvPr/>
+              </p:nvSpPr>
+              <p:spPr>
+                <a:xfrm>
+                  <a:off x="6639736" y="1644590"/>
+                  <a:ext cx="927969" cy="763500"/>
+                </a:xfrm>
+                <a:prstGeom prst="ellipse">
+                  <a:avLst/>
+                </a:prstGeom>
+              </p:spPr>
+              <p:style>
+                <a:lnRef idx="3">
+                  <a:schemeClr val="lt1"/>
+                </a:lnRef>
+                <a:fillRef idx="1">
+                  <a:schemeClr val="accent5"/>
+                </a:fillRef>
+                <a:effectRef idx="1">
+                  <a:schemeClr val="accent5"/>
+                </a:effectRef>
+                <a:fontRef idx="minor">
+                  <a:schemeClr val="lt1"/>
+                </a:fontRef>
+              </p:style>
+              <p:txBody>
+                <a:bodyPr rtlCol="0" anchor="ctr"/>
+                <a:lstStyle/>
+                <a:p>
+                  <a:pPr algn="ctr"/>
+                  <a:r>
+                    <a:rPr lang="en-US" dirty="0"/>
+                    <a:t>Reduce</a:t>
+                  </a:r>
+                </a:p>
+              </p:txBody>
+            </p:sp>
+            <p:sp>
+              <p:nvSpPr>
+                <p:cNvPr id="20" name="TextBox 19">
+                  <a:extLst>
+                    <a:ext uri="{FF2B5EF4-FFF2-40B4-BE49-F238E27FC236}">
+                      <a16:creationId xmlns:a16="http://schemas.microsoft.com/office/drawing/2014/main" id="{EEF5CE62-A6E6-44F3-9236-96EB07156253}"/>
+                    </a:ext>
+                  </a:extLst>
+                </p:cNvPr>
+                <p:cNvSpPr txBox="1"/>
+                <p:nvPr/>
+              </p:nvSpPr>
+              <p:spPr>
+                <a:xfrm>
+                  <a:off x="6204056" y="1241321"/>
+                  <a:ext cx="1160807" cy="307777"/>
+                </a:xfrm>
+                <a:prstGeom prst="rect">
+                  <a:avLst/>
+                </a:prstGeom>
+                <a:noFill/>
+              </p:spPr>
+              <p:txBody>
+                <a:bodyPr wrap="square" rtlCol="0">
+                  <a:spAutoFit/>
+                </a:bodyPr>
+                <a:lstStyle/>
+                <a:p>
+                  <a:r>
+                    <a:rPr lang="en-US" dirty="0"/>
+                    <a:t>Node</a:t>
+                  </a:r>
+                </a:p>
+              </p:txBody>
+            </p:sp>
+          </p:grpSp>
+          <p:sp>
+            <p:nvSpPr>
+              <p:cNvPr id="11" name="TextBox 10">
+                <a:extLst>
+                  <a:ext uri="{FF2B5EF4-FFF2-40B4-BE49-F238E27FC236}">
+                    <a16:creationId xmlns:a16="http://schemas.microsoft.com/office/drawing/2014/main" id="{438C8037-C75B-4756-99E5-D36049E400B0}"/>
+                  </a:ext>
+                </a:extLst>
+              </p:cNvPr>
+              <p:cNvSpPr txBox="1"/>
+              <p:nvPr/>
+            </p:nvSpPr>
+            <p:spPr>
+              <a:xfrm>
+                <a:off x="6191607" y="4110217"/>
+                <a:ext cx="1160807" cy="307777"/>
+              </a:xfrm>
+              <a:prstGeom prst="rect">
+                <a:avLst/>
+              </a:prstGeom>
+              <a:noFill/>
+            </p:spPr>
+            <p:txBody>
+              <a:bodyPr wrap="square" rtlCol="0">
+                <a:spAutoFit/>
+              </a:bodyPr>
+              <a:lstStyle/>
+              <a:p>
+                <a:r>
+                  <a:rPr lang="en-US" dirty="0"/>
+                  <a:t>Node</a:t>
+                </a:r>
+              </a:p>
+            </p:txBody>
+          </p:sp>
+          <p:grpSp>
+            <p:nvGrpSpPr>
+              <p:cNvPr id="12" name="Group 11">
+                <a:extLst>
+                  <a:ext uri="{FF2B5EF4-FFF2-40B4-BE49-F238E27FC236}">
+                    <a16:creationId xmlns:a16="http://schemas.microsoft.com/office/drawing/2014/main" id="{EBACD7CE-8601-4F51-9F4F-3E9E4B803FAC}"/>
+                  </a:ext>
+                </a:extLst>
+              </p:cNvPr>
+              <p:cNvGrpSpPr/>
+              <p:nvPr/>
+            </p:nvGrpSpPr>
+            <p:grpSpPr>
+              <a:xfrm>
+                <a:off x="5413746" y="3829665"/>
+                <a:ext cx="2275368" cy="2604977"/>
+                <a:chOff x="5413746" y="3829665"/>
+                <a:chExt cx="2275368" cy="2604977"/>
+              </a:xfrm>
+            </p:grpSpPr>
+            <p:sp>
+              <p:nvSpPr>
+                <p:cNvPr id="13" name="Hexagon 12">
+                  <a:extLst>
+                    <a:ext uri="{FF2B5EF4-FFF2-40B4-BE49-F238E27FC236}">
+                      <a16:creationId xmlns:a16="http://schemas.microsoft.com/office/drawing/2014/main" id="{1F6DC0AE-6845-4031-9B29-0BCE4CE194FA}"/>
+                    </a:ext>
+                  </a:extLst>
+                </p:cNvPr>
+                <p:cNvSpPr/>
+                <p:nvPr/>
+              </p:nvSpPr>
+              <p:spPr>
+                <a:xfrm rot="5400000">
+                  <a:off x="5248941" y="3994470"/>
+                  <a:ext cx="2604977" cy="2275368"/>
+                </a:xfrm>
+                <a:prstGeom prst="hexagon">
+                  <a:avLst/>
+                </a:prstGeom>
+                <a:ln>
+                  <a:solidFill>
+                    <a:srgbClr val="0070C0"/>
+                  </a:solidFill>
+                </a:ln>
+              </p:spPr>
+              <p:style>
+                <a:lnRef idx="2">
+                  <a:schemeClr val="dk1">
+                    <a:shade val="50000"/>
+                  </a:schemeClr>
+                </a:lnRef>
+                <a:fillRef idx="1">
+                  <a:schemeClr val="dk1"/>
+                </a:fillRef>
+                <a:effectRef idx="0">
+                  <a:schemeClr val="dk1"/>
+                </a:effectRef>
+                <a:fontRef idx="minor">
+                  <a:schemeClr val="lt1"/>
+                </a:fontRef>
+              </p:style>
+              <p:txBody>
+                <a:bodyPr rtlCol="0" anchor="ctr"/>
+                <a:lstStyle/>
+                <a:p>
+                  <a:pPr algn="ctr"/>
+                  <a:endParaRPr lang="en-US"/>
+                </a:p>
+              </p:txBody>
+            </p:sp>
+            <p:sp>
+              <p:nvSpPr>
+                <p:cNvPr id="15" name="Oval 14">
+                  <a:extLst>
+                    <a:ext uri="{FF2B5EF4-FFF2-40B4-BE49-F238E27FC236}">
+                      <a16:creationId xmlns:a16="http://schemas.microsoft.com/office/drawing/2014/main" id="{81876ECA-4ABF-49EB-85F3-65F6C3701200}"/>
+                    </a:ext>
+                  </a:extLst>
+                </p:cNvPr>
+                <p:cNvSpPr/>
+                <p:nvPr/>
+              </p:nvSpPr>
+              <p:spPr>
+                <a:xfrm>
+                  <a:off x="6489318" y="5116738"/>
+                  <a:ext cx="786809" cy="763500"/>
+                </a:xfrm>
+                <a:prstGeom prst="ellipse">
+                  <a:avLst/>
+                </a:prstGeom>
+              </p:spPr>
+              <p:style>
+                <a:lnRef idx="3">
+                  <a:schemeClr val="lt1"/>
+                </a:lnRef>
+                <a:fillRef idx="1">
+                  <a:schemeClr val="accent4"/>
+                </a:fillRef>
+                <a:effectRef idx="1">
+                  <a:schemeClr val="accent4"/>
+                </a:effectRef>
+                <a:fontRef idx="minor">
+                  <a:schemeClr val="lt1"/>
+                </a:fontRef>
+              </p:style>
+              <p:txBody>
+                <a:bodyPr rtlCol="0" anchor="ctr"/>
+                <a:lstStyle/>
+                <a:p>
+                  <a:pPr algn="ctr"/>
+                  <a:r>
+                    <a:rPr lang="en-US" dirty="0"/>
+                    <a:t>Map</a:t>
+                  </a:r>
+                </a:p>
+              </p:txBody>
+            </p:sp>
+            <p:sp>
+              <p:nvSpPr>
+                <p:cNvPr id="16" name="TextBox 15">
+                  <a:extLst>
+                    <a:ext uri="{FF2B5EF4-FFF2-40B4-BE49-F238E27FC236}">
+                      <a16:creationId xmlns:a16="http://schemas.microsoft.com/office/drawing/2014/main" id="{4CF168FB-73C7-4C44-97A9-632E7A2F5EFD}"/>
+                    </a:ext>
+                  </a:extLst>
+                </p:cNvPr>
+                <p:cNvSpPr txBox="1"/>
+                <p:nvPr/>
+              </p:nvSpPr>
+              <p:spPr>
+                <a:xfrm>
+                  <a:off x="6191607" y="4110218"/>
+                  <a:ext cx="1160807" cy="307777"/>
+                </a:xfrm>
+                <a:prstGeom prst="rect">
+                  <a:avLst/>
+                </a:prstGeom>
+                <a:noFill/>
+              </p:spPr>
+              <p:txBody>
+                <a:bodyPr wrap="square" rtlCol="0">
+                  <a:spAutoFit/>
+                </a:bodyPr>
+                <a:lstStyle/>
+                <a:p>
+                  <a:r>
+                    <a:rPr lang="en-US" dirty="0"/>
+                    <a:t>Node</a:t>
+                  </a:r>
+                </a:p>
+              </p:txBody>
+            </p:sp>
+          </p:grpSp>
+        </p:grpSp>
+        <p:sp>
+          <p:nvSpPr>
+            <p:cNvPr id="25" name="Oval 24">
+              <a:extLst>
+                <a:ext uri="{FF2B5EF4-FFF2-40B4-BE49-F238E27FC236}">
+                  <a16:creationId xmlns:a16="http://schemas.microsoft.com/office/drawing/2014/main" id="{94279330-10FF-455A-8379-A6EE90C8758A}"/>
+                </a:ext>
+              </a:extLst>
+            </p:cNvPr>
+            <p:cNvSpPr/>
+            <p:nvPr/>
+          </p:nvSpPr>
+          <p:spPr>
+            <a:xfrm>
+              <a:off x="5741737" y="2057595"/>
+              <a:ext cx="1012369" cy="990227"/>
+            </a:xfrm>
+            <a:prstGeom prst="ellipse">
+              <a:avLst/>
+            </a:prstGeom>
+          </p:spPr>
+          <p:style>
+            <a:lnRef idx="3">
+              <a:schemeClr val="lt1"/>
+            </a:lnRef>
+            <a:fillRef idx="1">
+              <a:schemeClr val="accent4"/>
+            </a:fillRef>
+            <a:effectRef idx="1">
+              <a:schemeClr val="accent4"/>
+            </a:effectRef>
+            <a:fontRef idx="minor">
+              <a:schemeClr val="lt1"/>
+            </a:fontRef>
+          </p:style>
+          <p:txBody>
+            <a:bodyPr rtlCol="0" anchor="ctr"/>
+            <a:lstStyle/>
+            <a:p>
+              <a:pPr algn="ctr"/>
+              <a:r>
+                <a:rPr lang="en-US" dirty="0"/>
+                <a:t>Map</a:t>
+              </a:r>
+            </a:p>
+          </p:txBody>
+        </p:sp>
+        <p:sp>
+          <p:nvSpPr>
+            <p:cNvPr id="26" name="Oval 25">
+              <a:extLst>
+                <a:ext uri="{FF2B5EF4-FFF2-40B4-BE49-F238E27FC236}">
+                  <a16:creationId xmlns:a16="http://schemas.microsoft.com/office/drawing/2014/main" id="{5884FA35-A7EA-4697-BBB5-912902493347}"/>
+                </a:ext>
+              </a:extLst>
+            </p:cNvPr>
+            <p:cNvSpPr/>
+            <p:nvPr/>
+          </p:nvSpPr>
+          <p:spPr>
+            <a:xfrm>
+              <a:off x="2668859" y="1292776"/>
+              <a:ext cx="1193997" cy="990227"/>
+            </a:xfrm>
+            <a:prstGeom prst="ellipse">
+              <a:avLst/>
+            </a:prstGeom>
+          </p:spPr>
+          <p:style>
+            <a:lnRef idx="3">
+              <a:schemeClr val="lt1"/>
+            </a:lnRef>
+            <a:fillRef idx="1">
+              <a:schemeClr val="accent5"/>
+            </a:fillRef>
+            <a:effectRef idx="1">
+              <a:schemeClr val="accent5"/>
+            </a:effectRef>
+            <a:fontRef idx="minor">
+              <a:schemeClr val="lt1"/>
+            </a:fontRef>
+          </p:style>
+          <p:txBody>
+            <a:bodyPr rtlCol="0" anchor="ctr"/>
+            <a:lstStyle/>
+            <a:p>
+              <a:pPr algn="ctr"/>
+              <a:r>
+                <a:rPr lang="en-US" dirty="0"/>
+                <a:t>Reduce</a:t>
+              </a:r>
+            </a:p>
+          </p:txBody>
+        </p:sp>
+        <p:sp>
+          <p:nvSpPr>
+            <p:cNvPr id="27" name="Oval 26">
+              <a:extLst>
+                <a:ext uri="{FF2B5EF4-FFF2-40B4-BE49-F238E27FC236}">
+                  <a16:creationId xmlns:a16="http://schemas.microsoft.com/office/drawing/2014/main" id="{0FEDFA03-27C5-4126-ACFD-985742A59682}"/>
+                </a:ext>
+              </a:extLst>
+            </p:cNvPr>
+            <p:cNvSpPr/>
+            <p:nvPr/>
+          </p:nvSpPr>
+          <p:spPr>
+            <a:xfrm>
+              <a:off x="4088760" y="3888190"/>
+              <a:ext cx="1193997" cy="990227"/>
+            </a:xfrm>
+            <a:prstGeom prst="ellipse">
+              <a:avLst/>
+            </a:prstGeom>
+          </p:spPr>
+          <p:style>
+            <a:lnRef idx="3">
+              <a:schemeClr val="lt1"/>
+            </a:lnRef>
+            <a:fillRef idx="1">
+              <a:schemeClr val="accent5"/>
+            </a:fillRef>
+            <a:effectRef idx="1">
+              <a:schemeClr val="accent5"/>
+            </a:effectRef>
+            <a:fontRef idx="minor">
+              <a:schemeClr val="lt1"/>
+            </a:fontRef>
+          </p:style>
+          <p:txBody>
+            <a:bodyPr rtlCol="0" anchor="ctr"/>
+            <a:lstStyle/>
+            <a:p>
+              <a:pPr algn="ctr"/>
+              <a:r>
+                <a:rPr lang="en-US" dirty="0"/>
+                <a:t>Reduce</a:t>
+              </a:r>
+            </a:p>
+          </p:txBody>
+        </p:sp>
+      </p:grpSp>
+      <p:sp>
+        <p:nvSpPr>
+          <p:cNvPr id="28" name="Rectangle 27">
+            <a:extLst>
+              <a:ext uri="{FF2B5EF4-FFF2-40B4-BE49-F238E27FC236}">
+                <a16:creationId xmlns:a16="http://schemas.microsoft.com/office/drawing/2014/main" id="{57ECCB2B-A670-428B-8F8A-FEE159B8528B}"/>
+              </a:ext>
+            </a:extLst>
+          </p:cNvPr>
+          <p:cNvSpPr/>
+          <p:nvPr/>
+        </p:nvSpPr>
+        <p:spPr>
+          <a:xfrm>
+            <a:off x="105050" y="5777889"/>
+            <a:ext cx="1212112" cy="850605"/>
+          </a:xfrm>
+          <a:prstGeom prst="rect">
+            <a:avLst/>
+          </a:prstGeom>
+          <a:solidFill>
+            <a:srgbClr val="7030A0"/>
+          </a:solidFill>
+          <a:ln>
+            <a:solidFill>
+              <a:srgbClr val="002060"/>
+            </a:solidFill>
+          </a:ln>
+        </p:spPr>
+        <p:style>
+          <a:lnRef idx="2">
+            <a:schemeClr val="dk1">
+              <a:shade val="50000"/>
+            </a:schemeClr>
+          </a:lnRef>
+          <a:fillRef idx="1">
+            <a:schemeClr val="dk1"/>
+          </a:fillRef>
+          <a:effectRef idx="0">
+            <a:schemeClr val="dk1"/>
+          </a:effectRef>
+          <a:fontRef idx="minor">
+            <a:schemeClr val="lt1"/>
+          </a:fontRef>
+        </p:style>
+        <p:txBody>
+          <a:bodyPr rtlCol="0" anchor="ctr"/>
+          <a:lstStyle/>
+          <a:p>
+            <a:pPr algn="ctr"/>
+            <a:r>
+              <a:rPr lang="en-US" sz="3000" dirty="0">
+                <a:solidFill>
+                  <a:schemeClr val="tx1"/>
+                </a:solidFill>
+              </a:rPr>
+              <a:t>Job</a:t>
+            </a:r>
+          </a:p>
+        </p:txBody>
+      </p:sp>
+      <p:sp>
+        <p:nvSpPr>
+          <p:cNvPr id="29" name="Oval 28">
+            <a:extLst>
+              <a:ext uri="{FF2B5EF4-FFF2-40B4-BE49-F238E27FC236}">
+                <a16:creationId xmlns:a16="http://schemas.microsoft.com/office/drawing/2014/main" id="{9F2FA7BB-D4DA-4D4E-9D88-0F741AB4B886}"/>
+              </a:ext>
+            </a:extLst>
+          </p:cNvPr>
+          <p:cNvSpPr/>
+          <p:nvPr/>
+        </p:nvSpPr>
+        <p:spPr>
+          <a:xfrm>
+            <a:off x="1282882" y="3856595"/>
+            <a:ext cx="1856967" cy="1768953"/>
+          </a:xfrm>
+          <a:prstGeom prst="ellipse">
+            <a:avLst/>
+          </a:prstGeom>
+          <a:solidFill>
+            <a:srgbClr val="00B0F0"/>
+          </a:solidFill>
+        </p:spPr>
+        <p:style>
+          <a:lnRef idx="2">
+            <a:schemeClr val="accent1">
+              <a:shade val="50000"/>
+            </a:schemeClr>
+          </a:lnRef>
+          <a:fillRef idx="1">
+            <a:schemeClr val="accent1"/>
+          </a:fillRef>
+          <a:effectRef idx="0">
+            <a:schemeClr val="accent1"/>
+          </a:effectRef>
+          <a:fontRef idx="minor">
+            <a:schemeClr val="lt1"/>
+          </a:fontRef>
+        </p:style>
+        <p:txBody>
+          <a:bodyPr rtlCol="0" anchor="ctr"/>
+          <a:lstStyle/>
+          <a:p>
+            <a:pPr algn="ctr"/>
+            <a:r>
+              <a:rPr lang="en-US" sz="2800" b="1" dirty="0">
+                <a:solidFill>
+                  <a:schemeClr val="tx1"/>
+                </a:solidFill>
+              </a:rPr>
+              <a:t>Driver</a:t>
+            </a:r>
+          </a:p>
+        </p:txBody>
+      </p:sp>
+      <p:cxnSp>
+        <p:nvCxnSpPr>
+          <p:cNvPr id="31" name="Straight Arrow Connector 30">
+            <a:extLst>
+              <a:ext uri="{FF2B5EF4-FFF2-40B4-BE49-F238E27FC236}">
+                <a16:creationId xmlns:a16="http://schemas.microsoft.com/office/drawing/2014/main" id="{6685B2A5-5A54-4CB5-BAF0-24BA1A8ADBB2}"/>
+              </a:ext>
+            </a:extLst>
+          </p:cNvPr>
+          <p:cNvCxnSpPr/>
+          <p:nvPr/>
+        </p:nvCxnSpPr>
+        <p:spPr>
+          <a:xfrm flipV="1">
+            <a:off x="1282882" y="5476461"/>
+            <a:ext cx="357075" cy="301428"/>
+          </a:xfrm>
+          <a:prstGeom prst="straightConnector1">
+            <a:avLst/>
+          </a:prstGeom>
+          <a:ln w="57150">
+            <a:solidFill>
+              <a:srgbClr val="92D050"/>
+            </a:solidFill>
+            <a:tailEnd type="triangle"/>
+          </a:ln>
+        </p:spPr>
+        <p:style>
+          <a:lnRef idx="1">
+            <a:schemeClr val="accent1"/>
+          </a:lnRef>
+          <a:fillRef idx="0">
+            <a:schemeClr val="accent1"/>
+          </a:fillRef>
+          <a:effectRef idx="0">
+            <a:schemeClr val="accent1"/>
+          </a:effectRef>
+          <a:fontRef idx="minor">
+            <a:schemeClr val="tx1"/>
+          </a:fontRef>
+        </p:style>
+      </p:cxnSp>
+      <p:cxnSp>
+        <p:nvCxnSpPr>
+          <p:cNvPr id="32" name="Straight Arrow Connector 31">
+            <a:extLst>
+              <a:ext uri="{FF2B5EF4-FFF2-40B4-BE49-F238E27FC236}">
+                <a16:creationId xmlns:a16="http://schemas.microsoft.com/office/drawing/2014/main" id="{CF923A81-8882-4D2F-8C91-701BA3423146}"/>
+              </a:ext>
+            </a:extLst>
+          </p:cNvPr>
+          <p:cNvCxnSpPr>
+            <a:cxnSpLocks/>
+          </p:cNvCxnSpPr>
+          <p:nvPr/>
+        </p:nvCxnSpPr>
+        <p:spPr>
+          <a:xfrm flipV="1">
+            <a:off x="2410656" y="3164708"/>
+            <a:ext cx="419090" cy="798324"/>
+          </a:xfrm>
+          <a:prstGeom prst="straightConnector1">
+            <a:avLst/>
+          </a:prstGeom>
+          <a:ln w="57150">
+            <a:solidFill>
+              <a:srgbClr val="92D050"/>
+            </a:solidFill>
+            <a:tailEnd type="triangle"/>
+          </a:ln>
+        </p:spPr>
+        <p:style>
+          <a:lnRef idx="1">
+            <a:schemeClr val="accent1"/>
+          </a:lnRef>
+          <a:fillRef idx="0">
+            <a:schemeClr val="accent1"/>
+          </a:fillRef>
+          <a:effectRef idx="0">
+            <a:schemeClr val="accent1"/>
+          </a:effectRef>
+          <a:fontRef idx="minor">
+            <a:schemeClr val="tx1"/>
+          </a:fontRef>
+        </p:style>
+      </p:cxnSp>
+      <p:cxnSp>
+        <p:nvCxnSpPr>
+          <p:cNvPr id="33" name="Straight Arrow Connector 32">
+            <a:extLst>
+              <a:ext uri="{FF2B5EF4-FFF2-40B4-BE49-F238E27FC236}">
+                <a16:creationId xmlns:a16="http://schemas.microsoft.com/office/drawing/2014/main" id="{BC3797ED-744C-4DC0-AB4B-2DCBF80FE125}"/>
+              </a:ext>
+            </a:extLst>
+          </p:cNvPr>
+          <p:cNvCxnSpPr>
+            <a:cxnSpLocks/>
+          </p:cNvCxnSpPr>
+          <p:nvPr/>
+        </p:nvCxnSpPr>
+        <p:spPr>
+          <a:xfrm flipV="1">
+            <a:off x="2930275" y="3001405"/>
+            <a:ext cx="2546186" cy="1205104"/>
+          </a:xfrm>
+          <a:prstGeom prst="straightConnector1">
+            <a:avLst/>
+          </a:prstGeom>
+          <a:ln w="57150">
+            <a:solidFill>
+              <a:srgbClr val="92D050"/>
+            </a:solidFill>
+            <a:tailEnd type="triangle"/>
+          </a:ln>
+        </p:spPr>
+        <p:style>
+          <a:lnRef idx="1">
+            <a:schemeClr val="accent1"/>
+          </a:lnRef>
+          <a:fillRef idx="0">
+            <a:schemeClr val="accent1"/>
+          </a:fillRef>
+          <a:effectRef idx="0">
+            <a:schemeClr val="accent1"/>
+          </a:effectRef>
+          <a:fontRef idx="minor">
+            <a:schemeClr val="tx1"/>
+          </a:fontRef>
+        </p:style>
+      </p:cxnSp>
+      <p:cxnSp>
+        <p:nvCxnSpPr>
+          <p:cNvPr id="34" name="Straight Arrow Connector 33">
+            <a:extLst>
+              <a:ext uri="{FF2B5EF4-FFF2-40B4-BE49-F238E27FC236}">
+                <a16:creationId xmlns:a16="http://schemas.microsoft.com/office/drawing/2014/main" id="{0739C544-3720-4912-B761-F50687EABA72}"/>
+              </a:ext>
+            </a:extLst>
+          </p:cNvPr>
+          <p:cNvCxnSpPr>
+            <a:cxnSpLocks/>
+          </p:cNvCxnSpPr>
+          <p:nvPr/>
+        </p:nvCxnSpPr>
+        <p:spPr>
+          <a:xfrm>
+            <a:off x="3108813" y="4785793"/>
+            <a:ext cx="664617" cy="139929"/>
+          </a:xfrm>
+          <a:prstGeom prst="straightConnector1">
+            <a:avLst/>
+          </a:prstGeom>
+          <a:ln w="57150">
+            <a:solidFill>
+              <a:srgbClr val="92D050"/>
+            </a:solidFill>
+            <a:tailEnd type="triangle"/>
+          </a:ln>
+        </p:spPr>
+        <p:style>
+          <a:lnRef idx="1">
+            <a:schemeClr val="accent1"/>
+          </a:lnRef>
+          <a:fillRef idx="0">
+            <a:schemeClr val="accent1"/>
+          </a:fillRef>
+          <a:effectRef idx="0">
+            <a:schemeClr val="accent1"/>
+          </a:effectRef>
+          <a:fontRef idx="minor">
+            <a:schemeClr val="tx1"/>
+          </a:fontRef>
+        </p:style>
+      </p:cxnSp>
+    </p:spTree>
+    <p:extLst>
+      <p:ext uri="{BB962C8B-B14F-4D97-AF65-F5344CB8AC3E}">
+        <p14:creationId xmlns:p14="http://schemas.microsoft.com/office/powerpoint/2010/main" val="1401880735"/>
+      </p:ext>
+    </p:extLst>
+  </p:cSld>
+  <p:clrMapOvr>
+    <a:masterClrMapping/>
+  </p:clrMapOvr>
+</p:sld>
+</file>
+
+<file path=ppt/slides/slide51.xml><?xml version="1.0" encoding="utf-8"?>
+<p:sld xmlns:a="http://schemas.openxmlformats.org/drawingml/2006/main" xmlns:r="http://schemas.openxmlformats.org/officeDocument/2006/relationships" xmlns:p="http://schemas.openxmlformats.org/presentationml/2006/main" show="0">
+  <p:cSld>
+    <p:spTree>
+      <p:nvGrpSpPr>
+        <p:cNvPr id="1" name=""/>
+        <p:cNvGrpSpPr/>
+        <p:nvPr/>
+      </p:nvGrpSpPr>
+      <p:grpSpPr>
+        <a:xfrm>
+          <a:off x="0" y="0"/>
+          <a:ext cx="0" cy="0"/>
+          <a:chOff x="0" y="0"/>
+          <a:chExt cx="0" cy="0"/>
+        </a:xfrm>
+      </p:grpSpPr>
+      <p:sp>
+        <p:nvSpPr>
+          <p:cNvPr id="2" name="Title 1">
+            <a:extLst>
+              <a:ext uri="{FF2B5EF4-FFF2-40B4-BE49-F238E27FC236}">
+                <a16:creationId xmlns:a16="http://schemas.microsoft.com/office/drawing/2014/main" id="{91CF8893-136B-44B2-AE0D-EED445BE3B8D}"/>
+              </a:ext>
+            </a:extLst>
+          </p:cNvPr>
+          <p:cNvSpPr>
+            <a:spLocks noGrp="1"/>
+          </p:cNvSpPr>
+          <p:nvPr>
+            <p:ph type="title"/>
+          </p:nvPr>
+        </p:nvSpPr>
+        <p:spPr/>
+        <p:txBody>
+          <a:bodyPr/>
+          <a:lstStyle/>
+          <a:p>
+            <a:r>
+              <a:rPr lang="en-US" dirty="0"/>
+              <a:t>Future Work</a:t>
+            </a:r>
+          </a:p>
+        </p:txBody>
+      </p:sp>
+      <p:sp>
+        <p:nvSpPr>
+          <p:cNvPr id="3" name="Text Placeholder 2">
+            <a:extLst>
+              <a:ext uri="{FF2B5EF4-FFF2-40B4-BE49-F238E27FC236}">
+                <a16:creationId xmlns:a16="http://schemas.microsoft.com/office/drawing/2014/main" id="{EC2603D5-8C59-4FD0-AC4E-400F54629850}"/>
+              </a:ext>
+            </a:extLst>
+          </p:cNvPr>
+          <p:cNvSpPr>
+            <a:spLocks noGrp="1"/>
+          </p:cNvSpPr>
+          <p:nvPr>
+            <p:ph type="body" idx="1"/>
+          </p:nvPr>
+        </p:nvSpPr>
+        <p:spPr/>
+        <p:txBody>
+          <a:bodyPr/>
+          <a:lstStyle/>
+          <a:p>
+            <a:r>
+              <a:rPr lang="en-US" dirty="0"/>
+              <a:t>Performance improvements</a:t>
+            </a:r>
+          </a:p>
+          <a:p>
+            <a:r>
+              <a:rPr lang="en-US" dirty="0"/>
+              <a:t>Programmability?</a:t>
+            </a:r>
+          </a:p>
+          <a:p>
+            <a:pPr lvl="1"/>
+            <a:r>
+              <a:rPr lang="en-US"/>
+              <a:t>Combine driver + job code</a:t>
+            </a:r>
+            <a:endParaRPr lang="en-US" dirty="0"/>
+          </a:p>
+          <a:p>
+            <a:pPr marL="114300" indent="0">
+              <a:buNone/>
+            </a:pPr>
+            <a:endParaRPr lang="en-US" dirty="0"/>
+          </a:p>
+        </p:txBody>
+      </p:sp>
+      <p:sp>
+        <p:nvSpPr>
+          <p:cNvPr id="4" name="Slide Number Placeholder 3">
+            <a:extLst>
+              <a:ext uri="{FF2B5EF4-FFF2-40B4-BE49-F238E27FC236}">
+                <a16:creationId xmlns:a16="http://schemas.microsoft.com/office/drawing/2014/main" id="{E0B1564E-9A94-47B5-AD7F-66EAC5588AE6}"/>
+              </a:ext>
+            </a:extLst>
+          </p:cNvPr>
+          <p:cNvSpPr>
+            <a:spLocks noGrp="1"/>
+          </p:cNvSpPr>
+          <p:nvPr>
+            <p:ph type="sldNum" idx="12"/>
+          </p:nvPr>
+        </p:nvSpPr>
+        <p:spPr/>
+        <p:txBody>
+          <a:bodyPr/>
+          <a:lstStyle/>
+          <a:p>
+            <a:pPr marL="0" lvl="0" indent="0" algn="r" rtl="0">
+              <a:spcBef>
+                <a:spcPts val="0"/>
+              </a:spcBef>
+              <a:spcAft>
+                <a:spcPts val="0"/>
+              </a:spcAft>
+              <a:buNone/>
+            </a:pPr>
+            <a:fld id="{00000000-1234-1234-1234-123412341234}" type="slidenum">
+              <a:rPr lang="en" smtClean="0"/>
+              <a:t>51</a:t>
+            </a:fld>
+            <a:endParaRPr lang="en"/>
+          </a:p>
+        </p:txBody>
+      </p:sp>
+    </p:spTree>
+    <p:extLst>
+      <p:ext uri="{BB962C8B-B14F-4D97-AF65-F5344CB8AC3E}">
+        <p14:creationId xmlns:p14="http://schemas.microsoft.com/office/powerpoint/2010/main" val="972572024"/>
+      </p:ext>
+    </p:extLst>
+  </p:cSld>
+  <p:clrMapOvr>
+    <a:masterClrMapping/>
+  </p:clrMapOvr>
+</p:sld>
+</file>
+
+<file path=ppt/slides/slide52.xml><?xml version="1.0" encoding="utf-8"?>
+<p:sld xmlns:a="http://schemas.openxmlformats.org/drawingml/2006/main" xmlns:r="http://schemas.openxmlformats.org/officeDocument/2006/relationships" xmlns:p="http://schemas.openxmlformats.org/presentationml/2006/main">
+  <p:cSld>
+    <p:spTree>
+      <p:nvGrpSpPr>
         <p:cNvPr id="1" name="Shape 254"/>
         <p:cNvGrpSpPr/>
         <p:nvPr/>
@@ -45219,7 +47170,7 @@
             </a:pPr>
             <a:fld id="{00000000-1234-1234-1234-123412341234}" type="slidenum">
               <a:rPr lang="en"/>
-              <a:t>50</a:t>
+              <a:t>52</a:t>
             </a:fld>
             <a:endParaRPr/>
           </a:p>
@@ -45454,7 +47405,7 @@
 </p:sld>
 </file>
 
-<file path=ppt/slides/slide51.xml><?xml version="1.0" encoding="utf-8"?>
+<file path=ppt/slides/slide53.xml><?xml version="1.0" encoding="utf-8"?>
 <p:sld xmlns:a="http://schemas.openxmlformats.org/drawingml/2006/main" xmlns:r="http://schemas.openxmlformats.org/officeDocument/2006/relationships" xmlns:p="http://schemas.openxmlformats.org/presentationml/2006/main">
   <p:cSld>
     <p:spTree>
@@ -45585,23 +47536,6 @@
               <a:rPr lang="en-US" sz="3200" dirty="0" err="1"/>
               <a:t>GoMR</a:t>
             </a:r>
-            <a:endParaRPr lang="en-US" sz="3200" dirty="0"/>
-          </a:p>
-          <a:p>
-            <a:pPr marL="457200" lvl="0" indent="-342900" algn="l" rtl="0">
-              <a:spcBef>
-                <a:spcPts val="0"/>
-              </a:spcBef>
-              <a:spcAft>
-                <a:spcPts val="0"/>
-              </a:spcAft>
-              <a:buSzPts val="1800"/>
-              <a:buChar char="●"/>
-            </a:pPr>
-            <a:r>
-              <a:rPr lang="en-US" sz="3200" dirty="0"/>
-              <a:t>Example</a:t>
-            </a:r>
             <a:endParaRPr sz="3200" dirty="0"/>
           </a:p>
           <a:p>
@@ -45675,7 +47609,7 @@
             </a:pPr>
             <a:fld id="{00000000-1234-1234-1234-123412341234}" type="slidenum">
               <a:rPr lang="en"/>
-              <a:t>51</a:t>
+              <a:t>53</a:t>
             </a:fld>
             <a:endParaRPr/>
           </a:p>
@@ -45694,7 +47628,7 @@
 </p:sld>
 </file>
 
-<file path=ppt/slides/slide52.xml><?xml version="1.0" encoding="utf-8"?>
+<file path=ppt/slides/slide54.xml><?xml version="1.0" encoding="utf-8"?>
 <p:sld xmlns:a="http://schemas.openxmlformats.org/drawingml/2006/main" xmlns:r="http://schemas.openxmlformats.org/officeDocument/2006/relationships" xmlns:p="http://schemas.openxmlformats.org/presentationml/2006/main">
   <p:cSld>
     <p:spTree>
@@ -45945,7 +47879,7 @@
             </a:pPr>
             <a:fld id="{00000000-1234-1234-1234-123412341234}" type="slidenum">
               <a:rPr lang="en"/>
-              <a:t>52</a:t>
+              <a:t>54</a:t>
             </a:fld>
             <a:endParaRPr/>
           </a:p>
@@ -46348,7 +48282,7 @@
 </p:sld>
 </file>
 
-<file path=ppt/slides/slide53.xml><?xml version="1.0" encoding="utf-8"?>
+<file path=ppt/slides/slide55.xml><?xml version="1.0" encoding="utf-8"?>
 <p:sld xmlns:a="http://schemas.openxmlformats.org/drawingml/2006/main" xmlns:r="http://schemas.openxmlformats.org/officeDocument/2006/relationships" xmlns:p="http://schemas.openxmlformats.org/presentationml/2006/main">
   <p:cSld>
     <p:spTree>
@@ -46426,6 +48360,18 @@
             </a:r>
           </a:p>
           <a:p>
+            <a:r>
+              <a:rPr lang="en-US" dirty="0"/>
+              <a:t>Using K8s job vs Deployment</a:t>
+            </a:r>
+          </a:p>
+          <a:p>
+            <a:r>
+              <a:rPr lang="en-US" dirty="0"/>
+              <a:t>UUID for k8s jobs</a:t>
+            </a:r>
+          </a:p>
+          <a:p>
             <a:endParaRPr lang="en-US" dirty="0"/>
           </a:p>
         </p:txBody>
@@ -46462,7 +48408,7 @@
             </a:pPr>
             <a:fld id="{00000000-1234-1234-1234-123412341234}" type="slidenum">
               <a:rPr lang="en" smtClean="0"/>
-              <a:t>53</a:t>
+              <a:t>55</a:t>
             </a:fld>
             <a:endParaRPr lang="en"/>
           </a:p>
@@ -46472,1706 +48418,6 @@
     <p:extLst>
       <p:ext uri="{BB962C8B-B14F-4D97-AF65-F5344CB8AC3E}">
         <p14:creationId xmlns:p14="http://schemas.microsoft.com/office/powerpoint/2010/main" val="3794989974"/>
-      </p:ext>
-    </p:extLst>
-  </p:cSld>
-  <p:clrMapOvr>
-    <a:masterClrMapping/>
-  </p:clrMapOvr>
-</p:sld>
-</file>
-
-<file path=ppt/slides/slide54.xml><?xml version="1.0" encoding="utf-8"?>
-<p:sld xmlns:a="http://schemas.openxmlformats.org/drawingml/2006/main" xmlns:r="http://schemas.openxmlformats.org/officeDocument/2006/relationships" xmlns:p="http://schemas.openxmlformats.org/presentationml/2006/main">
-  <p:cSld>
-    <p:spTree>
-      <p:nvGrpSpPr>
-        <p:cNvPr id="1" name=""/>
-        <p:cNvGrpSpPr/>
-        <p:nvPr/>
-      </p:nvGrpSpPr>
-      <p:grpSpPr>
-        <a:xfrm>
-          <a:off x="0" y="0"/>
-          <a:ext cx="0" cy="0"/>
-          <a:chOff x="0" y="0"/>
-          <a:chExt cx="0" cy="0"/>
-        </a:xfrm>
-      </p:grpSpPr>
-      <p:sp>
-        <p:nvSpPr>
-          <p:cNvPr id="2" name="Title 1">
-            <a:extLst>
-              <a:ext uri="{FF2B5EF4-FFF2-40B4-BE49-F238E27FC236}">
-                <a16:creationId xmlns:a16="http://schemas.microsoft.com/office/drawing/2014/main" id="{ACEA3AD5-ADB2-4A8C-9F36-2AA5DFC77D76}"/>
-              </a:ext>
-            </a:extLst>
-          </p:cNvPr>
-          <p:cNvSpPr>
-            <a:spLocks noGrp="1"/>
-          </p:cNvSpPr>
-          <p:nvPr>
-            <p:ph type="title"/>
-          </p:nvPr>
-        </p:nvSpPr>
-        <p:spPr/>
-        <p:txBody>
-          <a:bodyPr/>
-          <a:lstStyle/>
-          <a:p>
-            <a:r>
-              <a:rPr lang="en-US" dirty="0"/>
-              <a:t>Wordcount - </a:t>
-            </a:r>
-            <a:r>
-              <a:rPr lang="en-US" dirty="0" err="1"/>
-              <a:t>GoMR</a:t>
-            </a:r>
-            <a:endParaRPr lang="en-US" dirty="0"/>
-          </a:p>
-        </p:txBody>
-      </p:sp>
-      <p:sp>
-        <p:nvSpPr>
-          <p:cNvPr id="3" name="Text Placeholder 2">
-            <a:extLst>
-              <a:ext uri="{FF2B5EF4-FFF2-40B4-BE49-F238E27FC236}">
-                <a16:creationId xmlns:a16="http://schemas.microsoft.com/office/drawing/2014/main" id="{C5A11E37-9F01-4447-89F0-DB14B01F190C}"/>
-              </a:ext>
-            </a:extLst>
-          </p:cNvPr>
-          <p:cNvSpPr>
-            <a:spLocks noGrp="1"/>
-          </p:cNvSpPr>
-          <p:nvPr>
-            <p:ph type="body" idx="1"/>
-          </p:nvPr>
-        </p:nvSpPr>
-        <p:spPr/>
-        <p:txBody>
-          <a:bodyPr/>
-          <a:lstStyle/>
-          <a:p>
-            <a:pPr marL="114300" indent="0">
-              <a:buNone/>
-            </a:pPr>
-            <a:r>
-              <a:rPr lang="en-US" dirty="0" err="1">
-                <a:solidFill>
-                  <a:srgbClr val="569CD6"/>
-                </a:solidFill>
-                <a:latin typeface="Consolas" panose="020B0609020204030204" pitchFamily="49" charset="0"/>
-              </a:rPr>
-              <a:t>func</a:t>
-            </a:r>
-            <a:r>
-              <a:rPr lang="en-US" dirty="0">
-                <a:solidFill>
-                  <a:srgbClr val="D4D4D4"/>
-                </a:solidFill>
-                <a:latin typeface="Consolas" panose="020B0609020204030204" pitchFamily="49" charset="0"/>
-              </a:rPr>
-              <a:t> (w *</a:t>
-            </a:r>
-            <a:r>
-              <a:rPr lang="en-US" dirty="0" err="1">
-                <a:solidFill>
-                  <a:srgbClr val="D4D4D4"/>
-                </a:solidFill>
-                <a:latin typeface="Consolas" panose="020B0609020204030204" pitchFamily="49" charset="0"/>
-              </a:rPr>
-              <a:t>WordCount</a:t>
-            </a:r>
-            <a:r>
-              <a:rPr lang="en-US" dirty="0">
-                <a:solidFill>
-                  <a:srgbClr val="D4D4D4"/>
-                </a:solidFill>
-                <a:latin typeface="Consolas" panose="020B0609020204030204" pitchFamily="49" charset="0"/>
-              </a:rPr>
-              <a:t>) </a:t>
-            </a:r>
-            <a:r>
-              <a:rPr lang="en-US" dirty="0">
-                <a:solidFill>
-                  <a:srgbClr val="DCDCAA"/>
-                </a:solidFill>
-                <a:latin typeface="Consolas" panose="020B0609020204030204" pitchFamily="49" charset="0"/>
-              </a:rPr>
-              <a:t>Map</a:t>
-            </a:r>
-            <a:r>
-              <a:rPr lang="en-US" dirty="0">
-                <a:solidFill>
-                  <a:srgbClr val="D4D4D4"/>
-                </a:solidFill>
-                <a:latin typeface="Consolas" panose="020B0609020204030204" pitchFamily="49" charset="0"/>
-              </a:rPr>
-              <a:t>(in &lt;-</a:t>
-            </a:r>
-            <a:r>
-              <a:rPr lang="en-US" dirty="0" err="1">
-                <a:solidFill>
-                  <a:srgbClr val="569CD6"/>
-                </a:solidFill>
-                <a:latin typeface="Consolas" panose="020B0609020204030204" pitchFamily="49" charset="0"/>
-              </a:rPr>
-              <a:t>chan</a:t>
-            </a:r>
-            <a:r>
-              <a:rPr lang="en-US" dirty="0">
-                <a:solidFill>
-                  <a:srgbClr val="D4D4D4"/>
-                </a:solidFill>
-                <a:latin typeface="Consolas" panose="020B0609020204030204" pitchFamily="49" charset="0"/>
-              </a:rPr>
-              <a:t> </a:t>
-            </a:r>
-            <a:r>
-              <a:rPr lang="en-US" dirty="0">
-                <a:solidFill>
-                  <a:srgbClr val="569CD6"/>
-                </a:solidFill>
-                <a:latin typeface="Consolas" panose="020B0609020204030204" pitchFamily="49" charset="0"/>
-              </a:rPr>
-              <a:t>interface</a:t>
-            </a:r>
-            <a:r>
-              <a:rPr lang="en-US" dirty="0">
-                <a:solidFill>
-                  <a:srgbClr val="D4D4D4"/>
-                </a:solidFill>
-                <a:latin typeface="Consolas" panose="020B0609020204030204" pitchFamily="49" charset="0"/>
-              </a:rPr>
-              <a:t>{},</a:t>
-            </a:r>
-          </a:p>
-          <a:p>
-            <a:pPr marL="114300" indent="0">
-              <a:buNone/>
-            </a:pPr>
-            <a:r>
-              <a:rPr lang="en-US" dirty="0">
-                <a:solidFill>
-                  <a:srgbClr val="D4D4D4"/>
-                </a:solidFill>
-                <a:latin typeface="Consolas" panose="020B0609020204030204" pitchFamily="49" charset="0"/>
-              </a:rPr>
-              <a:t>				out </a:t>
-            </a:r>
-            <a:r>
-              <a:rPr lang="en-US" dirty="0" err="1">
-                <a:solidFill>
-                  <a:srgbClr val="569CD6"/>
-                </a:solidFill>
-                <a:latin typeface="Consolas" panose="020B0609020204030204" pitchFamily="49" charset="0"/>
-              </a:rPr>
-              <a:t>chan</a:t>
-            </a:r>
-            <a:r>
-              <a:rPr lang="en-US" dirty="0">
-                <a:solidFill>
-                  <a:srgbClr val="D4D4D4"/>
-                </a:solidFill>
-                <a:latin typeface="Consolas" panose="020B0609020204030204" pitchFamily="49" charset="0"/>
-              </a:rPr>
-              <a:t>&lt;- </a:t>
-            </a:r>
-            <a:r>
-              <a:rPr lang="en-US" dirty="0">
-                <a:solidFill>
-                  <a:srgbClr val="569CD6"/>
-                </a:solidFill>
-                <a:latin typeface="Consolas" panose="020B0609020204030204" pitchFamily="49" charset="0"/>
-              </a:rPr>
-              <a:t>interface</a:t>
-            </a:r>
-            <a:r>
-              <a:rPr lang="en-US" dirty="0">
-                <a:solidFill>
-                  <a:srgbClr val="D4D4D4"/>
-                </a:solidFill>
-                <a:latin typeface="Consolas" panose="020B0609020204030204" pitchFamily="49" charset="0"/>
-              </a:rPr>
-              <a:t>{}) {</a:t>
-            </a:r>
-          </a:p>
-          <a:p>
-            <a:pPr marL="114300" indent="0">
-              <a:buNone/>
-            </a:pPr>
-            <a:r>
-              <a:rPr lang="en-US" dirty="0">
-                <a:solidFill>
-                  <a:srgbClr val="D4D4D4"/>
-                </a:solidFill>
-                <a:latin typeface="Consolas" panose="020B0609020204030204" pitchFamily="49" charset="0"/>
-              </a:rPr>
-              <a:t>    </a:t>
-            </a:r>
-            <a:r>
-              <a:rPr lang="en-US" dirty="0">
-                <a:solidFill>
-                  <a:srgbClr val="9CDCFE"/>
-                </a:solidFill>
-                <a:latin typeface="Consolas" panose="020B0609020204030204" pitchFamily="49" charset="0"/>
-              </a:rPr>
-              <a:t>counts</a:t>
-            </a:r>
-            <a:r>
-              <a:rPr lang="en-US" dirty="0">
-                <a:solidFill>
-                  <a:srgbClr val="D4D4D4"/>
-                </a:solidFill>
-                <a:latin typeface="Consolas" panose="020B0609020204030204" pitchFamily="49" charset="0"/>
-              </a:rPr>
-              <a:t> := </a:t>
-            </a:r>
-            <a:r>
-              <a:rPr lang="en-US" dirty="0">
-                <a:solidFill>
-                  <a:srgbClr val="DCDCAA"/>
-                </a:solidFill>
-                <a:latin typeface="Consolas" panose="020B0609020204030204" pitchFamily="49" charset="0"/>
-              </a:rPr>
-              <a:t>make</a:t>
-            </a:r>
-            <a:r>
-              <a:rPr lang="en-US" dirty="0">
-                <a:solidFill>
-                  <a:srgbClr val="D4D4D4"/>
-                </a:solidFill>
-                <a:latin typeface="Consolas" panose="020B0609020204030204" pitchFamily="49" charset="0"/>
-              </a:rPr>
-              <a:t>(</a:t>
-            </a:r>
-            <a:r>
-              <a:rPr lang="en-US" dirty="0">
-                <a:solidFill>
-                  <a:srgbClr val="569CD6"/>
-                </a:solidFill>
-                <a:latin typeface="Consolas" panose="020B0609020204030204" pitchFamily="49" charset="0"/>
-              </a:rPr>
-              <a:t>map</a:t>
-            </a:r>
-            <a:r>
-              <a:rPr lang="en-US" dirty="0">
-                <a:solidFill>
-                  <a:srgbClr val="D4D4D4"/>
-                </a:solidFill>
-                <a:latin typeface="Consolas" panose="020B0609020204030204" pitchFamily="49" charset="0"/>
-              </a:rPr>
-              <a:t>[</a:t>
-            </a:r>
-            <a:r>
-              <a:rPr lang="en-US" dirty="0">
-                <a:solidFill>
-                  <a:srgbClr val="4EC9B0"/>
-                </a:solidFill>
-                <a:latin typeface="Consolas" panose="020B0609020204030204" pitchFamily="49" charset="0"/>
-              </a:rPr>
-              <a:t>string</a:t>
-            </a:r>
-            <a:r>
-              <a:rPr lang="en-US" dirty="0">
-                <a:solidFill>
-                  <a:srgbClr val="D4D4D4"/>
-                </a:solidFill>
-                <a:latin typeface="Consolas" panose="020B0609020204030204" pitchFamily="49" charset="0"/>
-              </a:rPr>
-              <a:t>]</a:t>
-            </a:r>
-            <a:r>
-              <a:rPr lang="en-US" dirty="0">
-                <a:solidFill>
-                  <a:srgbClr val="4EC9B0"/>
-                </a:solidFill>
-                <a:latin typeface="Consolas" panose="020B0609020204030204" pitchFamily="49" charset="0"/>
-              </a:rPr>
-              <a:t>int</a:t>
-            </a:r>
-            <a:r>
-              <a:rPr lang="en-US" dirty="0">
-                <a:solidFill>
-                  <a:srgbClr val="D4D4D4"/>
-                </a:solidFill>
-                <a:latin typeface="Consolas" panose="020B0609020204030204" pitchFamily="49" charset="0"/>
-              </a:rPr>
-              <a:t>)</a:t>
-            </a:r>
-          </a:p>
-          <a:p>
-            <a:pPr marL="114300" indent="0">
-              <a:buNone/>
-            </a:pPr>
-            <a:br>
-              <a:rPr lang="en-US" dirty="0">
-                <a:solidFill>
-                  <a:srgbClr val="D4D4D4"/>
-                </a:solidFill>
-                <a:latin typeface="Consolas" panose="020B0609020204030204" pitchFamily="49" charset="0"/>
-              </a:rPr>
-            </a:br>
-            <a:r>
-              <a:rPr lang="en-US" dirty="0">
-                <a:solidFill>
-                  <a:srgbClr val="D4D4D4"/>
-                </a:solidFill>
-                <a:latin typeface="Consolas" panose="020B0609020204030204" pitchFamily="49" charset="0"/>
-              </a:rPr>
-              <a:t>    </a:t>
-            </a:r>
-            <a:r>
-              <a:rPr lang="en-US" dirty="0">
-                <a:solidFill>
-                  <a:srgbClr val="C586C0"/>
-                </a:solidFill>
-                <a:latin typeface="Consolas" panose="020B0609020204030204" pitchFamily="49" charset="0"/>
-              </a:rPr>
-              <a:t>for</a:t>
-            </a:r>
-            <a:r>
-              <a:rPr lang="en-US" dirty="0">
-                <a:solidFill>
-                  <a:srgbClr val="D4D4D4"/>
-                </a:solidFill>
-                <a:latin typeface="Consolas" panose="020B0609020204030204" pitchFamily="49" charset="0"/>
-              </a:rPr>
-              <a:t> </a:t>
-            </a:r>
-            <a:r>
-              <a:rPr lang="en-US" dirty="0" err="1">
-                <a:solidFill>
-                  <a:srgbClr val="9CDCFE"/>
-                </a:solidFill>
-                <a:latin typeface="Consolas" panose="020B0609020204030204" pitchFamily="49" charset="0"/>
-              </a:rPr>
-              <a:t>elem</a:t>
-            </a:r>
-            <a:r>
-              <a:rPr lang="en-US" dirty="0">
-                <a:solidFill>
-                  <a:srgbClr val="D4D4D4"/>
-                </a:solidFill>
-                <a:latin typeface="Consolas" panose="020B0609020204030204" pitchFamily="49" charset="0"/>
-              </a:rPr>
-              <a:t> := </a:t>
-            </a:r>
-            <a:r>
-              <a:rPr lang="en-US" dirty="0">
-                <a:solidFill>
-                  <a:srgbClr val="C586C0"/>
-                </a:solidFill>
-                <a:latin typeface="Consolas" panose="020B0609020204030204" pitchFamily="49" charset="0"/>
-              </a:rPr>
-              <a:t>range</a:t>
-            </a:r>
-            <a:r>
-              <a:rPr lang="en-US" dirty="0">
-                <a:solidFill>
-                  <a:srgbClr val="D4D4D4"/>
-                </a:solidFill>
-                <a:latin typeface="Consolas" panose="020B0609020204030204" pitchFamily="49" charset="0"/>
-              </a:rPr>
-              <a:t> in {</a:t>
-            </a:r>
-          </a:p>
-          <a:p>
-            <a:pPr marL="114300" indent="0">
-              <a:buNone/>
-            </a:pPr>
-            <a:r>
-              <a:rPr lang="en-US" dirty="0">
-                <a:solidFill>
-                  <a:srgbClr val="D4D4D4"/>
-                </a:solidFill>
-                <a:latin typeface="Consolas" panose="020B0609020204030204" pitchFamily="49" charset="0"/>
-              </a:rPr>
-              <a:t>        </a:t>
-            </a:r>
-            <a:r>
-              <a:rPr lang="en-US" dirty="0">
-                <a:solidFill>
-                  <a:srgbClr val="C586C0"/>
-                </a:solidFill>
-                <a:latin typeface="Consolas" panose="020B0609020204030204" pitchFamily="49" charset="0"/>
-              </a:rPr>
-              <a:t>for</a:t>
-            </a:r>
-            <a:r>
-              <a:rPr lang="en-US" dirty="0">
-                <a:solidFill>
-                  <a:srgbClr val="D4D4D4"/>
-                </a:solidFill>
-                <a:latin typeface="Consolas" panose="020B0609020204030204" pitchFamily="49" charset="0"/>
-              </a:rPr>
-              <a:t> </a:t>
-            </a:r>
-            <a:r>
-              <a:rPr lang="en-US" dirty="0">
-                <a:solidFill>
-                  <a:srgbClr val="9CDCFE"/>
-                </a:solidFill>
-                <a:latin typeface="Consolas" panose="020B0609020204030204" pitchFamily="49" charset="0"/>
-              </a:rPr>
-              <a:t>_</a:t>
-            </a:r>
-            <a:r>
-              <a:rPr lang="en-US" dirty="0">
-                <a:solidFill>
-                  <a:srgbClr val="D4D4D4"/>
-                </a:solidFill>
-                <a:latin typeface="Consolas" panose="020B0609020204030204" pitchFamily="49" charset="0"/>
-              </a:rPr>
-              <a:t>, </a:t>
-            </a:r>
-            <a:r>
-              <a:rPr lang="en-US" dirty="0">
-                <a:solidFill>
-                  <a:srgbClr val="9CDCFE"/>
-                </a:solidFill>
-                <a:latin typeface="Consolas" panose="020B0609020204030204" pitchFamily="49" charset="0"/>
-              </a:rPr>
-              <a:t>word</a:t>
-            </a:r>
-            <a:r>
-              <a:rPr lang="en-US" dirty="0">
-                <a:solidFill>
-                  <a:srgbClr val="D4D4D4"/>
-                </a:solidFill>
-                <a:latin typeface="Consolas" panose="020B0609020204030204" pitchFamily="49" charset="0"/>
-              </a:rPr>
-              <a:t> := </a:t>
-            </a:r>
-            <a:r>
-              <a:rPr lang="en-US" dirty="0">
-                <a:solidFill>
-                  <a:srgbClr val="C586C0"/>
-                </a:solidFill>
-                <a:latin typeface="Consolas" panose="020B0609020204030204" pitchFamily="49" charset="0"/>
-              </a:rPr>
-              <a:t>range</a:t>
-            </a:r>
-            <a:r>
-              <a:rPr lang="en-US" dirty="0">
-                <a:solidFill>
-                  <a:srgbClr val="D4D4D4"/>
-                </a:solidFill>
-                <a:latin typeface="Consolas" panose="020B0609020204030204" pitchFamily="49" charset="0"/>
-              </a:rPr>
-              <a:t> </a:t>
-            </a:r>
-            <a:r>
-              <a:rPr lang="en-US" dirty="0" err="1">
-                <a:solidFill>
-                  <a:srgbClr val="D4D4D4"/>
-                </a:solidFill>
-                <a:latin typeface="Consolas" panose="020B0609020204030204" pitchFamily="49" charset="0"/>
-              </a:rPr>
-              <a:t>strings.</a:t>
-            </a:r>
-            <a:r>
-              <a:rPr lang="en-US" dirty="0" err="1">
-                <a:solidFill>
-                  <a:srgbClr val="DCDCAA"/>
-                </a:solidFill>
-                <a:latin typeface="Consolas" panose="020B0609020204030204" pitchFamily="49" charset="0"/>
-              </a:rPr>
-              <a:t>Fields</a:t>
-            </a:r>
-            <a:r>
-              <a:rPr lang="en-US" dirty="0">
-                <a:solidFill>
-                  <a:srgbClr val="D4D4D4"/>
-                </a:solidFill>
-                <a:latin typeface="Consolas" panose="020B0609020204030204" pitchFamily="49" charset="0"/>
-              </a:rPr>
-              <a:t>(elem.(</a:t>
-            </a:r>
-            <a:r>
-              <a:rPr lang="en-US" dirty="0">
-                <a:solidFill>
-                  <a:srgbClr val="4EC9B0"/>
-                </a:solidFill>
-                <a:latin typeface="Consolas" panose="020B0609020204030204" pitchFamily="49" charset="0"/>
-              </a:rPr>
-              <a:t>string</a:t>
-            </a:r>
-            <a:r>
-              <a:rPr lang="en-US" dirty="0">
-                <a:solidFill>
-                  <a:srgbClr val="D4D4D4"/>
-                </a:solidFill>
-                <a:latin typeface="Consolas" panose="020B0609020204030204" pitchFamily="49" charset="0"/>
-              </a:rPr>
-              <a:t>)) {</a:t>
-            </a:r>
-          </a:p>
-          <a:p>
-            <a:pPr marL="114300" indent="0">
-              <a:buNone/>
-            </a:pPr>
-            <a:r>
-              <a:rPr lang="en-US" dirty="0">
-                <a:solidFill>
-                  <a:srgbClr val="D4D4D4"/>
-                </a:solidFill>
-                <a:latin typeface="Consolas" panose="020B0609020204030204" pitchFamily="49" charset="0"/>
-              </a:rPr>
-              <a:t>            counts[word]++</a:t>
-            </a:r>
-          </a:p>
-          <a:p>
-            <a:pPr marL="114300" indent="0">
-              <a:buNone/>
-            </a:pPr>
-            <a:r>
-              <a:rPr lang="en-US" dirty="0">
-                <a:solidFill>
-                  <a:srgbClr val="D4D4D4"/>
-                </a:solidFill>
-                <a:latin typeface="Consolas" panose="020B0609020204030204" pitchFamily="49" charset="0"/>
-              </a:rPr>
-              <a:t>        }</a:t>
-            </a:r>
-          </a:p>
-          <a:p>
-            <a:pPr marL="114300" indent="0">
-              <a:buNone/>
-            </a:pPr>
-            <a:r>
-              <a:rPr lang="en-US" dirty="0">
-                <a:solidFill>
-                  <a:srgbClr val="D4D4D4"/>
-                </a:solidFill>
-                <a:latin typeface="Consolas" panose="020B0609020204030204" pitchFamily="49" charset="0"/>
-              </a:rPr>
-              <a:t>    }</a:t>
-            </a:r>
-          </a:p>
-          <a:p>
-            <a:pPr marL="114300" indent="0">
-              <a:buNone/>
-            </a:pPr>
-            <a:br>
-              <a:rPr lang="en-US" dirty="0">
-                <a:solidFill>
-                  <a:srgbClr val="D4D4D4"/>
-                </a:solidFill>
-                <a:latin typeface="Consolas" panose="020B0609020204030204" pitchFamily="49" charset="0"/>
-              </a:rPr>
-            </a:br>
-            <a:r>
-              <a:rPr lang="en-US" dirty="0">
-                <a:solidFill>
-                  <a:srgbClr val="D4D4D4"/>
-                </a:solidFill>
-                <a:latin typeface="Consolas" panose="020B0609020204030204" pitchFamily="49" charset="0"/>
-              </a:rPr>
-              <a:t>    </a:t>
-            </a:r>
-            <a:r>
-              <a:rPr lang="en-US" dirty="0">
-                <a:solidFill>
-                  <a:srgbClr val="C586C0"/>
-                </a:solidFill>
-                <a:latin typeface="Consolas" panose="020B0609020204030204" pitchFamily="49" charset="0"/>
-              </a:rPr>
-              <a:t>for</a:t>
-            </a:r>
-            <a:r>
-              <a:rPr lang="en-US" dirty="0">
-                <a:solidFill>
-                  <a:srgbClr val="D4D4D4"/>
-                </a:solidFill>
-                <a:latin typeface="Consolas" panose="020B0609020204030204" pitchFamily="49" charset="0"/>
-              </a:rPr>
-              <a:t> </a:t>
-            </a:r>
-            <a:r>
-              <a:rPr lang="en-US" dirty="0">
-                <a:solidFill>
-                  <a:srgbClr val="9CDCFE"/>
-                </a:solidFill>
-                <a:latin typeface="Consolas" panose="020B0609020204030204" pitchFamily="49" charset="0"/>
-              </a:rPr>
-              <a:t>k</a:t>
-            </a:r>
-            <a:r>
-              <a:rPr lang="en-US" dirty="0">
-                <a:solidFill>
-                  <a:srgbClr val="D4D4D4"/>
-                </a:solidFill>
-                <a:latin typeface="Consolas" panose="020B0609020204030204" pitchFamily="49" charset="0"/>
-              </a:rPr>
-              <a:t>, </a:t>
-            </a:r>
-            <a:r>
-              <a:rPr lang="en-US" dirty="0">
-                <a:solidFill>
-                  <a:srgbClr val="9CDCFE"/>
-                </a:solidFill>
-                <a:latin typeface="Consolas" panose="020B0609020204030204" pitchFamily="49" charset="0"/>
-              </a:rPr>
-              <a:t>v</a:t>
-            </a:r>
-            <a:r>
-              <a:rPr lang="en-US" dirty="0">
-                <a:solidFill>
-                  <a:srgbClr val="D4D4D4"/>
-                </a:solidFill>
-                <a:latin typeface="Consolas" panose="020B0609020204030204" pitchFamily="49" charset="0"/>
-              </a:rPr>
-              <a:t> := </a:t>
-            </a:r>
-            <a:r>
-              <a:rPr lang="en-US" dirty="0">
-                <a:solidFill>
-                  <a:srgbClr val="C586C0"/>
-                </a:solidFill>
-                <a:latin typeface="Consolas" panose="020B0609020204030204" pitchFamily="49" charset="0"/>
-              </a:rPr>
-              <a:t>range</a:t>
-            </a:r>
-            <a:r>
-              <a:rPr lang="en-US" dirty="0">
-                <a:solidFill>
-                  <a:srgbClr val="D4D4D4"/>
-                </a:solidFill>
-                <a:latin typeface="Consolas" panose="020B0609020204030204" pitchFamily="49" charset="0"/>
-              </a:rPr>
-              <a:t> counts {</a:t>
-            </a:r>
-          </a:p>
-          <a:p>
-            <a:pPr marL="114300" indent="0">
-              <a:buNone/>
-            </a:pPr>
-            <a:r>
-              <a:rPr lang="en-US" dirty="0">
-                <a:solidFill>
-                  <a:srgbClr val="D4D4D4"/>
-                </a:solidFill>
-                <a:latin typeface="Consolas" panose="020B0609020204030204" pitchFamily="49" charset="0"/>
-              </a:rPr>
-              <a:t>        out &lt;- Count{k, v}</a:t>
-            </a:r>
-          </a:p>
-          <a:p>
-            <a:pPr marL="114300" indent="0">
-              <a:buNone/>
-            </a:pPr>
-            <a:r>
-              <a:rPr lang="en-US" dirty="0">
-                <a:solidFill>
-                  <a:srgbClr val="D4D4D4"/>
-                </a:solidFill>
-                <a:latin typeface="Consolas" panose="020B0609020204030204" pitchFamily="49" charset="0"/>
-              </a:rPr>
-              <a:t>    }</a:t>
-            </a:r>
-          </a:p>
-          <a:p>
-            <a:pPr marL="114300" indent="0">
-              <a:buNone/>
-            </a:pPr>
-            <a:br>
-              <a:rPr lang="en-US" dirty="0">
-                <a:solidFill>
-                  <a:srgbClr val="D4D4D4"/>
-                </a:solidFill>
-                <a:latin typeface="Consolas" panose="020B0609020204030204" pitchFamily="49" charset="0"/>
-              </a:rPr>
-            </a:br>
-            <a:r>
-              <a:rPr lang="en-US" dirty="0">
-                <a:solidFill>
-                  <a:srgbClr val="D4D4D4"/>
-                </a:solidFill>
-                <a:latin typeface="Consolas" panose="020B0609020204030204" pitchFamily="49" charset="0"/>
-              </a:rPr>
-              <a:t>    </a:t>
-            </a:r>
-            <a:r>
-              <a:rPr lang="en-US" dirty="0">
-                <a:solidFill>
-                  <a:srgbClr val="DCDCAA"/>
-                </a:solidFill>
-                <a:latin typeface="Consolas" panose="020B0609020204030204" pitchFamily="49" charset="0"/>
-              </a:rPr>
-              <a:t>close</a:t>
-            </a:r>
-            <a:r>
-              <a:rPr lang="en-US" dirty="0">
-                <a:solidFill>
-                  <a:srgbClr val="D4D4D4"/>
-                </a:solidFill>
-                <a:latin typeface="Consolas" panose="020B0609020204030204" pitchFamily="49" charset="0"/>
-              </a:rPr>
-              <a:t>(out)</a:t>
-            </a:r>
-          </a:p>
-          <a:p>
-            <a:pPr marL="114300" indent="0">
-              <a:buNone/>
-            </a:pPr>
-            <a:r>
-              <a:rPr lang="en-US" dirty="0">
-                <a:solidFill>
-                  <a:srgbClr val="D4D4D4"/>
-                </a:solidFill>
-                <a:latin typeface="Consolas" panose="020B0609020204030204" pitchFamily="49" charset="0"/>
-              </a:rPr>
-              <a:t>}</a:t>
-            </a:r>
-          </a:p>
-          <a:p>
-            <a:pPr marL="114300" indent="0">
-              <a:buNone/>
-            </a:pPr>
-            <a:endParaRPr lang="en-US" dirty="0"/>
-          </a:p>
-        </p:txBody>
-      </p:sp>
-      <p:sp>
-        <p:nvSpPr>
-          <p:cNvPr id="4" name="Slide Number Placeholder 3">
-            <a:extLst>
-              <a:ext uri="{FF2B5EF4-FFF2-40B4-BE49-F238E27FC236}">
-                <a16:creationId xmlns:a16="http://schemas.microsoft.com/office/drawing/2014/main" id="{06D5E1CB-EC85-4AB6-B465-8D54D3923D24}"/>
-              </a:ext>
-            </a:extLst>
-          </p:cNvPr>
-          <p:cNvSpPr>
-            <a:spLocks noGrp="1"/>
-          </p:cNvSpPr>
-          <p:nvPr>
-            <p:ph type="sldNum" idx="12"/>
-          </p:nvPr>
-        </p:nvSpPr>
-        <p:spPr/>
-        <p:txBody>
-          <a:bodyPr/>
-          <a:lstStyle/>
-          <a:p>
-            <a:pPr marL="0" lvl="0" indent="0" algn="r" rtl="0">
-              <a:spcBef>
-                <a:spcPts val="0"/>
-              </a:spcBef>
-              <a:spcAft>
-                <a:spcPts val="0"/>
-              </a:spcAft>
-              <a:buNone/>
-            </a:pPr>
-            <a:fld id="{00000000-1234-1234-1234-123412341234}" type="slidenum">
-              <a:rPr lang="en" smtClean="0"/>
-              <a:t>54</a:t>
-            </a:fld>
-            <a:endParaRPr lang="en"/>
-          </a:p>
-        </p:txBody>
-      </p:sp>
-    </p:spTree>
-    <p:extLst>
-      <p:ext uri="{BB962C8B-B14F-4D97-AF65-F5344CB8AC3E}">
-        <p14:creationId xmlns:p14="http://schemas.microsoft.com/office/powerpoint/2010/main" val="4234828609"/>
-      </p:ext>
-    </p:extLst>
-  </p:cSld>
-  <p:clrMapOvr>
-    <a:masterClrMapping/>
-  </p:clrMapOvr>
-</p:sld>
-</file>
-
-<file path=ppt/slides/slide55.xml><?xml version="1.0" encoding="utf-8"?>
-<p:sld xmlns:a="http://schemas.openxmlformats.org/drawingml/2006/main" xmlns:r="http://schemas.openxmlformats.org/officeDocument/2006/relationships" xmlns:p="http://schemas.openxmlformats.org/presentationml/2006/main">
-  <p:cSld>
-    <p:spTree>
-      <p:nvGrpSpPr>
-        <p:cNvPr id="1" name=""/>
-        <p:cNvGrpSpPr/>
-        <p:nvPr/>
-      </p:nvGrpSpPr>
-      <p:grpSpPr>
-        <a:xfrm>
-          <a:off x="0" y="0"/>
-          <a:ext cx="0" cy="0"/>
-          <a:chOff x="0" y="0"/>
-          <a:chExt cx="0" cy="0"/>
-        </a:xfrm>
-      </p:grpSpPr>
-      <p:sp>
-        <p:nvSpPr>
-          <p:cNvPr id="2" name="Title 1">
-            <a:extLst>
-              <a:ext uri="{FF2B5EF4-FFF2-40B4-BE49-F238E27FC236}">
-                <a16:creationId xmlns:a16="http://schemas.microsoft.com/office/drawing/2014/main" id="{ACEA3AD5-ADB2-4A8C-9F36-2AA5DFC77D76}"/>
-              </a:ext>
-            </a:extLst>
-          </p:cNvPr>
-          <p:cNvSpPr>
-            <a:spLocks noGrp="1"/>
-          </p:cNvSpPr>
-          <p:nvPr>
-            <p:ph type="title"/>
-          </p:nvPr>
-        </p:nvSpPr>
-        <p:spPr/>
-        <p:txBody>
-          <a:bodyPr/>
-          <a:lstStyle/>
-          <a:p>
-            <a:r>
-              <a:rPr lang="en-US" dirty="0"/>
-              <a:t>Wordcount - </a:t>
-            </a:r>
-            <a:r>
-              <a:rPr lang="en-US" dirty="0" err="1"/>
-              <a:t>GoMR</a:t>
-            </a:r>
-            <a:endParaRPr lang="en-US" dirty="0"/>
-          </a:p>
-        </p:txBody>
-      </p:sp>
-      <p:sp>
-        <p:nvSpPr>
-          <p:cNvPr id="3" name="Text Placeholder 2">
-            <a:extLst>
-              <a:ext uri="{FF2B5EF4-FFF2-40B4-BE49-F238E27FC236}">
-                <a16:creationId xmlns:a16="http://schemas.microsoft.com/office/drawing/2014/main" id="{C5A11E37-9F01-4447-89F0-DB14B01F190C}"/>
-              </a:ext>
-            </a:extLst>
-          </p:cNvPr>
-          <p:cNvSpPr>
-            <a:spLocks noGrp="1"/>
-          </p:cNvSpPr>
-          <p:nvPr>
-            <p:ph type="body" idx="1"/>
-          </p:nvPr>
-        </p:nvSpPr>
-        <p:spPr>
-          <a:xfrm>
-            <a:off x="311700" y="1356867"/>
-            <a:ext cx="8520600" cy="4555200"/>
-          </a:xfrm>
-        </p:spPr>
-        <p:txBody>
-          <a:bodyPr/>
-          <a:lstStyle/>
-          <a:p>
-            <a:pPr marL="114300" indent="0">
-              <a:buNone/>
-            </a:pPr>
-            <a:r>
-              <a:rPr lang="en-US" dirty="0" err="1">
-                <a:solidFill>
-                  <a:srgbClr val="569CD6"/>
-                </a:solidFill>
-                <a:latin typeface="Consolas" panose="020B0609020204030204" pitchFamily="49" charset="0"/>
-              </a:rPr>
-              <a:t>func</a:t>
-            </a:r>
-            <a:r>
-              <a:rPr lang="en-US" dirty="0">
-                <a:solidFill>
-                  <a:srgbClr val="D4D4D4"/>
-                </a:solidFill>
-                <a:latin typeface="Consolas" panose="020B0609020204030204" pitchFamily="49" charset="0"/>
-              </a:rPr>
-              <a:t> (w *</a:t>
-            </a:r>
-            <a:r>
-              <a:rPr lang="en-US" dirty="0" err="1">
-                <a:solidFill>
-                  <a:srgbClr val="D4D4D4"/>
-                </a:solidFill>
-                <a:latin typeface="Consolas" panose="020B0609020204030204" pitchFamily="49" charset="0"/>
-              </a:rPr>
-              <a:t>WordCount</a:t>
-            </a:r>
-            <a:r>
-              <a:rPr lang="en-US" dirty="0">
-                <a:solidFill>
-                  <a:srgbClr val="D4D4D4"/>
-                </a:solidFill>
-                <a:latin typeface="Consolas" panose="020B0609020204030204" pitchFamily="49" charset="0"/>
-              </a:rPr>
-              <a:t>) </a:t>
-            </a:r>
-            <a:r>
-              <a:rPr lang="en-US" dirty="0">
-                <a:solidFill>
-                  <a:srgbClr val="DCDCAA"/>
-                </a:solidFill>
-                <a:latin typeface="Consolas" panose="020B0609020204030204" pitchFamily="49" charset="0"/>
-              </a:rPr>
-              <a:t>Partition</a:t>
-            </a:r>
-            <a:r>
-              <a:rPr lang="en-US" dirty="0">
-                <a:solidFill>
-                  <a:srgbClr val="D4D4D4"/>
-                </a:solidFill>
-                <a:latin typeface="Consolas" panose="020B0609020204030204" pitchFamily="49" charset="0"/>
-              </a:rPr>
-              <a:t>(in &lt;-</a:t>
-            </a:r>
-            <a:r>
-              <a:rPr lang="en-US" dirty="0" err="1">
-                <a:solidFill>
-                  <a:srgbClr val="569CD6"/>
-                </a:solidFill>
-                <a:latin typeface="Consolas" panose="020B0609020204030204" pitchFamily="49" charset="0"/>
-              </a:rPr>
-              <a:t>chan</a:t>
-            </a:r>
-            <a:r>
-              <a:rPr lang="en-US" dirty="0">
-                <a:solidFill>
-                  <a:srgbClr val="D4D4D4"/>
-                </a:solidFill>
-                <a:latin typeface="Consolas" panose="020B0609020204030204" pitchFamily="49" charset="0"/>
-              </a:rPr>
-              <a:t> </a:t>
-            </a:r>
-            <a:r>
-              <a:rPr lang="en-US" dirty="0">
-                <a:solidFill>
-                  <a:srgbClr val="569CD6"/>
-                </a:solidFill>
-                <a:latin typeface="Consolas" panose="020B0609020204030204" pitchFamily="49" charset="0"/>
-              </a:rPr>
-              <a:t>interface</a:t>
-            </a:r>
-            <a:r>
-              <a:rPr lang="en-US" dirty="0">
-                <a:solidFill>
-                  <a:srgbClr val="D4D4D4"/>
-                </a:solidFill>
-                <a:latin typeface="Consolas" panose="020B0609020204030204" pitchFamily="49" charset="0"/>
-              </a:rPr>
-              <a:t>{}, </a:t>
-            </a:r>
-          </a:p>
-          <a:p>
-            <a:pPr marL="114300" indent="0">
-              <a:buNone/>
-            </a:pPr>
-            <a:r>
-              <a:rPr lang="en-US" dirty="0">
-                <a:solidFill>
-                  <a:srgbClr val="D4D4D4"/>
-                </a:solidFill>
-                <a:latin typeface="Consolas" panose="020B0609020204030204" pitchFamily="49" charset="0"/>
-              </a:rPr>
-              <a:t>		outs []</a:t>
-            </a:r>
-            <a:r>
-              <a:rPr lang="en-US" dirty="0" err="1">
-                <a:solidFill>
-                  <a:srgbClr val="569CD6"/>
-                </a:solidFill>
-                <a:latin typeface="Consolas" panose="020B0609020204030204" pitchFamily="49" charset="0"/>
-              </a:rPr>
-              <a:t>chan</a:t>
-            </a:r>
-            <a:r>
-              <a:rPr lang="en-US" dirty="0">
-                <a:solidFill>
-                  <a:srgbClr val="D4D4D4"/>
-                </a:solidFill>
-                <a:latin typeface="Consolas" panose="020B0609020204030204" pitchFamily="49" charset="0"/>
-              </a:rPr>
-              <a:t> </a:t>
-            </a:r>
-            <a:r>
-              <a:rPr lang="en-US" dirty="0">
-                <a:solidFill>
-                  <a:srgbClr val="569CD6"/>
-                </a:solidFill>
-                <a:latin typeface="Consolas" panose="020B0609020204030204" pitchFamily="49" charset="0"/>
-              </a:rPr>
-              <a:t>interface</a:t>
-            </a:r>
-            <a:r>
-              <a:rPr lang="en-US" dirty="0">
-                <a:solidFill>
-                  <a:srgbClr val="D4D4D4"/>
-                </a:solidFill>
-                <a:latin typeface="Consolas" panose="020B0609020204030204" pitchFamily="49" charset="0"/>
-              </a:rPr>
-              <a:t>{}, </a:t>
-            </a:r>
-            <a:r>
-              <a:rPr lang="en-US" dirty="0" err="1">
-                <a:solidFill>
-                  <a:srgbClr val="D4D4D4"/>
-                </a:solidFill>
-                <a:latin typeface="Consolas" panose="020B0609020204030204" pitchFamily="49" charset="0"/>
-              </a:rPr>
-              <a:t>wg</a:t>
-            </a:r>
-            <a:r>
-              <a:rPr lang="en-US" dirty="0">
-                <a:solidFill>
-                  <a:srgbClr val="D4D4D4"/>
-                </a:solidFill>
-                <a:latin typeface="Consolas" panose="020B0609020204030204" pitchFamily="49" charset="0"/>
-              </a:rPr>
-              <a:t> *</a:t>
-            </a:r>
-            <a:r>
-              <a:rPr lang="en-US" dirty="0" err="1">
-                <a:solidFill>
-                  <a:srgbClr val="D4D4D4"/>
-                </a:solidFill>
-                <a:latin typeface="Consolas" panose="020B0609020204030204" pitchFamily="49" charset="0"/>
-              </a:rPr>
-              <a:t>sync.WaitGroup</a:t>
-            </a:r>
-            <a:r>
-              <a:rPr lang="en-US" dirty="0">
-                <a:solidFill>
-                  <a:srgbClr val="D4D4D4"/>
-                </a:solidFill>
-                <a:latin typeface="Consolas" panose="020B0609020204030204" pitchFamily="49" charset="0"/>
-              </a:rPr>
-              <a:t>) {</a:t>
-            </a:r>
-          </a:p>
-          <a:p>
-            <a:pPr marL="114300" indent="0">
-              <a:buNone/>
-            </a:pPr>
-            <a:r>
-              <a:rPr lang="en-US" dirty="0">
-                <a:solidFill>
-                  <a:srgbClr val="D4D4D4"/>
-                </a:solidFill>
-                <a:latin typeface="Consolas" panose="020B0609020204030204" pitchFamily="49" charset="0"/>
-              </a:rPr>
-              <a:t>    </a:t>
-            </a:r>
-            <a:r>
-              <a:rPr lang="en-US" dirty="0">
-                <a:solidFill>
-                  <a:srgbClr val="C586C0"/>
-                </a:solidFill>
-                <a:latin typeface="Consolas" panose="020B0609020204030204" pitchFamily="49" charset="0"/>
-              </a:rPr>
-              <a:t>for</a:t>
-            </a:r>
-            <a:r>
-              <a:rPr lang="en-US" dirty="0">
-                <a:solidFill>
-                  <a:srgbClr val="D4D4D4"/>
-                </a:solidFill>
-                <a:latin typeface="Consolas" panose="020B0609020204030204" pitchFamily="49" charset="0"/>
-              </a:rPr>
-              <a:t> </a:t>
-            </a:r>
-            <a:r>
-              <a:rPr lang="en-US" dirty="0" err="1">
-                <a:solidFill>
-                  <a:srgbClr val="9CDCFE"/>
-                </a:solidFill>
-                <a:latin typeface="Consolas" panose="020B0609020204030204" pitchFamily="49" charset="0"/>
-              </a:rPr>
-              <a:t>elem</a:t>
-            </a:r>
-            <a:r>
-              <a:rPr lang="en-US" dirty="0">
-                <a:solidFill>
-                  <a:srgbClr val="D4D4D4"/>
-                </a:solidFill>
-                <a:latin typeface="Consolas" panose="020B0609020204030204" pitchFamily="49" charset="0"/>
-              </a:rPr>
-              <a:t> := </a:t>
-            </a:r>
-            <a:r>
-              <a:rPr lang="en-US" dirty="0">
-                <a:solidFill>
-                  <a:srgbClr val="C586C0"/>
-                </a:solidFill>
-                <a:latin typeface="Consolas" panose="020B0609020204030204" pitchFamily="49" charset="0"/>
-              </a:rPr>
-              <a:t>range</a:t>
-            </a:r>
-            <a:r>
-              <a:rPr lang="en-US" dirty="0">
-                <a:solidFill>
-                  <a:srgbClr val="D4D4D4"/>
-                </a:solidFill>
-                <a:latin typeface="Consolas" panose="020B0609020204030204" pitchFamily="49" charset="0"/>
-              </a:rPr>
-              <a:t> in {</a:t>
-            </a:r>
-          </a:p>
-          <a:p>
-            <a:pPr marL="114300" indent="0">
-              <a:buNone/>
-            </a:pPr>
-            <a:r>
-              <a:rPr lang="en-US" dirty="0">
-                <a:solidFill>
-                  <a:srgbClr val="D4D4D4"/>
-                </a:solidFill>
-                <a:latin typeface="Consolas" panose="020B0609020204030204" pitchFamily="49" charset="0"/>
-              </a:rPr>
-              <a:t>        </a:t>
-            </a:r>
-            <a:r>
-              <a:rPr lang="en-US" dirty="0">
-                <a:solidFill>
-                  <a:srgbClr val="9CDCFE"/>
-                </a:solidFill>
-                <a:latin typeface="Consolas" panose="020B0609020204030204" pitchFamily="49" charset="0"/>
-              </a:rPr>
-              <a:t>key</a:t>
-            </a:r>
-            <a:r>
-              <a:rPr lang="en-US" dirty="0">
-                <a:solidFill>
-                  <a:srgbClr val="D4D4D4"/>
-                </a:solidFill>
-                <a:latin typeface="Consolas" panose="020B0609020204030204" pitchFamily="49" charset="0"/>
-              </a:rPr>
-              <a:t> := elem.(Count).Key</a:t>
-            </a:r>
-          </a:p>
-          <a:p>
-            <a:pPr marL="114300" indent="0">
-              <a:buNone/>
-            </a:pPr>
-            <a:br>
-              <a:rPr lang="en-US" dirty="0">
-                <a:solidFill>
-                  <a:srgbClr val="D4D4D4"/>
-                </a:solidFill>
-                <a:latin typeface="Consolas" panose="020B0609020204030204" pitchFamily="49" charset="0"/>
-              </a:rPr>
-            </a:br>
-            <a:r>
-              <a:rPr lang="en-US" dirty="0">
-                <a:solidFill>
-                  <a:srgbClr val="D4D4D4"/>
-                </a:solidFill>
-                <a:latin typeface="Consolas" panose="020B0609020204030204" pitchFamily="49" charset="0"/>
-              </a:rPr>
-              <a:t>        </a:t>
-            </a:r>
-            <a:r>
-              <a:rPr lang="en-US" dirty="0">
-                <a:solidFill>
-                  <a:srgbClr val="9CDCFE"/>
-                </a:solidFill>
-                <a:latin typeface="Consolas" panose="020B0609020204030204" pitchFamily="49" charset="0"/>
-              </a:rPr>
-              <a:t>h</a:t>
-            </a:r>
-            <a:r>
-              <a:rPr lang="en-US" dirty="0">
-                <a:solidFill>
-                  <a:srgbClr val="D4D4D4"/>
-                </a:solidFill>
-                <a:latin typeface="Consolas" panose="020B0609020204030204" pitchFamily="49" charset="0"/>
-              </a:rPr>
-              <a:t> := sha1.</a:t>
-            </a:r>
-            <a:r>
-              <a:rPr lang="en-US" dirty="0">
-                <a:solidFill>
-                  <a:srgbClr val="DCDCAA"/>
-                </a:solidFill>
-                <a:latin typeface="Consolas" panose="020B0609020204030204" pitchFamily="49" charset="0"/>
-              </a:rPr>
-              <a:t>New</a:t>
-            </a:r>
-            <a:r>
-              <a:rPr lang="en-US" dirty="0">
-                <a:solidFill>
-                  <a:srgbClr val="D4D4D4"/>
-                </a:solidFill>
-                <a:latin typeface="Consolas" panose="020B0609020204030204" pitchFamily="49" charset="0"/>
-              </a:rPr>
-              <a:t>()</a:t>
-            </a:r>
-          </a:p>
-          <a:p>
-            <a:pPr marL="114300" indent="0">
-              <a:buNone/>
-            </a:pPr>
-            <a:r>
-              <a:rPr lang="en-US" dirty="0">
-                <a:solidFill>
-                  <a:srgbClr val="D4D4D4"/>
-                </a:solidFill>
-                <a:latin typeface="Consolas" panose="020B0609020204030204" pitchFamily="49" charset="0"/>
-              </a:rPr>
-              <a:t>        </a:t>
-            </a:r>
-            <a:r>
-              <a:rPr lang="en-US" dirty="0" err="1">
-                <a:solidFill>
-                  <a:srgbClr val="D4D4D4"/>
-                </a:solidFill>
-                <a:latin typeface="Consolas" panose="020B0609020204030204" pitchFamily="49" charset="0"/>
-              </a:rPr>
-              <a:t>h.</a:t>
-            </a:r>
-            <a:r>
-              <a:rPr lang="en-US" dirty="0" err="1">
-                <a:solidFill>
-                  <a:srgbClr val="DCDCAA"/>
-                </a:solidFill>
-                <a:latin typeface="Consolas" panose="020B0609020204030204" pitchFamily="49" charset="0"/>
-              </a:rPr>
-              <a:t>Write</a:t>
-            </a:r>
-            <a:r>
-              <a:rPr lang="en-US" dirty="0">
-                <a:solidFill>
-                  <a:srgbClr val="D4D4D4"/>
-                </a:solidFill>
-                <a:latin typeface="Consolas" panose="020B0609020204030204" pitchFamily="49" charset="0"/>
-              </a:rPr>
-              <a:t>([]</a:t>
-            </a:r>
-            <a:r>
-              <a:rPr lang="en-US" dirty="0">
-                <a:solidFill>
-                  <a:srgbClr val="DCDCAA"/>
-                </a:solidFill>
-                <a:latin typeface="Consolas" panose="020B0609020204030204" pitchFamily="49" charset="0"/>
-              </a:rPr>
-              <a:t>byte</a:t>
-            </a:r>
-            <a:r>
-              <a:rPr lang="en-US" dirty="0">
-                <a:solidFill>
-                  <a:srgbClr val="D4D4D4"/>
-                </a:solidFill>
-                <a:latin typeface="Consolas" panose="020B0609020204030204" pitchFamily="49" charset="0"/>
-              </a:rPr>
-              <a:t>(key))</a:t>
-            </a:r>
-          </a:p>
-          <a:p>
-            <a:pPr marL="114300" indent="0">
-              <a:buNone/>
-            </a:pPr>
-            <a:r>
-              <a:rPr lang="en-US" dirty="0">
-                <a:solidFill>
-                  <a:srgbClr val="D4D4D4"/>
-                </a:solidFill>
-                <a:latin typeface="Consolas" panose="020B0609020204030204" pitchFamily="49" charset="0"/>
-              </a:rPr>
-              <a:t>        </a:t>
-            </a:r>
-            <a:r>
-              <a:rPr lang="en-US" dirty="0">
-                <a:solidFill>
-                  <a:srgbClr val="9CDCFE"/>
-                </a:solidFill>
-                <a:latin typeface="Consolas" panose="020B0609020204030204" pitchFamily="49" charset="0"/>
-              </a:rPr>
-              <a:t>hash</a:t>
-            </a:r>
-            <a:r>
-              <a:rPr lang="en-US" dirty="0">
-                <a:solidFill>
-                  <a:srgbClr val="D4D4D4"/>
-                </a:solidFill>
-                <a:latin typeface="Consolas" panose="020B0609020204030204" pitchFamily="49" charset="0"/>
-              </a:rPr>
-              <a:t> := </a:t>
-            </a:r>
-            <a:r>
-              <a:rPr lang="en-US" dirty="0">
-                <a:solidFill>
-                  <a:srgbClr val="DCDCAA"/>
-                </a:solidFill>
-                <a:latin typeface="Consolas" panose="020B0609020204030204" pitchFamily="49" charset="0"/>
-              </a:rPr>
-              <a:t>int</a:t>
-            </a:r>
-            <a:r>
-              <a:rPr lang="en-US" dirty="0">
-                <a:solidFill>
-                  <a:srgbClr val="D4D4D4"/>
-                </a:solidFill>
-                <a:latin typeface="Consolas" panose="020B0609020204030204" pitchFamily="49" charset="0"/>
-              </a:rPr>
-              <a:t>(binary.BigEndian.</a:t>
-            </a:r>
-            <a:r>
-              <a:rPr lang="en-US" dirty="0">
-                <a:solidFill>
-                  <a:srgbClr val="DCDCAA"/>
-                </a:solidFill>
-                <a:latin typeface="Consolas" panose="020B0609020204030204" pitchFamily="49" charset="0"/>
-              </a:rPr>
-              <a:t>Uint64</a:t>
-            </a:r>
-            <a:r>
-              <a:rPr lang="en-US" dirty="0">
-                <a:solidFill>
-                  <a:srgbClr val="D4D4D4"/>
-                </a:solidFill>
-                <a:latin typeface="Consolas" panose="020B0609020204030204" pitchFamily="49" charset="0"/>
-              </a:rPr>
-              <a:t>(</a:t>
-            </a:r>
-            <a:r>
-              <a:rPr lang="en-US" dirty="0" err="1">
-                <a:solidFill>
-                  <a:srgbClr val="D4D4D4"/>
-                </a:solidFill>
-                <a:latin typeface="Consolas" panose="020B0609020204030204" pitchFamily="49" charset="0"/>
-              </a:rPr>
-              <a:t>h.</a:t>
-            </a:r>
-            <a:r>
-              <a:rPr lang="en-US" dirty="0" err="1">
-                <a:solidFill>
-                  <a:srgbClr val="DCDCAA"/>
-                </a:solidFill>
-                <a:latin typeface="Consolas" panose="020B0609020204030204" pitchFamily="49" charset="0"/>
-              </a:rPr>
-              <a:t>Sum</a:t>
-            </a:r>
-            <a:r>
-              <a:rPr lang="en-US" dirty="0">
-                <a:solidFill>
-                  <a:srgbClr val="D4D4D4"/>
-                </a:solidFill>
-                <a:latin typeface="Consolas" panose="020B0609020204030204" pitchFamily="49" charset="0"/>
-              </a:rPr>
-              <a:t>(</a:t>
-            </a:r>
-            <a:r>
-              <a:rPr lang="en-US" dirty="0">
-                <a:solidFill>
-                  <a:srgbClr val="569CD6"/>
-                </a:solidFill>
-                <a:latin typeface="Consolas" panose="020B0609020204030204" pitchFamily="49" charset="0"/>
-              </a:rPr>
-              <a:t>nil</a:t>
-            </a:r>
-            <a:r>
-              <a:rPr lang="en-US" dirty="0">
-                <a:solidFill>
-                  <a:srgbClr val="D4D4D4"/>
-                </a:solidFill>
-                <a:latin typeface="Consolas" panose="020B0609020204030204" pitchFamily="49" charset="0"/>
-              </a:rPr>
-              <a:t>)))</a:t>
-            </a:r>
-          </a:p>
-          <a:p>
-            <a:pPr marL="114300" indent="0">
-              <a:buNone/>
-            </a:pPr>
-            <a:r>
-              <a:rPr lang="en-US" dirty="0">
-                <a:solidFill>
-                  <a:srgbClr val="D4D4D4"/>
-                </a:solidFill>
-                <a:latin typeface="Consolas" panose="020B0609020204030204" pitchFamily="49" charset="0"/>
-              </a:rPr>
-              <a:t>        </a:t>
-            </a:r>
-            <a:r>
-              <a:rPr lang="en-US" dirty="0">
-                <a:solidFill>
-                  <a:srgbClr val="C586C0"/>
-                </a:solidFill>
-                <a:latin typeface="Consolas" panose="020B0609020204030204" pitchFamily="49" charset="0"/>
-              </a:rPr>
-              <a:t>if</a:t>
-            </a:r>
-            <a:r>
-              <a:rPr lang="en-US" dirty="0">
-                <a:solidFill>
-                  <a:srgbClr val="D4D4D4"/>
-                </a:solidFill>
-                <a:latin typeface="Consolas" panose="020B0609020204030204" pitchFamily="49" charset="0"/>
-              </a:rPr>
-              <a:t> hash &lt; </a:t>
-            </a:r>
-            <a:r>
-              <a:rPr lang="en-US" dirty="0">
-                <a:solidFill>
-                  <a:srgbClr val="B5CEA8"/>
-                </a:solidFill>
-                <a:latin typeface="Consolas" panose="020B0609020204030204" pitchFamily="49" charset="0"/>
-              </a:rPr>
-              <a:t>0</a:t>
-            </a:r>
-            <a:r>
-              <a:rPr lang="en-US" dirty="0">
-                <a:solidFill>
-                  <a:srgbClr val="D4D4D4"/>
-                </a:solidFill>
-                <a:latin typeface="Consolas" panose="020B0609020204030204" pitchFamily="49" charset="0"/>
-              </a:rPr>
-              <a:t> {</a:t>
-            </a:r>
-          </a:p>
-          <a:p>
-            <a:pPr marL="114300" indent="0">
-              <a:buNone/>
-            </a:pPr>
-            <a:r>
-              <a:rPr lang="en-US" dirty="0">
-                <a:solidFill>
-                  <a:srgbClr val="D4D4D4"/>
-                </a:solidFill>
-                <a:latin typeface="Consolas" panose="020B0609020204030204" pitchFamily="49" charset="0"/>
-              </a:rPr>
-              <a:t>            </a:t>
-            </a:r>
-            <a:r>
-              <a:rPr lang="en-US" dirty="0">
-                <a:solidFill>
-                  <a:srgbClr val="9CDCFE"/>
-                </a:solidFill>
-                <a:latin typeface="Consolas" panose="020B0609020204030204" pitchFamily="49" charset="0"/>
-              </a:rPr>
-              <a:t>hash</a:t>
-            </a:r>
-            <a:r>
-              <a:rPr lang="en-US" dirty="0">
-                <a:solidFill>
-                  <a:srgbClr val="D4D4D4"/>
-                </a:solidFill>
-                <a:latin typeface="Consolas" panose="020B0609020204030204" pitchFamily="49" charset="0"/>
-              </a:rPr>
-              <a:t> = hash * -</a:t>
-            </a:r>
-            <a:r>
-              <a:rPr lang="en-US" dirty="0">
-                <a:solidFill>
-                  <a:srgbClr val="B5CEA8"/>
-                </a:solidFill>
-                <a:latin typeface="Consolas" panose="020B0609020204030204" pitchFamily="49" charset="0"/>
-              </a:rPr>
-              <a:t>1</a:t>
-            </a:r>
-            <a:endParaRPr lang="en-US" dirty="0">
-              <a:solidFill>
-                <a:srgbClr val="D4D4D4"/>
-              </a:solidFill>
-              <a:latin typeface="Consolas" panose="020B0609020204030204" pitchFamily="49" charset="0"/>
-            </a:endParaRPr>
-          </a:p>
-          <a:p>
-            <a:pPr marL="114300" indent="0">
-              <a:buNone/>
-            </a:pPr>
-            <a:r>
-              <a:rPr lang="en-US" dirty="0">
-                <a:solidFill>
-                  <a:srgbClr val="D4D4D4"/>
-                </a:solidFill>
-                <a:latin typeface="Consolas" panose="020B0609020204030204" pitchFamily="49" charset="0"/>
-              </a:rPr>
-              <a:t>        }</a:t>
-            </a:r>
-          </a:p>
-          <a:p>
-            <a:pPr marL="114300" indent="0">
-              <a:buNone/>
-            </a:pPr>
-            <a:br>
-              <a:rPr lang="en-US" dirty="0">
-                <a:solidFill>
-                  <a:srgbClr val="D4D4D4"/>
-                </a:solidFill>
-                <a:latin typeface="Consolas" panose="020B0609020204030204" pitchFamily="49" charset="0"/>
-              </a:rPr>
-            </a:br>
-            <a:r>
-              <a:rPr lang="en-US" dirty="0">
-                <a:solidFill>
-                  <a:srgbClr val="D4D4D4"/>
-                </a:solidFill>
-                <a:latin typeface="Consolas" panose="020B0609020204030204" pitchFamily="49" charset="0"/>
-              </a:rPr>
-              <a:t>        outs[</a:t>
-            </a:r>
-            <a:r>
-              <a:rPr lang="en-US" dirty="0" err="1">
-                <a:solidFill>
-                  <a:srgbClr val="D4D4D4"/>
-                </a:solidFill>
-                <a:latin typeface="Consolas" panose="020B0609020204030204" pitchFamily="49" charset="0"/>
-              </a:rPr>
-              <a:t>hash%</a:t>
-            </a:r>
-            <a:r>
-              <a:rPr lang="en-US" dirty="0" err="1">
-                <a:solidFill>
-                  <a:srgbClr val="DCDCAA"/>
-                </a:solidFill>
-                <a:latin typeface="Consolas" panose="020B0609020204030204" pitchFamily="49" charset="0"/>
-              </a:rPr>
-              <a:t>len</a:t>
-            </a:r>
-            <a:r>
-              <a:rPr lang="en-US" dirty="0">
-                <a:solidFill>
-                  <a:srgbClr val="D4D4D4"/>
-                </a:solidFill>
-                <a:latin typeface="Consolas" panose="020B0609020204030204" pitchFamily="49" charset="0"/>
-              </a:rPr>
-              <a:t>(outs)] &lt;- </a:t>
-            </a:r>
-            <a:r>
-              <a:rPr lang="en-US" dirty="0" err="1">
-                <a:solidFill>
-                  <a:srgbClr val="D4D4D4"/>
-                </a:solidFill>
-                <a:latin typeface="Consolas" panose="020B0609020204030204" pitchFamily="49" charset="0"/>
-              </a:rPr>
-              <a:t>elem</a:t>
-            </a:r>
-            <a:endParaRPr lang="en-US" dirty="0">
-              <a:solidFill>
-                <a:srgbClr val="D4D4D4"/>
-              </a:solidFill>
-              <a:latin typeface="Consolas" panose="020B0609020204030204" pitchFamily="49" charset="0"/>
-            </a:endParaRPr>
-          </a:p>
-          <a:p>
-            <a:pPr marL="114300" indent="0">
-              <a:buNone/>
-            </a:pPr>
-            <a:r>
-              <a:rPr lang="en-US" dirty="0">
-                <a:solidFill>
-                  <a:srgbClr val="D4D4D4"/>
-                </a:solidFill>
-                <a:latin typeface="Consolas" panose="020B0609020204030204" pitchFamily="49" charset="0"/>
-              </a:rPr>
-              <a:t>    }</a:t>
-            </a:r>
-          </a:p>
-          <a:p>
-            <a:pPr marL="114300" indent="0">
-              <a:buNone/>
-            </a:pPr>
-            <a:br>
-              <a:rPr lang="en-US" dirty="0">
-                <a:solidFill>
-                  <a:srgbClr val="D4D4D4"/>
-                </a:solidFill>
-                <a:latin typeface="Consolas" panose="020B0609020204030204" pitchFamily="49" charset="0"/>
-              </a:rPr>
-            </a:br>
-            <a:r>
-              <a:rPr lang="en-US" dirty="0">
-                <a:solidFill>
-                  <a:srgbClr val="D4D4D4"/>
-                </a:solidFill>
-                <a:latin typeface="Consolas" panose="020B0609020204030204" pitchFamily="49" charset="0"/>
-              </a:rPr>
-              <a:t>    </a:t>
-            </a:r>
-            <a:r>
-              <a:rPr lang="en-US" dirty="0" err="1">
-                <a:solidFill>
-                  <a:srgbClr val="D4D4D4"/>
-                </a:solidFill>
-                <a:latin typeface="Consolas" panose="020B0609020204030204" pitchFamily="49" charset="0"/>
-              </a:rPr>
-              <a:t>wg.</a:t>
-            </a:r>
-            <a:r>
-              <a:rPr lang="en-US" dirty="0" err="1">
-                <a:solidFill>
-                  <a:srgbClr val="DCDCAA"/>
-                </a:solidFill>
-                <a:latin typeface="Consolas" panose="020B0609020204030204" pitchFamily="49" charset="0"/>
-              </a:rPr>
-              <a:t>Done</a:t>
-            </a:r>
-            <a:r>
-              <a:rPr lang="en-US" dirty="0">
-                <a:solidFill>
-                  <a:srgbClr val="D4D4D4"/>
-                </a:solidFill>
-                <a:latin typeface="Consolas" panose="020B0609020204030204" pitchFamily="49" charset="0"/>
-              </a:rPr>
-              <a:t>()</a:t>
-            </a:r>
-          </a:p>
-          <a:p>
-            <a:pPr marL="114300" indent="0">
-              <a:buNone/>
-            </a:pPr>
-            <a:r>
-              <a:rPr lang="en-US" dirty="0">
-                <a:solidFill>
-                  <a:srgbClr val="D4D4D4"/>
-                </a:solidFill>
-                <a:latin typeface="Consolas" panose="020B0609020204030204" pitchFamily="49" charset="0"/>
-              </a:rPr>
-              <a:t>}</a:t>
-            </a:r>
-          </a:p>
-          <a:p>
-            <a:pPr marL="114300" indent="0">
-              <a:buNone/>
-            </a:pPr>
-            <a:endParaRPr lang="en-US" dirty="0"/>
-          </a:p>
-        </p:txBody>
-      </p:sp>
-      <p:sp>
-        <p:nvSpPr>
-          <p:cNvPr id="4" name="Slide Number Placeholder 3">
-            <a:extLst>
-              <a:ext uri="{FF2B5EF4-FFF2-40B4-BE49-F238E27FC236}">
-                <a16:creationId xmlns:a16="http://schemas.microsoft.com/office/drawing/2014/main" id="{06D5E1CB-EC85-4AB6-B465-8D54D3923D24}"/>
-              </a:ext>
-            </a:extLst>
-          </p:cNvPr>
-          <p:cNvSpPr>
-            <a:spLocks noGrp="1"/>
-          </p:cNvSpPr>
-          <p:nvPr>
-            <p:ph type="sldNum" idx="12"/>
-          </p:nvPr>
-        </p:nvSpPr>
-        <p:spPr/>
-        <p:txBody>
-          <a:bodyPr/>
-          <a:lstStyle/>
-          <a:p>
-            <a:pPr marL="0" lvl="0" indent="0" algn="r" rtl="0">
-              <a:spcBef>
-                <a:spcPts val="0"/>
-              </a:spcBef>
-              <a:spcAft>
-                <a:spcPts val="0"/>
-              </a:spcAft>
-              <a:buNone/>
-            </a:pPr>
-            <a:fld id="{00000000-1234-1234-1234-123412341234}" type="slidenum">
-              <a:rPr lang="en" smtClean="0"/>
-              <a:t>55</a:t>
-            </a:fld>
-            <a:endParaRPr lang="en"/>
-          </a:p>
-        </p:txBody>
-      </p:sp>
-    </p:spTree>
-    <p:extLst>
-      <p:ext uri="{BB962C8B-B14F-4D97-AF65-F5344CB8AC3E}">
-        <p14:creationId xmlns:p14="http://schemas.microsoft.com/office/powerpoint/2010/main" val="3501585708"/>
       </p:ext>
     </p:extLst>
   </p:cSld>
@@ -48298,7 +48544,7 @@
                 </a:solidFill>
                 <a:latin typeface="Consolas" panose="020B0609020204030204" pitchFamily="49" charset="0"/>
               </a:rPr>
-              <a:t>Reduce</a:t>
+              <a:t>Map</a:t>
             </a:r>
             <a:r>
               <a:rPr lang="en-US" dirty="0">
@@ -48357,7 +48603,7 @@
                 </a:solidFill>
                 <a:latin typeface="Consolas" panose="020B0609020204030204" pitchFamily="49" charset="0"/>
               </a:rPr>
-              <a:t>		out </a:t>
+              <a:t>				out </a:t>
             </a:r>
             <a:r>
               <a:rPr lang="en-US" dirty="0" err="1">
@@ -48393,43 +48639,7 @@
                 </a:solidFill>
                 <a:latin typeface="Consolas" panose="020B0609020204030204" pitchFamily="49" charset="0"/>
               </a:rPr>
-              <a:t>{}, </a:t>
-            </a:r>
-            <a:r>
-              <a:rPr lang="en-US" dirty="0" err="1">
-                <a:solidFill>
-                  <a:srgbClr val="D4D4D4"/>
-                </a:solidFill>
-                <a:latin typeface="Consolas" panose="020B0609020204030204" pitchFamily="49" charset="0"/>
-              </a:rPr>
-              <a:t>wg</a:t>
-            </a:r>
-            <a:r>
-              <a:rPr lang="en-US" dirty="0">
-                <a:solidFill>
-                  <a:srgbClr val="D4D4D4"/>
-                </a:solidFill>
-                <a:latin typeface="Consolas" panose="020B0609020204030204" pitchFamily="49" charset="0"/>
-              </a:rPr>
-              <a:t> *</a:t>
-            </a:r>
-            <a:r>
-              <a:rPr lang="en-US" dirty="0" err="1">
-                <a:solidFill>
-                  <a:srgbClr val="D4D4D4"/>
-                </a:solidFill>
-                <a:latin typeface="Consolas" panose="020B0609020204030204" pitchFamily="49" charset="0"/>
-              </a:rPr>
-              <a:t>sync.WaitGroup</a:t>
-            </a:r>
-            <a:r>
-              <a:rPr lang="en-US" dirty="0">
-                <a:solidFill>
-                  <a:srgbClr val="D4D4D4"/>
-                </a:solidFill>
-                <a:latin typeface="Consolas" panose="020B0609020204030204" pitchFamily="49" charset="0"/>
-              </a:rPr>
-              <a:t>) {</a:t>
+              <a:t>{}) {</a:t>
             </a:r>
           </a:p>
           <a:p>
@@ -48626,13 +48836,94 @@
               <a:t>        </a:t>
             </a:r>
             <a:r>
+              <a:rPr lang="en-US" dirty="0">
+                <a:solidFill>
+                  <a:srgbClr val="C586C0"/>
+                </a:solidFill>
+                <a:latin typeface="Consolas" panose="020B0609020204030204" pitchFamily="49" charset="0"/>
+              </a:rPr>
+              <a:t>for</a:t>
+            </a:r>
+            <a:r>
+              <a:rPr lang="en-US" dirty="0">
+                <a:solidFill>
+                  <a:srgbClr val="D4D4D4"/>
+                </a:solidFill>
+                <a:latin typeface="Consolas" panose="020B0609020204030204" pitchFamily="49" charset="0"/>
+              </a:rPr>
+              <a:t> </a:t>
+            </a:r>
+            <a:r>
+              <a:rPr lang="en-US" dirty="0">
+                <a:solidFill>
+                  <a:srgbClr val="9CDCFE"/>
+                </a:solidFill>
+                <a:latin typeface="Consolas" panose="020B0609020204030204" pitchFamily="49" charset="0"/>
+              </a:rPr>
+              <a:t>_</a:t>
+            </a:r>
+            <a:r>
+              <a:rPr lang="en-US" dirty="0">
+                <a:solidFill>
+                  <a:srgbClr val="D4D4D4"/>
+                </a:solidFill>
+                <a:latin typeface="Consolas" panose="020B0609020204030204" pitchFamily="49" charset="0"/>
+              </a:rPr>
+              <a:t>, </a:t>
+            </a:r>
+            <a:r>
+              <a:rPr lang="en-US" dirty="0">
+                <a:solidFill>
+                  <a:srgbClr val="9CDCFE"/>
+                </a:solidFill>
+                <a:latin typeface="Consolas" panose="020B0609020204030204" pitchFamily="49" charset="0"/>
+              </a:rPr>
+              <a:t>word</a:t>
+            </a:r>
+            <a:r>
+              <a:rPr lang="en-US" dirty="0">
+                <a:solidFill>
+                  <a:srgbClr val="D4D4D4"/>
+                </a:solidFill>
+                <a:latin typeface="Consolas" panose="020B0609020204030204" pitchFamily="49" charset="0"/>
+              </a:rPr>
+              <a:t> := </a:t>
+            </a:r>
+            <a:r>
+              <a:rPr lang="en-US" dirty="0">
+                <a:solidFill>
+                  <a:srgbClr val="C586C0"/>
+                </a:solidFill>
+                <a:latin typeface="Consolas" panose="020B0609020204030204" pitchFamily="49" charset="0"/>
+              </a:rPr>
+              <a:t>range</a:t>
+            </a:r>
+            <a:r>
+              <a:rPr lang="en-US" dirty="0">
+                <a:solidFill>
+                  <a:srgbClr val="D4D4D4"/>
+                </a:solidFill>
+                <a:latin typeface="Consolas" panose="020B0609020204030204" pitchFamily="49" charset="0"/>
+              </a:rPr>
+              <a:t> </a:t>
+            </a:r>
+            <a:r>
               <a:rPr lang="en-US" dirty="0" err="1">
                 <a:solidFill>
-                  <a:srgbClr val="9CDCFE"/>
-                </a:solidFill>
-                <a:latin typeface="Consolas" panose="020B0609020204030204" pitchFamily="49" charset="0"/>
-              </a:rPr>
-              <a:t>ct</a:t>
+                  <a:srgbClr val="D4D4D4"/>
+                </a:solidFill>
+                <a:latin typeface="Consolas" panose="020B0609020204030204" pitchFamily="49" charset="0"/>
+              </a:rPr>
+              <a:t>strings.</a:t>
+            </a:r>
+            <a:r>
+              <a:rPr lang="en-US" dirty="0" err="1">
+                <a:solidFill>
+                  <a:srgbClr val="DCDCAA"/>
+                </a:solidFill>
+                <a:latin typeface="Consolas" panose="020B0609020204030204" pitchFamily="49" charset="0"/>
+              </a:rPr>
+              <a:t>Fields</a:t>
             </a:r>
             <a:r>
               <a:rPr lang="en-US" dirty="0">
@@ -48641,7 +48932,25 @@
                 </a:solidFill>
                 <a:latin typeface="Consolas" panose="020B0609020204030204" pitchFamily="49" charset="0"/>
               </a:rPr>
-              <a:t> := elem.(Count)</a:t>
+              <a:t>(elem.(</a:t>
+            </a:r>
+            <a:r>
+              <a:rPr lang="en-US" dirty="0">
+                <a:solidFill>
+                  <a:srgbClr val="4EC9B0"/>
+                </a:solidFill>
+                <a:latin typeface="Consolas" panose="020B0609020204030204" pitchFamily="49" charset="0"/>
+              </a:rPr>
+              <a:t>string</a:t>
+            </a:r>
+            <a:r>
+              <a:rPr lang="en-US" dirty="0">
+                <a:solidFill>
+                  <a:srgbClr val="D4D4D4"/>
+                </a:solidFill>
+                <a:latin typeface="Consolas" panose="020B0609020204030204" pitchFamily="49" charset="0"/>
+              </a:rPr>
+              <a:t>)) {</a:t>
             </a:r>
           </a:p>
           <a:p>
@@ -48655,17 +48964,13 @@
                 </a:solidFill>
                 <a:latin typeface="Consolas" panose="020B0609020204030204" pitchFamily="49" charset="0"/>
               </a:rPr>
-              <a:t>        counts[</a:t>
-            </a:r>
-            <a:r>
-              <a:rPr lang="en-US" dirty="0" err="1">
-                <a:solidFill>
-                  <a:srgbClr val="D4D4D4"/>
-                </a:solidFill>
-                <a:latin typeface="Consolas" panose="020B0609020204030204" pitchFamily="49" charset="0"/>
-              </a:rPr>
-              <a:t>ct.key</a:t>
-            </a:r>
+              <a:t>            counts[word]++</a:t>
+            </a:r>
+          </a:p>
+          <a:p>
+            <a:pPr marL="114300" indent="0">
+              <a:buNone/>
+            </a:pPr>
             <a:r>
               <a:rPr lang="en-US" dirty="0">
                 <a:solidFill>
@@ -48673,23 +48978,8 @@
                 </a:solidFill>
                 <a:latin typeface="Consolas" panose="020B0609020204030204" pitchFamily="49" charset="0"/>
               </a:rPr>
-              <a:t>] += </a:t>
-            </a:r>
-            <a:r>
-              <a:rPr lang="en-US" dirty="0" err="1">
-                <a:solidFill>
-                  <a:srgbClr val="D4D4D4"/>
-                </a:solidFill>
-                <a:latin typeface="Consolas" panose="020B0609020204030204" pitchFamily="49" charset="0"/>
-              </a:rPr>
-              <a:t>ct.Value</a:t>
-            </a:r>
-            <a:endParaRPr lang="en-US" dirty="0">
-              <a:solidFill>
-                <a:srgbClr val="D4D4D4"/>
-              </a:solidFill>
-              <a:latin typeface="Consolas" panose="020B0609020204030204" pitchFamily="49" charset="0"/>
-            </a:endParaRPr>
+              <a:t>        }</a:t>
+            </a:r>
           </a:p>
           <a:p>
             <a:pPr marL="114300" indent="0">
@@ -48849,22 +49139,13 @@
               <a:t>    </a:t>
             </a:r>
             <a:r>
-              <a:rPr lang="en-US" dirty="0" err="1">
-                <a:solidFill>
-                  <a:srgbClr val="D4D4D4"/>
-                </a:solidFill>
-                <a:latin typeface="Consolas" panose="020B0609020204030204" pitchFamily="49" charset="0"/>
-              </a:rPr>
-              <a:t>wg.</a:t>
-            </a:r>
-            <a:r>
-              <a:rPr lang="en-US" dirty="0" err="1">
+              <a:rPr lang="en-US" dirty="0">
                 <a:solidFill>
                   <a:srgbClr val="DCDCAA"/>
                 </a:solidFill>
                 <a:latin typeface="Consolas" panose="020B0609020204030204" pitchFamily="49" charset="0"/>
               </a:rPr>
-              <a:t>Done</a:t>
+              <a:t>close</a:t>
             </a:r>
             <a:r>
               <a:rPr lang="en-US" dirty="0">
@@ -48873,7 +49154,7 @@
                 </a:solidFill>
                 <a:latin typeface="Consolas" panose="020B0609020204030204" pitchFamily="49" charset="0"/>
               </a:rPr>
-              <a:t>()</a:t>
+              <a:t>(out)</a:t>
             </a:r>
           </a:p>
           <a:p>
@@ -48939,6 +49220,1671 @@
     </p:spTree>
     <p:extLst>
       <p:ext uri="{BB962C8B-B14F-4D97-AF65-F5344CB8AC3E}">
+        <p14:creationId xmlns:p14="http://schemas.microsoft.com/office/powerpoint/2010/main" val="4234828609"/>
+      </p:ext>
+    </p:extLst>
+  </p:cSld>
+  <p:clrMapOvr>
+    <a:masterClrMapping/>
+  </p:clrMapOvr>
+</p:sld>
+</file>
+
+<file path=ppt/slides/slide57.xml><?xml version="1.0" encoding="utf-8"?>
+<p:sld xmlns:a="http://schemas.openxmlformats.org/drawingml/2006/main" xmlns:r="http://schemas.openxmlformats.org/officeDocument/2006/relationships" xmlns:p="http://schemas.openxmlformats.org/presentationml/2006/main">
+  <p:cSld>
+    <p:spTree>
+      <p:nvGrpSpPr>
+        <p:cNvPr id="1" name=""/>
+        <p:cNvGrpSpPr/>
+        <p:nvPr/>
+      </p:nvGrpSpPr>
+      <p:grpSpPr>
+        <a:xfrm>
+          <a:off x="0" y="0"/>
+          <a:ext cx="0" cy="0"/>
+          <a:chOff x="0" y="0"/>
+          <a:chExt cx="0" cy="0"/>
+        </a:xfrm>
+      </p:grpSpPr>
+      <p:sp>
+        <p:nvSpPr>
+          <p:cNvPr id="2" name="Title 1">
+            <a:extLst>
+              <a:ext uri="{FF2B5EF4-FFF2-40B4-BE49-F238E27FC236}">
+                <a16:creationId xmlns:a16="http://schemas.microsoft.com/office/drawing/2014/main" id="{ACEA3AD5-ADB2-4A8C-9F36-2AA5DFC77D76}"/>
+              </a:ext>
+            </a:extLst>
+          </p:cNvPr>
+          <p:cNvSpPr>
+            <a:spLocks noGrp="1"/>
+          </p:cNvSpPr>
+          <p:nvPr>
+            <p:ph type="title"/>
+          </p:nvPr>
+        </p:nvSpPr>
+        <p:spPr/>
+        <p:txBody>
+          <a:bodyPr/>
+          <a:lstStyle/>
+          <a:p>
+            <a:r>
+              <a:rPr lang="en-US" dirty="0"/>
+              <a:t>Wordcount - </a:t>
+            </a:r>
+            <a:r>
+              <a:rPr lang="en-US" dirty="0" err="1"/>
+              <a:t>GoMR</a:t>
+            </a:r>
+            <a:endParaRPr lang="en-US" dirty="0"/>
+          </a:p>
+        </p:txBody>
+      </p:sp>
+      <p:sp>
+        <p:nvSpPr>
+          <p:cNvPr id="3" name="Text Placeholder 2">
+            <a:extLst>
+              <a:ext uri="{FF2B5EF4-FFF2-40B4-BE49-F238E27FC236}">
+                <a16:creationId xmlns:a16="http://schemas.microsoft.com/office/drawing/2014/main" id="{C5A11E37-9F01-4447-89F0-DB14B01F190C}"/>
+              </a:ext>
+            </a:extLst>
+          </p:cNvPr>
+          <p:cNvSpPr>
+            <a:spLocks noGrp="1"/>
+          </p:cNvSpPr>
+          <p:nvPr>
+            <p:ph type="body" idx="1"/>
+          </p:nvPr>
+        </p:nvSpPr>
+        <p:spPr>
+          <a:xfrm>
+            <a:off x="311700" y="1356867"/>
+            <a:ext cx="8520600" cy="4555200"/>
+          </a:xfrm>
+        </p:spPr>
+        <p:txBody>
+          <a:bodyPr/>
+          <a:lstStyle/>
+          <a:p>
+            <a:pPr marL="114300" indent="0">
+              <a:buNone/>
+            </a:pPr>
+            <a:r>
+              <a:rPr lang="en-US" dirty="0" err="1">
+                <a:solidFill>
+                  <a:srgbClr val="569CD6"/>
+                </a:solidFill>
+                <a:latin typeface="Consolas" panose="020B0609020204030204" pitchFamily="49" charset="0"/>
+              </a:rPr>
+              <a:t>func</a:t>
+            </a:r>
+            <a:r>
+              <a:rPr lang="en-US" dirty="0">
+                <a:solidFill>
+                  <a:srgbClr val="D4D4D4"/>
+                </a:solidFill>
+                <a:latin typeface="Consolas" panose="020B0609020204030204" pitchFamily="49" charset="0"/>
+              </a:rPr>
+              <a:t> (w *</a:t>
+            </a:r>
+            <a:r>
+              <a:rPr lang="en-US" dirty="0" err="1">
+                <a:solidFill>
+                  <a:srgbClr val="D4D4D4"/>
+                </a:solidFill>
+                <a:latin typeface="Consolas" panose="020B0609020204030204" pitchFamily="49" charset="0"/>
+              </a:rPr>
+              <a:t>WordCount</a:t>
+            </a:r>
+            <a:r>
+              <a:rPr lang="en-US" dirty="0">
+                <a:solidFill>
+                  <a:srgbClr val="D4D4D4"/>
+                </a:solidFill>
+                <a:latin typeface="Consolas" panose="020B0609020204030204" pitchFamily="49" charset="0"/>
+              </a:rPr>
+              <a:t>) </a:t>
+            </a:r>
+            <a:r>
+              <a:rPr lang="en-US" dirty="0">
+                <a:solidFill>
+                  <a:srgbClr val="DCDCAA"/>
+                </a:solidFill>
+                <a:latin typeface="Consolas" panose="020B0609020204030204" pitchFamily="49" charset="0"/>
+              </a:rPr>
+              <a:t>Partition</a:t>
+            </a:r>
+            <a:r>
+              <a:rPr lang="en-US" dirty="0">
+                <a:solidFill>
+                  <a:srgbClr val="D4D4D4"/>
+                </a:solidFill>
+                <a:latin typeface="Consolas" panose="020B0609020204030204" pitchFamily="49" charset="0"/>
+              </a:rPr>
+              <a:t>(in &lt;-</a:t>
+            </a:r>
+            <a:r>
+              <a:rPr lang="en-US" dirty="0" err="1">
+                <a:solidFill>
+                  <a:srgbClr val="569CD6"/>
+                </a:solidFill>
+                <a:latin typeface="Consolas" panose="020B0609020204030204" pitchFamily="49" charset="0"/>
+              </a:rPr>
+              <a:t>chan</a:t>
+            </a:r>
+            <a:r>
+              <a:rPr lang="en-US" dirty="0">
+                <a:solidFill>
+                  <a:srgbClr val="D4D4D4"/>
+                </a:solidFill>
+                <a:latin typeface="Consolas" panose="020B0609020204030204" pitchFamily="49" charset="0"/>
+              </a:rPr>
+              <a:t> </a:t>
+            </a:r>
+            <a:r>
+              <a:rPr lang="en-US" dirty="0">
+                <a:solidFill>
+                  <a:srgbClr val="569CD6"/>
+                </a:solidFill>
+                <a:latin typeface="Consolas" panose="020B0609020204030204" pitchFamily="49" charset="0"/>
+              </a:rPr>
+              <a:t>interface</a:t>
+            </a:r>
+            <a:r>
+              <a:rPr lang="en-US" dirty="0">
+                <a:solidFill>
+                  <a:srgbClr val="D4D4D4"/>
+                </a:solidFill>
+                <a:latin typeface="Consolas" panose="020B0609020204030204" pitchFamily="49" charset="0"/>
+              </a:rPr>
+              <a:t>{}, </a:t>
+            </a:r>
+          </a:p>
+          <a:p>
+            <a:pPr marL="114300" indent="0">
+              <a:buNone/>
+            </a:pPr>
+            <a:r>
+              <a:rPr lang="en-US" dirty="0">
+                <a:solidFill>
+                  <a:srgbClr val="D4D4D4"/>
+                </a:solidFill>
+                <a:latin typeface="Consolas" panose="020B0609020204030204" pitchFamily="49" charset="0"/>
+              </a:rPr>
+              <a:t>		outs []</a:t>
+            </a:r>
+            <a:r>
+              <a:rPr lang="en-US" dirty="0" err="1">
+                <a:solidFill>
+                  <a:srgbClr val="569CD6"/>
+                </a:solidFill>
+                <a:latin typeface="Consolas" panose="020B0609020204030204" pitchFamily="49" charset="0"/>
+              </a:rPr>
+              <a:t>chan</a:t>
+            </a:r>
+            <a:r>
+              <a:rPr lang="en-US" dirty="0">
+                <a:solidFill>
+                  <a:srgbClr val="D4D4D4"/>
+                </a:solidFill>
+                <a:latin typeface="Consolas" panose="020B0609020204030204" pitchFamily="49" charset="0"/>
+              </a:rPr>
+              <a:t> </a:t>
+            </a:r>
+            <a:r>
+              <a:rPr lang="en-US" dirty="0">
+                <a:solidFill>
+                  <a:srgbClr val="569CD6"/>
+                </a:solidFill>
+                <a:latin typeface="Consolas" panose="020B0609020204030204" pitchFamily="49" charset="0"/>
+              </a:rPr>
+              <a:t>interface</a:t>
+            </a:r>
+            <a:r>
+              <a:rPr lang="en-US" dirty="0">
+                <a:solidFill>
+                  <a:srgbClr val="D4D4D4"/>
+                </a:solidFill>
+                <a:latin typeface="Consolas" panose="020B0609020204030204" pitchFamily="49" charset="0"/>
+              </a:rPr>
+              <a:t>{}, </a:t>
+            </a:r>
+            <a:r>
+              <a:rPr lang="en-US" dirty="0" err="1">
+                <a:solidFill>
+                  <a:srgbClr val="D4D4D4"/>
+                </a:solidFill>
+                <a:latin typeface="Consolas" panose="020B0609020204030204" pitchFamily="49" charset="0"/>
+              </a:rPr>
+              <a:t>wg</a:t>
+            </a:r>
+            <a:r>
+              <a:rPr lang="en-US" dirty="0">
+                <a:solidFill>
+                  <a:srgbClr val="D4D4D4"/>
+                </a:solidFill>
+                <a:latin typeface="Consolas" panose="020B0609020204030204" pitchFamily="49" charset="0"/>
+              </a:rPr>
+              <a:t> *</a:t>
+            </a:r>
+            <a:r>
+              <a:rPr lang="en-US" dirty="0" err="1">
+                <a:solidFill>
+                  <a:srgbClr val="D4D4D4"/>
+                </a:solidFill>
+                <a:latin typeface="Consolas" panose="020B0609020204030204" pitchFamily="49" charset="0"/>
+              </a:rPr>
+              <a:t>sync.WaitGroup</a:t>
+            </a:r>
+            <a:r>
+              <a:rPr lang="en-US" dirty="0">
+                <a:solidFill>
+                  <a:srgbClr val="D4D4D4"/>
+                </a:solidFill>
+                <a:latin typeface="Consolas" panose="020B0609020204030204" pitchFamily="49" charset="0"/>
+              </a:rPr>
+              <a:t>) {</a:t>
+            </a:r>
+          </a:p>
+          <a:p>
+            <a:pPr marL="114300" indent="0">
+              <a:buNone/>
+            </a:pPr>
+            <a:r>
+              <a:rPr lang="en-US" dirty="0">
+                <a:solidFill>
+                  <a:srgbClr val="D4D4D4"/>
+                </a:solidFill>
+                <a:latin typeface="Consolas" panose="020B0609020204030204" pitchFamily="49" charset="0"/>
+              </a:rPr>
+              <a:t>    </a:t>
+            </a:r>
+            <a:r>
+              <a:rPr lang="en-US" dirty="0">
+                <a:solidFill>
+                  <a:srgbClr val="C586C0"/>
+                </a:solidFill>
+                <a:latin typeface="Consolas" panose="020B0609020204030204" pitchFamily="49" charset="0"/>
+              </a:rPr>
+              <a:t>for</a:t>
+            </a:r>
+            <a:r>
+              <a:rPr lang="en-US" dirty="0">
+                <a:solidFill>
+                  <a:srgbClr val="D4D4D4"/>
+                </a:solidFill>
+                <a:latin typeface="Consolas" panose="020B0609020204030204" pitchFamily="49" charset="0"/>
+              </a:rPr>
+              <a:t> </a:t>
+            </a:r>
+            <a:r>
+              <a:rPr lang="en-US" dirty="0" err="1">
+                <a:solidFill>
+                  <a:srgbClr val="9CDCFE"/>
+                </a:solidFill>
+                <a:latin typeface="Consolas" panose="020B0609020204030204" pitchFamily="49" charset="0"/>
+              </a:rPr>
+              <a:t>elem</a:t>
+            </a:r>
+            <a:r>
+              <a:rPr lang="en-US" dirty="0">
+                <a:solidFill>
+                  <a:srgbClr val="D4D4D4"/>
+                </a:solidFill>
+                <a:latin typeface="Consolas" panose="020B0609020204030204" pitchFamily="49" charset="0"/>
+              </a:rPr>
+              <a:t> := </a:t>
+            </a:r>
+            <a:r>
+              <a:rPr lang="en-US" dirty="0">
+                <a:solidFill>
+                  <a:srgbClr val="C586C0"/>
+                </a:solidFill>
+                <a:latin typeface="Consolas" panose="020B0609020204030204" pitchFamily="49" charset="0"/>
+              </a:rPr>
+              <a:t>range</a:t>
+            </a:r>
+            <a:r>
+              <a:rPr lang="en-US" dirty="0">
+                <a:solidFill>
+                  <a:srgbClr val="D4D4D4"/>
+                </a:solidFill>
+                <a:latin typeface="Consolas" panose="020B0609020204030204" pitchFamily="49" charset="0"/>
+              </a:rPr>
+              <a:t> in {</a:t>
+            </a:r>
+          </a:p>
+          <a:p>
+            <a:pPr marL="114300" indent="0">
+              <a:buNone/>
+            </a:pPr>
+            <a:r>
+              <a:rPr lang="en-US" dirty="0">
+                <a:solidFill>
+                  <a:srgbClr val="D4D4D4"/>
+                </a:solidFill>
+                <a:latin typeface="Consolas" panose="020B0609020204030204" pitchFamily="49" charset="0"/>
+              </a:rPr>
+              <a:t>        </a:t>
+            </a:r>
+            <a:r>
+              <a:rPr lang="en-US" dirty="0">
+                <a:solidFill>
+                  <a:srgbClr val="9CDCFE"/>
+                </a:solidFill>
+                <a:latin typeface="Consolas" panose="020B0609020204030204" pitchFamily="49" charset="0"/>
+              </a:rPr>
+              <a:t>key</a:t>
+            </a:r>
+            <a:r>
+              <a:rPr lang="en-US" dirty="0">
+                <a:solidFill>
+                  <a:srgbClr val="D4D4D4"/>
+                </a:solidFill>
+                <a:latin typeface="Consolas" panose="020B0609020204030204" pitchFamily="49" charset="0"/>
+              </a:rPr>
+              <a:t> := elem.(Count).Key</a:t>
+            </a:r>
+          </a:p>
+          <a:p>
+            <a:pPr marL="114300" indent="0">
+              <a:buNone/>
+            </a:pPr>
+            <a:br>
+              <a:rPr lang="en-US" dirty="0">
+                <a:solidFill>
+                  <a:srgbClr val="D4D4D4"/>
+                </a:solidFill>
+                <a:latin typeface="Consolas" panose="020B0609020204030204" pitchFamily="49" charset="0"/>
+              </a:rPr>
+            </a:br>
+            <a:r>
+              <a:rPr lang="en-US" dirty="0">
+                <a:solidFill>
+                  <a:srgbClr val="D4D4D4"/>
+                </a:solidFill>
+                <a:latin typeface="Consolas" panose="020B0609020204030204" pitchFamily="49" charset="0"/>
+              </a:rPr>
+              <a:t>        </a:t>
+            </a:r>
+            <a:r>
+              <a:rPr lang="en-US" dirty="0">
+                <a:solidFill>
+                  <a:srgbClr val="9CDCFE"/>
+                </a:solidFill>
+                <a:latin typeface="Consolas" panose="020B0609020204030204" pitchFamily="49" charset="0"/>
+              </a:rPr>
+              <a:t>h</a:t>
+            </a:r>
+            <a:r>
+              <a:rPr lang="en-US" dirty="0">
+                <a:solidFill>
+                  <a:srgbClr val="D4D4D4"/>
+                </a:solidFill>
+                <a:latin typeface="Consolas" panose="020B0609020204030204" pitchFamily="49" charset="0"/>
+              </a:rPr>
+              <a:t> := sha1.</a:t>
+            </a:r>
+            <a:r>
+              <a:rPr lang="en-US" dirty="0">
+                <a:solidFill>
+                  <a:srgbClr val="DCDCAA"/>
+                </a:solidFill>
+                <a:latin typeface="Consolas" panose="020B0609020204030204" pitchFamily="49" charset="0"/>
+              </a:rPr>
+              <a:t>New</a:t>
+            </a:r>
+            <a:r>
+              <a:rPr lang="en-US" dirty="0">
+                <a:solidFill>
+                  <a:srgbClr val="D4D4D4"/>
+                </a:solidFill>
+                <a:latin typeface="Consolas" panose="020B0609020204030204" pitchFamily="49" charset="0"/>
+              </a:rPr>
+              <a:t>()</a:t>
+            </a:r>
+          </a:p>
+          <a:p>
+            <a:pPr marL="114300" indent="0">
+              <a:buNone/>
+            </a:pPr>
+            <a:r>
+              <a:rPr lang="en-US" dirty="0">
+                <a:solidFill>
+                  <a:srgbClr val="D4D4D4"/>
+                </a:solidFill>
+                <a:latin typeface="Consolas" panose="020B0609020204030204" pitchFamily="49" charset="0"/>
+              </a:rPr>
+              <a:t>        </a:t>
+            </a:r>
+            <a:r>
+              <a:rPr lang="en-US" dirty="0" err="1">
+                <a:solidFill>
+                  <a:srgbClr val="D4D4D4"/>
+                </a:solidFill>
+                <a:latin typeface="Consolas" panose="020B0609020204030204" pitchFamily="49" charset="0"/>
+              </a:rPr>
+              <a:t>h.</a:t>
+            </a:r>
+            <a:r>
+              <a:rPr lang="en-US" dirty="0" err="1">
+                <a:solidFill>
+                  <a:srgbClr val="DCDCAA"/>
+                </a:solidFill>
+                <a:latin typeface="Consolas" panose="020B0609020204030204" pitchFamily="49" charset="0"/>
+              </a:rPr>
+              <a:t>Write</a:t>
+            </a:r>
+            <a:r>
+              <a:rPr lang="en-US" dirty="0">
+                <a:solidFill>
+                  <a:srgbClr val="D4D4D4"/>
+                </a:solidFill>
+                <a:latin typeface="Consolas" panose="020B0609020204030204" pitchFamily="49" charset="0"/>
+              </a:rPr>
+              <a:t>([]</a:t>
+            </a:r>
+            <a:r>
+              <a:rPr lang="en-US" dirty="0">
+                <a:solidFill>
+                  <a:srgbClr val="DCDCAA"/>
+                </a:solidFill>
+                <a:latin typeface="Consolas" panose="020B0609020204030204" pitchFamily="49" charset="0"/>
+              </a:rPr>
+              <a:t>byte</a:t>
+            </a:r>
+            <a:r>
+              <a:rPr lang="en-US" dirty="0">
+                <a:solidFill>
+                  <a:srgbClr val="D4D4D4"/>
+                </a:solidFill>
+                <a:latin typeface="Consolas" panose="020B0609020204030204" pitchFamily="49" charset="0"/>
+              </a:rPr>
+              <a:t>(key))</a:t>
+            </a:r>
+          </a:p>
+          <a:p>
+            <a:pPr marL="114300" indent="0">
+              <a:buNone/>
+            </a:pPr>
+            <a:r>
+              <a:rPr lang="en-US" dirty="0">
+                <a:solidFill>
+                  <a:srgbClr val="D4D4D4"/>
+                </a:solidFill>
+                <a:latin typeface="Consolas" panose="020B0609020204030204" pitchFamily="49" charset="0"/>
+              </a:rPr>
+              <a:t>        </a:t>
+            </a:r>
+            <a:r>
+              <a:rPr lang="en-US" dirty="0">
+                <a:solidFill>
+                  <a:srgbClr val="9CDCFE"/>
+                </a:solidFill>
+                <a:latin typeface="Consolas" panose="020B0609020204030204" pitchFamily="49" charset="0"/>
+              </a:rPr>
+              <a:t>hash</a:t>
+            </a:r>
+            <a:r>
+              <a:rPr lang="en-US" dirty="0">
+                <a:solidFill>
+                  <a:srgbClr val="D4D4D4"/>
+                </a:solidFill>
+                <a:latin typeface="Consolas" panose="020B0609020204030204" pitchFamily="49" charset="0"/>
+              </a:rPr>
+              <a:t> := </a:t>
+            </a:r>
+            <a:r>
+              <a:rPr lang="en-US" dirty="0">
+                <a:solidFill>
+                  <a:srgbClr val="DCDCAA"/>
+                </a:solidFill>
+                <a:latin typeface="Consolas" panose="020B0609020204030204" pitchFamily="49" charset="0"/>
+              </a:rPr>
+              <a:t>int</a:t>
+            </a:r>
+            <a:r>
+              <a:rPr lang="en-US" dirty="0">
+                <a:solidFill>
+                  <a:srgbClr val="D4D4D4"/>
+                </a:solidFill>
+                <a:latin typeface="Consolas" panose="020B0609020204030204" pitchFamily="49" charset="0"/>
+              </a:rPr>
+              <a:t>(binary.BigEndian.</a:t>
+            </a:r>
+            <a:r>
+              <a:rPr lang="en-US" dirty="0">
+                <a:solidFill>
+                  <a:srgbClr val="DCDCAA"/>
+                </a:solidFill>
+                <a:latin typeface="Consolas" panose="020B0609020204030204" pitchFamily="49" charset="0"/>
+              </a:rPr>
+              <a:t>Uint64</a:t>
+            </a:r>
+            <a:r>
+              <a:rPr lang="en-US" dirty="0">
+                <a:solidFill>
+                  <a:srgbClr val="D4D4D4"/>
+                </a:solidFill>
+                <a:latin typeface="Consolas" panose="020B0609020204030204" pitchFamily="49" charset="0"/>
+              </a:rPr>
+              <a:t>(</a:t>
+            </a:r>
+            <a:r>
+              <a:rPr lang="en-US" dirty="0" err="1">
+                <a:solidFill>
+                  <a:srgbClr val="D4D4D4"/>
+                </a:solidFill>
+                <a:latin typeface="Consolas" panose="020B0609020204030204" pitchFamily="49" charset="0"/>
+              </a:rPr>
+              <a:t>h.</a:t>
+            </a:r>
+            <a:r>
+              <a:rPr lang="en-US" dirty="0" err="1">
+                <a:solidFill>
+                  <a:srgbClr val="DCDCAA"/>
+                </a:solidFill>
+                <a:latin typeface="Consolas" panose="020B0609020204030204" pitchFamily="49" charset="0"/>
+              </a:rPr>
+              <a:t>Sum</a:t>
+            </a:r>
+            <a:r>
+              <a:rPr lang="en-US" dirty="0">
+                <a:solidFill>
+                  <a:srgbClr val="D4D4D4"/>
+                </a:solidFill>
+                <a:latin typeface="Consolas" panose="020B0609020204030204" pitchFamily="49" charset="0"/>
+              </a:rPr>
+              <a:t>(</a:t>
+            </a:r>
+            <a:r>
+              <a:rPr lang="en-US" dirty="0">
+                <a:solidFill>
+                  <a:srgbClr val="569CD6"/>
+                </a:solidFill>
+                <a:latin typeface="Consolas" panose="020B0609020204030204" pitchFamily="49" charset="0"/>
+              </a:rPr>
+              <a:t>nil</a:t>
+            </a:r>
+            <a:r>
+              <a:rPr lang="en-US" dirty="0">
+                <a:solidFill>
+                  <a:srgbClr val="D4D4D4"/>
+                </a:solidFill>
+                <a:latin typeface="Consolas" panose="020B0609020204030204" pitchFamily="49" charset="0"/>
+              </a:rPr>
+              <a:t>)))</a:t>
+            </a:r>
+          </a:p>
+          <a:p>
+            <a:pPr marL="114300" indent="0">
+              <a:buNone/>
+            </a:pPr>
+            <a:r>
+              <a:rPr lang="en-US" dirty="0">
+                <a:solidFill>
+                  <a:srgbClr val="D4D4D4"/>
+                </a:solidFill>
+                <a:latin typeface="Consolas" panose="020B0609020204030204" pitchFamily="49" charset="0"/>
+              </a:rPr>
+              <a:t>        </a:t>
+            </a:r>
+            <a:r>
+              <a:rPr lang="en-US" dirty="0">
+                <a:solidFill>
+                  <a:srgbClr val="C586C0"/>
+                </a:solidFill>
+                <a:latin typeface="Consolas" panose="020B0609020204030204" pitchFamily="49" charset="0"/>
+              </a:rPr>
+              <a:t>if</a:t>
+            </a:r>
+            <a:r>
+              <a:rPr lang="en-US" dirty="0">
+                <a:solidFill>
+                  <a:srgbClr val="D4D4D4"/>
+                </a:solidFill>
+                <a:latin typeface="Consolas" panose="020B0609020204030204" pitchFamily="49" charset="0"/>
+              </a:rPr>
+              <a:t> hash &lt; </a:t>
+            </a:r>
+            <a:r>
+              <a:rPr lang="en-US" dirty="0">
+                <a:solidFill>
+                  <a:srgbClr val="B5CEA8"/>
+                </a:solidFill>
+                <a:latin typeface="Consolas" panose="020B0609020204030204" pitchFamily="49" charset="0"/>
+              </a:rPr>
+              <a:t>0</a:t>
+            </a:r>
+            <a:r>
+              <a:rPr lang="en-US" dirty="0">
+                <a:solidFill>
+                  <a:srgbClr val="D4D4D4"/>
+                </a:solidFill>
+                <a:latin typeface="Consolas" panose="020B0609020204030204" pitchFamily="49" charset="0"/>
+              </a:rPr>
+              <a:t> {</a:t>
+            </a:r>
+          </a:p>
+          <a:p>
+            <a:pPr marL="114300" indent="0">
+              <a:buNone/>
+            </a:pPr>
+            <a:r>
+              <a:rPr lang="en-US" dirty="0">
+                <a:solidFill>
+                  <a:srgbClr val="D4D4D4"/>
+                </a:solidFill>
+                <a:latin typeface="Consolas" panose="020B0609020204030204" pitchFamily="49" charset="0"/>
+              </a:rPr>
+              <a:t>            </a:t>
+            </a:r>
+            <a:r>
+              <a:rPr lang="en-US" dirty="0">
+                <a:solidFill>
+                  <a:srgbClr val="9CDCFE"/>
+                </a:solidFill>
+                <a:latin typeface="Consolas" panose="020B0609020204030204" pitchFamily="49" charset="0"/>
+              </a:rPr>
+              <a:t>hash</a:t>
+            </a:r>
+            <a:r>
+              <a:rPr lang="en-US" dirty="0">
+                <a:solidFill>
+                  <a:srgbClr val="D4D4D4"/>
+                </a:solidFill>
+                <a:latin typeface="Consolas" panose="020B0609020204030204" pitchFamily="49" charset="0"/>
+              </a:rPr>
+              <a:t> = hash * -</a:t>
+            </a:r>
+            <a:r>
+              <a:rPr lang="en-US" dirty="0">
+                <a:solidFill>
+                  <a:srgbClr val="B5CEA8"/>
+                </a:solidFill>
+                <a:latin typeface="Consolas" panose="020B0609020204030204" pitchFamily="49" charset="0"/>
+              </a:rPr>
+              <a:t>1</a:t>
+            </a:r>
+            <a:endParaRPr lang="en-US" dirty="0">
+              <a:solidFill>
+                <a:srgbClr val="D4D4D4"/>
+              </a:solidFill>
+              <a:latin typeface="Consolas" panose="020B0609020204030204" pitchFamily="49" charset="0"/>
+            </a:endParaRPr>
+          </a:p>
+          <a:p>
+            <a:pPr marL="114300" indent="0">
+              <a:buNone/>
+            </a:pPr>
+            <a:r>
+              <a:rPr lang="en-US" dirty="0">
+                <a:solidFill>
+                  <a:srgbClr val="D4D4D4"/>
+                </a:solidFill>
+                <a:latin typeface="Consolas" panose="020B0609020204030204" pitchFamily="49" charset="0"/>
+              </a:rPr>
+              <a:t>        }</a:t>
+            </a:r>
+          </a:p>
+          <a:p>
+            <a:pPr marL="114300" indent="0">
+              <a:buNone/>
+            </a:pPr>
+            <a:br>
+              <a:rPr lang="en-US" dirty="0">
+                <a:solidFill>
+                  <a:srgbClr val="D4D4D4"/>
+                </a:solidFill>
+                <a:latin typeface="Consolas" panose="020B0609020204030204" pitchFamily="49" charset="0"/>
+              </a:rPr>
+            </a:br>
+            <a:r>
+              <a:rPr lang="en-US" dirty="0">
+                <a:solidFill>
+                  <a:srgbClr val="D4D4D4"/>
+                </a:solidFill>
+                <a:latin typeface="Consolas" panose="020B0609020204030204" pitchFamily="49" charset="0"/>
+              </a:rPr>
+              <a:t>        outs[</a:t>
+            </a:r>
+            <a:r>
+              <a:rPr lang="en-US" dirty="0" err="1">
+                <a:solidFill>
+                  <a:srgbClr val="D4D4D4"/>
+                </a:solidFill>
+                <a:latin typeface="Consolas" panose="020B0609020204030204" pitchFamily="49" charset="0"/>
+              </a:rPr>
+              <a:t>hash%</a:t>
+            </a:r>
+            <a:r>
+              <a:rPr lang="en-US" dirty="0" err="1">
+                <a:solidFill>
+                  <a:srgbClr val="DCDCAA"/>
+                </a:solidFill>
+                <a:latin typeface="Consolas" panose="020B0609020204030204" pitchFamily="49" charset="0"/>
+              </a:rPr>
+              <a:t>len</a:t>
+            </a:r>
+            <a:r>
+              <a:rPr lang="en-US" dirty="0">
+                <a:solidFill>
+                  <a:srgbClr val="D4D4D4"/>
+                </a:solidFill>
+                <a:latin typeface="Consolas" panose="020B0609020204030204" pitchFamily="49" charset="0"/>
+              </a:rPr>
+              <a:t>(outs)] &lt;- </a:t>
+            </a:r>
+            <a:r>
+              <a:rPr lang="en-US" dirty="0" err="1">
+                <a:solidFill>
+                  <a:srgbClr val="D4D4D4"/>
+                </a:solidFill>
+                <a:latin typeface="Consolas" panose="020B0609020204030204" pitchFamily="49" charset="0"/>
+              </a:rPr>
+              <a:t>elem</a:t>
+            </a:r>
+            <a:endParaRPr lang="en-US" dirty="0">
+              <a:solidFill>
+                <a:srgbClr val="D4D4D4"/>
+              </a:solidFill>
+              <a:latin typeface="Consolas" panose="020B0609020204030204" pitchFamily="49" charset="0"/>
+            </a:endParaRPr>
+          </a:p>
+          <a:p>
+            <a:pPr marL="114300" indent="0">
+              <a:buNone/>
+            </a:pPr>
+            <a:r>
+              <a:rPr lang="en-US" dirty="0">
+                <a:solidFill>
+                  <a:srgbClr val="D4D4D4"/>
+                </a:solidFill>
+                <a:latin typeface="Consolas" panose="020B0609020204030204" pitchFamily="49" charset="0"/>
+              </a:rPr>
+              <a:t>    }</a:t>
+            </a:r>
+          </a:p>
+          <a:p>
+            <a:pPr marL="114300" indent="0">
+              <a:buNone/>
+            </a:pPr>
+            <a:br>
+              <a:rPr lang="en-US" dirty="0">
+                <a:solidFill>
+                  <a:srgbClr val="D4D4D4"/>
+                </a:solidFill>
+                <a:latin typeface="Consolas" panose="020B0609020204030204" pitchFamily="49" charset="0"/>
+              </a:rPr>
+            </a:br>
+            <a:r>
+              <a:rPr lang="en-US" dirty="0">
+                <a:solidFill>
+                  <a:srgbClr val="D4D4D4"/>
+                </a:solidFill>
+                <a:latin typeface="Consolas" panose="020B0609020204030204" pitchFamily="49" charset="0"/>
+              </a:rPr>
+              <a:t>    </a:t>
+            </a:r>
+            <a:r>
+              <a:rPr lang="en-US" dirty="0" err="1">
+                <a:solidFill>
+                  <a:srgbClr val="D4D4D4"/>
+                </a:solidFill>
+                <a:latin typeface="Consolas" panose="020B0609020204030204" pitchFamily="49" charset="0"/>
+              </a:rPr>
+              <a:t>wg.</a:t>
+            </a:r>
+            <a:r>
+              <a:rPr lang="en-US" dirty="0" err="1">
+                <a:solidFill>
+                  <a:srgbClr val="DCDCAA"/>
+                </a:solidFill>
+                <a:latin typeface="Consolas" panose="020B0609020204030204" pitchFamily="49" charset="0"/>
+              </a:rPr>
+              <a:t>Done</a:t>
+            </a:r>
+            <a:r>
+              <a:rPr lang="en-US" dirty="0">
+                <a:solidFill>
+                  <a:srgbClr val="D4D4D4"/>
+                </a:solidFill>
+                <a:latin typeface="Consolas" panose="020B0609020204030204" pitchFamily="49" charset="0"/>
+              </a:rPr>
+              <a:t>()</a:t>
+            </a:r>
+          </a:p>
+          <a:p>
+            <a:pPr marL="114300" indent="0">
+              <a:buNone/>
+            </a:pPr>
+            <a:r>
+              <a:rPr lang="en-US" dirty="0">
+                <a:solidFill>
+                  <a:srgbClr val="D4D4D4"/>
+                </a:solidFill>
+                <a:latin typeface="Consolas" panose="020B0609020204030204" pitchFamily="49" charset="0"/>
+              </a:rPr>
+              <a:t>}</a:t>
+            </a:r>
+          </a:p>
+          <a:p>
+            <a:pPr marL="114300" indent="0">
+              <a:buNone/>
+            </a:pPr>
+            <a:endParaRPr lang="en-US" dirty="0"/>
+          </a:p>
+        </p:txBody>
+      </p:sp>
+      <p:sp>
+        <p:nvSpPr>
+          <p:cNvPr id="4" name="Slide Number Placeholder 3">
+            <a:extLst>
+              <a:ext uri="{FF2B5EF4-FFF2-40B4-BE49-F238E27FC236}">
+                <a16:creationId xmlns:a16="http://schemas.microsoft.com/office/drawing/2014/main" id="{06D5E1CB-EC85-4AB6-B465-8D54D3923D24}"/>
+              </a:ext>
+            </a:extLst>
+          </p:cNvPr>
+          <p:cNvSpPr>
+            <a:spLocks noGrp="1"/>
+          </p:cNvSpPr>
+          <p:nvPr>
+            <p:ph type="sldNum" idx="12"/>
+          </p:nvPr>
+        </p:nvSpPr>
+        <p:spPr/>
+        <p:txBody>
+          <a:bodyPr/>
+          <a:lstStyle/>
+          <a:p>
+            <a:pPr marL="0" lvl="0" indent="0" algn="r" rtl="0">
+              <a:spcBef>
+                <a:spcPts val="0"/>
+              </a:spcBef>
+              <a:spcAft>
+                <a:spcPts val="0"/>
+              </a:spcAft>
+              <a:buNone/>
+            </a:pPr>
+            <a:fld id="{00000000-1234-1234-1234-123412341234}" type="slidenum">
+              <a:rPr lang="en" smtClean="0"/>
+              <a:t>57</a:t>
+            </a:fld>
+            <a:endParaRPr lang="en"/>
+          </a:p>
+        </p:txBody>
+      </p:sp>
+    </p:spTree>
+    <p:extLst>
+      <p:ext uri="{BB962C8B-B14F-4D97-AF65-F5344CB8AC3E}">
+        <p14:creationId xmlns:p14="http://schemas.microsoft.com/office/powerpoint/2010/main" val="3501585708"/>
+      </p:ext>
+    </p:extLst>
+  </p:cSld>
+  <p:clrMapOvr>
+    <a:masterClrMapping/>
+  </p:clrMapOvr>
+</p:sld>
+</file>
+
+<file path=ppt/slides/slide58.xml><?xml version="1.0" encoding="utf-8"?>
+<p:sld xmlns:a="http://schemas.openxmlformats.org/drawingml/2006/main" xmlns:r="http://schemas.openxmlformats.org/officeDocument/2006/relationships" xmlns:p="http://schemas.openxmlformats.org/presentationml/2006/main">
+  <p:cSld>
+    <p:spTree>
+      <p:nvGrpSpPr>
+        <p:cNvPr id="1" name=""/>
+        <p:cNvGrpSpPr/>
+        <p:nvPr/>
+      </p:nvGrpSpPr>
+      <p:grpSpPr>
+        <a:xfrm>
+          <a:off x="0" y="0"/>
+          <a:ext cx="0" cy="0"/>
+          <a:chOff x="0" y="0"/>
+          <a:chExt cx="0" cy="0"/>
+        </a:xfrm>
+      </p:grpSpPr>
+      <p:sp>
+        <p:nvSpPr>
+          <p:cNvPr id="2" name="Title 1">
+            <a:extLst>
+              <a:ext uri="{FF2B5EF4-FFF2-40B4-BE49-F238E27FC236}">
+                <a16:creationId xmlns:a16="http://schemas.microsoft.com/office/drawing/2014/main" id="{ACEA3AD5-ADB2-4A8C-9F36-2AA5DFC77D76}"/>
+              </a:ext>
+            </a:extLst>
+          </p:cNvPr>
+          <p:cNvSpPr>
+            <a:spLocks noGrp="1"/>
+          </p:cNvSpPr>
+          <p:nvPr>
+            <p:ph type="title"/>
+          </p:nvPr>
+        </p:nvSpPr>
+        <p:spPr/>
+        <p:txBody>
+          <a:bodyPr/>
+          <a:lstStyle/>
+          <a:p>
+            <a:r>
+              <a:rPr lang="en-US" dirty="0"/>
+              <a:t>Wordcount - </a:t>
+            </a:r>
+            <a:r>
+              <a:rPr lang="en-US" dirty="0" err="1"/>
+              <a:t>GoMR</a:t>
+            </a:r>
+            <a:endParaRPr lang="en-US" dirty="0"/>
+          </a:p>
+        </p:txBody>
+      </p:sp>
+      <p:sp>
+        <p:nvSpPr>
+          <p:cNvPr id="3" name="Text Placeholder 2">
+            <a:extLst>
+              <a:ext uri="{FF2B5EF4-FFF2-40B4-BE49-F238E27FC236}">
+                <a16:creationId xmlns:a16="http://schemas.microsoft.com/office/drawing/2014/main" id="{C5A11E37-9F01-4447-89F0-DB14B01F190C}"/>
+              </a:ext>
+            </a:extLst>
+          </p:cNvPr>
+          <p:cNvSpPr>
+            <a:spLocks noGrp="1"/>
+          </p:cNvSpPr>
+          <p:nvPr>
+            <p:ph type="body" idx="1"/>
+          </p:nvPr>
+        </p:nvSpPr>
+        <p:spPr/>
+        <p:txBody>
+          <a:bodyPr/>
+          <a:lstStyle/>
+          <a:p>
+            <a:pPr marL="114300" indent="0">
+              <a:buNone/>
+            </a:pPr>
+            <a:r>
+              <a:rPr lang="en-US" dirty="0" err="1">
+                <a:solidFill>
+                  <a:srgbClr val="569CD6"/>
+                </a:solidFill>
+                <a:latin typeface="Consolas" panose="020B0609020204030204" pitchFamily="49" charset="0"/>
+              </a:rPr>
+              <a:t>func</a:t>
+            </a:r>
+            <a:r>
+              <a:rPr lang="en-US" dirty="0">
+                <a:solidFill>
+                  <a:srgbClr val="D4D4D4"/>
+                </a:solidFill>
+                <a:latin typeface="Consolas" panose="020B0609020204030204" pitchFamily="49" charset="0"/>
+              </a:rPr>
+              <a:t> (w *</a:t>
+            </a:r>
+            <a:r>
+              <a:rPr lang="en-US" dirty="0" err="1">
+                <a:solidFill>
+                  <a:srgbClr val="D4D4D4"/>
+                </a:solidFill>
+                <a:latin typeface="Consolas" panose="020B0609020204030204" pitchFamily="49" charset="0"/>
+              </a:rPr>
+              <a:t>WordCount</a:t>
+            </a:r>
+            <a:r>
+              <a:rPr lang="en-US" dirty="0">
+                <a:solidFill>
+                  <a:srgbClr val="D4D4D4"/>
+                </a:solidFill>
+                <a:latin typeface="Consolas" panose="020B0609020204030204" pitchFamily="49" charset="0"/>
+              </a:rPr>
+              <a:t>) </a:t>
+            </a:r>
+            <a:r>
+              <a:rPr lang="en-US" dirty="0">
+                <a:solidFill>
+                  <a:srgbClr val="DCDCAA"/>
+                </a:solidFill>
+                <a:latin typeface="Consolas" panose="020B0609020204030204" pitchFamily="49" charset="0"/>
+              </a:rPr>
+              <a:t>Reduce</a:t>
+            </a:r>
+            <a:r>
+              <a:rPr lang="en-US" dirty="0">
+                <a:solidFill>
+                  <a:srgbClr val="D4D4D4"/>
+                </a:solidFill>
+                <a:latin typeface="Consolas" panose="020B0609020204030204" pitchFamily="49" charset="0"/>
+              </a:rPr>
+              <a:t>(in &lt;-</a:t>
+            </a:r>
+            <a:r>
+              <a:rPr lang="en-US" dirty="0" err="1">
+                <a:solidFill>
+                  <a:srgbClr val="569CD6"/>
+                </a:solidFill>
+                <a:latin typeface="Consolas" panose="020B0609020204030204" pitchFamily="49" charset="0"/>
+              </a:rPr>
+              <a:t>chan</a:t>
+            </a:r>
+            <a:r>
+              <a:rPr lang="en-US" dirty="0">
+                <a:solidFill>
+                  <a:srgbClr val="D4D4D4"/>
+                </a:solidFill>
+                <a:latin typeface="Consolas" panose="020B0609020204030204" pitchFamily="49" charset="0"/>
+              </a:rPr>
+              <a:t> </a:t>
+            </a:r>
+            <a:r>
+              <a:rPr lang="en-US" dirty="0">
+                <a:solidFill>
+                  <a:srgbClr val="569CD6"/>
+                </a:solidFill>
+                <a:latin typeface="Consolas" panose="020B0609020204030204" pitchFamily="49" charset="0"/>
+              </a:rPr>
+              <a:t>interface</a:t>
+            </a:r>
+            <a:r>
+              <a:rPr lang="en-US" dirty="0">
+                <a:solidFill>
+                  <a:srgbClr val="D4D4D4"/>
+                </a:solidFill>
+                <a:latin typeface="Consolas" panose="020B0609020204030204" pitchFamily="49" charset="0"/>
+              </a:rPr>
+              <a:t>{},</a:t>
+            </a:r>
+          </a:p>
+          <a:p>
+            <a:pPr marL="114300" indent="0">
+              <a:buNone/>
+            </a:pPr>
+            <a:r>
+              <a:rPr lang="en-US" dirty="0">
+                <a:solidFill>
+                  <a:srgbClr val="D4D4D4"/>
+                </a:solidFill>
+                <a:latin typeface="Consolas" panose="020B0609020204030204" pitchFamily="49" charset="0"/>
+              </a:rPr>
+              <a:t>		out </a:t>
+            </a:r>
+            <a:r>
+              <a:rPr lang="en-US" dirty="0" err="1">
+                <a:solidFill>
+                  <a:srgbClr val="569CD6"/>
+                </a:solidFill>
+                <a:latin typeface="Consolas" panose="020B0609020204030204" pitchFamily="49" charset="0"/>
+              </a:rPr>
+              <a:t>chan</a:t>
+            </a:r>
+            <a:r>
+              <a:rPr lang="en-US" dirty="0">
+                <a:solidFill>
+                  <a:srgbClr val="D4D4D4"/>
+                </a:solidFill>
+                <a:latin typeface="Consolas" panose="020B0609020204030204" pitchFamily="49" charset="0"/>
+              </a:rPr>
+              <a:t>&lt;- </a:t>
+            </a:r>
+            <a:r>
+              <a:rPr lang="en-US" dirty="0">
+                <a:solidFill>
+                  <a:srgbClr val="569CD6"/>
+                </a:solidFill>
+                <a:latin typeface="Consolas" panose="020B0609020204030204" pitchFamily="49" charset="0"/>
+              </a:rPr>
+              <a:t>interface</a:t>
+            </a:r>
+            <a:r>
+              <a:rPr lang="en-US" dirty="0">
+                <a:solidFill>
+                  <a:srgbClr val="D4D4D4"/>
+                </a:solidFill>
+                <a:latin typeface="Consolas" panose="020B0609020204030204" pitchFamily="49" charset="0"/>
+              </a:rPr>
+              <a:t>{}, </a:t>
+            </a:r>
+            <a:r>
+              <a:rPr lang="en-US" dirty="0" err="1">
+                <a:solidFill>
+                  <a:srgbClr val="D4D4D4"/>
+                </a:solidFill>
+                <a:latin typeface="Consolas" panose="020B0609020204030204" pitchFamily="49" charset="0"/>
+              </a:rPr>
+              <a:t>wg</a:t>
+            </a:r>
+            <a:r>
+              <a:rPr lang="en-US" dirty="0">
+                <a:solidFill>
+                  <a:srgbClr val="D4D4D4"/>
+                </a:solidFill>
+                <a:latin typeface="Consolas" panose="020B0609020204030204" pitchFamily="49" charset="0"/>
+              </a:rPr>
+              <a:t> *</a:t>
+            </a:r>
+            <a:r>
+              <a:rPr lang="en-US" dirty="0" err="1">
+                <a:solidFill>
+                  <a:srgbClr val="D4D4D4"/>
+                </a:solidFill>
+                <a:latin typeface="Consolas" panose="020B0609020204030204" pitchFamily="49" charset="0"/>
+              </a:rPr>
+              <a:t>sync.WaitGroup</a:t>
+            </a:r>
+            <a:r>
+              <a:rPr lang="en-US" dirty="0">
+                <a:solidFill>
+                  <a:srgbClr val="D4D4D4"/>
+                </a:solidFill>
+                <a:latin typeface="Consolas" panose="020B0609020204030204" pitchFamily="49" charset="0"/>
+              </a:rPr>
+              <a:t>) {</a:t>
+            </a:r>
+          </a:p>
+          <a:p>
+            <a:pPr marL="114300" indent="0">
+              <a:buNone/>
+            </a:pPr>
+            <a:r>
+              <a:rPr lang="en-US" dirty="0">
+                <a:solidFill>
+                  <a:srgbClr val="D4D4D4"/>
+                </a:solidFill>
+                <a:latin typeface="Consolas" panose="020B0609020204030204" pitchFamily="49" charset="0"/>
+              </a:rPr>
+              <a:t>    </a:t>
+            </a:r>
+            <a:r>
+              <a:rPr lang="en-US" dirty="0">
+                <a:solidFill>
+                  <a:srgbClr val="9CDCFE"/>
+                </a:solidFill>
+                <a:latin typeface="Consolas" panose="020B0609020204030204" pitchFamily="49" charset="0"/>
+              </a:rPr>
+              <a:t>counts</a:t>
+            </a:r>
+            <a:r>
+              <a:rPr lang="en-US" dirty="0">
+                <a:solidFill>
+                  <a:srgbClr val="D4D4D4"/>
+                </a:solidFill>
+                <a:latin typeface="Consolas" panose="020B0609020204030204" pitchFamily="49" charset="0"/>
+              </a:rPr>
+              <a:t> := </a:t>
+            </a:r>
+            <a:r>
+              <a:rPr lang="en-US" dirty="0">
+                <a:solidFill>
+                  <a:srgbClr val="DCDCAA"/>
+                </a:solidFill>
+                <a:latin typeface="Consolas" panose="020B0609020204030204" pitchFamily="49" charset="0"/>
+              </a:rPr>
+              <a:t>make</a:t>
+            </a:r>
+            <a:r>
+              <a:rPr lang="en-US" dirty="0">
+                <a:solidFill>
+                  <a:srgbClr val="D4D4D4"/>
+                </a:solidFill>
+                <a:latin typeface="Consolas" panose="020B0609020204030204" pitchFamily="49" charset="0"/>
+              </a:rPr>
+              <a:t>(</a:t>
+            </a:r>
+            <a:r>
+              <a:rPr lang="en-US" dirty="0">
+                <a:solidFill>
+                  <a:srgbClr val="569CD6"/>
+                </a:solidFill>
+                <a:latin typeface="Consolas" panose="020B0609020204030204" pitchFamily="49" charset="0"/>
+              </a:rPr>
+              <a:t>map</a:t>
+            </a:r>
+            <a:r>
+              <a:rPr lang="en-US" dirty="0">
+                <a:solidFill>
+                  <a:srgbClr val="D4D4D4"/>
+                </a:solidFill>
+                <a:latin typeface="Consolas" panose="020B0609020204030204" pitchFamily="49" charset="0"/>
+              </a:rPr>
+              <a:t>[</a:t>
+            </a:r>
+            <a:r>
+              <a:rPr lang="en-US" dirty="0">
+                <a:solidFill>
+                  <a:srgbClr val="4EC9B0"/>
+                </a:solidFill>
+                <a:latin typeface="Consolas" panose="020B0609020204030204" pitchFamily="49" charset="0"/>
+              </a:rPr>
+              <a:t>string</a:t>
+            </a:r>
+            <a:r>
+              <a:rPr lang="en-US" dirty="0">
+                <a:solidFill>
+                  <a:srgbClr val="D4D4D4"/>
+                </a:solidFill>
+                <a:latin typeface="Consolas" panose="020B0609020204030204" pitchFamily="49" charset="0"/>
+              </a:rPr>
+              <a:t>]</a:t>
+            </a:r>
+            <a:r>
+              <a:rPr lang="en-US" dirty="0">
+                <a:solidFill>
+                  <a:srgbClr val="4EC9B0"/>
+                </a:solidFill>
+                <a:latin typeface="Consolas" panose="020B0609020204030204" pitchFamily="49" charset="0"/>
+              </a:rPr>
+              <a:t>int</a:t>
+            </a:r>
+            <a:r>
+              <a:rPr lang="en-US" dirty="0">
+                <a:solidFill>
+                  <a:srgbClr val="D4D4D4"/>
+                </a:solidFill>
+                <a:latin typeface="Consolas" panose="020B0609020204030204" pitchFamily="49" charset="0"/>
+              </a:rPr>
+              <a:t>)</a:t>
+            </a:r>
+          </a:p>
+          <a:p>
+            <a:pPr marL="114300" indent="0">
+              <a:buNone/>
+            </a:pPr>
+            <a:br>
+              <a:rPr lang="en-US" dirty="0">
+                <a:solidFill>
+                  <a:srgbClr val="D4D4D4"/>
+                </a:solidFill>
+                <a:latin typeface="Consolas" panose="020B0609020204030204" pitchFamily="49" charset="0"/>
+              </a:rPr>
+            </a:br>
+            <a:r>
+              <a:rPr lang="en-US" dirty="0">
+                <a:solidFill>
+                  <a:srgbClr val="D4D4D4"/>
+                </a:solidFill>
+                <a:latin typeface="Consolas" panose="020B0609020204030204" pitchFamily="49" charset="0"/>
+              </a:rPr>
+              <a:t>    </a:t>
+            </a:r>
+            <a:r>
+              <a:rPr lang="en-US" dirty="0">
+                <a:solidFill>
+                  <a:srgbClr val="C586C0"/>
+                </a:solidFill>
+                <a:latin typeface="Consolas" panose="020B0609020204030204" pitchFamily="49" charset="0"/>
+              </a:rPr>
+              <a:t>for</a:t>
+            </a:r>
+            <a:r>
+              <a:rPr lang="en-US" dirty="0">
+                <a:solidFill>
+                  <a:srgbClr val="D4D4D4"/>
+                </a:solidFill>
+                <a:latin typeface="Consolas" panose="020B0609020204030204" pitchFamily="49" charset="0"/>
+              </a:rPr>
+              <a:t> </a:t>
+            </a:r>
+            <a:r>
+              <a:rPr lang="en-US" dirty="0" err="1">
+                <a:solidFill>
+                  <a:srgbClr val="9CDCFE"/>
+                </a:solidFill>
+                <a:latin typeface="Consolas" panose="020B0609020204030204" pitchFamily="49" charset="0"/>
+              </a:rPr>
+              <a:t>elem</a:t>
+            </a:r>
+            <a:r>
+              <a:rPr lang="en-US" dirty="0">
+                <a:solidFill>
+                  <a:srgbClr val="D4D4D4"/>
+                </a:solidFill>
+                <a:latin typeface="Consolas" panose="020B0609020204030204" pitchFamily="49" charset="0"/>
+              </a:rPr>
+              <a:t> := </a:t>
+            </a:r>
+            <a:r>
+              <a:rPr lang="en-US" dirty="0">
+                <a:solidFill>
+                  <a:srgbClr val="C586C0"/>
+                </a:solidFill>
+                <a:latin typeface="Consolas" panose="020B0609020204030204" pitchFamily="49" charset="0"/>
+              </a:rPr>
+              <a:t>range</a:t>
+            </a:r>
+            <a:r>
+              <a:rPr lang="en-US" dirty="0">
+                <a:solidFill>
+                  <a:srgbClr val="D4D4D4"/>
+                </a:solidFill>
+                <a:latin typeface="Consolas" panose="020B0609020204030204" pitchFamily="49" charset="0"/>
+              </a:rPr>
+              <a:t> in {</a:t>
+            </a:r>
+          </a:p>
+          <a:p>
+            <a:pPr marL="114300" indent="0">
+              <a:buNone/>
+            </a:pPr>
+            <a:r>
+              <a:rPr lang="en-US" dirty="0">
+                <a:solidFill>
+                  <a:srgbClr val="D4D4D4"/>
+                </a:solidFill>
+                <a:latin typeface="Consolas" panose="020B0609020204030204" pitchFamily="49" charset="0"/>
+              </a:rPr>
+              <a:t>        </a:t>
+            </a:r>
+            <a:r>
+              <a:rPr lang="en-US" dirty="0" err="1">
+                <a:solidFill>
+                  <a:srgbClr val="9CDCFE"/>
+                </a:solidFill>
+                <a:latin typeface="Consolas" panose="020B0609020204030204" pitchFamily="49" charset="0"/>
+              </a:rPr>
+              <a:t>ct</a:t>
+            </a:r>
+            <a:r>
+              <a:rPr lang="en-US" dirty="0">
+                <a:solidFill>
+                  <a:srgbClr val="D4D4D4"/>
+                </a:solidFill>
+                <a:latin typeface="Consolas" panose="020B0609020204030204" pitchFamily="49" charset="0"/>
+              </a:rPr>
+              <a:t> := elem.(Count)</a:t>
+            </a:r>
+          </a:p>
+          <a:p>
+            <a:pPr marL="114300" indent="0">
+              <a:buNone/>
+            </a:pPr>
+            <a:r>
+              <a:rPr lang="en-US" dirty="0">
+                <a:solidFill>
+                  <a:srgbClr val="D4D4D4"/>
+                </a:solidFill>
+                <a:latin typeface="Consolas" panose="020B0609020204030204" pitchFamily="49" charset="0"/>
+              </a:rPr>
+              <a:t>        counts[</a:t>
+            </a:r>
+            <a:r>
+              <a:rPr lang="en-US" dirty="0" err="1">
+                <a:solidFill>
+                  <a:srgbClr val="D4D4D4"/>
+                </a:solidFill>
+                <a:latin typeface="Consolas" panose="020B0609020204030204" pitchFamily="49" charset="0"/>
+              </a:rPr>
+              <a:t>ct.key</a:t>
+            </a:r>
+            <a:r>
+              <a:rPr lang="en-US" dirty="0">
+                <a:solidFill>
+                  <a:srgbClr val="D4D4D4"/>
+                </a:solidFill>
+                <a:latin typeface="Consolas" panose="020B0609020204030204" pitchFamily="49" charset="0"/>
+              </a:rPr>
+              <a:t>] += </a:t>
+            </a:r>
+            <a:r>
+              <a:rPr lang="en-US" dirty="0" err="1">
+                <a:solidFill>
+                  <a:srgbClr val="D4D4D4"/>
+                </a:solidFill>
+                <a:latin typeface="Consolas" panose="020B0609020204030204" pitchFamily="49" charset="0"/>
+              </a:rPr>
+              <a:t>ct.Value</a:t>
+            </a:r>
+            <a:endParaRPr lang="en-US" dirty="0">
+              <a:solidFill>
+                <a:srgbClr val="D4D4D4"/>
+              </a:solidFill>
+              <a:latin typeface="Consolas" panose="020B0609020204030204" pitchFamily="49" charset="0"/>
+            </a:endParaRPr>
+          </a:p>
+          <a:p>
+            <a:pPr marL="114300" indent="0">
+              <a:buNone/>
+            </a:pPr>
+            <a:r>
+              <a:rPr lang="en-US" dirty="0">
+                <a:solidFill>
+                  <a:srgbClr val="D4D4D4"/>
+                </a:solidFill>
+                <a:latin typeface="Consolas" panose="020B0609020204030204" pitchFamily="49" charset="0"/>
+              </a:rPr>
+              <a:t>    }</a:t>
+            </a:r>
+          </a:p>
+          <a:p>
+            <a:pPr marL="114300" indent="0">
+              <a:buNone/>
+            </a:pPr>
+            <a:br>
+              <a:rPr lang="en-US" dirty="0">
+                <a:solidFill>
+                  <a:srgbClr val="D4D4D4"/>
+                </a:solidFill>
+                <a:latin typeface="Consolas" panose="020B0609020204030204" pitchFamily="49" charset="0"/>
+              </a:rPr>
+            </a:br>
+            <a:r>
+              <a:rPr lang="en-US" dirty="0">
+                <a:solidFill>
+                  <a:srgbClr val="D4D4D4"/>
+                </a:solidFill>
+                <a:latin typeface="Consolas" panose="020B0609020204030204" pitchFamily="49" charset="0"/>
+              </a:rPr>
+              <a:t>    </a:t>
+            </a:r>
+            <a:r>
+              <a:rPr lang="en-US" dirty="0">
+                <a:solidFill>
+                  <a:srgbClr val="C586C0"/>
+                </a:solidFill>
+                <a:latin typeface="Consolas" panose="020B0609020204030204" pitchFamily="49" charset="0"/>
+              </a:rPr>
+              <a:t>for</a:t>
+            </a:r>
+            <a:r>
+              <a:rPr lang="en-US" dirty="0">
+                <a:solidFill>
+                  <a:srgbClr val="D4D4D4"/>
+                </a:solidFill>
+                <a:latin typeface="Consolas" panose="020B0609020204030204" pitchFamily="49" charset="0"/>
+              </a:rPr>
+              <a:t> </a:t>
+            </a:r>
+            <a:r>
+              <a:rPr lang="en-US" dirty="0">
+                <a:solidFill>
+                  <a:srgbClr val="9CDCFE"/>
+                </a:solidFill>
+                <a:latin typeface="Consolas" panose="020B0609020204030204" pitchFamily="49" charset="0"/>
+              </a:rPr>
+              <a:t>k</a:t>
+            </a:r>
+            <a:r>
+              <a:rPr lang="en-US" dirty="0">
+                <a:solidFill>
+                  <a:srgbClr val="D4D4D4"/>
+                </a:solidFill>
+                <a:latin typeface="Consolas" panose="020B0609020204030204" pitchFamily="49" charset="0"/>
+              </a:rPr>
+              <a:t>, </a:t>
+            </a:r>
+            <a:r>
+              <a:rPr lang="en-US" dirty="0">
+                <a:solidFill>
+                  <a:srgbClr val="9CDCFE"/>
+                </a:solidFill>
+                <a:latin typeface="Consolas" panose="020B0609020204030204" pitchFamily="49" charset="0"/>
+              </a:rPr>
+              <a:t>v</a:t>
+            </a:r>
+            <a:r>
+              <a:rPr lang="en-US" dirty="0">
+                <a:solidFill>
+                  <a:srgbClr val="D4D4D4"/>
+                </a:solidFill>
+                <a:latin typeface="Consolas" panose="020B0609020204030204" pitchFamily="49" charset="0"/>
+              </a:rPr>
+              <a:t> := </a:t>
+            </a:r>
+            <a:r>
+              <a:rPr lang="en-US" dirty="0">
+                <a:solidFill>
+                  <a:srgbClr val="C586C0"/>
+                </a:solidFill>
+                <a:latin typeface="Consolas" panose="020B0609020204030204" pitchFamily="49" charset="0"/>
+              </a:rPr>
+              <a:t>range</a:t>
+            </a:r>
+            <a:r>
+              <a:rPr lang="en-US" dirty="0">
+                <a:solidFill>
+                  <a:srgbClr val="D4D4D4"/>
+                </a:solidFill>
+                <a:latin typeface="Consolas" panose="020B0609020204030204" pitchFamily="49" charset="0"/>
+              </a:rPr>
+              <a:t> counts {</a:t>
+            </a:r>
+          </a:p>
+          <a:p>
+            <a:pPr marL="114300" indent="0">
+              <a:buNone/>
+            </a:pPr>
+            <a:r>
+              <a:rPr lang="en-US" dirty="0">
+                <a:solidFill>
+                  <a:srgbClr val="D4D4D4"/>
+                </a:solidFill>
+                <a:latin typeface="Consolas" panose="020B0609020204030204" pitchFamily="49" charset="0"/>
+              </a:rPr>
+              <a:t>        out &lt;- Count{k, v}</a:t>
+            </a:r>
+          </a:p>
+          <a:p>
+            <a:pPr marL="114300" indent="0">
+              <a:buNone/>
+            </a:pPr>
+            <a:r>
+              <a:rPr lang="en-US" dirty="0">
+                <a:solidFill>
+                  <a:srgbClr val="D4D4D4"/>
+                </a:solidFill>
+                <a:latin typeface="Consolas" panose="020B0609020204030204" pitchFamily="49" charset="0"/>
+              </a:rPr>
+              <a:t>    }</a:t>
+            </a:r>
+          </a:p>
+          <a:p>
+            <a:pPr marL="114300" indent="0">
+              <a:buNone/>
+            </a:pPr>
+            <a:br>
+              <a:rPr lang="en-US" dirty="0">
+                <a:solidFill>
+                  <a:srgbClr val="D4D4D4"/>
+                </a:solidFill>
+                <a:latin typeface="Consolas" panose="020B0609020204030204" pitchFamily="49" charset="0"/>
+              </a:rPr>
+            </a:br>
+            <a:r>
+              <a:rPr lang="en-US" dirty="0">
+                <a:solidFill>
+                  <a:srgbClr val="D4D4D4"/>
+                </a:solidFill>
+                <a:latin typeface="Consolas" panose="020B0609020204030204" pitchFamily="49" charset="0"/>
+              </a:rPr>
+              <a:t>    </a:t>
+            </a:r>
+            <a:r>
+              <a:rPr lang="en-US" dirty="0" err="1">
+                <a:solidFill>
+                  <a:srgbClr val="D4D4D4"/>
+                </a:solidFill>
+                <a:latin typeface="Consolas" panose="020B0609020204030204" pitchFamily="49" charset="0"/>
+              </a:rPr>
+              <a:t>wg.</a:t>
+            </a:r>
+            <a:r>
+              <a:rPr lang="en-US" dirty="0" err="1">
+                <a:solidFill>
+                  <a:srgbClr val="DCDCAA"/>
+                </a:solidFill>
+                <a:latin typeface="Consolas" panose="020B0609020204030204" pitchFamily="49" charset="0"/>
+              </a:rPr>
+              <a:t>Done</a:t>
+            </a:r>
+            <a:r>
+              <a:rPr lang="en-US" dirty="0">
+                <a:solidFill>
+                  <a:srgbClr val="D4D4D4"/>
+                </a:solidFill>
+                <a:latin typeface="Consolas" panose="020B0609020204030204" pitchFamily="49" charset="0"/>
+              </a:rPr>
+              <a:t>()</a:t>
+            </a:r>
+          </a:p>
+          <a:p>
+            <a:pPr marL="114300" indent="0">
+              <a:buNone/>
+            </a:pPr>
+            <a:r>
+              <a:rPr lang="en-US" dirty="0">
+                <a:solidFill>
+                  <a:srgbClr val="D4D4D4"/>
+                </a:solidFill>
+                <a:latin typeface="Consolas" panose="020B0609020204030204" pitchFamily="49" charset="0"/>
+              </a:rPr>
+              <a:t>}</a:t>
+            </a:r>
+          </a:p>
+          <a:p>
+            <a:pPr marL="114300" indent="0">
+              <a:buNone/>
+            </a:pPr>
+            <a:endParaRPr lang="en-US" dirty="0"/>
+          </a:p>
+        </p:txBody>
+      </p:sp>
+      <p:sp>
+        <p:nvSpPr>
+          <p:cNvPr id="4" name="Slide Number Placeholder 3">
+            <a:extLst>
+              <a:ext uri="{FF2B5EF4-FFF2-40B4-BE49-F238E27FC236}">
+                <a16:creationId xmlns:a16="http://schemas.microsoft.com/office/drawing/2014/main" id="{06D5E1CB-EC85-4AB6-B465-8D54D3923D24}"/>
+              </a:ext>
+            </a:extLst>
+          </p:cNvPr>
+          <p:cNvSpPr>
+            <a:spLocks noGrp="1"/>
+          </p:cNvSpPr>
+          <p:nvPr>
+            <p:ph type="sldNum" idx="12"/>
+          </p:nvPr>
+        </p:nvSpPr>
+        <p:spPr/>
+        <p:txBody>
+          <a:bodyPr/>
+          <a:lstStyle/>
+          <a:p>
+            <a:pPr marL="0" lvl="0" indent="0" algn="r" rtl="0">
+              <a:spcBef>
+                <a:spcPts val="0"/>
+              </a:spcBef>
+              <a:spcAft>
+                <a:spcPts val="0"/>
+              </a:spcAft>
+              <a:buNone/>
+            </a:pPr>
+            <a:fld id="{00000000-1234-1234-1234-123412341234}" type="slidenum">
+              <a:rPr lang="en" smtClean="0"/>
+              <a:t>58</a:t>
+            </a:fld>
+            <a:endParaRPr lang="en"/>
+          </a:p>
+        </p:txBody>
+      </p:sp>
+    </p:spTree>
+    <p:extLst>
+      <p:ext uri="{BB962C8B-B14F-4D97-AF65-F5344CB8AC3E}">
         <p14:creationId xmlns:p14="http://schemas.microsoft.com/office/powerpoint/2010/main" val="1355083807"/>
       </p:ext>
     </p:extLst>
@@ -48949,7 +50895,7 @@
 </p:sld>
 </file>
 
-<file path=ppt/slides/slide57.xml><?xml version="1.0" encoding="utf-8"?>
+<file path=ppt/slides/slide59.xml><?xml version="1.0" encoding="utf-8"?>
 <p:sld xmlns:a="http://schemas.openxmlformats.org/drawingml/2006/main" xmlns:r="http://schemas.openxmlformats.org/officeDocument/2006/relationships" xmlns:p="http://schemas.openxmlformats.org/presentationml/2006/main" show="0">
   <p:cSld>
     <p:spTree>
@@ -49531,7 +51477,7 @@
             </a:pPr>
             <a:fld id="{00000000-1234-1234-1234-123412341234}" type="slidenum">
               <a:rPr lang="en" smtClean="0"/>
-              <a:t>57</a:t>
+              <a:t>59</a:t>
             </a:fld>
             <a:endParaRPr lang="en"/>
           </a:p>
@@ -49600,607 +51546,6 @@
     <p:extLst>
       <p:ext uri="{BB962C8B-B14F-4D97-AF65-F5344CB8AC3E}">
         <p14:creationId xmlns:p14="http://schemas.microsoft.com/office/powerpoint/2010/main" val="1811828979"/>
-      </p:ext>
-    </p:extLst>
-  </p:cSld>
-  <p:clrMapOvr>
-    <a:masterClrMapping/>
-  </p:clrMapOvr>
-</p:sld>
-</file>
-
-<file path=ppt/slides/slide58.xml><?xml version="1.0" encoding="utf-8"?>
-<p:sld xmlns:a="http://schemas.openxmlformats.org/drawingml/2006/main" xmlns:r="http://schemas.openxmlformats.org/officeDocument/2006/relationships" xmlns:p="http://schemas.openxmlformats.org/presentationml/2006/main">
-  <p:cSld>
-    <p:spTree>
-      <p:nvGrpSpPr>
-        <p:cNvPr id="1" name=""/>
-        <p:cNvGrpSpPr/>
-        <p:nvPr/>
-      </p:nvGrpSpPr>
-      <p:grpSpPr>
-        <a:xfrm>
-          <a:off x="0" y="0"/>
-          <a:ext cx="0" cy="0"/>
-          <a:chOff x="0" y="0"/>
-          <a:chExt cx="0" cy="0"/>
-        </a:xfrm>
-      </p:grpSpPr>
-      <p:sp>
-        <p:nvSpPr>
-          <p:cNvPr id="2" name="Title 1">
-            <a:extLst>
-              <a:ext uri="{FF2B5EF4-FFF2-40B4-BE49-F238E27FC236}">
-                <a16:creationId xmlns:a16="http://schemas.microsoft.com/office/drawing/2014/main" id="{AFFB69CB-DC06-451E-AE5E-61F0ABC46B65}"/>
-              </a:ext>
-            </a:extLst>
-          </p:cNvPr>
-          <p:cNvSpPr>
-            <a:spLocks noGrp="1"/>
-          </p:cNvSpPr>
-          <p:nvPr>
-            <p:ph type="title"/>
-          </p:nvPr>
-        </p:nvSpPr>
-        <p:spPr/>
-        <p:txBody>
-          <a:bodyPr/>
-          <a:lstStyle/>
-          <a:p>
-            <a:r>
-              <a:rPr lang="en-US" dirty="0"/>
-              <a:t>Wordcount - </a:t>
-            </a:r>
-            <a:r>
-              <a:rPr lang="en-US" dirty="0" err="1"/>
-              <a:t>GoMR</a:t>
-            </a:r>
-            <a:endParaRPr lang="en-US" dirty="0"/>
-          </a:p>
-        </p:txBody>
-      </p:sp>
-      <p:sp>
-        <p:nvSpPr>
-          <p:cNvPr id="3" name="Text Placeholder 2">
-            <a:extLst>
-              <a:ext uri="{FF2B5EF4-FFF2-40B4-BE49-F238E27FC236}">
-                <a16:creationId xmlns:a16="http://schemas.microsoft.com/office/drawing/2014/main" id="{46D62681-F736-4BC4-A930-3CDAEA2A68BC}"/>
-              </a:ext>
-            </a:extLst>
-          </p:cNvPr>
-          <p:cNvSpPr>
-            <a:spLocks noGrp="1"/>
-          </p:cNvSpPr>
-          <p:nvPr>
-            <p:ph type="body" idx="1"/>
-          </p:nvPr>
-        </p:nvSpPr>
-        <p:spPr/>
-        <p:txBody>
-          <a:bodyPr/>
-          <a:lstStyle/>
-          <a:p>
-            <a:pPr marL="114300" indent="0">
-              <a:buNone/>
-            </a:pPr>
-            <a:r>
-              <a:rPr lang="en-US" dirty="0" err="1">
-                <a:solidFill>
-                  <a:srgbClr val="569CD6"/>
-                </a:solidFill>
-                <a:latin typeface="Consolas" panose="020B0609020204030204" pitchFamily="49" charset="0"/>
-              </a:rPr>
-              <a:t>func</a:t>
-            </a:r>
-            <a:r>
-              <a:rPr lang="en-US" dirty="0">
-                <a:solidFill>
-                  <a:srgbClr val="D4D4D4"/>
-                </a:solidFill>
-                <a:latin typeface="Consolas" panose="020B0609020204030204" pitchFamily="49" charset="0"/>
-              </a:rPr>
-              <a:t> </a:t>
-            </a:r>
-            <a:r>
-              <a:rPr lang="en-US" dirty="0">
-                <a:solidFill>
-                  <a:srgbClr val="DCDCAA"/>
-                </a:solidFill>
-                <a:latin typeface="Consolas" panose="020B0609020204030204" pitchFamily="49" charset="0"/>
-              </a:rPr>
-              <a:t>main</a:t>
-            </a:r>
-            <a:r>
-              <a:rPr lang="en-US" dirty="0">
-                <a:solidFill>
-                  <a:srgbClr val="D4D4D4"/>
-                </a:solidFill>
-                <a:latin typeface="Consolas" panose="020B0609020204030204" pitchFamily="49" charset="0"/>
-              </a:rPr>
-              <a:t>() {</a:t>
-            </a:r>
-          </a:p>
-          <a:p>
-            <a:pPr marL="114300" indent="0">
-              <a:buNone/>
-            </a:pPr>
-            <a:r>
-              <a:rPr lang="en-US" dirty="0">
-                <a:solidFill>
-                  <a:srgbClr val="D4D4D4"/>
-                </a:solidFill>
-                <a:latin typeface="Consolas" panose="020B0609020204030204" pitchFamily="49" charset="0"/>
-              </a:rPr>
-              <a:t>    </a:t>
-            </a:r>
-            <a:r>
-              <a:rPr lang="en-US" dirty="0" err="1">
-                <a:solidFill>
-                  <a:srgbClr val="9CDCFE"/>
-                </a:solidFill>
-                <a:latin typeface="Consolas" panose="020B0609020204030204" pitchFamily="49" charset="0"/>
-              </a:rPr>
-              <a:t>wc</a:t>
-            </a:r>
-            <a:r>
-              <a:rPr lang="en-US" dirty="0">
-                <a:solidFill>
-                  <a:srgbClr val="D4D4D4"/>
-                </a:solidFill>
-                <a:latin typeface="Consolas" panose="020B0609020204030204" pitchFamily="49" charset="0"/>
-              </a:rPr>
-              <a:t> := &amp;</a:t>
-            </a:r>
-            <a:r>
-              <a:rPr lang="en-US" dirty="0" err="1">
-                <a:solidFill>
-                  <a:srgbClr val="D4D4D4"/>
-                </a:solidFill>
-                <a:latin typeface="Consolas" panose="020B0609020204030204" pitchFamily="49" charset="0"/>
-              </a:rPr>
-              <a:t>WordCount</a:t>
-            </a:r>
-            <a:r>
-              <a:rPr lang="en-US" dirty="0">
-                <a:solidFill>
-                  <a:srgbClr val="D4D4D4"/>
-                </a:solidFill>
-                <a:latin typeface="Consolas" panose="020B0609020204030204" pitchFamily="49" charset="0"/>
-              </a:rPr>
-              <a:t>{}</a:t>
-            </a:r>
-          </a:p>
-          <a:p>
-            <a:pPr marL="114300" indent="0">
-              <a:buNone/>
-            </a:pPr>
-            <a:r>
-              <a:rPr lang="en-US" dirty="0">
-                <a:solidFill>
-                  <a:srgbClr val="D4D4D4"/>
-                </a:solidFill>
-                <a:latin typeface="Consolas" panose="020B0609020204030204" pitchFamily="49" charset="0"/>
-              </a:rPr>
-              <a:t>    </a:t>
-            </a:r>
-            <a:r>
-              <a:rPr lang="en-US" dirty="0">
-                <a:solidFill>
-                  <a:srgbClr val="9CDCFE"/>
-                </a:solidFill>
-                <a:latin typeface="Consolas" panose="020B0609020204030204" pitchFamily="49" charset="0"/>
-              </a:rPr>
-              <a:t>par</a:t>
-            </a:r>
-            <a:r>
-              <a:rPr lang="en-US" dirty="0">
-                <a:solidFill>
-                  <a:srgbClr val="D4D4D4"/>
-                </a:solidFill>
-                <a:latin typeface="Consolas" panose="020B0609020204030204" pitchFamily="49" charset="0"/>
-              </a:rPr>
-              <a:t> := </a:t>
-            </a:r>
-            <a:r>
-              <a:rPr lang="en-US" dirty="0" err="1">
-                <a:solidFill>
-                  <a:srgbClr val="D4D4D4"/>
-                </a:solidFill>
-                <a:latin typeface="Consolas" panose="020B0609020204030204" pitchFamily="49" charset="0"/>
-              </a:rPr>
-              <a:t>runtime.</a:t>
-            </a:r>
-            <a:r>
-              <a:rPr lang="en-US" dirty="0" err="1">
-                <a:solidFill>
-                  <a:srgbClr val="DCDCAA"/>
-                </a:solidFill>
-                <a:latin typeface="Consolas" panose="020B0609020204030204" pitchFamily="49" charset="0"/>
-              </a:rPr>
-              <a:t>NumCPU</a:t>
-            </a:r>
-            <a:r>
-              <a:rPr lang="en-US" dirty="0">
-                <a:solidFill>
-                  <a:srgbClr val="D4D4D4"/>
-                </a:solidFill>
-                <a:latin typeface="Consolas" panose="020B0609020204030204" pitchFamily="49" charset="0"/>
-              </a:rPr>
-              <a:t>()</a:t>
-            </a:r>
-          </a:p>
-          <a:p>
-            <a:pPr marL="114300" indent="0">
-              <a:buNone/>
-            </a:pPr>
-            <a:br>
-              <a:rPr lang="en-US" dirty="0">
-                <a:solidFill>
-                  <a:srgbClr val="D4D4D4"/>
-                </a:solidFill>
-                <a:latin typeface="Consolas" panose="020B0609020204030204" pitchFamily="49" charset="0"/>
-              </a:rPr>
-            </a:br>
-            <a:r>
-              <a:rPr lang="en-US" dirty="0">
-                <a:solidFill>
-                  <a:srgbClr val="D4D4D4"/>
-                </a:solidFill>
-                <a:latin typeface="Consolas" panose="020B0609020204030204" pitchFamily="49" charset="0"/>
-              </a:rPr>
-              <a:t>    </a:t>
-            </a:r>
-            <a:r>
-              <a:rPr lang="en-US" dirty="0">
-                <a:solidFill>
-                  <a:srgbClr val="9CDCFE"/>
-                </a:solidFill>
-                <a:latin typeface="Consolas" panose="020B0609020204030204" pitchFamily="49" charset="0"/>
-              </a:rPr>
-              <a:t>ins</a:t>
-            </a:r>
-            <a:r>
-              <a:rPr lang="en-US" dirty="0">
-                <a:solidFill>
-                  <a:srgbClr val="D4D4D4"/>
-                </a:solidFill>
-                <a:latin typeface="Consolas" panose="020B0609020204030204" pitchFamily="49" charset="0"/>
-              </a:rPr>
-              <a:t>, </a:t>
-            </a:r>
-            <a:r>
-              <a:rPr lang="en-US" dirty="0">
-                <a:solidFill>
-                  <a:srgbClr val="9CDCFE"/>
-                </a:solidFill>
-                <a:latin typeface="Consolas" panose="020B0609020204030204" pitchFamily="49" charset="0"/>
-              </a:rPr>
-              <a:t>out</a:t>
-            </a:r>
-            <a:r>
-              <a:rPr lang="en-US" dirty="0">
-                <a:solidFill>
-                  <a:srgbClr val="D4D4D4"/>
-                </a:solidFill>
-                <a:latin typeface="Consolas" panose="020B0609020204030204" pitchFamily="49" charset="0"/>
-              </a:rPr>
-              <a:t> := </a:t>
-            </a:r>
-            <a:r>
-              <a:rPr lang="en-US" dirty="0" err="1">
-                <a:solidFill>
-                  <a:srgbClr val="D4D4D4"/>
-                </a:solidFill>
-                <a:latin typeface="Consolas" panose="020B0609020204030204" pitchFamily="49" charset="0"/>
-              </a:rPr>
-              <a:t>gomr.</a:t>
-            </a:r>
-            <a:r>
-              <a:rPr lang="en-US" dirty="0" err="1">
-                <a:solidFill>
-                  <a:srgbClr val="DCDCAA"/>
-                </a:solidFill>
-                <a:latin typeface="Consolas" panose="020B0609020204030204" pitchFamily="49" charset="0"/>
-              </a:rPr>
-              <a:t>RunLocal</a:t>
-            </a:r>
-            <a:r>
-              <a:rPr lang="en-US" dirty="0">
-                <a:solidFill>
-                  <a:srgbClr val="D4D4D4"/>
-                </a:solidFill>
-                <a:latin typeface="Consolas" panose="020B0609020204030204" pitchFamily="49" charset="0"/>
-              </a:rPr>
-              <a:t>(par, par, </a:t>
-            </a:r>
-            <a:r>
-              <a:rPr lang="en-US" dirty="0" err="1">
-                <a:solidFill>
-                  <a:srgbClr val="D4D4D4"/>
-                </a:solidFill>
-                <a:latin typeface="Consolas" panose="020B0609020204030204" pitchFamily="49" charset="0"/>
-              </a:rPr>
-              <a:t>wc</a:t>
-            </a:r>
-            <a:r>
-              <a:rPr lang="en-US" dirty="0">
-                <a:solidFill>
-                  <a:srgbClr val="D4D4D4"/>
-                </a:solidFill>
-                <a:latin typeface="Consolas" panose="020B0609020204030204" pitchFamily="49" charset="0"/>
-              </a:rPr>
-              <a:t>)</a:t>
-            </a:r>
-          </a:p>
-          <a:p>
-            <a:pPr marL="114300" indent="0">
-              <a:buNone/>
-            </a:pPr>
-            <a:r>
-              <a:rPr lang="en-US" dirty="0">
-                <a:solidFill>
-                  <a:srgbClr val="D4D4D4"/>
-                </a:solidFill>
-                <a:latin typeface="Consolas" panose="020B0609020204030204" pitchFamily="49" charset="0"/>
-              </a:rPr>
-              <a:t>    </a:t>
-            </a:r>
-            <a:r>
-              <a:rPr lang="en-US" dirty="0" err="1">
-                <a:solidFill>
-                  <a:srgbClr val="D4D4D4"/>
-                </a:solidFill>
-                <a:latin typeface="Consolas" panose="020B0609020204030204" pitchFamily="49" charset="0"/>
-              </a:rPr>
-              <a:t>gomr.</a:t>
-            </a:r>
-            <a:r>
-              <a:rPr lang="en-US" dirty="0" err="1">
-                <a:solidFill>
-                  <a:srgbClr val="DCDCAA"/>
-                </a:solidFill>
-                <a:latin typeface="Consolas" panose="020B0609020204030204" pitchFamily="49" charset="0"/>
-              </a:rPr>
-              <a:t>TextFileParallel</a:t>
-            </a:r>
-            <a:r>
-              <a:rPr lang="en-US" dirty="0">
-                <a:solidFill>
-                  <a:srgbClr val="D4D4D4"/>
-                </a:solidFill>
-                <a:latin typeface="Consolas" panose="020B0609020204030204" pitchFamily="49" charset="0"/>
-              </a:rPr>
-              <a:t>(</a:t>
-            </a:r>
-            <a:r>
-              <a:rPr lang="en-US" dirty="0" err="1">
-                <a:solidFill>
-                  <a:srgbClr val="D4D4D4"/>
-                </a:solidFill>
-                <a:latin typeface="Consolas" panose="020B0609020204030204" pitchFamily="49" charset="0"/>
-              </a:rPr>
-              <a:t>os.Args</a:t>
-            </a:r>
-            <a:r>
-              <a:rPr lang="en-US" dirty="0">
-                <a:solidFill>
-                  <a:srgbClr val="D4D4D4"/>
-                </a:solidFill>
-                <a:latin typeface="Consolas" panose="020B0609020204030204" pitchFamily="49" charset="0"/>
-              </a:rPr>
-              <a:t>[</a:t>
-            </a:r>
-            <a:r>
-              <a:rPr lang="en-US" dirty="0">
-                <a:solidFill>
-                  <a:srgbClr val="B5CEA8"/>
-                </a:solidFill>
-                <a:latin typeface="Consolas" panose="020B0609020204030204" pitchFamily="49" charset="0"/>
-              </a:rPr>
-              <a:t>1</a:t>
-            </a:r>
-            <a:r>
-              <a:rPr lang="en-US" dirty="0">
-                <a:solidFill>
-                  <a:srgbClr val="D4D4D4"/>
-                </a:solidFill>
-                <a:latin typeface="Consolas" panose="020B0609020204030204" pitchFamily="49" charset="0"/>
-              </a:rPr>
-              <a:t>], ins)</a:t>
-            </a:r>
-          </a:p>
-          <a:p>
-            <a:pPr marL="114300" indent="0">
-              <a:buNone/>
-            </a:pPr>
-            <a:br>
-              <a:rPr lang="en-US" dirty="0">
-                <a:solidFill>
-                  <a:srgbClr val="D4D4D4"/>
-                </a:solidFill>
-                <a:latin typeface="Consolas" panose="020B0609020204030204" pitchFamily="49" charset="0"/>
-              </a:rPr>
-            </a:br>
-            <a:r>
-              <a:rPr lang="en-US" dirty="0">
-                <a:solidFill>
-                  <a:srgbClr val="D4D4D4"/>
-                </a:solidFill>
-                <a:latin typeface="Consolas" panose="020B0609020204030204" pitchFamily="49" charset="0"/>
-              </a:rPr>
-              <a:t>    </a:t>
-            </a:r>
-            <a:r>
-              <a:rPr lang="en-US" dirty="0">
-                <a:solidFill>
-                  <a:srgbClr val="C586C0"/>
-                </a:solidFill>
-                <a:latin typeface="Consolas" panose="020B0609020204030204" pitchFamily="49" charset="0"/>
-              </a:rPr>
-              <a:t>for</a:t>
-            </a:r>
-            <a:r>
-              <a:rPr lang="en-US" dirty="0">
-                <a:solidFill>
-                  <a:srgbClr val="D4D4D4"/>
-                </a:solidFill>
-                <a:latin typeface="Consolas" panose="020B0609020204030204" pitchFamily="49" charset="0"/>
-              </a:rPr>
-              <a:t> </a:t>
-            </a:r>
-            <a:r>
-              <a:rPr lang="en-US" dirty="0">
-                <a:solidFill>
-                  <a:srgbClr val="9CDCFE"/>
-                </a:solidFill>
-                <a:latin typeface="Consolas" panose="020B0609020204030204" pitchFamily="49" charset="0"/>
-              </a:rPr>
-              <a:t>count</a:t>
-            </a:r>
-            <a:r>
-              <a:rPr lang="en-US" dirty="0">
-                <a:solidFill>
-                  <a:srgbClr val="D4D4D4"/>
-                </a:solidFill>
-                <a:latin typeface="Consolas" panose="020B0609020204030204" pitchFamily="49" charset="0"/>
-              </a:rPr>
-              <a:t> := </a:t>
-            </a:r>
-            <a:r>
-              <a:rPr lang="en-US" dirty="0">
-                <a:solidFill>
-                  <a:srgbClr val="C586C0"/>
-                </a:solidFill>
-                <a:latin typeface="Consolas" panose="020B0609020204030204" pitchFamily="49" charset="0"/>
-              </a:rPr>
-              <a:t>range</a:t>
-            </a:r>
-            <a:r>
-              <a:rPr lang="en-US" dirty="0">
-                <a:solidFill>
-                  <a:srgbClr val="D4D4D4"/>
-                </a:solidFill>
-                <a:latin typeface="Consolas" panose="020B0609020204030204" pitchFamily="49" charset="0"/>
-              </a:rPr>
-              <a:t> out {</a:t>
-            </a:r>
-          </a:p>
-          <a:p>
-            <a:pPr marL="114300" indent="0">
-              <a:buNone/>
-            </a:pPr>
-            <a:r>
-              <a:rPr lang="en-US" dirty="0">
-                <a:solidFill>
-                  <a:srgbClr val="D4D4D4"/>
-                </a:solidFill>
-                <a:latin typeface="Consolas" panose="020B0609020204030204" pitchFamily="49" charset="0"/>
-              </a:rPr>
-              <a:t>        </a:t>
-            </a:r>
-            <a:r>
-              <a:rPr lang="en-US" dirty="0" err="1">
-                <a:solidFill>
-                  <a:srgbClr val="D4D4D4"/>
-                </a:solidFill>
-                <a:latin typeface="Consolas" panose="020B0609020204030204" pitchFamily="49" charset="0"/>
-              </a:rPr>
-              <a:t>fmt.</a:t>
-            </a:r>
-            <a:r>
-              <a:rPr lang="en-US" dirty="0" err="1">
-                <a:solidFill>
-                  <a:srgbClr val="DCDCAA"/>
-                </a:solidFill>
-                <a:latin typeface="Consolas" panose="020B0609020204030204" pitchFamily="49" charset="0"/>
-              </a:rPr>
-              <a:t>Println</a:t>
-            </a:r>
-            <a:r>
-              <a:rPr lang="en-US" dirty="0">
-                <a:solidFill>
-                  <a:srgbClr val="D4D4D4"/>
-                </a:solidFill>
-                <a:latin typeface="Consolas" panose="020B0609020204030204" pitchFamily="49" charset="0"/>
-              </a:rPr>
-              <a:t>(count)</a:t>
-            </a:r>
-          </a:p>
-          <a:p>
-            <a:pPr marL="114300" indent="0">
-              <a:buNone/>
-            </a:pPr>
-            <a:r>
-              <a:rPr lang="en-US" dirty="0">
-                <a:solidFill>
-                  <a:srgbClr val="D4D4D4"/>
-                </a:solidFill>
-                <a:latin typeface="Consolas" panose="020B0609020204030204" pitchFamily="49" charset="0"/>
-              </a:rPr>
-              <a:t>    }</a:t>
-            </a:r>
-          </a:p>
-          <a:p>
-            <a:pPr marL="114300" indent="0">
-              <a:buNone/>
-            </a:pPr>
-            <a:r>
-              <a:rPr lang="en-US" dirty="0">
-                <a:solidFill>
-                  <a:srgbClr val="D4D4D4"/>
-                </a:solidFill>
-                <a:latin typeface="Consolas" panose="020B0609020204030204" pitchFamily="49" charset="0"/>
-              </a:rPr>
-              <a:t>}</a:t>
-            </a:r>
-          </a:p>
-          <a:p>
-            <a:endParaRPr lang="en-US" dirty="0"/>
-          </a:p>
-        </p:txBody>
-      </p:sp>
-      <p:sp>
-        <p:nvSpPr>
-          <p:cNvPr id="4" name="Slide Number Placeholder 3">
-            <a:extLst>
-              <a:ext uri="{FF2B5EF4-FFF2-40B4-BE49-F238E27FC236}">
-                <a16:creationId xmlns:a16="http://schemas.microsoft.com/office/drawing/2014/main" id="{F011A6EA-1FBB-4DBB-9D73-9BF58BD25F83}"/>
-              </a:ext>
-            </a:extLst>
-          </p:cNvPr>
-          <p:cNvSpPr>
-            <a:spLocks noGrp="1"/>
-          </p:cNvSpPr>
-          <p:nvPr>
-            <p:ph type="sldNum" idx="12"/>
-          </p:nvPr>
-        </p:nvSpPr>
-        <p:spPr/>
-        <p:txBody>
-          <a:bodyPr/>
-          <a:lstStyle/>
-          <a:p>
-            <a:pPr marL="0" lvl="0" indent="0" algn="r" rtl="0">
-              <a:spcBef>
-                <a:spcPts val="0"/>
-              </a:spcBef>
-              <a:spcAft>
-                <a:spcPts val="0"/>
-              </a:spcAft>
-              <a:buNone/>
-            </a:pPr>
-            <a:fld id="{00000000-1234-1234-1234-123412341234}" type="slidenum">
-              <a:rPr lang="en" smtClean="0"/>
-              <a:t>58</a:t>
-            </a:fld>
-            <a:endParaRPr lang="en"/>
-          </a:p>
-        </p:txBody>
-      </p:sp>
-    </p:spTree>
-    <p:extLst>
-      <p:ext uri="{BB962C8B-B14F-4D97-AF65-F5344CB8AC3E}">
-        <p14:creationId xmlns:p14="http://schemas.microsoft.com/office/powerpoint/2010/main" val="1738839267"/>
       </p:ext>
     </p:extLst>
   </p:cSld>
@@ -51229,6 +52574,607 @@
     <p:extLst>
       <p:ext uri="{BB962C8B-B14F-4D97-AF65-F5344CB8AC3E}">
         <p14:creationId xmlns:p14="http://schemas.microsoft.com/office/powerpoint/2010/main" val="2216634890"/>
+      </p:ext>
+    </p:extLst>
+  </p:cSld>
+  <p:clrMapOvr>
+    <a:masterClrMapping/>
+  </p:clrMapOvr>
+</p:sld>
+</file>
+
+<file path=ppt/slides/slide60.xml><?xml version="1.0" encoding="utf-8"?>
+<p:sld xmlns:a="http://schemas.openxmlformats.org/drawingml/2006/main" xmlns:r="http://schemas.openxmlformats.org/officeDocument/2006/relationships" xmlns:p="http://schemas.openxmlformats.org/presentationml/2006/main">
+  <p:cSld>
+    <p:spTree>
+      <p:nvGrpSpPr>
+        <p:cNvPr id="1" name=""/>
+        <p:cNvGrpSpPr/>
+        <p:nvPr/>
+      </p:nvGrpSpPr>
+      <p:grpSpPr>
+        <a:xfrm>
+          <a:off x="0" y="0"/>
+          <a:ext cx="0" cy="0"/>
+          <a:chOff x="0" y="0"/>
+          <a:chExt cx="0" cy="0"/>
+        </a:xfrm>
+      </p:grpSpPr>
+      <p:sp>
+        <p:nvSpPr>
+          <p:cNvPr id="2" name="Title 1">
+            <a:extLst>
+              <a:ext uri="{FF2B5EF4-FFF2-40B4-BE49-F238E27FC236}">
+                <a16:creationId xmlns:a16="http://schemas.microsoft.com/office/drawing/2014/main" id="{AFFB69CB-DC06-451E-AE5E-61F0ABC46B65}"/>
+              </a:ext>
+            </a:extLst>
+          </p:cNvPr>
+          <p:cNvSpPr>
+            <a:spLocks noGrp="1"/>
+          </p:cNvSpPr>
+          <p:nvPr>
+            <p:ph type="title"/>
+          </p:nvPr>
+        </p:nvSpPr>
+        <p:spPr/>
+        <p:txBody>
+          <a:bodyPr/>
+          <a:lstStyle/>
+          <a:p>
+            <a:r>
+              <a:rPr lang="en-US" dirty="0"/>
+              <a:t>Wordcount - </a:t>
+            </a:r>
+            <a:r>
+              <a:rPr lang="en-US" dirty="0" err="1"/>
+              <a:t>GoMR</a:t>
+            </a:r>
+            <a:endParaRPr lang="en-US" dirty="0"/>
+          </a:p>
+        </p:txBody>
+      </p:sp>
+      <p:sp>
+        <p:nvSpPr>
+          <p:cNvPr id="3" name="Text Placeholder 2">
+            <a:extLst>
+              <a:ext uri="{FF2B5EF4-FFF2-40B4-BE49-F238E27FC236}">
+                <a16:creationId xmlns:a16="http://schemas.microsoft.com/office/drawing/2014/main" id="{46D62681-F736-4BC4-A930-3CDAEA2A68BC}"/>
+              </a:ext>
+            </a:extLst>
+          </p:cNvPr>
+          <p:cNvSpPr>
+            <a:spLocks noGrp="1"/>
+          </p:cNvSpPr>
+          <p:nvPr>
+            <p:ph type="body" idx="1"/>
+          </p:nvPr>
+        </p:nvSpPr>
+        <p:spPr/>
+        <p:txBody>
+          <a:bodyPr/>
+          <a:lstStyle/>
+          <a:p>
+            <a:pPr marL="114300" indent="0">
+              <a:buNone/>
+            </a:pPr>
+            <a:r>
+              <a:rPr lang="en-US" dirty="0" err="1">
+                <a:solidFill>
+                  <a:srgbClr val="569CD6"/>
+                </a:solidFill>
+                <a:latin typeface="Consolas" panose="020B0609020204030204" pitchFamily="49" charset="0"/>
+              </a:rPr>
+              <a:t>func</a:t>
+            </a:r>
+            <a:r>
+              <a:rPr lang="en-US" dirty="0">
+                <a:solidFill>
+                  <a:srgbClr val="D4D4D4"/>
+                </a:solidFill>
+                <a:latin typeface="Consolas" panose="020B0609020204030204" pitchFamily="49" charset="0"/>
+              </a:rPr>
+              <a:t> </a:t>
+            </a:r>
+            <a:r>
+              <a:rPr lang="en-US" dirty="0">
+                <a:solidFill>
+                  <a:srgbClr val="DCDCAA"/>
+                </a:solidFill>
+                <a:latin typeface="Consolas" panose="020B0609020204030204" pitchFamily="49" charset="0"/>
+              </a:rPr>
+              <a:t>main</a:t>
+            </a:r>
+            <a:r>
+              <a:rPr lang="en-US" dirty="0">
+                <a:solidFill>
+                  <a:srgbClr val="D4D4D4"/>
+                </a:solidFill>
+                <a:latin typeface="Consolas" panose="020B0609020204030204" pitchFamily="49" charset="0"/>
+              </a:rPr>
+              <a:t>() {</a:t>
+            </a:r>
+          </a:p>
+          <a:p>
+            <a:pPr marL="114300" indent="0">
+              <a:buNone/>
+            </a:pPr>
+            <a:r>
+              <a:rPr lang="en-US" dirty="0">
+                <a:solidFill>
+                  <a:srgbClr val="D4D4D4"/>
+                </a:solidFill>
+                <a:latin typeface="Consolas" panose="020B0609020204030204" pitchFamily="49" charset="0"/>
+              </a:rPr>
+              <a:t>    </a:t>
+            </a:r>
+            <a:r>
+              <a:rPr lang="en-US" dirty="0" err="1">
+                <a:solidFill>
+                  <a:srgbClr val="9CDCFE"/>
+                </a:solidFill>
+                <a:latin typeface="Consolas" panose="020B0609020204030204" pitchFamily="49" charset="0"/>
+              </a:rPr>
+              <a:t>wc</a:t>
+            </a:r>
+            <a:r>
+              <a:rPr lang="en-US" dirty="0">
+                <a:solidFill>
+                  <a:srgbClr val="D4D4D4"/>
+                </a:solidFill>
+                <a:latin typeface="Consolas" panose="020B0609020204030204" pitchFamily="49" charset="0"/>
+              </a:rPr>
+              <a:t> := &amp;</a:t>
+            </a:r>
+            <a:r>
+              <a:rPr lang="en-US" dirty="0" err="1">
+                <a:solidFill>
+                  <a:srgbClr val="D4D4D4"/>
+                </a:solidFill>
+                <a:latin typeface="Consolas" panose="020B0609020204030204" pitchFamily="49" charset="0"/>
+              </a:rPr>
+              <a:t>WordCount</a:t>
+            </a:r>
+            <a:r>
+              <a:rPr lang="en-US" dirty="0">
+                <a:solidFill>
+                  <a:srgbClr val="D4D4D4"/>
+                </a:solidFill>
+                <a:latin typeface="Consolas" panose="020B0609020204030204" pitchFamily="49" charset="0"/>
+              </a:rPr>
+              <a:t>{}</a:t>
+            </a:r>
+          </a:p>
+          <a:p>
+            <a:pPr marL="114300" indent="0">
+              <a:buNone/>
+            </a:pPr>
+            <a:r>
+              <a:rPr lang="en-US" dirty="0">
+                <a:solidFill>
+                  <a:srgbClr val="D4D4D4"/>
+                </a:solidFill>
+                <a:latin typeface="Consolas" panose="020B0609020204030204" pitchFamily="49" charset="0"/>
+              </a:rPr>
+              <a:t>    </a:t>
+            </a:r>
+            <a:r>
+              <a:rPr lang="en-US" dirty="0">
+                <a:solidFill>
+                  <a:srgbClr val="9CDCFE"/>
+                </a:solidFill>
+                <a:latin typeface="Consolas" panose="020B0609020204030204" pitchFamily="49" charset="0"/>
+              </a:rPr>
+              <a:t>par</a:t>
+            </a:r>
+            <a:r>
+              <a:rPr lang="en-US" dirty="0">
+                <a:solidFill>
+                  <a:srgbClr val="D4D4D4"/>
+                </a:solidFill>
+                <a:latin typeface="Consolas" panose="020B0609020204030204" pitchFamily="49" charset="0"/>
+              </a:rPr>
+              <a:t> := </a:t>
+            </a:r>
+            <a:r>
+              <a:rPr lang="en-US" dirty="0" err="1">
+                <a:solidFill>
+                  <a:srgbClr val="D4D4D4"/>
+                </a:solidFill>
+                <a:latin typeface="Consolas" panose="020B0609020204030204" pitchFamily="49" charset="0"/>
+              </a:rPr>
+              <a:t>runtime.</a:t>
+            </a:r>
+            <a:r>
+              <a:rPr lang="en-US" dirty="0" err="1">
+                <a:solidFill>
+                  <a:srgbClr val="DCDCAA"/>
+                </a:solidFill>
+                <a:latin typeface="Consolas" panose="020B0609020204030204" pitchFamily="49" charset="0"/>
+              </a:rPr>
+              <a:t>NumCPU</a:t>
+            </a:r>
+            <a:r>
+              <a:rPr lang="en-US" dirty="0">
+                <a:solidFill>
+                  <a:srgbClr val="D4D4D4"/>
+                </a:solidFill>
+                <a:latin typeface="Consolas" panose="020B0609020204030204" pitchFamily="49" charset="0"/>
+              </a:rPr>
+              <a:t>()</a:t>
+            </a:r>
+          </a:p>
+          <a:p>
+            <a:pPr marL="114300" indent="0">
+              <a:buNone/>
+            </a:pPr>
+            <a:br>
+              <a:rPr lang="en-US" dirty="0">
+                <a:solidFill>
+                  <a:srgbClr val="D4D4D4"/>
+                </a:solidFill>
+                <a:latin typeface="Consolas" panose="020B0609020204030204" pitchFamily="49" charset="0"/>
+              </a:rPr>
+            </a:br>
+            <a:r>
+              <a:rPr lang="en-US" dirty="0">
+                <a:solidFill>
+                  <a:srgbClr val="D4D4D4"/>
+                </a:solidFill>
+                <a:latin typeface="Consolas" panose="020B0609020204030204" pitchFamily="49" charset="0"/>
+              </a:rPr>
+              <a:t>    </a:t>
+            </a:r>
+            <a:r>
+              <a:rPr lang="en-US" dirty="0">
+                <a:solidFill>
+                  <a:srgbClr val="9CDCFE"/>
+                </a:solidFill>
+                <a:latin typeface="Consolas" panose="020B0609020204030204" pitchFamily="49" charset="0"/>
+              </a:rPr>
+              <a:t>ins</a:t>
+            </a:r>
+            <a:r>
+              <a:rPr lang="en-US" dirty="0">
+                <a:solidFill>
+                  <a:srgbClr val="D4D4D4"/>
+                </a:solidFill>
+                <a:latin typeface="Consolas" panose="020B0609020204030204" pitchFamily="49" charset="0"/>
+              </a:rPr>
+              <a:t>, </a:t>
+            </a:r>
+            <a:r>
+              <a:rPr lang="en-US" dirty="0">
+                <a:solidFill>
+                  <a:srgbClr val="9CDCFE"/>
+                </a:solidFill>
+                <a:latin typeface="Consolas" panose="020B0609020204030204" pitchFamily="49" charset="0"/>
+              </a:rPr>
+              <a:t>out</a:t>
+            </a:r>
+            <a:r>
+              <a:rPr lang="en-US" dirty="0">
+                <a:solidFill>
+                  <a:srgbClr val="D4D4D4"/>
+                </a:solidFill>
+                <a:latin typeface="Consolas" panose="020B0609020204030204" pitchFamily="49" charset="0"/>
+              </a:rPr>
+              <a:t> := </a:t>
+            </a:r>
+            <a:r>
+              <a:rPr lang="en-US" dirty="0" err="1">
+                <a:solidFill>
+                  <a:srgbClr val="D4D4D4"/>
+                </a:solidFill>
+                <a:latin typeface="Consolas" panose="020B0609020204030204" pitchFamily="49" charset="0"/>
+              </a:rPr>
+              <a:t>gomr.</a:t>
+            </a:r>
+            <a:r>
+              <a:rPr lang="en-US" dirty="0" err="1">
+                <a:solidFill>
+                  <a:srgbClr val="DCDCAA"/>
+                </a:solidFill>
+                <a:latin typeface="Consolas" panose="020B0609020204030204" pitchFamily="49" charset="0"/>
+              </a:rPr>
+              <a:t>RunLocal</a:t>
+            </a:r>
+            <a:r>
+              <a:rPr lang="en-US" dirty="0">
+                <a:solidFill>
+                  <a:srgbClr val="D4D4D4"/>
+                </a:solidFill>
+                <a:latin typeface="Consolas" panose="020B0609020204030204" pitchFamily="49" charset="0"/>
+              </a:rPr>
+              <a:t>(par, par, </a:t>
+            </a:r>
+            <a:r>
+              <a:rPr lang="en-US" dirty="0" err="1">
+                <a:solidFill>
+                  <a:srgbClr val="D4D4D4"/>
+                </a:solidFill>
+                <a:latin typeface="Consolas" panose="020B0609020204030204" pitchFamily="49" charset="0"/>
+              </a:rPr>
+              <a:t>wc</a:t>
+            </a:r>
+            <a:r>
+              <a:rPr lang="en-US" dirty="0">
+                <a:solidFill>
+                  <a:srgbClr val="D4D4D4"/>
+                </a:solidFill>
+                <a:latin typeface="Consolas" panose="020B0609020204030204" pitchFamily="49" charset="0"/>
+              </a:rPr>
+              <a:t>)</a:t>
+            </a:r>
+          </a:p>
+          <a:p>
+            <a:pPr marL="114300" indent="0">
+              <a:buNone/>
+            </a:pPr>
+            <a:r>
+              <a:rPr lang="en-US" dirty="0">
+                <a:solidFill>
+                  <a:srgbClr val="D4D4D4"/>
+                </a:solidFill>
+                <a:latin typeface="Consolas" panose="020B0609020204030204" pitchFamily="49" charset="0"/>
+              </a:rPr>
+              <a:t>    </a:t>
+            </a:r>
+            <a:r>
+              <a:rPr lang="en-US" dirty="0" err="1">
+                <a:solidFill>
+                  <a:srgbClr val="D4D4D4"/>
+                </a:solidFill>
+                <a:latin typeface="Consolas" panose="020B0609020204030204" pitchFamily="49" charset="0"/>
+              </a:rPr>
+              <a:t>gomr.</a:t>
+            </a:r>
+            <a:r>
+              <a:rPr lang="en-US" dirty="0" err="1">
+                <a:solidFill>
+                  <a:srgbClr val="DCDCAA"/>
+                </a:solidFill>
+                <a:latin typeface="Consolas" panose="020B0609020204030204" pitchFamily="49" charset="0"/>
+              </a:rPr>
+              <a:t>TextFileParallel</a:t>
+            </a:r>
+            <a:r>
+              <a:rPr lang="en-US" dirty="0">
+                <a:solidFill>
+                  <a:srgbClr val="D4D4D4"/>
+                </a:solidFill>
+                <a:latin typeface="Consolas" panose="020B0609020204030204" pitchFamily="49" charset="0"/>
+              </a:rPr>
+              <a:t>(</a:t>
+            </a:r>
+            <a:r>
+              <a:rPr lang="en-US" dirty="0" err="1">
+                <a:solidFill>
+                  <a:srgbClr val="D4D4D4"/>
+                </a:solidFill>
+                <a:latin typeface="Consolas" panose="020B0609020204030204" pitchFamily="49" charset="0"/>
+              </a:rPr>
+              <a:t>os.Args</a:t>
+            </a:r>
+            <a:r>
+              <a:rPr lang="en-US" dirty="0">
+                <a:solidFill>
+                  <a:srgbClr val="D4D4D4"/>
+                </a:solidFill>
+                <a:latin typeface="Consolas" panose="020B0609020204030204" pitchFamily="49" charset="0"/>
+              </a:rPr>
+              <a:t>[</a:t>
+            </a:r>
+            <a:r>
+              <a:rPr lang="en-US" dirty="0">
+                <a:solidFill>
+                  <a:srgbClr val="B5CEA8"/>
+                </a:solidFill>
+                <a:latin typeface="Consolas" panose="020B0609020204030204" pitchFamily="49" charset="0"/>
+              </a:rPr>
+              <a:t>1</a:t>
+            </a:r>
+            <a:r>
+              <a:rPr lang="en-US" dirty="0">
+                <a:solidFill>
+                  <a:srgbClr val="D4D4D4"/>
+                </a:solidFill>
+                <a:latin typeface="Consolas" panose="020B0609020204030204" pitchFamily="49" charset="0"/>
+              </a:rPr>
+              <a:t>], ins)</a:t>
+            </a:r>
+          </a:p>
+          <a:p>
+            <a:pPr marL="114300" indent="0">
+              <a:buNone/>
+            </a:pPr>
+            <a:br>
+              <a:rPr lang="en-US" dirty="0">
+                <a:solidFill>
+                  <a:srgbClr val="D4D4D4"/>
+                </a:solidFill>
+                <a:latin typeface="Consolas" panose="020B0609020204030204" pitchFamily="49" charset="0"/>
+              </a:rPr>
+            </a:br>
+            <a:r>
+              <a:rPr lang="en-US" dirty="0">
+                <a:solidFill>
+                  <a:srgbClr val="D4D4D4"/>
+                </a:solidFill>
+                <a:latin typeface="Consolas" panose="020B0609020204030204" pitchFamily="49" charset="0"/>
+              </a:rPr>
+              <a:t>    </a:t>
+            </a:r>
+            <a:r>
+              <a:rPr lang="en-US" dirty="0">
+                <a:solidFill>
+                  <a:srgbClr val="C586C0"/>
+                </a:solidFill>
+                <a:latin typeface="Consolas" panose="020B0609020204030204" pitchFamily="49" charset="0"/>
+              </a:rPr>
+              <a:t>for</a:t>
+            </a:r>
+            <a:r>
+              <a:rPr lang="en-US" dirty="0">
+                <a:solidFill>
+                  <a:srgbClr val="D4D4D4"/>
+                </a:solidFill>
+                <a:latin typeface="Consolas" panose="020B0609020204030204" pitchFamily="49" charset="0"/>
+              </a:rPr>
+              <a:t> </a:t>
+            </a:r>
+            <a:r>
+              <a:rPr lang="en-US" dirty="0">
+                <a:solidFill>
+                  <a:srgbClr val="9CDCFE"/>
+                </a:solidFill>
+                <a:latin typeface="Consolas" panose="020B0609020204030204" pitchFamily="49" charset="0"/>
+              </a:rPr>
+              <a:t>count</a:t>
+            </a:r>
+            <a:r>
+              <a:rPr lang="en-US" dirty="0">
+                <a:solidFill>
+                  <a:srgbClr val="D4D4D4"/>
+                </a:solidFill>
+                <a:latin typeface="Consolas" panose="020B0609020204030204" pitchFamily="49" charset="0"/>
+              </a:rPr>
+              <a:t> := </a:t>
+            </a:r>
+            <a:r>
+              <a:rPr lang="en-US" dirty="0">
+                <a:solidFill>
+                  <a:srgbClr val="C586C0"/>
+                </a:solidFill>
+                <a:latin typeface="Consolas" panose="020B0609020204030204" pitchFamily="49" charset="0"/>
+              </a:rPr>
+              <a:t>range</a:t>
+            </a:r>
+            <a:r>
+              <a:rPr lang="en-US" dirty="0">
+                <a:solidFill>
+                  <a:srgbClr val="D4D4D4"/>
+                </a:solidFill>
+                <a:latin typeface="Consolas" panose="020B0609020204030204" pitchFamily="49" charset="0"/>
+              </a:rPr>
+              <a:t> out {</a:t>
+            </a:r>
+          </a:p>
+          <a:p>
+            <a:pPr marL="114300" indent="0">
+              <a:buNone/>
+            </a:pPr>
+            <a:r>
+              <a:rPr lang="en-US" dirty="0">
+                <a:solidFill>
+                  <a:srgbClr val="D4D4D4"/>
+                </a:solidFill>
+                <a:latin typeface="Consolas" panose="020B0609020204030204" pitchFamily="49" charset="0"/>
+              </a:rPr>
+              <a:t>        </a:t>
+            </a:r>
+            <a:r>
+              <a:rPr lang="en-US" dirty="0" err="1">
+                <a:solidFill>
+                  <a:srgbClr val="D4D4D4"/>
+                </a:solidFill>
+                <a:latin typeface="Consolas" panose="020B0609020204030204" pitchFamily="49" charset="0"/>
+              </a:rPr>
+              <a:t>fmt.</a:t>
+            </a:r>
+            <a:r>
+              <a:rPr lang="en-US" dirty="0" err="1">
+                <a:solidFill>
+                  <a:srgbClr val="DCDCAA"/>
+                </a:solidFill>
+                <a:latin typeface="Consolas" panose="020B0609020204030204" pitchFamily="49" charset="0"/>
+              </a:rPr>
+              <a:t>Println</a:t>
+            </a:r>
+            <a:r>
+              <a:rPr lang="en-US" dirty="0">
+                <a:solidFill>
+                  <a:srgbClr val="D4D4D4"/>
+                </a:solidFill>
+                <a:latin typeface="Consolas" panose="020B0609020204030204" pitchFamily="49" charset="0"/>
+              </a:rPr>
+              <a:t>(count)</a:t>
+            </a:r>
+          </a:p>
+          <a:p>
+            <a:pPr marL="114300" indent="0">
+              <a:buNone/>
+            </a:pPr>
+            <a:r>
+              <a:rPr lang="en-US" dirty="0">
+                <a:solidFill>
+                  <a:srgbClr val="D4D4D4"/>
+                </a:solidFill>
+                <a:latin typeface="Consolas" panose="020B0609020204030204" pitchFamily="49" charset="0"/>
+              </a:rPr>
+              <a:t>    }</a:t>
+            </a:r>
+          </a:p>
+          <a:p>
+            <a:pPr marL="114300" indent="0">
+              <a:buNone/>
+            </a:pPr>
+            <a:r>
+              <a:rPr lang="en-US" dirty="0">
+                <a:solidFill>
+                  <a:srgbClr val="D4D4D4"/>
+                </a:solidFill>
+                <a:latin typeface="Consolas" panose="020B0609020204030204" pitchFamily="49" charset="0"/>
+              </a:rPr>
+              <a:t>}</a:t>
+            </a:r>
+          </a:p>
+          <a:p>
+            <a:endParaRPr lang="en-US" dirty="0"/>
+          </a:p>
+        </p:txBody>
+      </p:sp>
+      <p:sp>
+        <p:nvSpPr>
+          <p:cNvPr id="4" name="Slide Number Placeholder 3">
+            <a:extLst>
+              <a:ext uri="{FF2B5EF4-FFF2-40B4-BE49-F238E27FC236}">
+                <a16:creationId xmlns:a16="http://schemas.microsoft.com/office/drawing/2014/main" id="{F011A6EA-1FBB-4DBB-9D73-9BF58BD25F83}"/>
+              </a:ext>
+            </a:extLst>
+          </p:cNvPr>
+          <p:cNvSpPr>
+            <a:spLocks noGrp="1"/>
+          </p:cNvSpPr>
+          <p:nvPr>
+            <p:ph type="sldNum" idx="12"/>
+          </p:nvPr>
+        </p:nvSpPr>
+        <p:spPr/>
+        <p:txBody>
+          <a:bodyPr/>
+          <a:lstStyle/>
+          <a:p>
+            <a:pPr marL="0" lvl="0" indent="0" algn="r" rtl="0">
+              <a:spcBef>
+                <a:spcPts val="0"/>
+              </a:spcBef>
+              <a:spcAft>
+                <a:spcPts val="0"/>
+              </a:spcAft>
+              <a:buNone/>
+            </a:pPr>
+            <a:fld id="{00000000-1234-1234-1234-123412341234}" type="slidenum">
+              <a:rPr lang="en" smtClean="0"/>
+              <a:t>60</a:t>
+            </a:fld>
+            <a:endParaRPr lang="en"/>
+          </a:p>
+        </p:txBody>
+      </p:sp>
+    </p:spTree>
+    <p:extLst>
+      <p:ext uri="{BB962C8B-B14F-4D97-AF65-F5344CB8AC3E}">
+        <p14:creationId xmlns:p14="http://schemas.microsoft.com/office/powerpoint/2010/main" val="1738839267"/>
       </p:ext>
     </p:extLst>
   </p:cSld>

--- a/files/GoMR/slides-distributed.pptx
+++ b/files/GoMR/slides-distributed.pptx
@@ -93,14 +93,14 @@
       <p:boldItalic r:id="rId70"/>
     </p:embeddedFont>
     <p:embeddedFont>
-      <p:font typeface="Go" panose="020B0604020202020204" charset="0"/>
+      <p:font typeface="Go" panose="020B0600000000000000" pitchFamily="34" charset="0"/>
       <p:regular r:id="rId71"/>
       <p:bold r:id="rId72"/>
       <p:italic r:id="rId73"/>
       <p:boldItalic r:id="rId74"/>
     </p:embeddedFont>
     <p:embeddedFont>
-      <p:font typeface="Go Medium" panose="020B0604020202020204" charset="0"/>
+      <p:font typeface="Go Medium" pitchFamily="2" charset="0"/>
       <p:regular r:id="rId75"/>
       <p:italic r:id="rId76"/>
     </p:embeddedFont>
@@ -46638,8 +46638,8 @@
         </p:nvCxnSpPr>
         <p:spPr>
           <a:xfrm flipV="1">
-            <a:off x="2410656" y="3164708"/>
-            <a:ext cx="419090" cy="798324"/>
+            <a:off x="2495687" y="3164708"/>
+            <a:ext cx="334059" cy="781442"/>
           </a:xfrm>
           <a:prstGeom prst="straightConnector1">
             <a:avLst/>
